--- a/07_Bonus/PV239-Xamarin-07_Bonus.pptx
+++ b/07_Bonus/PV239-Xamarin-07_Bonus.pptx
@@ -5,7 +5,7 @@
     <p:sldMasterId id="2147483700" r:id="rId1"/>
   </p:sldMasterIdLst>
   <p:notesMasterIdLst>
-    <p:notesMasterId r:id="rId20"/>
+    <p:notesMasterId r:id="rId23"/>
   </p:notesMasterIdLst>
   <p:sldIdLst>
     <p:sldId id="256" r:id="rId2"/>
@@ -21,11 +21,14 @@
     <p:sldId id="422" r:id="rId12"/>
     <p:sldId id="420" r:id="rId13"/>
     <p:sldId id="423" r:id="rId14"/>
-    <p:sldId id="415" r:id="rId15"/>
-    <p:sldId id="410" r:id="rId16"/>
-    <p:sldId id="416" r:id="rId17"/>
-    <p:sldId id="417" r:id="rId18"/>
-    <p:sldId id="412" r:id="rId19"/>
+    <p:sldId id="425" r:id="rId15"/>
+    <p:sldId id="426" r:id="rId16"/>
+    <p:sldId id="427" r:id="rId17"/>
+    <p:sldId id="415" r:id="rId18"/>
+    <p:sldId id="410" r:id="rId19"/>
+    <p:sldId id="416" r:id="rId20"/>
+    <p:sldId id="417" r:id="rId21"/>
+    <p:sldId id="412" r:id="rId22"/>
   </p:sldIdLst>
   <p:sldSz cx="12192000" cy="6858000"/>
   <p:notesSz cx="6858000" cy="9144000"/>
@@ -152,6 +155,13 @@
             <p14:sldId id="423"/>
           </p14:sldIdLst>
         </p14:section>
+        <p14:section name="State Views" id="{9119411F-04F7-42D5-8F70-C12C2C86AD45}">
+          <p14:sldIdLst>
+            <p14:sldId id="425"/>
+            <p14:sldId id="426"/>
+            <p14:sldId id="427"/>
+          </p14:sldIdLst>
+        </p14:section>
         <p14:section name="Konfigurace" id="{19174900-4C75-46C2-B680-2BA014141A8F}">
           <p14:sldIdLst>
             <p14:sldId id="415"/>
@@ -5021,6 +5031,813 @@
 </file>
 
 <file path=ppt/diagrams/colors7.xml><?xml version="1.0" encoding="utf-8"?>
+<dgm:colorsDef xmlns:dgm="http://schemas.openxmlformats.org/drawingml/2006/diagram" xmlns:a="http://schemas.openxmlformats.org/drawingml/2006/main" uniqueId="urn:microsoft.com/office/officeart/2005/8/colors/accent0_2">
+  <dgm:title val=""/>
+  <dgm:desc val=""/>
+  <dgm:catLst>
+    <dgm:cat type="mainScheme" pri="10200"/>
+  </dgm:catLst>
+  <dgm:styleLbl name="node0">
+    <dgm:fillClrLst meth="repeat">
+      <a:schemeClr val="lt1"/>
+    </dgm:fillClrLst>
+    <dgm:linClrLst meth="repeat">
+      <a:schemeClr val="dk2">
+        <a:shade val="80000"/>
+      </a:schemeClr>
+    </dgm:linClrLst>
+    <dgm:effectClrLst/>
+    <dgm:txLinClrLst/>
+    <dgm:txFillClrLst meth="repeat">
+      <a:schemeClr val="dk2"/>
+    </dgm:txFillClrLst>
+    <dgm:txEffectClrLst/>
+  </dgm:styleLbl>
+  <dgm:styleLbl name="node1">
+    <dgm:fillClrLst meth="repeat">
+      <a:schemeClr val="lt1"/>
+    </dgm:fillClrLst>
+    <dgm:linClrLst meth="repeat">
+      <a:schemeClr val="dk2">
+        <a:shade val="80000"/>
+      </a:schemeClr>
+    </dgm:linClrLst>
+    <dgm:effectClrLst/>
+    <dgm:txLinClrLst/>
+    <dgm:txFillClrLst meth="repeat">
+      <a:schemeClr val="dk2"/>
+    </dgm:txFillClrLst>
+    <dgm:txEffectClrLst/>
+  </dgm:styleLbl>
+  <dgm:styleLbl name="alignNode1">
+    <dgm:fillClrLst meth="repeat">
+      <a:schemeClr val="lt1"/>
+    </dgm:fillClrLst>
+    <dgm:linClrLst meth="repeat">
+      <a:schemeClr val="dk2">
+        <a:shade val="80000"/>
+      </a:schemeClr>
+    </dgm:linClrLst>
+    <dgm:effectClrLst/>
+    <dgm:txLinClrLst/>
+    <dgm:txFillClrLst meth="repeat">
+      <a:schemeClr val="dk2"/>
+    </dgm:txFillClrLst>
+    <dgm:txEffectClrLst/>
+  </dgm:styleLbl>
+  <dgm:styleLbl name="lnNode1">
+    <dgm:fillClrLst meth="repeat">
+      <a:schemeClr val="lt1"/>
+    </dgm:fillClrLst>
+    <dgm:linClrLst meth="repeat">
+      <a:schemeClr val="dk2">
+        <a:shade val="80000"/>
+      </a:schemeClr>
+    </dgm:linClrLst>
+    <dgm:effectClrLst/>
+    <dgm:txLinClrLst/>
+    <dgm:txFillClrLst meth="repeat">
+      <a:schemeClr val="dk2"/>
+    </dgm:txFillClrLst>
+    <dgm:txEffectClrLst/>
+  </dgm:styleLbl>
+  <dgm:styleLbl name="vennNode1">
+    <dgm:fillClrLst meth="repeat">
+      <a:schemeClr val="lt1">
+        <a:alpha val="50000"/>
+      </a:schemeClr>
+    </dgm:fillClrLst>
+    <dgm:linClrLst meth="repeat">
+      <a:schemeClr val="dk2">
+        <a:shade val="80000"/>
+      </a:schemeClr>
+    </dgm:linClrLst>
+    <dgm:effectClrLst/>
+    <dgm:txLinClrLst/>
+    <dgm:txFillClrLst/>
+    <dgm:txEffectClrLst/>
+  </dgm:styleLbl>
+  <dgm:styleLbl name="node2">
+    <dgm:fillClrLst meth="repeat">
+      <a:schemeClr val="lt1"/>
+    </dgm:fillClrLst>
+    <dgm:linClrLst meth="repeat">
+      <a:schemeClr val="dk2">
+        <a:shade val="80000"/>
+      </a:schemeClr>
+    </dgm:linClrLst>
+    <dgm:effectClrLst/>
+    <dgm:txLinClrLst/>
+    <dgm:txFillClrLst meth="repeat">
+      <a:schemeClr val="dk2"/>
+    </dgm:txFillClrLst>
+    <dgm:txEffectClrLst/>
+  </dgm:styleLbl>
+  <dgm:styleLbl name="node3">
+    <dgm:fillClrLst meth="repeat">
+      <a:schemeClr val="lt1"/>
+    </dgm:fillClrLst>
+    <dgm:linClrLst meth="repeat">
+      <a:schemeClr val="dk2">
+        <a:shade val="80000"/>
+      </a:schemeClr>
+    </dgm:linClrLst>
+    <dgm:effectClrLst/>
+    <dgm:txLinClrLst/>
+    <dgm:txFillClrLst meth="repeat">
+      <a:schemeClr val="dk2"/>
+    </dgm:txFillClrLst>
+    <dgm:txEffectClrLst/>
+  </dgm:styleLbl>
+  <dgm:styleLbl name="node4">
+    <dgm:fillClrLst meth="repeat">
+      <a:schemeClr val="lt1"/>
+    </dgm:fillClrLst>
+    <dgm:linClrLst meth="repeat">
+      <a:schemeClr val="dk2">
+        <a:shade val="80000"/>
+      </a:schemeClr>
+    </dgm:linClrLst>
+    <dgm:effectClrLst/>
+    <dgm:txLinClrLst/>
+    <dgm:txFillClrLst meth="repeat">
+      <a:schemeClr val="dk2"/>
+    </dgm:txFillClrLst>
+    <dgm:txEffectClrLst/>
+  </dgm:styleLbl>
+  <dgm:styleLbl name="fgImgPlace1">
+    <dgm:fillClrLst meth="repeat">
+      <a:schemeClr val="dk2">
+        <a:tint val="40000"/>
+      </a:schemeClr>
+    </dgm:fillClrLst>
+    <dgm:linClrLst meth="repeat">
+      <a:schemeClr val="dk2">
+        <a:shade val="80000"/>
+      </a:schemeClr>
+    </dgm:linClrLst>
+    <dgm:effectClrLst/>
+    <dgm:txLinClrLst/>
+    <dgm:txFillClrLst meth="repeat">
+      <a:schemeClr val="lt1"/>
+    </dgm:txFillClrLst>
+    <dgm:txEffectClrLst/>
+  </dgm:styleLbl>
+  <dgm:styleLbl name="alignImgPlace1">
+    <dgm:fillClrLst meth="repeat">
+      <a:schemeClr val="dk2">
+        <a:tint val="40000"/>
+      </a:schemeClr>
+    </dgm:fillClrLst>
+    <dgm:linClrLst meth="repeat">
+      <a:schemeClr val="dk2">
+        <a:shade val="80000"/>
+      </a:schemeClr>
+    </dgm:linClrLst>
+    <dgm:effectClrLst/>
+    <dgm:txLinClrLst/>
+    <dgm:txFillClrLst meth="repeat">
+      <a:schemeClr val="lt1"/>
+    </dgm:txFillClrLst>
+    <dgm:txEffectClrLst/>
+  </dgm:styleLbl>
+  <dgm:styleLbl name="bgImgPlace1">
+    <dgm:fillClrLst meth="repeat">
+      <a:schemeClr val="dk2">
+        <a:tint val="40000"/>
+      </a:schemeClr>
+    </dgm:fillClrLst>
+    <dgm:linClrLst meth="repeat">
+      <a:schemeClr val="dk2">
+        <a:shade val="80000"/>
+      </a:schemeClr>
+    </dgm:linClrLst>
+    <dgm:effectClrLst/>
+    <dgm:txLinClrLst/>
+    <dgm:txFillClrLst meth="repeat">
+      <a:schemeClr val="lt1"/>
+    </dgm:txFillClrLst>
+    <dgm:txEffectClrLst/>
+  </dgm:styleLbl>
+  <dgm:styleLbl name="sibTrans2D1">
+    <dgm:fillClrLst meth="repeat">
+      <a:schemeClr val="dk2">
+        <a:tint val="60000"/>
+      </a:schemeClr>
+    </dgm:fillClrLst>
+    <dgm:linClrLst meth="repeat">
+      <a:schemeClr val="dk2">
+        <a:tint val="60000"/>
+      </a:schemeClr>
+    </dgm:linClrLst>
+    <dgm:effectClrLst/>
+    <dgm:txLinClrLst/>
+    <dgm:txFillClrLst meth="repeat">
+      <a:schemeClr val="dk2"/>
+    </dgm:txFillClrLst>
+    <dgm:txEffectClrLst/>
+  </dgm:styleLbl>
+  <dgm:styleLbl name="fgSibTrans2D1">
+    <dgm:fillClrLst meth="repeat">
+      <a:schemeClr val="dk2">
+        <a:tint val="60000"/>
+      </a:schemeClr>
+    </dgm:fillClrLst>
+    <dgm:linClrLst meth="repeat">
+      <a:schemeClr val="dk2">
+        <a:tint val="60000"/>
+      </a:schemeClr>
+    </dgm:linClrLst>
+    <dgm:effectClrLst/>
+    <dgm:txLinClrLst/>
+    <dgm:txFillClrLst meth="repeat">
+      <a:schemeClr val="dk2"/>
+    </dgm:txFillClrLst>
+    <dgm:txEffectClrLst/>
+  </dgm:styleLbl>
+  <dgm:styleLbl name="bgSibTrans2D1">
+    <dgm:fillClrLst meth="repeat">
+      <a:schemeClr val="dk2">
+        <a:tint val="60000"/>
+      </a:schemeClr>
+    </dgm:fillClrLst>
+    <dgm:linClrLst meth="repeat">
+      <a:schemeClr val="dk2">
+        <a:tint val="60000"/>
+      </a:schemeClr>
+    </dgm:linClrLst>
+    <dgm:effectClrLst/>
+    <dgm:txLinClrLst/>
+    <dgm:txFillClrLst meth="repeat">
+      <a:schemeClr val="dk2"/>
+    </dgm:txFillClrLst>
+    <dgm:txEffectClrLst/>
+  </dgm:styleLbl>
+  <dgm:styleLbl name="sibTrans1D1">
+    <dgm:fillClrLst meth="repeat">
+      <a:schemeClr val="dk2"/>
+    </dgm:fillClrLst>
+    <dgm:linClrLst meth="repeat">
+      <a:schemeClr val="dk2"/>
+    </dgm:linClrLst>
+    <dgm:effectClrLst/>
+    <dgm:txLinClrLst/>
+    <dgm:txFillClrLst meth="repeat">
+      <a:schemeClr val="tx1"/>
+    </dgm:txFillClrLst>
+    <dgm:txEffectClrLst/>
+  </dgm:styleLbl>
+  <dgm:styleLbl name="callout">
+    <dgm:fillClrLst meth="repeat">
+      <a:schemeClr val="dk2"/>
+    </dgm:fillClrLst>
+    <dgm:linClrLst meth="repeat">
+      <a:schemeClr val="dk2"/>
+    </dgm:linClrLst>
+    <dgm:effectClrLst/>
+    <dgm:txLinClrLst/>
+    <dgm:txFillClrLst meth="repeat">
+      <a:schemeClr val="tx1"/>
+    </dgm:txFillClrLst>
+    <dgm:txEffectClrLst/>
+  </dgm:styleLbl>
+  <dgm:styleLbl name="asst0">
+    <dgm:fillClrLst meth="repeat">
+      <a:schemeClr val="lt1"/>
+    </dgm:fillClrLst>
+    <dgm:linClrLst meth="repeat">
+      <a:schemeClr val="dk2">
+        <a:shade val="80000"/>
+      </a:schemeClr>
+    </dgm:linClrLst>
+    <dgm:effectClrLst/>
+    <dgm:txLinClrLst/>
+    <dgm:txFillClrLst meth="repeat">
+      <a:schemeClr val="dk2"/>
+    </dgm:txFillClrLst>
+    <dgm:txEffectClrLst/>
+  </dgm:styleLbl>
+  <dgm:styleLbl name="asst1">
+    <dgm:fillClrLst meth="repeat">
+      <a:schemeClr val="lt1"/>
+    </dgm:fillClrLst>
+    <dgm:linClrLst meth="repeat">
+      <a:schemeClr val="dk2">
+        <a:shade val="80000"/>
+      </a:schemeClr>
+    </dgm:linClrLst>
+    <dgm:effectClrLst/>
+    <dgm:txLinClrLst/>
+    <dgm:txFillClrLst meth="repeat">
+      <a:schemeClr val="dk2"/>
+    </dgm:txFillClrLst>
+    <dgm:txEffectClrLst/>
+  </dgm:styleLbl>
+  <dgm:styleLbl name="asst2">
+    <dgm:fillClrLst meth="repeat">
+      <a:schemeClr val="lt1"/>
+    </dgm:fillClrLst>
+    <dgm:linClrLst meth="repeat">
+      <a:schemeClr val="dk2">
+        <a:shade val="80000"/>
+      </a:schemeClr>
+    </dgm:linClrLst>
+    <dgm:effectClrLst/>
+    <dgm:txLinClrLst/>
+    <dgm:txFillClrLst meth="repeat">
+      <a:schemeClr val="dk2"/>
+    </dgm:txFillClrLst>
+    <dgm:txEffectClrLst/>
+  </dgm:styleLbl>
+  <dgm:styleLbl name="asst3">
+    <dgm:fillClrLst meth="repeat">
+      <a:schemeClr val="lt1"/>
+    </dgm:fillClrLst>
+    <dgm:linClrLst meth="repeat">
+      <a:schemeClr val="dk2">
+        <a:shade val="80000"/>
+      </a:schemeClr>
+    </dgm:linClrLst>
+    <dgm:effectClrLst/>
+    <dgm:txLinClrLst/>
+    <dgm:txFillClrLst meth="repeat">
+      <a:schemeClr val="dk2"/>
+    </dgm:txFillClrLst>
+    <dgm:txEffectClrLst/>
+  </dgm:styleLbl>
+  <dgm:styleLbl name="asst4">
+    <dgm:fillClrLst meth="repeat">
+      <a:schemeClr val="lt1"/>
+    </dgm:fillClrLst>
+    <dgm:linClrLst meth="repeat">
+      <a:schemeClr val="dk2">
+        <a:shade val="80000"/>
+      </a:schemeClr>
+    </dgm:linClrLst>
+    <dgm:effectClrLst/>
+    <dgm:txLinClrLst/>
+    <dgm:txFillClrLst meth="repeat">
+      <a:schemeClr val="dk2"/>
+    </dgm:txFillClrLst>
+    <dgm:txEffectClrLst/>
+  </dgm:styleLbl>
+  <dgm:styleLbl name="parChTrans2D1">
+    <dgm:fillClrLst meth="repeat">
+      <a:schemeClr val="dk2">
+        <a:tint val="60000"/>
+      </a:schemeClr>
+    </dgm:fillClrLst>
+    <dgm:linClrLst meth="repeat">
+      <a:schemeClr val="dk2">
+        <a:tint val="60000"/>
+      </a:schemeClr>
+    </dgm:linClrLst>
+    <dgm:effectClrLst/>
+    <dgm:txLinClrLst/>
+    <dgm:txFillClrLst/>
+    <dgm:txEffectClrLst/>
+  </dgm:styleLbl>
+  <dgm:styleLbl name="parChTrans2D2">
+    <dgm:fillClrLst meth="repeat">
+      <a:schemeClr val="dk2"/>
+    </dgm:fillClrLst>
+    <dgm:linClrLst meth="repeat">
+      <a:schemeClr val="dk2"/>
+    </dgm:linClrLst>
+    <dgm:effectClrLst/>
+    <dgm:txLinClrLst/>
+    <dgm:txFillClrLst/>
+    <dgm:txEffectClrLst/>
+  </dgm:styleLbl>
+  <dgm:styleLbl name="parChTrans2D3">
+    <dgm:fillClrLst meth="repeat">
+      <a:schemeClr val="dk2"/>
+    </dgm:fillClrLst>
+    <dgm:linClrLst meth="repeat">
+      <a:schemeClr val="dk2"/>
+    </dgm:linClrLst>
+    <dgm:effectClrLst/>
+    <dgm:txLinClrLst/>
+    <dgm:txFillClrLst/>
+    <dgm:txEffectClrLst/>
+  </dgm:styleLbl>
+  <dgm:styleLbl name="parChTrans2D4">
+    <dgm:fillClrLst meth="repeat">
+      <a:schemeClr val="dk2"/>
+    </dgm:fillClrLst>
+    <dgm:linClrLst meth="repeat">
+      <a:schemeClr val="dk2"/>
+    </dgm:linClrLst>
+    <dgm:effectClrLst/>
+    <dgm:txLinClrLst/>
+    <dgm:txFillClrLst meth="repeat">
+      <a:schemeClr val="lt1"/>
+    </dgm:txFillClrLst>
+    <dgm:txEffectClrLst/>
+  </dgm:styleLbl>
+  <dgm:styleLbl name="parChTrans1D1">
+    <dgm:fillClrLst meth="repeat">
+      <a:schemeClr val="dk2"/>
+    </dgm:fillClrLst>
+    <dgm:linClrLst meth="repeat">
+      <a:schemeClr val="dk2">
+        <a:shade val="60000"/>
+      </a:schemeClr>
+    </dgm:linClrLst>
+    <dgm:effectClrLst/>
+    <dgm:txLinClrLst/>
+    <dgm:txFillClrLst meth="repeat">
+      <a:schemeClr val="tx1"/>
+    </dgm:txFillClrLst>
+    <dgm:txEffectClrLst/>
+  </dgm:styleLbl>
+  <dgm:styleLbl name="parChTrans1D2">
+    <dgm:fillClrLst meth="repeat">
+      <a:schemeClr val="dk2"/>
+    </dgm:fillClrLst>
+    <dgm:linClrLst meth="repeat">
+      <a:schemeClr val="dk2">
+        <a:shade val="60000"/>
+      </a:schemeClr>
+    </dgm:linClrLst>
+    <dgm:effectClrLst/>
+    <dgm:txLinClrLst/>
+    <dgm:txFillClrLst meth="repeat">
+      <a:schemeClr val="tx1"/>
+    </dgm:txFillClrLst>
+    <dgm:txEffectClrLst/>
+  </dgm:styleLbl>
+  <dgm:styleLbl name="parChTrans1D3">
+    <dgm:fillClrLst meth="repeat">
+      <a:schemeClr val="dk2"/>
+    </dgm:fillClrLst>
+    <dgm:linClrLst meth="repeat">
+      <a:schemeClr val="dk2">
+        <a:shade val="80000"/>
+      </a:schemeClr>
+    </dgm:linClrLst>
+    <dgm:effectClrLst/>
+    <dgm:txLinClrLst/>
+    <dgm:txFillClrLst meth="repeat">
+      <a:schemeClr val="tx1"/>
+    </dgm:txFillClrLst>
+    <dgm:txEffectClrLst/>
+  </dgm:styleLbl>
+  <dgm:styleLbl name="parChTrans1D4">
+    <dgm:fillClrLst meth="repeat">
+      <a:schemeClr val="dk2"/>
+    </dgm:fillClrLst>
+    <dgm:linClrLst meth="repeat">
+      <a:schemeClr val="dk2">
+        <a:shade val="80000"/>
+      </a:schemeClr>
+    </dgm:linClrLst>
+    <dgm:effectClrLst/>
+    <dgm:txLinClrLst/>
+    <dgm:txFillClrLst meth="repeat">
+      <a:schemeClr val="tx1"/>
+    </dgm:txFillClrLst>
+    <dgm:txEffectClrLst/>
+  </dgm:styleLbl>
+  <dgm:styleLbl name="fgAcc1">
+    <dgm:fillClrLst meth="repeat">
+      <a:schemeClr val="dk2">
+        <a:alpha val="90000"/>
+        <a:tint val="40000"/>
+      </a:schemeClr>
+    </dgm:fillClrLst>
+    <dgm:linClrLst meth="repeat">
+      <a:schemeClr val="dk2"/>
+    </dgm:linClrLst>
+    <dgm:effectClrLst/>
+    <dgm:txLinClrLst/>
+    <dgm:txFillClrLst meth="repeat">
+      <a:schemeClr val="dk2"/>
+    </dgm:txFillClrLst>
+    <dgm:txEffectClrLst/>
+  </dgm:styleLbl>
+  <dgm:styleLbl name="conFgAcc1">
+    <dgm:fillClrLst meth="repeat">
+      <a:schemeClr val="dk2">
+        <a:alpha val="90000"/>
+        <a:tint val="40000"/>
+      </a:schemeClr>
+    </dgm:fillClrLst>
+    <dgm:linClrLst meth="repeat">
+      <a:schemeClr val="dk2"/>
+    </dgm:linClrLst>
+    <dgm:effectClrLst/>
+    <dgm:txLinClrLst/>
+    <dgm:txFillClrLst meth="repeat">
+      <a:schemeClr val="dk2"/>
+    </dgm:txFillClrLst>
+    <dgm:txEffectClrLst/>
+  </dgm:styleLbl>
+  <dgm:styleLbl name="alignAcc1">
+    <dgm:fillClrLst meth="repeat">
+      <a:schemeClr val="dk2">
+        <a:alpha val="90000"/>
+        <a:tint val="40000"/>
+      </a:schemeClr>
+    </dgm:fillClrLst>
+    <dgm:linClrLst meth="repeat">
+      <a:schemeClr val="dk2"/>
+    </dgm:linClrLst>
+    <dgm:effectClrLst/>
+    <dgm:txLinClrLst/>
+    <dgm:txFillClrLst meth="repeat">
+      <a:schemeClr val="dk2"/>
+    </dgm:txFillClrLst>
+    <dgm:txEffectClrLst/>
+  </dgm:styleLbl>
+  <dgm:styleLbl name="trAlignAcc1">
+    <dgm:fillClrLst meth="repeat">
+      <a:schemeClr val="dk2">
+        <a:alpha val="40000"/>
+        <a:tint val="40000"/>
+      </a:schemeClr>
+    </dgm:fillClrLst>
+    <dgm:linClrLst meth="repeat">
+      <a:schemeClr val="dk2"/>
+    </dgm:linClrLst>
+    <dgm:effectClrLst/>
+    <dgm:txLinClrLst/>
+    <dgm:txFillClrLst meth="repeat">
+      <a:schemeClr val="dk2"/>
+    </dgm:txFillClrLst>
+    <dgm:txEffectClrLst/>
+  </dgm:styleLbl>
+  <dgm:styleLbl name="bgAcc1">
+    <dgm:fillClrLst meth="repeat">
+      <a:schemeClr val="dk2">
+        <a:alpha val="90000"/>
+        <a:tint val="40000"/>
+      </a:schemeClr>
+    </dgm:fillClrLst>
+    <dgm:linClrLst meth="repeat">
+      <a:schemeClr val="dk2"/>
+    </dgm:linClrLst>
+    <dgm:effectClrLst/>
+    <dgm:txLinClrLst/>
+    <dgm:txFillClrLst meth="repeat">
+      <a:schemeClr val="dk2"/>
+    </dgm:txFillClrLst>
+    <dgm:txEffectClrLst/>
+  </dgm:styleLbl>
+  <dgm:styleLbl name="solidFgAcc1">
+    <dgm:fillClrLst meth="repeat">
+      <a:schemeClr val="lt1"/>
+    </dgm:fillClrLst>
+    <dgm:linClrLst meth="repeat">
+      <a:schemeClr val="dk2"/>
+    </dgm:linClrLst>
+    <dgm:effectClrLst/>
+    <dgm:txLinClrLst/>
+    <dgm:txFillClrLst meth="repeat">
+      <a:schemeClr val="dk2"/>
+    </dgm:txFillClrLst>
+    <dgm:txEffectClrLst/>
+  </dgm:styleLbl>
+  <dgm:styleLbl name="solidAlignAcc1">
+    <dgm:fillClrLst meth="repeat">
+      <a:schemeClr val="lt1"/>
+    </dgm:fillClrLst>
+    <dgm:linClrLst meth="repeat">
+      <a:schemeClr val="dk2"/>
+    </dgm:linClrLst>
+    <dgm:effectClrLst/>
+    <dgm:txLinClrLst/>
+    <dgm:txFillClrLst meth="repeat">
+      <a:schemeClr val="dk2"/>
+    </dgm:txFillClrLst>
+    <dgm:txEffectClrLst/>
+  </dgm:styleLbl>
+  <dgm:styleLbl name="solidBgAcc1">
+    <dgm:fillClrLst meth="repeat">
+      <a:schemeClr val="lt1"/>
+    </dgm:fillClrLst>
+    <dgm:linClrLst meth="repeat">
+      <a:schemeClr val="dk2"/>
+    </dgm:linClrLst>
+    <dgm:effectClrLst/>
+    <dgm:txLinClrLst/>
+    <dgm:txFillClrLst meth="repeat">
+      <a:schemeClr val="dk2"/>
+    </dgm:txFillClrLst>
+    <dgm:txEffectClrLst/>
+  </dgm:styleLbl>
+  <dgm:styleLbl name="fgAccFollowNode1">
+    <dgm:fillClrLst meth="repeat">
+      <a:schemeClr val="lt1">
+        <a:alpha val="90000"/>
+        <a:tint val="40000"/>
+      </a:schemeClr>
+    </dgm:fillClrLst>
+    <dgm:linClrLst meth="repeat">
+      <a:schemeClr val="dk2">
+        <a:alpha val="90000"/>
+      </a:schemeClr>
+    </dgm:linClrLst>
+    <dgm:effectClrLst/>
+    <dgm:txLinClrLst/>
+    <dgm:txFillClrLst meth="repeat">
+      <a:schemeClr val="dk2"/>
+    </dgm:txFillClrLst>
+    <dgm:txEffectClrLst/>
+  </dgm:styleLbl>
+  <dgm:styleLbl name="alignAccFollowNode1">
+    <dgm:fillClrLst meth="repeat">
+      <a:schemeClr val="lt1">
+        <a:alpha val="90000"/>
+        <a:tint val="40000"/>
+      </a:schemeClr>
+    </dgm:fillClrLst>
+    <dgm:linClrLst meth="repeat">
+      <a:schemeClr val="dk2">
+        <a:alpha val="90000"/>
+      </a:schemeClr>
+    </dgm:linClrLst>
+    <dgm:effectClrLst/>
+    <dgm:txLinClrLst/>
+    <dgm:txFillClrLst meth="repeat">
+      <a:schemeClr val="dk2"/>
+    </dgm:txFillClrLst>
+    <dgm:txEffectClrLst/>
+  </dgm:styleLbl>
+  <dgm:styleLbl name="bgAccFollowNode1">
+    <dgm:fillClrLst meth="repeat">
+      <a:schemeClr val="lt1">
+        <a:alpha val="90000"/>
+        <a:tint val="40000"/>
+      </a:schemeClr>
+    </dgm:fillClrLst>
+    <dgm:linClrLst meth="repeat">
+      <a:schemeClr val="dk2">
+        <a:alpha val="90000"/>
+      </a:schemeClr>
+    </dgm:linClrLst>
+    <dgm:effectClrLst/>
+    <dgm:txLinClrLst/>
+    <dgm:txFillClrLst meth="repeat">
+      <a:schemeClr val="dk2"/>
+    </dgm:txFillClrLst>
+    <dgm:txEffectClrLst/>
+  </dgm:styleLbl>
+  <dgm:styleLbl name="fgAcc0">
+    <dgm:fillClrLst meth="repeat">
+      <a:schemeClr val="dk2">
+        <a:alpha val="90000"/>
+        <a:tint val="40000"/>
+      </a:schemeClr>
+    </dgm:fillClrLst>
+    <dgm:linClrLst meth="repeat">
+      <a:schemeClr val="dk2"/>
+    </dgm:linClrLst>
+    <dgm:effectClrLst/>
+    <dgm:txLinClrLst/>
+    <dgm:txFillClrLst meth="repeat">
+      <a:schemeClr val="dk2"/>
+    </dgm:txFillClrLst>
+    <dgm:txEffectClrLst/>
+  </dgm:styleLbl>
+  <dgm:styleLbl name="fgAcc2">
+    <dgm:fillClrLst meth="repeat">
+      <a:schemeClr val="dk2">
+        <a:alpha val="90000"/>
+        <a:tint val="40000"/>
+      </a:schemeClr>
+    </dgm:fillClrLst>
+    <dgm:linClrLst meth="repeat">
+      <a:schemeClr val="dk2"/>
+    </dgm:linClrLst>
+    <dgm:effectClrLst/>
+    <dgm:txLinClrLst/>
+    <dgm:txFillClrLst meth="repeat">
+      <a:schemeClr val="dk2"/>
+    </dgm:txFillClrLst>
+    <dgm:txEffectClrLst/>
+  </dgm:styleLbl>
+  <dgm:styleLbl name="fgAcc3">
+    <dgm:fillClrLst meth="repeat">
+      <a:schemeClr val="dk2">
+        <a:alpha val="90000"/>
+        <a:tint val="40000"/>
+      </a:schemeClr>
+    </dgm:fillClrLst>
+    <dgm:linClrLst meth="repeat">
+      <a:schemeClr val="dk2"/>
+    </dgm:linClrLst>
+    <dgm:effectClrLst/>
+    <dgm:txLinClrLst/>
+    <dgm:txFillClrLst meth="repeat">
+      <a:schemeClr val="dk2"/>
+    </dgm:txFillClrLst>
+    <dgm:txEffectClrLst/>
+  </dgm:styleLbl>
+  <dgm:styleLbl name="fgAcc4">
+    <dgm:fillClrLst meth="repeat">
+      <a:schemeClr val="dk2">
+        <a:alpha val="90000"/>
+        <a:tint val="40000"/>
+      </a:schemeClr>
+    </dgm:fillClrLst>
+    <dgm:linClrLst meth="repeat">
+      <a:schemeClr val="dk2"/>
+    </dgm:linClrLst>
+    <dgm:effectClrLst/>
+    <dgm:txLinClrLst/>
+    <dgm:txFillClrLst meth="repeat">
+      <a:schemeClr val="dk2"/>
+    </dgm:txFillClrLst>
+    <dgm:txEffectClrLst/>
+  </dgm:styleLbl>
+  <dgm:styleLbl name="bgShp">
+    <dgm:fillClrLst meth="repeat">
+      <a:schemeClr val="dk2">
+        <a:tint val="40000"/>
+      </a:schemeClr>
+    </dgm:fillClrLst>
+    <dgm:linClrLst meth="repeat">
+      <a:schemeClr val="dk2"/>
+    </dgm:linClrLst>
+    <dgm:effectClrLst/>
+    <dgm:txLinClrLst/>
+    <dgm:txFillClrLst meth="repeat">
+      <a:schemeClr val="dk1"/>
+    </dgm:txFillClrLst>
+    <dgm:txEffectClrLst/>
+  </dgm:styleLbl>
+  <dgm:styleLbl name="dkBgShp">
+    <dgm:fillClrLst meth="repeat">
+      <a:schemeClr val="dk2">
+        <a:shade val="80000"/>
+      </a:schemeClr>
+    </dgm:fillClrLst>
+    <dgm:linClrLst meth="repeat">
+      <a:schemeClr val="dk2"/>
+    </dgm:linClrLst>
+    <dgm:effectClrLst/>
+    <dgm:txLinClrLst/>
+    <dgm:txFillClrLst meth="repeat">
+      <a:schemeClr val="lt2"/>
+    </dgm:txFillClrLst>
+    <dgm:txEffectClrLst/>
+  </dgm:styleLbl>
+  <dgm:styleLbl name="trBgShp">
+    <dgm:fillClrLst meth="repeat">
+      <a:schemeClr val="dk2">
+        <a:tint val="50000"/>
+        <a:alpha val="40000"/>
+      </a:schemeClr>
+    </dgm:fillClrLst>
+    <dgm:linClrLst meth="repeat">
+      <a:schemeClr val="dk2"/>
+    </dgm:linClrLst>
+    <dgm:effectClrLst/>
+    <dgm:txLinClrLst/>
+    <dgm:txFillClrLst meth="repeat">
+      <a:schemeClr val="lt2"/>
+    </dgm:txFillClrLst>
+    <dgm:txEffectClrLst/>
+  </dgm:styleLbl>
+  <dgm:styleLbl name="fgShp">
+    <dgm:fillClrLst meth="repeat">
+      <a:schemeClr val="dk2">
+        <a:tint val="60000"/>
+      </a:schemeClr>
+    </dgm:fillClrLst>
+    <dgm:linClrLst meth="repeat">
+      <a:schemeClr val="lt1"/>
+    </dgm:linClrLst>
+    <dgm:effectClrLst/>
+    <dgm:txLinClrLst/>
+    <dgm:txFillClrLst meth="repeat">
+      <a:schemeClr val="dk2"/>
+    </dgm:txFillClrLst>
+    <dgm:txEffectClrLst/>
+  </dgm:styleLbl>
+  <dgm:styleLbl name="revTx">
+    <dgm:fillClrLst meth="repeat">
+      <a:schemeClr val="lt1">
+        <a:alpha val="0"/>
+      </a:schemeClr>
+    </dgm:fillClrLst>
+    <dgm:linClrLst meth="repeat">
+      <a:schemeClr val="dk2">
+        <a:alpha val="0"/>
+      </a:schemeClr>
+    </dgm:linClrLst>
+    <dgm:effectClrLst/>
+    <dgm:txLinClrLst/>
+    <dgm:txFillClrLst meth="repeat">
+      <a:schemeClr val="tx1"/>
+    </dgm:txFillClrLst>
+    <dgm:txEffectClrLst/>
+  </dgm:styleLbl>
+</dgm:colorsDef>
+</file>
+
+<file path=ppt/diagrams/colors8.xml><?xml version="1.0" encoding="utf-8"?>
 <dgm:colorsDef xmlns:dgm="http://schemas.openxmlformats.org/drawingml/2006/diagram" xmlns:a="http://schemas.openxmlformats.org/drawingml/2006/main" uniqueId="urn:microsoft.com/office/officeart/2005/8/colors/accent0_2">
   <dgm:title val=""/>
   <dgm:desc val=""/>
@@ -8108,6 +8925,386 @@
 </file>
 
 <file path=ppt/diagrams/data7.xml><?xml version="1.0" encoding="utf-8"?>
+<dgm:dataModel xmlns:dgm="http://schemas.openxmlformats.org/drawingml/2006/diagram" xmlns:a="http://schemas.openxmlformats.org/drawingml/2006/main">
+  <dgm:ptLst>
+    <dgm:pt modelId="{B1832389-E458-4F5F-A40A-B0991AAA8939}" type="doc">
+      <dgm:prSet loTypeId="urn:microsoft.com/office/officeart/2005/8/layout/chevron1" loCatId="process" qsTypeId="urn:microsoft.com/office/officeart/2005/8/quickstyle/simple1" qsCatId="simple" csTypeId="urn:microsoft.com/office/officeart/2005/8/colors/accent0_2" csCatId="mainScheme" phldr="1"/>
+      <dgm:spPr/>
+    </dgm:pt>
+    <dgm:pt modelId="{1215C5B6-A4CB-4892-8198-E9B3C16150EA}">
+      <dgm:prSet phldrT="[Text]"/>
+      <dgm:spPr>
+        <a:solidFill>
+          <a:schemeClr val="bg1"/>
+        </a:solidFill>
+        <a:ln>
+          <a:solidFill>
+            <a:srgbClr val="1482AC"/>
+          </a:solidFill>
+        </a:ln>
+      </dgm:spPr>
+      <dgm:t>
+        <a:bodyPr/>
+        <a:lstStyle/>
+        <a:p>
+          <a:r>
+            <a:rPr lang="sk-SK" dirty="0">
+              <a:solidFill>
+                <a:srgbClr val="1482AC"/>
+              </a:solidFill>
+            </a:rPr>
+            <a:t>Ovládací prvky</a:t>
+          </a:r>
+          <a:endParaRPr lang="en-US" dirty="0">
+            <a:solidFill>
+              <a:srgbClr val="1482AC"/>
+            </a:solidFill>
+          </a:endParaRPr>
+        </a:p>
+      </dgm:t>
+    </dgm:pt>
+    <dgm:pt modelId="{14537979-0270-4DE2-8440-5A3A2D182D70}" type="parTrans" cxnId="{09917594-F774-4AE6-B889-F7946147AD95}">
+      <dgm:prSet/>
+      <dgm:spPr/>
+      <dgm:t>
+        <a:bodyPr/>
+        <a:lstStyle/>
+        <a:p>
+          <a:endParaRPr lang="en-US"/>
+        </a:p>
+      </dgm:t>
+    </dgm:pt>
+    <dgm:pt modelId="{F97644A2-064A-4595-B444-818E11066C7E}" type="sibTrans" cxnId="{09917594-F774-4AE6-B889-F7946147AD95}">
+      <dgm:prSet/>
+      <dgm:spPr/>
+      <dgm:t>
+        <a:bodyPr/>
+        <a:lstStyle/>
+        <a:p>
+          <a:endParaRPr lang="en-US"/>
+        </a:p>
+      </dgm:t>
+    </dgm:pt>
+    <dgm:pt modelId="{60089B74-EF27-4CD6-B3FE-F65CF5F22E9D}">
+      <dgm:prSet phldrT="[Text]"/>
+      <dgm:spPr>
+        <a:solidFill>
+          <a:srgbClr val="1482AC"/>
+        </a:solidFill>
+        <a:ln>
+          <a:solidFill>
+            <a:srgbClr val="1482AC"/>
+          </a:solidFill>
+        </a:ln>
+      </dgm:spPr>
+      <dgm:t>
+        <a:bodyPr/>
+        <a:lstStyle/>
+        <a:p>
+          <a:r>
+            <a:rPr lang="sk-SK" dirty="0" err="1">
+              <a:solidFill>
+                <a:schemeClr val="bg1"/>
+              </a:solidFill>
+            </a:rPr>
+            <a:t>Layouty</a:t>
+          </a:r>
+          <a:endParaRPr lang="en-US" dirty="0">
+            <a:solidFill>
+              <a:schemeClr val="bg1"/>
+            </a:solidFill>
+          </a:endParaRPr>
+        </a:p>
+      </dgm:t>
+    </dgm:pt>
+    <dgm:pt modelId="{9B969074-5295-4508-8E64-2592BA4EB98F}" type="parTrans" cxnId="{DF97C673-B2B3-4342-B905-D2345DE1CB14}">
+      <dgm:prSet/>
+      <dgm:spPr/>
+      <dgm:t>
+        <a:bodyPr/>
+        <a:lstStyle/>
+        <a:p>
+          <a:endParaRPr lang="en-US"/>
+        </a:p>
+      </dgm:t>
+    </dgm:pt>
+    <dgm:pt modelId="{E7EA529D-E399-41CB-8295-D6C034021F2D}" type="sibTrans" cxnId="{DF97C673-B2B3-4342-B905-D2345DE1CB14}">
+      <dgm:prSet/>
+      <dgm:spPr/>
+      <dgm:t>
+        <a:bodyPr/>
+        <a:lstStyle/>
+        <a:p>
+          <a:endParaRPr lang="en-US"/>
+        </a:p>
+      </dgm:t>
+    </dgm:pt>
+    <dgm:pt modelId="{EDF2021F-1B3F-4A19-AA65-1D21FB9D52EE}">
+      <dgm:prSet phldrT="[Text]"/>
+      <dgm:spPr>
+        <a:ln>
+          <a:solidFill>
+            <a:srgbClr val="1482AC"/>
+          </a:solidFill>
+        </a:ln>
+      </dgm:spPr>
+      <dgm:t>
+        <a:bodyPr/>
+        <a:lstStyle/>
+        <a:p>
+          <a:r>
+            <a:rPr lang="sk-SK" dirty="0" err="1">
+              <a:solidFill>
+                <a:srgbClr val="1482AC"/>
+              </a:solidFill>
+            </a:rPr>
+            <a:t>Navigace</a:t>
+          </a:r>
+          <a:endParaRPr lang="en-US" dirty="0">
+            <a:solidFill>
+              <a:srgbClr val="1482AC"/>
+            </a:solidFill>
+          </a:endParaRPr>
+        </a:p>
+      </dgm:t>
+    </dgm:pt>
+    <dgm:pt modelId="{86411FF3-E2AF-4C60-A3E7-9A498CD6404E}" type="parTrans" cxnId="{604AC406-4715-4B63-81BD-28560C9F773C}">
+      <dgm:prSet/>
+      <dgm:spPr/>
+      <dgm:t>
+        <a:bodyPr/>
+        <a:lstStyle/>
+        <a:p>
+          <a:endParaRPr lang="en-US"/>
+        </a:p>
+      </dgm:t>
+    </dgm:pt>
+    <dgm:pt modelId="{7EB6EDD5-F6F4-46BA-B94E-529222D877D4}" type="sibTrans" cxnId="{604AC406-4715-4B63-81BD-28560C9F773C}">
+      <dgm:prSet/>
+      <dgm:spPr/>
+      <dgm:t>
+        <a:bodyPr/>
+        <a:lstStyle/>
+        <a:p>
+          <a:endParaRPr lang="en-US"/>
+        </a:p>
+      </dgm:t>
+    </dgm:pt>
+    <dgm:pt modelId="{05FCD660-91B0-45FC-8B72-73340BF1A4A3}">
+      <dgm:prSet phldrT="[Text]"/>
+      <dgm:spPr>
+        <a:ln>
+          <a:solidFill>
+            <a:srgbClr val="1482AC"/>
+          </a:solidFill>
+        </a:ln>
+      </dgm:spPr>
+      <dgm:t>
+        <a:bodyPr/>
+        <a:lstStyle/>
+        <a:p>
+          <a:r>
+            <a:rPr lang="sk-SK" dirty="0" err="1">
+              <a:solidFill>
+                <a:srgbClr val="1482AC"/>
+              </a:solidFill>
+            </a:rPr>
+            <a:t>Styly</a:t>
+          </a:r>
+          <a:endParaRPr lang="en-US" dirty="0">
+            <a:solidFill>
+              <a:srgbClr val="1482AC"/>
+            </a:solidFill>
+          </a:endParaRPr>
+        </a:p>
+      </dgm:t>
+    </dgm:pt>
+    <dgm:pt modelId="{56B016D7-7F2C-48D3-9961-FFEEB3AC7D69}" type="parTrans" cxnId="{B2EDC91B-EAA1-4C39-BB4F-44E1C5AFFF70}">
+      <dgm:prSet/>
+      <dgm:spPr/>
+      <dgm:t>
+        <a:bodyPr/>
+        <a:lstStyle/>
+        <a:p>
+          <a:endParaRPr lang="en-US"/>
+        </a:p>
+      </dgm:t>
+    </dgm:pt>
+    <dgm:pt modelId="{9B1F28DB-1BED-466D-9E39-7A3A779F0C43}" type="sibTrans" cxnId="{B2EDC91B-EAA1-4C39-BB4F-44E1C5AFFF70}">
+      <dgm:prSet/>
+      <dgm:spPr/>
+      <dgm:t>
+        <a:bodyPr/>
+        <a:lstStyle/>
+        <a:p>
+          <a:endParaRPr lang="en-US"/>
+        </a:p>
+      </dgm:t>
+    </dgm:pt>
+    <dgm:pt modelId="{71AC4333-1770-43BB-8CA8-A8EB5C0F346F}">
+      <dgm:prSet phldrT="[Text]"/>
+      <dgm:spPr>
+        <a:ln>
+          <a:solidFill>
+            <a:srgbClr val="1482AC"/>
+          </a:solidFill>
+        </a:ln>
+      </dgm:spPr>
+      <dgm:t>
+        <a:bodyPr/>
+        <a:lstStyle/>
+        <a:p>
+          <a:r>
+            <a:rPr lang="sk-SK" dirty="0" err="1">
+              <a:solidFill>
+                <a:srgbClr val="1482AC"/>
+              </a:solidFill>
+            </a:rPr>
+            <a:t>Lokalizace</a:t>
+          </a:r>
+          <a:endParaRPr lang="en-US" dirty="0">
+            <a:solidFill>
+              <a:srgbClr val="1482AC"/>
+            </a:solidFill>
+          </a:endParaRPr>
+        </a:p>
+      </dgm:t>
+    </dgm:pt>
+    <dgm:pt modelId="{33100495-BB6B-4111-ACEF-1ADF35C26769}" type="parTrans" cxnId="{E3ADC644-78F1-4BD0-A7C1-CF85D16C7861}">
+      <dgm:prSet/>
+      <dgm:spPr/>
+      <dgm:t>
+        <a:bodyPr/>
+        <a:lstStyle/>
+        <a:p>
+          <a:endParaRPr lang="en-US"/>
+        </a:p>
+      </dgm:t>
+    </dgm:pt>
+    <dgm:pt modelId="{CFD9E06B-845E-4D5E-9ED6-3462D8BDA2A8}" type="sibTrans" cxnId="{E3ADC644-78F1-4BD0-A7C1-CF85D16C7861}">
+      <dgm:prSet/>
+      <dgm:spPr/>
+      <dgm:t>
+        <a:bodyPr/>
+        <a:lstStyle/>
+        <a:p>
+          <a:endParaRPr lang="en-US"/>
+        </a:p>
+      </dgm:t>
+    </dgm:pt>
+    <dgm:pt modelId="{9B2FD640-83E7-4FB7-9FE7-31CCC4FAEE2C}" type="pres">
+      <dgm:prSet presAssocID="{B1832389-E458-4F5F-A40A-B0991AAA8939}" presName="Name0" presStyleCnt="0">
+        <dgm:presLayoutVars>
+          <dgm:dir/>
+          <dgm:animLvl val="lvl"/>
+          <dgm:resizeHandles val="exact"/>
+        </dgm:presLayoutVars>
+      </dgm:prSet>
+      <dgm:spPr/>
+    </dgm:pt>
+    <dgm:pt modelId="{240F66D7-5F10-4764-A2D8-9F0A4DF88587}" type="pres">
+      <dgm:prSet presAssocID="{1215C5B6-A4CB-4892-8198-E9B3C16150EA}" presName="parTxOnly" presStyleLbl="node1" presStyleIdx="0" presStyleCnt="5">
+        <dgm:presLayoutVars>
+          <dgm:chMax val="0"/>
+          <dgm:chPref val="0"/>
+          <dgm:bulletEnabled val="1"/>
+        </dgm:presLayoutVars>
+      </dgm:prSet>
+      <dgm:spPr/>
+    </dgm:pt>
+    <dgm:pt modelId="{95F11434-ECEB-4CE0-AEF6-4517C1471E4E}" type="pres">
+      <dgm:prSet presAssocID="{F97644A2-064A-4595-B444-818E11066C7E}" presName="parTxOnlySpace" presStyleCnt="0"/>
+      <dgm:spPr/>
+    </dgm:pt>
+    <dgm:pt modelId="{A3E7F7F5-370E-4204-AB71-48FFB923029D}" type="pres">
+      <dgm:prSet presAssocID="{60089B74-EF27-4CD6-B3FE-F65CF5F22E9D}" presName="parTxOnly" presStyleLbl="node1" presStyleIdx="1" presStyleCnt="5">
+        <dgm:presLayoutVars>
+          <dgm:chMax val="0"/>
+          <dgm:chPref val="0"/>
+          <dgm:bulletEnabled val="1"/>
+        </dgm:presLayoutVars>
+      </dgm:prSet>
+      <dgm:spPr/>
+    </dgm:pt>
+    <dgm:pt modelId="{7D8B7F95-3998-4F28-99BA-93801DB933F4}" type="pres">
+      <dgm:prSet presAssocID="{E7EA529D-E399-41CB-8295-D6C034021F2D}" presName="parTxOnlySpace" presStyleCnt="0"/>
+      <dgm:spPr/>
+    </dgm:pt>
+    <dgm:pt modelId="{F80FE94B-A2F8-4C46-A1F4-F44CF4574D61}" type="pres">
+      <dgm:prSet presAssocID="{EDF2021F-1B3F-4A19-AA65-1D21FB9D52EE}" presName="parTxOnly" presStyleLbl="node1" presStyleIdx="2" presStyleCnt="5">
+        <dgm:presLayoutVars>
+          <dgm:chMax val="0"/>
+          <dgm:chPref val="0"/>
+          <dgm:bulletEnabled val="1"/>
+        </dgm:presLayoutVars>
+      </dgm:prSet>
+      <dgm:spPr/>
+    </dgm:pt>
+    <dgm:pt modelId="{09D697CF-E732-46FF-824B-473468BEB076}" type="pres">
+      <dgm:prSet presAssocID="{7EB6EDD5-F6F4-46BA-B94E-529222D877D4}" presName="parTxOnlySpace" presStyleCnt="0"/>
+      <dgm:spPr/>
+    </dgm:pt>
+    <dgm:pt modelId="{51333ADE-49D7-4FA6-8A68-755A4133E1C9}" type="pres">
+      <dgm:prSet presAssocID="{05FCD660-91B0-45FC-8B72-73340BF1A4A3}" presName="parTxOnly" presStyleLbl="node1" presStyleIdx="3" presStyleCnt="5">
+        <dgm:presLayoutVars>
+          <dgm:chMax val="0"/>
+          <dgm:chPref val="0"/>
+          <dgm:bulletEnabled val="1"/>
+        </dgm:presLayoutVars>
+      </dgm:prSet>
+      <dgm:spPr/>
+    </dgm:pt>
+    <dgm:pt modelId="{7D0FAE13-1F80-4337-9AEE-FA064AC540FD}" type="pres">
+      <dgm:prSet presAssocID="{9B1F28DB-1BED-466D-9E39-7A3A779F0C43}" presName="parTxOnlySpace" presStyleCnt="0"/>
+      <dgm:spPr/>
+    </dgm:pt>
+    <dgm:pt modelId="{D9348225-5FBF-4C07-BDE0-33F6595C7462}" type="pres">
+      <dgm:prSet presAssocID="{71AC4333-1770-43BB-8CA8-A8EB5C0F346F}" presName="parTxOnly" presStyleLbl="node1" presStyleIdx="4" presStyleCnt="5">
+        <dgm:presLayoutVars>
+          <dgm:chMax val="0"/>
+          <dgm:chPref val="0"/>
+          <dgm:bulletEnabled val="1"/>
+        </dgm:presLayoutVars>
+      </dgm:prSet>
+      <dgm:spPr/>
+    </dgm:pt>
+  </dgm:ptLst>
+  <dgm:cxnLst>
+    <dgm:cxn modelId="{604AC406-4715-4B63-81BD-28560C9F773C}" srcId="{B1832389-E458-4F5F-A40A-B0991AAA8939}" destId="{EDF2021F-1B3F-4A19-AA65-1D21FB9D52EE}" srcOrd="2" destOrd="0" parTransId="{86411FF3-E2AF-4C60-A3E7-9A498CD6404E}" sibTransId="{7EB6EDD5-F6F4-46BA-B94E-529222D877D4}"/>
+    <dgm:cxn modelId="{AE074712-0B75-46A2-950A-6405794D30A7}" type="presOf" srcId="{1215C5B6-A4CB-4892-8198-E9B3C16150EA}" destId="{240F66D7-5F10-4764-A2D8-9F0A4DF88587}" srcOrd="0" destOrd="0" presId="urn:microsoft.com/office/officeart/2005/8/layout/chevron1"/>
+    <dgm:cxn modelId="{B2EDC91B-EAA1-4C39-BB4F-44E1C5AFFF70}" srcId="{B1832389-E458-4F5F-A40A-B0991AAA8939}" destId="{05FCD660-91B0-45FC-8B72-73340BF1A4A3}" srcOrd="3" destOrd="0" parTransId="{56B016D7-7F2C-48D3-9961-FFEEB3AC7D69}" sibTransId="{9B1F28DB-1BED-466D-9E39-7A3A779F0C43}"/>
+    <dgm:cxn modelId="{AE9E032E-24B9-473D-A1F0-A56D8B3C5B3F}" type="presOf" srcId="{05FCD660-91B0-45FC-8B72-73340BF1A4A3}" destId="{51333ADE-49D7-4FA6-8A68-755A4133E1C9}" srcOrd="0" destOrd="0" presId="urn:microsoft.com/office/officeart/2005/8/layout/chevron1"/>
+    <dgm:cxn modelId="{AA889544-0F50-40E9-8106-C18F80C58F41}" type="presOf" srcId="{EDF2021F-1B3F-4A19-AA65-1D21FB9D52EE}" destId="{F80FE94B-A2F8-4C46-A1F4-F44CF4574D61}" srcOrd="0" destOrd="0" presId="urn:microsoft.com/office/officeart/2005/8/layout/chevron1"/>
+    <dgm:cxn modelId="{E3ADC644-78F1-4BD0-A7C1-CF85D16C7861}" srcId="{B1832389-E458-4F5F-A40A-B0991AAA8939}" destId="{71AC4333-1770-43BB-8CA8-A8EB5C0F346F}" srcOrd="4" destOrd="0" parTransId="{33100495-BB6B-4111-ACEF-1ADF35C26769}" sibTransId="{CFD9E06B-845E-4D5E-9ED6-3462D8BDA2A8}"/>
+    <dgm:cxn modelId="{4A1F6E70-B22C-4199-BDFC-48AA7FBDD3B1}" type="presOf" srcId="{60089B74-EF27-4CD6-B3FE-F65CF5F22E9D}" destId="{A3E7F7F5-370E-4204-AB71-48FFB923029D}" srcOrd="0" destOrd="0" presId="urn:microsoft.com/office/officeart/2005/8/layout/chevron1"/>
+    <dgm:cxn modelId="{DF97C673-B2B3-4342-B905-D2345DE1CB14}" srcId="{B1832389-E458-4F5F-A40A-B0991AAA8939}" destId="{60089B74-EF27-4CD6-B3FE-F65CF5F22E9D}" srcOrd="1" destOrd="0" parTransId="{9B969074-5295-4508-8E64-2592BA4EB98F}" sibTransId="{E7EA529D-E399-41CB-8295-D6C034021F2D}"/>
+    <dgm:cxn modelId="{15F11D75-C42A-477F-820E-5A3121D885A8}" type="presOf" srcId="{B1832389-E458-4F5F-A40A-B0991AAA8939}" destId="{9B2FD640-83E7-4FB7-9FE7-31CCC4FAEE2C}" srcOrd="0" destOrd="0" presId="urn:microsoft.com/office/officeart/2005/8/layout/chevron1"/>
+    <dgm:cxn modelId="{09917594-F774-4AE6-B889-F7946147AD95}" srcId="{B1832389-E458-4F5F-A40A-B0991AAA8939}" destId="{1215C5B6-A4CB-4892-8198-E9B3C16150EA}" srcOrd="0" destOrd="0" parTransId="{14537979-0270-4DE2-8440-5A3A2D182D70}" sibTransId="{F97644A2-064A-4595-B444-818E11066C7E}"/>
+    <dgm:cxn modelId="{24EDADC6-6C71-4295-AC11-7AC212A6295F}" type="presOf" srcId="{71AC4333-1770-43BB-8CA8-A8EB5C0F346F}" destId="{D9348225-5FBF-4C07-BDE0-33F6595C7462}" srcOrd="0" destOrd="0" presId="urn:microsoft.com/office/officeart/2005/8/layout/chevron1"/>
+    <dgm:cxn modelId="{C23663F3-B016-49AE-8F9A-685C21CE7C30}" type="presParOf" srcId="{9B2FD640-83E7-4FB7-9FE7-31CCC4FAEE2C}" destId="{240F66D7-5F10-4764-A2D8-9F0A4DF88587}" srcOrd="0" destOrd="0" presId="urn:microsoft.com/office/officeart/2005/8/layout/chevron1"/>
+    <dgm:cxn modelId="{7C1A8A90-B670-462C-99BF-9A748534D42A}" type="presParOf" srcId="{9B2FD640-83E7-4FB7-9FE7-31CCC4FAEE2C}" destId="{95F11434-ECEB-4CE0-AEF6-4517C1471E4E}" srcOrd="1" destOrd="0" presId="urn:microsoft.com/office/officeart/2005/8/layout/chevron1"/>
+    <dgm:cxn modelId="{DABBCC9E-B367-49AE-9EDE-1A04640063E7}" type="presParOf" srcId="{9B2FD640-83E7-4FB7-9FE7-31CCC4FAEE2C}" destId="{A3E7F7F5-370E-4204-AB71-48FFB923029D}" srcOrd="2" destOrd="0" presId="urn:microsoft.com/office/officeart/2005/8/layout/chevron1"/>
+    <dgm:cxn modelId="{77DC5B7C-BB8C-4B61-94A4-1AFE05E25EE7}" type="presParOf" srcId="{9B2FD640-83E7-4FB7-9FE7-31CCC4FAEE2C}" destId="{7D8B7F95-3998-4F28-99BA-93801DB933F4}" srcOrd="3" destOrd="0" presId="urn:microsoft.com/office/officeart/2005/8/layout/chevron1"/>
+    <dgm:cxn modelId="{6E3280FD-440E-44DF-99B2-66CE551B4CC1}" type="presParOf" srcId="{9B2FD640-83E7-4FB7-9FE7-31CCC4FAEE2C}" destId="{F80FE94B-A2F8-4C46-A1F4-F44CF4574D61}" srcOrd="4" destOrd="0" presId="urn:microsoft.com/office/officeart/2005/8/layout/chevron1"/>
+    <dgm:cxn modelId="{D3C8D274-A69E-48D3-AAF7-578CB3CE5ACF}" type="presParOf" srcId="{9B2FD640-83E7-4FB7-9FE7-31CCC4FAEE2C}" destId="{09D697CF-E732-46FF-824B-473468BEB076}" srcOrd="5" destOrd="0" presId="urn:microsoft.com/office/officeart/2005/8/layout/chevron1"/>
+    <dgm:cxn modelId="{C9A0E0FC-20B1-400E-A8AF-228A5BA2703A}" type="presParOf" srcId="{9B2FD640-83E7-4FB7-9FE7-31CCC4FAEE2C}" destId="{51333ADE-49D7-4FA6-8A68-755A4133E1C9}" srcOrd="6" destOrd="0" presId="urn:microsoft.com/office/officeart/2005/8/layout/chevron1"/>
+    <dgm:cxn modelId="{83A8D404-F9C2-49C2-9CD0-D099D7BAB8BF}" type="presParOf" srcId="{9B2FD640-83E7-4FB7-9FE7-31CCC4FAEE2C}" destId="{7D0FAE13-1F80-4337-9AEE-FA064AC540FD}" srcOrd="7" destOrd="0" presId="urn:microsoft.com/office/officeart/2005/8/layout/chevron1"/>
+    <dgm:cxn modelId="{B3C98E43-2969-4177-9086-B20A95007316}" type="presParOf" srcId="{9B2FD640-83E7-4FB7-9FE7-31CCC4FAEE2C}" destId="{D9348225-5FBF-4C07-BDE0-33F6595C7462}" srcOrd="8" destOrd="0" presId="urn:microsoft.com/office/officeart/2005/8/layout/chevron1"/>
+  </dgm:cxnLst>
+  <dgm:bg/>
+  <dgm:whole/>
+  <dgm:extLst>
+    <a:ext uri="http://schemas.microsoft.com/office/drawing/2008/diagram">
+      <dsp:dataModelExt xmlns:dsp="http://schemas.microsoft.com/office/drawing/2008/diagram" relId="rId6" minVer="http://schemas.openxmlformats.org/drawingml/2006/diagram"/>
+    </a:ext>
+    <a:ext uri="{C62137D5-CB1D-491B-B009-E17868A290BF}">
+      <dgm14:recolorImg xmlns:dgm14="http://schemas.microsoft.com/office/drawing/2010/diagram" val="1"/>
+    </a:ext>
+  </dgm:extLst>
+</dgm:dataModel>
+</file>
+
+<file path=ppt/diagrams/data8.xml><?xml version="1.0" encoding="utf-8"?>
 <dgm:dataModel xmlns:dgm="http://schemas.openxmlformats.org/drawingml/2006/diagram" xmlns:a="http://schemas.openxmlformats.org/drawingml/2006/main">
   <dgm:ptLst>
     <dgm:pt modelId="{B1832389-E458-4F5F-A40A-B0991AAA8939}" type="doc">
@@ -11336,6 +12533,413 @@
 </dsp:drawing>
 </file>
 
+<file path=ppt/diagrams/drawing8.xml><?xml version="1.0" encoding="utf-8"?>
+<dsp:drawing xmlns:dgm="http://schemas.openxmlformats.org/drawingml/2006/diagram" xmlns:dsp="http://schemas.microsoft.com/office/drawing/2008/diagram" xmlns:a="http://schemas.openxmlformats.org/drawingml/2006/main">
+  <dsp:spTree>
+    <dsp:nvGrpSpPr>
+      <dsp:cNvPr id="0" name=""/>
+      <dsp:cNvGrpSpPr/>
+    </dsp:nvGrpSpPr>
+    <dsp:grpSpPr/>
+    <dsp:sp modelId="{240F66D7-5F10-4764-A2D8-9F0A4DF88587}">
+      <dsp:nvSpPr>
+        <dsp:cNvPr id="0" name=""/>
+        <dsp:cNvSpPr/>
+      </dsp:nvSpPr>
+      <dsp:spPr>
+        <a:xfrm>
+          <a:off x="2976" y="0"/>
+          <a:ext cx="2649140" cy="354564"/>
+        </a:xfrm>
+        <a:prstGeom prst="chevron">
+          <a:avLst/>
+        </a:prstGeom>
+        <a:solidFill>
+          <a:schemeClr val="bg1"/>
+        </a:solidFill>
+        <a:ln w="15875" cap="flat" cmpd="sng" algn="ctr">
+          <a:solidFill>
+            <a:srgbClr val="1482AC"/>
+          </a:solidFill>
+          <a:prstDash val="solid"/>
+        </a:ln>
+        <a:effectLst/>
+      </dsp:spPr>
+      <dsp:style>
+        <a:lnRef idx="2">
+          <a:scrgbClr r="0" g="0" b="0"/>
+        </a:lnRef>
+        <a:fillRef idx="1">
+          <a:scrgbClr r="0" g="0" b="0"/>
+        </a:fillRef>
+        <a:effectRef idx="0">
+          <a:scrgbClr r="0" g="0" b="0"/>
+        </a:effectRef>
+        <a:fontRef idx="minor">
+          <a:schemeClr val="lt1"/>
+        </a:fontRef>
+      </dsp:style>
+      <dsp:txBody>
+        <a:bodyPr spcFirstLastPara="0" vert="horz" wrap="square" lIns="92012" tIns="30671" rIns="30671" bIns="30671" numCol="1" spcCol="1270" anchor="ctr" anchorCtr="0">
+          <a:noAutofit/>
+        </a:bodyPr>
+        <a:lstStyle/>
+        <a:p>
+          <a:pPr marL="0" lvl="0" indent="0" algn="ctr" defTabSz="1022350">
+            <a:lnSpc>
+              <a:spcPct val="90000"/>
+            </a:lnSpc>
+            <a:spcBef>
+              <a:spcPct val="0"/>
+            </a:spcBef>
+            <a:spcAft>
+              <a:spcPct val="35000"/>
+            </a:spcAft>
+            <a:buNone/>
+          </a:pPr>
+          <a:r>
+            <a:rPr lang="sk-SK" sz="2300" kern="1200" dirty="0">
+              <a:solidFill>
+                <a:srgbClr val="1482AC"/>
+              </a:solidFill>
+            </a:rPr>
+            <a:t>Ovládací prvky</a:t>
+          </a:r>
+          <a:endParaRPr lang="en-US" sz="2300" kern="1200" dirty="0">
+            <a:solidFill>
+              <a:srgbClr val="1482AC"/>
+            </a:solidFill>
+          </a:endParaRPr>
+        </a:p>
+      </dsp:txBody>
+      <dsp:txXfrm>
+        <a:off x="180258" y="0"/>
+        <a:ext cx="2294576" cy="354564"/>
+      </dsp:txXfrm>
+    </dsp:sp>
+    <dsp:sp modelId="{A3E7F7F5-370E-4204-AB71-48FFB923029D}">
+      <dsp:nvSpPr>
+        <dsp:cNvPr id="0" name=""/>
+        <dsp:cNvSpPr/>
+      </dsp:nvSpPr>
+      <dsp:spPr>
+        <a:xfrm>
+          <a:off x="2387203" y="0"/>
+          <a:ext cx="2649140" cy="354564"/>
+        </a:xfrm>
+        <a:prstGeom prst="chevron">
+          <a:avLst/>
+        </a:prstGeom>
+        <a:solidFill>
+          <a:srgbClr val="1482AC"/>
+        </a:solidFill>
+        <a:ln w="15875" cap="flat" cmpd="sng" algn="ctr">
+          <a:solidFill>
+            <a:srgbClr val="1482AC"/>
+          </a:solidFill>
+          <a:prstDash val="solid"/>
+        </a:ln>
+        <a:effectLst/>
+      </dsp:spPr>
+      <dsp:style>
+        <a:lnRef idx="2">
+          <a:scrgbClr r="0" g="0" b="0"/>
+        </a:lnRef>
+        <a:fillRef idx="1">
+          <a:scrgbClr r="0" g="0" b="0"/>
+        </a:fillRef>
+        <a:effectRef idx="0">
+          <a:scrgbClr r="0" g="0" b="0"/>
+        </a:effectRef>
+        <a:fontRef idx="minor">
+          <a:schemeClr val="lt1"/>
+        </a:fontRef>
+      </dsp:style>
+      <dsp:txBody>
+        <a:bodyPr spcFirstLastPara="0" vert="horz" wrap="square" lIns="92012" tIns="30671" rIns="30671" bIns="30671" numCol="1" spcCol="1270" anchor="ctr" anchorCtr="0">
+          <a:noAutofit/>
+        </a:bodyPr>
+        <a:lstStyle/>
+        <a:p>
+          <a:pPr marL="0" lvl="0" indent="0" algn="ctr" defTabSz="1022350">
+            <a:lnSpc>
+              <a:spcPct val="90000"/>
+            </a:lnSpc>
+            <a:spcBef>
+              <a:spcPct val="0"/>
+            </a:spcBef>
+            <a:spcAft>
+              <a:spcPct val="35000"/>
+            </a:spcAft>
+            <a:buNone/>
+          </a:pPr>
+          <a:r>
+            <a:rPr lang="sk-SK" sz="2300" kern="1200" dirty="0" err="1">
+              <a:solidFill>
+                <a:schemeClr val="bg1"/>
+              </a:solidFill>
+            </a:rPr>
+            <a:t>Layouty</a:t>
+          </a:r>
+          <a:endParaRPr lang="en-US" sz="2300" kern="1200" dirty="0">
+            <a:solidFill>
+              <a:schemeClr val="bg1"/>
+            </a:solidFill>
+          </a:endParaRPr>
+        </a:p>
+      </dsp:txBody>
+      <dsp:txXfrm>
+        <a:off x="2564485" y="0"/>
+        <a:ext cx="2294576" cy="354564"/>
+      </dsp:txXfrm>
+    </dsp:sp>
+    <dsp:sp modelId="{F80FE94B-A2F8-4C46-A1F4-F44CF4574D61}">
+      <dsp:nvSpPr>
+        <dsp:cNvPr id="0" name=""/>
+        <dsp:cNvSpPr/>
+      </dsp:nvSpPr>
+      <dsp:spPr>
+        <a:xfrm>
+          <a:off x="4771429" y="0"/>
+          <a:ext cx="2649140" cy="354564"/>
+        </a:xfrm>
+        <a:prstGeom prst="chevron">
+          <a:avLst/>
+        </a:prstGeom>
+        <a:solidFill>
+          <a:schemeClr val="lt1">
+            <a:hueOff val="0"/>
+            <a:satOff val="0"/>
+            <a:lumOff val="0"/>
+            <a:alphaOff val="0"/>
+          </a:schemeClr>
+        </a:solidFill>
+        <a:ln w="15875" cap="flat" cmpd="sng" algn="ctr">
+          <a:solidFill>
+            <a:srgbClr val="1482AC"/>
+          </a:solidFill>
+          <a:prstDash val="solid"/>
+        </a:ln>
+        <a:effectLst/>
+      </dsp:spPr>
+      <dsp:style>
+        <a:lnRef idx="2">
+          <a:scrgbClr r="0" g="0" b="0"/>
+        </a:lnRef>
+        <a:fillRef idx="1">
+          <a:scrgbClr r="0" g="0" b="0"/>
+        </a:fillRef>
+        <a:effectRef idx="0">
+          <a:scrgbClr r="0" g="0" b="0"/>
+        </a:effectRef>
+        <a:fontRef idx="minor">
+          <a:schemeClr val="lt1"/>
+        </a:fontRef>
+      </dsp:style>
+      <dsp:txBody>
+        <a:bodyPr spcFirstLastPara="0" vert="horz" wrap="square" lIns="92012" tIns="30671" rIns="30671" bIns="30671" numCol="1" spcCol="1270" anchor="ctr" anchorCtr="0">
+          <a:noAutofit/>
+        </a:bodyPr>
+        <a:lstStyle/>
+        <a:p>
+          <a:pPr marL="0" lvl="0" indent="0" algn="ctr" defTabSz="1022350">
+            <a:lnSpc>
+              <a:spcPct val="90000"/>
+            </a:lnSpc>
+            <a:spcBef>
+              <a:spcPct val="0"/>
+            </a:spcBef>
+            <a:spcAft>
+              <a:spcPct val="35000"/>
+            </a:spcAft>
+            <a:buNone/>
+          </a:pPr>
+          <a:r>
+            <a:rPr lang="sk-SK" sz="2300" kern="1200" dirty="0" err="1">
+              <a:solidFill>
+                <a:srgbClr val="1482AC"/>
+              </a:solidFill>
+            </a:rPr>
+            <a:t>Navigace</a:t>
+          </a:r>
+          <a:endParaRPr lang="en-US" sz="2300" kern="1200" dirty="0">
+            <a:solidFill>
+              <a:srgbClr val="1482AC"/>
+            </a:solidFill>
+          </a:endParaRPr>
+        </a:p>
+      </dsp:txBody>
+      <dsp:txXfrm>
+        <a:off x="4948711" y="0"/>
+        <a:ext cx="2294576" cy="354564"/>
+      </dsp:txXfrm>
+    </dsp:sp>
+    <dsp:sp modelId="{51333ADE-49D7-4FA6-8A68-755A4133E1C9}">
+      <dsp:nvSpPr>
+        <dsp:cNvPr id="0" name=""/>
+        <dsp:cNvSpPr/>
+      </dsp:nvSpPr>
+      <dsp:spPr>
+        <a:xfrm>
+          <a:off x="7155656" y="0"/>
+          <a:ext cx="2649140" cy="354564"/>
+        </a:xfrm>
+        <a:prstGeom prst="chevron">
+          <a:avLst/>
+        </a:prstGeom>
+        <a:solidFill>
+          <a:schemeClr val="lt1">
+            <a:hueOff val="0"/>
+            <a:satOff val="0"/>
+            <a:lumOff val="0"/>
+            <a:alphaOff val="0"/>
+          </a:schemeClr>
+        </a:solidFill>
+        <a:ln w="15875" cap="flat" cmpd="sng" algn="ctr">
+          <a:solidFill>
+            <a:srgbClr val="1482AC"/>
+          </a:solidFill>
+          <a:prstDash val="solid"/>
+        </a:ln>
+        <a:effectLst/>
+      </dsp:spPr>
+      <dsp:style>
+        <a:lnRef idx="2">
+          <a:scrgbClr r="0" g="0" b="0"/>
+        </a:lnRef>
+        <a:fillRef idx="1">
+          <a:scrgbClr r="0" g="0" b="0"/>
+        </a:fillRef>
+        <a:effectRef idx="0">
+          <a:scrgbClr r="0" g="0" b="0"/>
+        </a:effectRef>
+        <a:fontRef idx="minor">
+          <a:schemeClr val="lt1"/>
+        </a:fontRef>
+      </dsp:style>
+      <dsp:txBody>
+        <a:bodyPr spcFirstLastPara="0" vert="horz" wrap="square" lIns="92012" tIns="30671" rIns="30671" bIns="30671" numCol="1" spcCol="1270" anchor="ctr" anchorCtr="0">
+          <a:noAutofit/>
+        </a:bodyPr>
+        <a:lstStyle/>
+        <a:p>
+          <a:pPr marL="0" lvl="0" indent="0" algn="ctr" defTabSz="1022350">
+            <a:lnSpc>
+              <a:spcPct val="90000"/>
+            </a:lnSpc>
+            <a:spcBef>
+              <a:spcPct val="0"/>
+            </a:spcBef>
+            <a:spcAft>
+              <a:spcPct val="35000"/>
+            </a:spcAft>
+            <a:buNone/>
+          </a:pPr>
+          <a:r>
+            <a:rPr lang="sk-SK" sz="2300" kern="1200" dirty="0" err="1">
+              <a:solidFill>
+                <a:srgbClr val="1482AC"/>
+              </a:solidFill>
+            </a:rPr>
+            <a:t>Styly</a:t>
+          </a:r>
+          <a:endParaRPr lang="en-US" sz="2300" kern="1200" dirty="0">
+            <a:solidFill>
+              <a:srgbClr val="1482AC"/>
+            </a:solidFill>
+          </a:endParaRPr>
+        </a:p>
+      </dsp:txBody>
+      <dsp:txXfrm>
+        <a:off x="7332938" y="0"/>
+        <a:ext cx="2294576" cy="354564"/>
+      </dsp:txXfrm>
+    </dsp:sp>
+    <dsp:sp modelId="{D9348225-5FBF-4C07-BDE0-33F6595C7462}">
+      <dsp:nvSpPr>
+        <dsp:cNvPr id="0" name=""/>
+        <dsp:cNvSpPr/>
+      </dsp:nvSpPr>
+      <dsp:spPr>
+        <a:xfrm>
+          <a:off x="9539882" y="0"/>
+          <a:ext cx="2649140" cy="354564"/>
+        </a:xfrm>
+        <a:prstGeom prst="chevron">
+          <a:avLst/>
+        </a:prstGeom>
+        <a:solidFill>
+          <a:schemeClr val="lt1">
+            <a:hueOff val="0"/>
+            <a:satOff val="0"/>
+            <a:lumOff val="0"/>
+            <a:alphaOff val="0"/>
+          </a:schemeClr>
+        </a:solidFill>
+        <a:ln w="15875" cap="flat" cmpd="sng" algn="ctr">
+          <a:solidFill>
+            <a:srgbClr val="1482AC"/>
+          </a:solidFill>
+          <a:prstDash val="solid"/>
+        </a:ln>
+        <a:effectLst/>
+      </dsp:spPr>
+      <dsp:style>
+        <a:lnRef idx="2">
+          <a:scrgbClr r="0" g="0" b="0"/>
+        </a:lnRef>
+        <a:fillRef idx="1">
+          <a:scrgbClr r="0" g="0" b="0"/>
+        </a:fillRef>
+        <a:effectRef idx="0">
+          <a:scrgbClr r="0" g="0" b="0"/>
+        </a:effectRef>
+        <a:fontRef idx="minor">
+          <a:schemeClr val="lt1"/>
+        </a:fontRef>
+      </dsp:style>
+      <dsp:txBody>
+        <a:bodyPr spcFirstLastPara="0" vert="horz" wrap="square" lIns="92012" tIns="30671" rIns="30671" bIns="30671" numCol="1" spcCol="1270" anchor="ctr" anchorCtr="0">
+          <a:noAutofit/>
+        </a:bodyPr>
+        <a:lstStyle/>
+        <a:p>
+          <a:pPr marL="0" lvl="0" indent="0" algn="ctr" defTabSz="1022350">
+            <a:lnSpc>
+              <a:spcPct val="90000"/>
+            </a:lnSpc>
+            <a:spcBef>
+              <a:spcPct val="0"/>
+            </a:spcBef>
+            <a:spcAft>
+              <a:spcPct val="35000"/>
+            </a:spcAft>
+            <a:buNone/>
+          </a:pPr>
+          <a:r>
+            <a:rPr lang="sk-SK" sz="2300" kern="1200" dirty="0" err="1">
+              <a:solidFill>
+                <a:srgbClr val="1482AC"/>
+              </a:solidFill>
+            </a:rPr>
+            <a:t>Lokalizace</a:t>
+          </a:r>
+          <a:endParaRPr lang="en-US" sz="2300" kern="1200" dirty="0">
+            <a:solidFill>
+              <a:srgbClr val="1482AC"/>
+            </a:solidFill>
+          </a:endParaRPr>
+        </a:p>
+      </dsp:txBody>
+      <dsp:txXfrm>
+        <a:off x="9717164" y="0"/>
+        <a:ext cx="2294576" cy="354564"/>
+      </dsp:txXfrm>
+    </dsp:sp>
+  </dsp:spTree>
+</dsp:drawing>
+</file>
+
 <file path=ppt/diagrams/layout1.xml><?xml version="1.0" encoding="utf-8"?>
 <dgm:layoutDef xmlns:dgm="http://schemas.openxmlformats.org/drawingml/2006/diagram" xmlns:a="http://schemas.openxmlformats.org/drawingml/2006/main" uniqueId="urn:microsoft.com/office/officeart/2005/8/layout/chevron1">
   <dgm:title val=""/>
@@ -13317,6 +14921,289 @@
 </dgm:layoutDef>
 </file>
 
+<file path=ppt/diagrams/layout8.xml><?xml version="1.0" encoding="utf-8"?>
+<dgm:layoutDef xmlns:dgm="http://schemas.openxmlformats.org/drawingml/2006/diagram" xmlns:a="http://schemas.openxmlformats.org/drawingml/2006/main" uniqueId="urn:microsoft.com/office/officeart/2005/8/layout/chevron1">
+  <dgm:title val=""/>
+  <dgm:desc val=""/>
+  <dgm:catLst>
+    <dgm:cat type="process" pri="9000"/>
+  </dgm:catLst>
+  <dgm:sampData useDef="1">
+    <dgm:dataModel>
+      <dgm:ptLst/>
+      <dgm:bg/>
+      <dgm:whole/>
+    </dgm:dataModel>
+  </dgm:sampData>
+  <dgm:styleData>
+    <dgm:dataModel>
+      <dgm:ptLst>
+        <dgm:pt modelId="0" type="doc"/>
+        <dgm:pt modelId="1"/>
+        <dgm:pt modelId="2"/>
+      </dgm:ptLst>
+      <dgm:cxnLst>
+        <dgm:cxn modelId="3" srcId="0" destId="1" srcOrd="0" destOrd="0"/>
+        <dgm:cxn modelId="4" srcId="0" destId="2" srcOrd="1" destOrd="0"/>
+      </dgm:cxnLst>
+      <dgm:bg/>
+      <dgm:whole/>
+    </dgm:dataModel>
+  </dgm:styleData>
+  <dgm:clrData>
+    <dgm:dataModel>
+      <dgm:ptLst>
+        <dgm:pt modelId="0" type="doc"/>
+        <dgm:pt modelId="1"/>
+        <dgm:pt modelId="2"/>
+        <dgm:pt modelId="3"/>
+        <dgm:pt modelId="4"/>
+      </dgm:ptLst>
+      <dgm:cxnLst>
+        <dgm:cxn modelId="5" srcId="0" destId="1" srcOrd="0" destOrd="0"/>
+        <dgm:cxn modelId="6" srcId="0" destId="2" srcOrd="1" destOrd="0"/>
+        <dgm:cxn modelId="7" srcId="0" destId="3" srcOrd="2" destOrd="0"/>
+        <dgm:cxn modelId="8" srcId="0" destId="4" srcOrd="3" destOrd="0"/>
+      </dgm:cxnLst>
+      <dgm:bg/>
+      <dgm:whole/>
+    </dgm:dataModel>
+  </dgm:clrData>
+  <dgm:layoutNode name="Name0">
+    <dgm:varLst>
+      <dgm:dir/>
+      <dgm:animLvl val="lvl"/>
+      <dgm:resizeHandles val="exact"/>
+    </dgm:varLst>
+    <dgm:choose name="Name1">
+      <dgm:if name="Name2" func="var" arg="dir" op="equ" val="norm">
+        <dgm:alg type="lin"/>
+      </dgm:if>
+      <dgm:else name="Name3">
+        <dgm:alg type="lin">
+          <dgm:param type="linDir" val="fromR"/>
+        </dgm:alg>
+      </dgm:else>
+    </dgm:choose>
+    <dgm:shape xmlns:r="http://schemas.openxmlformats.org/officeDocument/2006/relationships" r:blip="">
+      <dgm:adjLst/>
+    </dgm:shape>
+    <dgm:presOf/>
+    <dgm:choose name="Name4">
+      <dgm:if name="Name5" axis="des" func="maxDepth" op="gte" val="2">
+        <dgm:constrLst>
+          <dgm:constr type="h" for="ch" forName="composite" refType="h"/>
+          <dgm:constr type="w" for="ch" forName="composite" refType="w"/>
+          <dgm:constr type="w" for="des" forName="parTx"/>
+          <dgm:constr type="h" for="des" forName="parTx" op="equ"/>
+          <dgm:constr type="w" for="des" forName="desTx"/>
+          <dgm:constr type="h" for="des" forName="desTx" op="equ"/>
+          <dgm:constr type="primFontSz" for="des" forName="parTx" val="65"/>
+          <dgm:constr type="secFontSz" for="des" forName="desTx" refType="primFontSz" refFor="des" refForName="parTx" op="equ"/>
+          <dgm:constr type="h" for="des" forName="parTx" refType="primFontSz" refFor="des" refForName="parTx" fact="1.5"/>
+          <dgm:constr type="h" for="des" forName="desTx" refType="primFontSz" refFor="des" refForName="parTx" fact="0.5"/>
+          <dgm:constr type="w" for="ch" forName="space" op="equ" val="-6"/>
+        </dgm:constrLst>
+        <dgm:ruleLst>
+          <dgm:rule type="w" for="ch" forName="composite" val="0" fact="NaN" max="NaN"/>
+          <dgm:rule type="primFontSz" for="des" forName="parTx" val="5" fact="NaN" max="NaN"/>
+        </dgm:ruleLst>
+        <dgm:forEach name="Name6" axis="ch" ptType="node">
+          <dgm:layoutNode name="composite">
+            <dgm:alg type="composite"/>
+            <dgm:shape xmlns:r="http://schemas.openxmlformats.org/officeDocument/2006/relationships" r:blip="">
+              <dgm:adjLst/>
+            </dgm:shape>
+            <dgm:presOf/>
+            <dgm:choose name="Name7">
+              <dgm:if name="Name8" func="var" arg="dir" op="equ" val="norm">
+                <dgm:constrLst>
+                  <dgm:constr type="l" for="ch" forName="parTx"/>
+                  <dgm:constr type="w" for="ch" forName="parTx" refType="w"/>
+                  <dgm:constr type="t" for="ch" forName="parTx"/>
+                  <dgm:constr type="l" for="ch" forName="desTx"/>
+                  <dgm:constr type="w" for="ch" forName="desTx" refType="w" refFor="ch" refForName="parTx" fact="0.8"/>
+                  <dgm:constr type="t" for="ch" forName="desTx" refType="h" refFor="ch" refForName="parTx" fact="1.125"/>
+                </dgm:constrLst>
+              </dgm:if>
+              <dgm:else name="Name9">
+                <dgm:constrLst>
+                  <dgm:constr type="l" for="ch" forName="parTx"/>
+                  <dgm:constr type="w" for="ch" forName="parTx" refType="w"/>
+                  <dgm:constr type="t" for="ch" forName="parTx"/>
+                  <dgm:constr type="l" for="ch" forName="desTx" refType="w" fact="0.2"/>
+                  <dgm:constr type="w" for="ch" forName="desTx" refType="w" refFor="ch" refForName="parTx" fact="0.8"/>
+                  <dgm:constr type="t" for="ch" forName="desTx" refType="h" refFor="ch" refForName="parTx" fact="1.125"/>
+                </dgm:constrLst>
+              </dgm:else>
+            </dgm:choose>
+            <dgm:ruleLst>
+              <dgm:rule type="h" val="INF" fact="NaN" max="NaN"/>
+            </dgm:ruleLst>
+            <dgm:layoutNode name="parTx">
+              <dgm:varLst>
+                <dgm:chMax val="0"/>
+                <dgm:chPref val="0"/>
+                <dgm:bulletEnabled val="1"/>
+              </dgm:varLst>
+              <dgm:alg type="tx"/>
+              <dgm:choose name="Name10">
+                <dgm:if name="Name11" func="var" arg="dir" op="equ" val="norm">
+                  <dgm:shape xmlns:r="http://schemas.openxmlformats.org/officeDocument/2006/relationships" type="chevron" r:blip="">
+                    <dgm:adjLst/>
+                  </dgm:shape>
+                </dgm:if>
+                <dgm:else name="Name12">
+                  <dgm:shape xmlns:r="http://schemas.openxmlformats.org/officeDocument/2006/relationships" rot="180" type="chevron" r:blip="">
+                    <dgm:adjLst/>
+                  </dgm:shape>
+                </dgm:else>
+              </dgm:choose>
+              <dgm:presOf axis="self" ptType="node"/>
+              <dgm:choose name="Name13">
+                <dgm:if name="Name14" func="var" arg="dir" op="equ" val="norm">
+                  <dgm:constrLst>
+                    <dgm:constr type="h" refType="w" op="lte" fact="0.4"/>
+                    <dgm:constr type="h"/>
+                    <dgm:constr type="tMarg" refType="primFontSz" fact="0.105"/>
+                    <dgm:constr type="bMarg" refType="primFontSz" fact="0.105"/>
+                    <dgm:constr type="lMarg" refType="primFontSz" fact="0.315"/>
+                    <dgm:constr type="rMarg" refType="primFontSz" fact="0.105"/>
+                  </dgm:constrLst>
+                </dgm:if>
+                <dgm:else name="Name15">
+                  <dgm:constrLst>
+                    <dgm:constr type="h" refType="w" op="lte" fact="0.4"/>
+                    <dgm:constr type="h"/>
+                    <dgm:constr type="tMarg" refType="primFontSz" fact="0.105"/>
+                    <dgm:constr type="bMarg" refType="primFontSz" fact="0.105"/>
+                    <dgm:constr type="lMarg" refType="primFontSz" fact="0.105"/>
+                    <dgm:constr type="rMarg" refType="primFontSz" fact="0.315"/>
+                  </dgm:constrLst>
+                </dgm:else>
+              </dgm:choose>
+              <dgm:ruleLst>
+                <dgm:rule type="h" val="INF" fact="NaN" max="NaN"/>
+              </dgm:ruleLst>
+            </dgm:layoutNode>
+            <dgm:layoutNode name="desTx" styleLbl="revTx">
+              <dgm:varLst>
+                <dgm:bulletEnabled val="1"/>
+              </dgm:varLst>
+              <dgm:alg type="tx">
+                <dgm:param type="stBulletLvl" val="1"/>
+              </dgm:alg>
+              <dgm:choose name="Name16">
+                <dgm:if name="Name17" axis="ch" ptType="node" func="cnt" op="gte" val="1">
+                  <dgm:shape xmlns:r="http://schemas.openxmlformats.org/officeDocument/2006/relationships" type="rect" r:blip="">
+                    <dgm:adjLst/>
+                  </dgm:shape>
+                </dgm:if>
+                <dgm:else name="Name18">
+                  <dgm:shape xmlns:r="http://schemas.openxmlformats.org/officeDocument/2006/relationships" type="rect" r:blip="" hideGeom="1">
+                    <dgm:adjLst/>
+                  </dgm:shape>
+                </dgm:else>
+              </dgm:choose>
+              <dgm:presOf axis="des" ptType="node"/>
+              <dgm:constrLst>
+                <dgm:constr type="secFontSz" val="65"/>
+                <dgm:constr type="primFontSz" refType="secFontSz"/>
+                <dgm:constr type="h"/>
+                <dgm:constr type="tMarg"/>
+                <dgm:constr type="bMarg"/>
+                <dgm:constr type="rMarg"/>
+                <dgm:constr type="lMarg"/>
+              </dgm:constrLst>
+              <dgm:ruleLst>
+                <dgm:rule type="h" val="INF" fact="NaN" max="NaN"/>
+              </dgm:ruleLst>
+            </dgm:layoutNode>
+          </dgm:layoutNode>
+          <dgm:forEach name="Name19" axis="followSib" ptType="sibTrans" cnt="1">
+            <dgm:layoutNode name="space">
+              <dgm:alg type="sp"/>
+              <dgm:shape xmlns:r="http://schemas.openxmlformats.org/officeDocument/2006/relationships" r:blip="">
+                <dgm:adjLst/>
+              </dgm:shape>
+              <dgm:presOf/>
+              <dgm:constrLst/>
+              <dgm:ruleLst/>
+            </dgm:layoutNode>
+          </dgm:forEach>
+        </dgm:forEach>
+      </dgm:if>
+      <dgm:else name="Name20">
+        <dgm:constrLst>
+          <dgm:constr type="w" for="ch" forName="parTxOnly" refType="w"/>
+          <dgm:constr type="h" for="des" forName="parTxOnly" op="equ"/>
+          <dgm:constr type="primFontSz" for="des" forName="parTxOnly" op="equ" val="65"/>
+          <dgm:constr type="w" for="ch" forName="parTxOnlySpace" refType="w" refFor="ch" refForName="parTxOnly" fact="-0.1"/>
+        </dgm:constrLst>
+        <dgm:ruleLst/>
+        <dgm:forEach name="Name21" axis="ch" ptType="node">
+          <dgm:layoutNode name="parTxOnly">
+            <dgm:varLst>
+              <dgm:chMax val="0"/>
+              <dgm:chPref val="0"/>
+              <dgm:bulletEnabled val="1"/>
+            </dgm:varLst>
+            <dgm:alg type="tx"/>
+            <dgm:choose name="Name22">
+              <dgm:if name="Name23" func="var" arg="dir" op="equ" val="norm">
+                <dgm:shape xmlns:r="http://schemas.openxmlformats.org/officeDocument/2006/relationships" type="chevron" r:blip="">
+                  <dgm:adjLst/>
+                </dgm:shape>
+              </dgm:if>
+              <dgm:else name="Name24">
+                <dgm:shape xmlns:r="http://schemas.openxmlformats.org/officeDocument/2006/relationships" rot="180" type="chevron" r:blip="">
+                  <dgm:adjLst/>
+                </dgm:shape>
+              </dgm:else>
+            </dgm:choose>
+            <dgm:presOf axis="self" ptType="node"/>
+            <dgm:choose name="Name25">
+              <dgm:if name="Name26" func="var" arg="dir" op="equ" val="norm">
+                <dgm:constrLst>
+                  <dgm:constr type="h" refType="w" op="equ" fact="0.4"/>
+                  <dgm:constr type="tMarg" refType="primFontSz" fact="0.105"/>
+                  <dgm:constr type="bMarg" refType="primFontSz" fact="0.105"/>
+                  <dgm:constr type="lMarg" refType="primFontSz" fact="0.315"/>
+                  <dgm:constr type="rMarg" refType="primFontSz" fact="0.105"/>
+                </dgm:constrLst>
+              </dgm:if>
+              <dgm:else name="Name27">
+                <dgm:constrLst>
+                  <dgm:constr type="h" refType="w" op="equ" fact="0.4"/>
+                  <dgm:constr type="tMarg" refType="primFontSz" fact="0.105"/>
+                  <dgm:constr type="bMarg" refType="primFontSz" fact="0.105"/>
+                  <dgm:constr type="lMarg" refType="primFontSz" fact="0.105"/>
+                  <dgm:constr type="rMarg" refType="primFontSz" fact="0.315"/>
+                </dgm:constrLst>
+              </dgm:else>
+            </dgm:choose>
+            <dgm:ruleLst>
+              <dgm:rule type="primFontSz" val="5" fact="NaN" max="NaN"/>
+            </dgm:ruleLst>
+          </dgm:layoutNode>
+          <dgm:forEach name="Name28" axis="followSib" ptType="sibTrans" cnt="1">
+            <dgm:layoutNode name="parTxOnlySpace">
+              <dgm:alg type="sp"/>
+              <dgm:shape xmlns:r="http://schemas.openxmlformats.org/officeDocument/2006/relationships" r:blip="">
+                <dgm:adjLst/>
+              </dgm:shape>
+              <dgm:presOf/>
+              <dgm:constrLst/>
+              <dgm:ruleLst/>
+            </dgm:layoutNode>
+          </dgm:forEach>
+        </dgm:forEach>
+      </dgm:else>
+    </dgm:choose>
+  </dgm:layoutNode>
+</dgm:layoutDef>
+</file>
+
 <file path=ppt/diagrams/quickStyle1.xml><?xml version="1.0" encoding="utf-8"?>
 <dgm:styleDef xmlns:dgm="http://schemas.openxmlformats.org/drawingml/2006/diagram" xmlns:a="http://schemas.openxmlformats.org/drawingml/2006/main" uniqueId="urn:microsoft.com/office/officeart/2005/8/quickstyle/simple1">
   <dgm:title val=""/>
@@ -19522,6 +21409,1040 @@
 </file>
 
 <file path=ppt/diagrams/quickStyle7.xml><?xml version="1.0" encoding="utf-8"?>
+<dgm:styleDef xmlns:dgm="http://schemas.openxmlformats.org/drawingml/2006/diagram" xmlns:a="http://schemas.openxmlformats.org/drawingml/2006/main" uniqueId="urn:microsoft.com/office/officeart/2005/8/quickstyle/simple1">
+  <dgm:title val=""/>
+  <dgm:desc val=""/>
+  <dgm:catLst>
+    <dgm:cat type="simple" pri="10100"/>
+  </dgm:catLst>
+  <dgm:scene3d>
+    <a:camera prst="orthographicFront"/>
+    <a:lightRig rig="threePt" dir="t"/>
+  </dgm:scene3d>
+  <dgm:styleLbl name="node0">
+    <dgm:scene3d>
+      <a:camera prst="orthographicFront"/>
+      <a:lightRig rig="threePt" dir="t"/>
+    </dgm:scene3d>
+    <dgm:sp3d/>
+    <dgm:txPr/>
+    <dgm:style>
+      <a:lnRef idx="2">
+        <a:scrgbClr r="0" g="0" b="0"/>
+      </a:lnRef>
+      <a:fillRef idx="1">
+        <a:scrgbClr r="0" g="0" b="0"/>
+      </a:fillRef>
+      <a:effectRef idx="0">
+        <a:scrgbClr r="0" g="0" b="0"/>
+      </a:effectRef>
+      <a:fontRef idx="minor">
+        <a:schemeClr val="lt1"/>
+      </a:fontRef>
+    </dgm:style>
+  </dgm:styleLbl>
+  <dgm:styleLbl name="lnNode1">
+    <dgm:scene3d>
+      <a:camera prst="orthographicFront"/>
+      <a:lightRig rig="threePt" dir="t"/>
+    </dgm:scene3d>
+    <dgm:sp3d/>
+    <dgm:txPr/>
+    <dgm:style>
+      <a:lnRef idx="2">
+        <a:scrgbClr r="0" g="0" b="0"/>
+      </a:lnRef>
+      <a:fillRef idx="1">
+        <a:scrgbClr r="0" g="0" b="0"/>
+      </a:fillRef>
+      <a:effectRef idx="0">
+        <a:scrgbClr r="0" g="0" b="0"/>
+      </a:effectRef>
+      <a:fontRef idx="minor">
+        <a:schemeClr val="lt1"/>
+      </a:fontRef>
+    </dgm:style>
+  </dgm:styleLbl>
+  <dgm:styleLbl name="vennNode1">
+    <dgm:scene3d>
+      <a:camera prst="orthographicFront"/>
+      <a:lightRig rig="threePt" dir="t"/>
+    </dgm:scene3d>
+    <dgm:sp3d/>
+    <dgm:txPr/>
+    <dgm:style>
+      <a:lnRef idx="2">
+        <a:scrgbClr r="0" g="0" b="0"/>
+      </a:lnRef>
+      <a:fillRef idx="1">
+        <a:scrgbClr r="0" g="0" b="0"/>
+      </a:fillRef>
+      <a:effectRef idx="0">
+        <a:scrgbClr r="0" g="0" b="0"/>
+      </a:effectRef>
+      <a:fontRef idx="minor">
+        <a:schemeClr val="tx1"/>
+      </a:fontRef>
+    </dgm:style>
+  </dgm:styleLbl>
+  <dgm:styleLbl name="alignNode1">
+    <dgm:scene3d>
+      <a:camera prst="orthographicFront"/>
+      <a:lightRig rig="threePt" dir="t"/>
+    </dgm:scene3d>
+    <dgm:sp3d/>
+    <dgm:txPr/>
+    <dgm:style>
+      <a:lnRef idx="2">
+        <a:scrgbClr r="0" g="0" b="0"/>
+      </a:lnRef>
+      <a:fillRef idx="1">
+        <a:scrgbClr r="0" g="0" b="0"/>
+      </a:fillRef>
+      <a:effectRef idx="0">
+        <a:scrgbClr r="0" g="0" b="0"/>
+      </a:effectRef>
+      <a:fontRef idx="minor">
+        <a:schemeClr val="lt1"/>
+      </a:fontRef>
+    </dgm:style>
+  </dgm:styleLbl>
+  <dgm:styleLbl name="node1">
+    <dgm:scene3d>
+      <a:camera prst="orthographicFront"/>
+      <a:lightRig rig="threePt" dir="t"/>
+    </dgm:scene3d>
+    <dgm:sp3d/>
+    <dgm:txPr/>
+    <dgm:style>
+      <a:lnRef idx="2">
+        <a:scrgbClr r="0" g="0" b="0"/>
+      </a:lnRef>
+      <a:fillRef idx="1">
+        <a:scrgbClr r="0" g="0" b="0"/>
+      </a:fillRef>
+      <a:effectRef idx="0">
+        <a:scrgbClr r="0" g="0" b="0"/>
+      </a:effectRef>
+      <a:fontRef idx="minor">
+        <a:schemeClr val="lt1"/>
+      </a:fontRef>
+    </dgm:style>
+  </dgm:styleLbl>
+  <dgm:styleLbl name="node2">
+    <dgm:scene3d>
+      <a:camera prst="orthographicFront"/>
+      <a:lightRig rig="threePt" dir="t"/>
+    </dgm:scene3d>
+    <dgm:sp3d/>
+    <dgm:txPr/>
+    <dgm:style>
+      <a:lnRef idx="2">
+        <a:scrgbClr r="0" g="0" b="0"/>
+      </a:lnRef>
+      <a:fillRef idx="1">
+        <a:scrgbClr r="0" g="0" b="0"/>
+      </a:fillRef>
+      <a:effectRef idx="0">
+        <a:scrgbClr r="0" g="0" b="0"/>
+      </a:effectRef>
+      <a:fontRef idx="minor">
+        <a:schemeClr val="lt1"/>
+      </a:fontRef>
+    </dgm:style>
+  </dgm:styleLbl>
+  <dgm:styleLbl name="node3">
+    <dgm:scene3d>
+      <a:camera prst="orthographicFront"/>
+      <a:lightRig rig="threePt" dir="t"/>
+    </dgm:scene3d>
+    <dgm:sp3d/>
+    <dgm:txPr/>
+    <dgm:style>
+      <a:lnRef idx="2">
+        <a:scrgbClr r="0" g="0" b="0"/>
+      </a:lnRef>
+      <a:fillRef idx="1">
+        <a:scrgbClr r="0" g="0" b="0"/>
+      </a:fillRef>
+      <a:effectRef idx="0">
+        <a:scrgbClr r="0" g="0" b="0"/>
+      </a:effectRef>
+      <a:fontRef idx="minor">
+        <a:schemeClr val="lt1"/>
+      </a:fontRef>
+    </dgm:style>
+  </dgm:styleLbl>
+  <dgm:styleLbl name="node4">
+    <dgm:scene3d>
+      <a:camera prst="orthographicFront"/>
+      <a:lightRig rig="threePt" dir="t"/>
+    </dgm:scene3d>
+    <dgm:sp3d/>
+    <dgm:txPr/>
+    <dgm:style>
+      <a:lnRef idx="2">
+        <a:scrgbClr r="0" g="0" b="0"/>
+      </a:lnRef>
+      <a:fillRef idx="1">
+        <a:scrgbClr r="0" g="0" b="0"/>
+      </a:fillRef>
+      <a:effectRef idx="0">
+        <a:scrgbClr r="0" g="0" b="0"/>
+      </a:effectRef>
+      <a:fontRef idx="minor">
+        <a:schemeClr val="lt1"/>
+      </a:fontRef>
+    </dgm:style>
+  </dgm:styleLbl>
+  <dgm:styleLbl name="fgImgPlace1">
+    <dgm:scene3d>
+      <a:camera prst="orthographicFront"/>
+      <a:lightRig rig="threePt" dir="t"/>
+    </dgm:scene3d>
+    <dgm:sp3d/>
+    <dgm:txPr/>
+    <dgm:style>
+      <a:lnRef idx="2">
+        <a:scrgbClr r="0" g="0" b="0"/>
+      </a:lnRef>
+      <a:fillRef idx="1">
+        <a:scrgbClr r="0" g="0" b="0"/>
+      </a:fillRef>
+      <a:effectRef idx="0">
+        <a:scrgbClr r="0" g="0" b="0"/>
+      </a:effectRef>
+      <a:fontRef idx="minor"/>
+    </dgm:style>
+  </dgm:styleLbl>
+  <dgm:styleLbl name="alignImgPlace1">
+    <dgm:scene3d>
+      <a:camera prst="orthographicFront"/>
+      <a:lightRig rig="threePt" dir="t"/>
+    </dgm:scene3d>
+    <dgm:sp3d/>
+    <dgm:txPr/>
+    <dgm:style>
+      <a:lnRef idx="2">
+        <a:scrgbClr r="0" g="0" b="0"/>
+      </a:lnRef>
+      <a:fillRef idx="1">
+        <a:scrgbClr r="0" g="0" b="0"/>
+      </a:fillRef>
+      <a:effectRef idx="0">
+        <a:scrgbClr r="0" g="0" b="0"/>
+      </a:effectRef>
+      <a:fontRef idx="minor"/>
+    </dgm:style>
+  </dgm:styleLbl>
+  <dgm:styleLbl name="bgImgPlace1">
+    <dgm:scene3d>
+      <a:camera prst="orthographicFront"/>
+      <a:lightRig rig="threePt" dir="t"/>
+    </dgm:scene3d>
+    <dgm:sp3d/>
+    <dgm:txPr/>
+    <dgm:style>
+      <a:lnRef idx="2">
+        <a:scrgbClr r="0" g="0" b="0"/>
+      </a:lnRef>
+      <a:fillRef idx="1">
+        <a:scrgbClr r="0" g="0" b="0"/>
+      </a:fillRef>
+      <a:effectRef idx="0">
+        <a:scrgbClr r="0" g="0" b="0"/>
+      </a:effectRef>
+      <a:fontRef idx="minor"/>
+    </dgm:style>
+  </dgm:styleLbl>
+  <dgm:styleLbl name="sibTrans2D1">
+    <dgm:scene3d>
+      <a:camera prst="orthographicFront"/>
+      <a:lightRig rig="threePt" dir="t"/>
+    </dgm:scene3d>
+    <dgm:sp3d/>
+    <dgm:txPr/>
+    <dgm:style>
+      <a:lnRef idx="0">
+        <a:scrgbClr r="0" g="0" b="0"/>
+      </a:lnRef>
+      <a:fillRef idx="1">
+        <a:scrgbClr r="0" g="0" b="0"/>
+      </a:fillRef>
+      <a:effectRef idx="0">
+        <a:scrgbClr r="0" g="0" b="0"/>
+      </a:effectRef>
+      <a:fontRef idx="minor">
+        <a:schemeClr val="lt1"/>
+      </a:fontRef>
+    </dgm:style>
+  </dgm:styleLbl>
+  <dgm:styleLbl name="fgSibTrans2D1">
+    <dgm:scene3d>
+      <a:camera prst="orthographicFront"/>
+      <a:lightRig rig="threePt" dir="t"/>
+    </dgm:scene3d>
+    <dgm:sp3d/>
+    <dgm:txPr/>
+    <dgm:style>
+      <a:lnRef idx="0">
+        <a:scrgbClr r="0" g="0" b="0"/>
+      </a:lnRef>
+      <a:fillRef idx="1">
+        <a:scrgbClr r="0" g="0" b="0"/>
+      </a:fillRef>
+      <a:effectRef idx="0">
+        <a:scrgbClr r="0" g="0" b="0"/>
+      </a:effectRef>
+      <a:fontRef idx="minor">
+        <a:schemeClr val="lt1"/>
+      </a:fontRef>
+    </dgm:style>
+  </dgm:styleLbl>
+  <dgm:styleLbl name="bgSibTrans2D1">
+    <dgm:scene3d>
+      <a:camera prst="orthographicFront"/>
+      <a:lightRig rig="threePt" dir="t"/>
+    </dgm:scene3d>
+    <dgm:sp3d/>
+    <dgm:txPr/>
+    <dgm:style>
+      <a:lnRef idx="0">
+        <a:scrgbClr r="0" g="0" b="0"/>
+      </a:lnRef>
+      <a:fillRef idx="1">
+        <a:scrgbClr r="0" g="0" b="0"/>
+      </a:fillRef>
+      <a:effectRef idx="0">
+        <a:scrgbClr r="0" g="0" b="0"/>
+      </a:effectRef>
+      <a:fontRef idx="minor">
+        <a:schemeClr val="lt1"/>
+      </a:fontRef>
+    </dgm:style>
+  </dgm:styleLbl>
+  <dgm:styleLbl name="sibTrans1D1">
+    <dgm:scene3d>
+      <a:camera prst="orthographicFront"/>
+      <a:lightRig rig="threePt" dir="t"/>
+    </dgm:scene3d>
+    <dgm:sp3d/>
+    <dgm:txPr/>
+    <dgm:style>
+      <a:lnRef idx="1">
+        <a:scrgbClr r="0" g="0" b="0"/>
+      </a:lnRef>
+      <a:fillRef idx="0">
+        <a:scrgbClr r="0" g="0" b="0"/>
+      </a:fillRef>
+      <a:effectRef idx="0">
+        <a:scrgbClr r="0" g="0" b="0"/>
+      </a:effectRef>
+      <a:fontRef idx="minor"/>
+    </dgm:style>
+  </dgm:styleLbl>
+  <dgm:styleLbl name="callout">
+    <dgm:scene3d>
+      <a:camera prst="orthographicFront"/>
+      <a:lightRig rig="threePt" dir="t"/>
+    </dgm:scene3d>
+    <dgm:sp3d/>
+    <dgm:txPr/>
+    <dgm:style>
+      <a:lnRef idx="2">
+        <a:scrgbClr r="0" g="0" b="0"/>
+      </a:lnRef>
+      <a:fillRef idx="1">
+        <a:scrgbClr r="0" g="0" b="0"/>
+      </a:fillRef>
+      <a:effectRef idx="0">
+        <a:scrgbClr r="0" g="0" b="0"/>
+      </a:effectRef>
+      <a:fontRef idx="minor"/>
+    </dgm:style>
+  </dgm:styleLbl>
+  <dgm:styleLbl name="asst0">
+    <dgm:scene3d>
+      <a:camera prst="orthographicFront"/>
+      <a:lightRig rig="threePt" dir="t"/>
+    </dgm:scene3d>
+    <dgm:sp3d/>
+    <dgm:txPr/>
+    <dgm:style>
+      <a:lnRef idx="2">
+        <a:scrgbClr r="0" g="0" b="0"/>
+      </a:lnRef>
+      <a:fillRef idx="1">
+        <a:scrgbClr r="0" g="0" b="0"/>
+      </a:fillRef>
+      <a:effectRef idx="0">
+        <a:scrgbClr r="0" g="0" b="0"/>
+      </a:effectRef>
+      <a:fontRef idx="minor">
+        <a:schemeClr val="lt1"/>
+      </a:fontRef>
+    </dgm:style>
+  </dgm:styleLbl>
+  <dgm:styleLbl name="asst1">
+    <dgm:scene3d>
+      <a:camera prst="orthographicFront"/>
+      <a:lightRig rig="threePt" dir="t"/>
+    </dgm:scene3d>
+    <dgm:sp3d/>
+    <dgm:txPr/>
+    <dgm:style>
+      <a:lnRef idx="2">
+        <a:scrgbClr r="0" g="0" b="0"/>
+      </a:lnRef>
+      <a:fillRef idx="1">
+        <a:scrgbClr r="0" g="0" b="0"/>
+      </a:fillRef>
+      <a:effectRef idx="0">
+        <a:scrgbClr r="0" g="0" b="0"/>
+      </a:effectRef>
+      <a:fontRef idx="minor">
+        <a:schemeClr val="lt1"/>
+      </a:fontRef>
+    </dgm:style>
+  </dgm:styleLbl>
+  <dgm:styleLbl name="asst2">
+    <dgm:scene3d>
+      <a:camera prst="orthographicFront"/>
+      <a:lightRig rig="threePt" dir="t"/>
+    </dgm:scene3d>
+    <dgm:sp3d/>
+    <dgm:txPr/>
+    <dgm:style>
+      <a:lnRef idx="2">
+        <a:scrgbClr r="0" g="0" b="0"/>
+      </a:lnRef>
+      <a:fillRef idx="1">
+        <a:scrgbClr r="0" g="0" b="0"/>
+      </a:fillRef>
+      <a:effectRef idx="0">
+        <a:scrgbClr r="0" g="0" b="0"/>
+      </a:effectRef>
+      <a:fontRef idx="minor">
+        <a:schemeClr val="lt1"/>
+      </a:fontRef>
+    </dgm:style>
+  </dgm:styleLbl>
+  <dgm:styleLbl name="asst3">
+    <dgm:scene3d>
+      <a:camera prst="orthographicFront"/>
+      <a:lightRig rig="threePt" dir="t"/>
+    </dgm:scene3d>
+    <dgm:sp3d/>
+    <dgm:txPr/>
+    <dgm:style>
+      <a:lnRef idx="2">
+        <a:scrgbClr r="0" g="0" b="0"/>
+      </a:lnRef>
+      <a:fillRef idx="1">
+        <a:scrgbClr r="0" g="0" b="0"/>
+      </a:fillRef>
+      <a:effectRef idx="0">
+        <a:scrgbClr r="0" g="0" b="0"/>
+      </a:effectRef>
+      <a:fontRef idx="minor">
+        <a:schemeClr val="lt1"/>
+      </a:fontRef>
+    </dgm:style>
+  </dgm:styleLbl>
+  <dgm:styleLbl name="asst4">
+    <dgm:scene3d>
+      <a:camera prst="orthographicFront"/>
+      <a:lightRig rig="threePt" dir="t"/>
+    </dgm:scene3d>
+    <dgm:sp3d/>
+    <dgm:txPr/>
+    <dgm:style>
+      <a:lnRef idx="2">
+        <a:scrgbClr r="0" g="0" b="0"/>
+      </a:lnRef>
+      <a:fillRef idx="1">
+        <a:scrgbClr r="0" g="0" b="0"/>
+      </a:fillRef>
+      <a:effectRef idx="0">
+        <a:scrgbClr r="0" g="0" b="0"/>
+      </a:effectRef>
+      <a:fontRef idx="minor">
+        <a:schemeClr val="lt1"/>
+      </a:fontRef>
+    </dgm:style>
+  </dgm:styleLbl>
+  <dgm:styleLbl name="parChTrans2D1">
+    <dgm:scene3d>
+      <a:camera prst="orthographicFront"/>
+      <a:lightRig rig="threePt" dir="t"/>
+    </dgm:scene3d>
+    <dgm:sp3d/>
+    <dgm:txPr/>
+    <dgm:style>
+      <a:lnRef idx="2">
+        <a:scrgbClr r="0" g="0" b="0"/>
+      </a:lnRef>
+      <a:fillRef idx="1">
+        <a:scrgbClr r="0" g="0" b="0"/>
+      </a:fillRef>
+      <a:effectRef idx="0">
+        <a:scrgbClr r="0" g="0" b="0"/>
+      </a:effectRef>
+      <a:fontRef idx="minor">
+        <a:schemeClr val="lt1"/>
+      </a:fontRef>
+    </dgm:style>
+  </dgm:styleLbl>
+  <dgm:styleLbl name="parChTrans2D2">
+    <dgm:scene3d>
+      <a:camera prst="orthographicFront"/>
+      <a:lightRig rig="threePt" dir="t"/>
+    </dgm:scene3d>
+    <dgm:sp3d/>
+    <dgm:txPr/>
+    <dgm:style>
+      <a:lnRef idx="2">
+        <a:scrgbClr r="0" g="0" b="0"/>
+      </a:lnRef>
+      <a:fillRef idx="1">
+        <a:scrgbClr r="0" g="0" b="0"/>
+      </a:fillRef>
+      <a:effectRef idx="0">
+        <a:scrgbClr r="0" g="0" b="0"/>
+      </a:effectRef>
+      <a:fontRef idx="minor">
+        <a:schemeClr val="lt1"/>
+      </a:fontRef>
+    </dgm:style>
+  </dgm:styleLbl>
+  <dgm:styleLbl name="parChTrans2D3">
+    <dgm:scene3d>
+      <a:camera prst="orthographicFront"/>
+      <a:lightRig rig="threePt" dir="t"/>
+    </dgm:scene3d>
+    <dgm:sp3d/>
+    <dgm:txPr/>
+    <dgm:style>
+      <a:lnRef idx="2">
+        <a:scrgbClr r="0" g="0" b="0"/>
+      </a:lnRef>
+      <a:fillRef idx="1">
+        <a:scrgbClr r="0" g="0" b="0"/>
+      </a:fillRef>
+      <a:effectRef idx="0">
+        <a:scrgbClr r="0" g="0" b="0"/>
+      </a:effectRef>
+      <a:fontRef idx="minor">
+        <a:schemeClr val="lt1"/>
+      </a:fontRef>
+    </dgm:style>
+  </dgm:styleLbl>
+  <dgm:styleLbl name="parChTrans2D4">
+    <dgm:scene3d>
+      <a:camera prst="orthographicFront"/>
+      <a:lightRig rig="threePt" dir="t"/>
+    </dgm:scene3d>
+    <dgm:sp3d/>
+    <dgm:txPr/>
+    <dgm:style>
+      <a:lnRef idx="2">
+        <a:scrgbClr r="0" g="0" b="0"/>
+      </a:lnRef>
+      <a:fillRef idx="1">
+        <a:scrgbClr r="0" g="0" b="0"/>
+      </a:fillRef>
+      <a:effectRef idx="0">
+        <a:scrgbClr r="0" g="0" b="0"/>
+      </a:effectRef>
+      <a:fontRef idx="minor">
+        <a:schemeClr val="lt1"/>
+      </a:fontRef>
+    </dgm:style>
+  </dgm:styleLbl>
+  <dgm:styleLbl name="parChTrans1D1">
+    <dgm:scene3d>
+      <a:camera prst="orthographicFront"/>
+      <a:lightRig rig="threePt" dir="t"/>
+    </dgm:scene3d>
+    <dgm:sp3d/>
+    <dgm:txPr/>
+    <dgm:style>
+      <a:lnRef idx="2">
+        <a:scrgbClr r="0" g="0" b="0"/>
+      </a:lnRef>
+      <a:fillRef idx="0">
+        <a:scrgbClr r="0" g="0" b="0"/>
+      </a:fillRef>
+      <a:effectRef idx="0">
+        <a:scrgbClr r="0" g="0" b="0"/>
+      </a:effectRef>
+      <a:fontRef idx="minor"/>
+    </dgm:style>
+  </dgm:styleLbl>
+  <dgm:styleLbl name="parChTrans1D2">
+    <dgm:scene3d>
+      <a:camera prst="orthographicFront"/>
+      <a:lightRig rig="threePt" dir="t"/>
+    </dgm:scene3d>
+    <dgm:sp3d/>
+    <dgm:txPr/>
+    <dgm:style>
+      <a:lnRef idx="2">
+        <a:scrgbClr r="0" g="0" b="0"/>
+      </a:lnRef>
+      <a:fillRef idx="0">
+        <a:scrgbClr r="0" g="0" b="0"/>
+      </a:fillRef>
+      <a:effectRef idx="0">
+        <a:scrgbClr r="0" g="0" b="0"/>
+      </a:effectRef>
+      <a:fontRef idx="minor"/>
+    </dgm:style>
+  </dgm:styleLbl>
+  <dgm:styleLbl name="parChTrans1D3">
+    <dgm:scene3d>
+      <a:camera prst="orthographicFront"/>
+      <a:lightRig rig="threePt" dir="t"/>
+    </dgm:scene3d>
+    <dgm:sp3d/>
+    <dgm:txPr/>
+    <dgm:style>
+      <a:lnRef idx="2">
+        <a:scrgbClr r="0" g="0" b="0"/>
+      </a:lnRef>
+      <a:fillRef idx="0">
+        <a:scrgbClr r="0" g="0" b="0"/>
+      </a:fillRef>
+      <a:effectRef idx="0">
+        <a:scrgbClr r="0" g="0" b="0"/>
+      </a:effectRef>
+      <a:fontRef idx="minor"/>
+    </dgm:style>
+  </dgm:styleLbl>
+  <dgm:styleLbl name="parChTrans1D4">
+    <dgm:scene3d>
+      <a:camera prst="orthographicFront"/>
+      <a:lightRig rig="threePt" dir="t"/>
+    </dgm:scene3d>
+    <dgm:sp3d/>
+    <dgm:txPr/>
+    <dgm:style>
+      <a:lnRef idx="2">
+        <a:scrgbClr r="0" g="0" b="0"/>
+      </a:lnRef>
+      <a:fillRef idx="0">
+        <a:scrgbClr r="0" g="0" b="0"/>
+      </a:fillRef>
+      <a:effectRef idx="0">
+        <a:scrgbClr r="0" g="0" b="0"/>
+      </a:effectRef>
+      <a:fontRef idx="minor"/>
+    </dgm:style>
+  </dgm:styleLbl>
+  <dgm:styleLbl name="fgAcc1">
+    <dgm:scene3d>
+      <a:camera prst="orthographicFront"/>
+      <a:lightRig rig="threePt" dir="t"/>
+    </dgm:scene3d>
+    <dgm:sp3d/>
+    <dgm:txPr/>
+    <dgm:style>
+      <a:lnRef idx="2">
+        <a:scrgbClr r="0" g="0" b="0"/>
+      </a:lnRef>
+      <a:fillRef idx="1">
+        <a:scrgbClr r="0" g="0" b="0"/>
+      </a:fillRef>
+      <a:effectRef idx="0">
+        <a:scrgbClr r="0" g="0" b="0"/>
+      </a:effectRef>
+      <a:fontRef idx="minor"/>
+    </dgm:style>
+  </dgm:styleLbl>
+  <dgm:styleLbl name="conFgAcc1">
+    <dgm:scene3d>
+      <a:camera prst="orthographicFront"/>
+      <a:lightRig rig="threePt" dir="t"/>
+    </dgm:scene3d>
+    <dgm:sp3d/>
+    <dgm:txPr/>
+    <dgm:style>
+      <a:lnRef idx="2">
+        <a:scrgbClr r="0" g="0" b="0"/>
+      </a:lnRef>
+      <a:fillRef idx="1">
+        <a:scrgbClr r="0" g="0" b="0"/>
+      </a:fillRef>
+      <a:effectRef idx="0">
+        <a:scrgbClr r="0" g="0" b="0"/>
+      </a:effectRef>
+      <a:fontRef idx="minor"/>
+    </dgm:style>
+  </dgm:styleLbl>
+  <dgm:styleLbl name="alignAcc1">
+    <dgm:scene3d>
+      <a:camera prst="orthographicFront"/>
+      <a:lightRig rig="threePt" dir="t"/>
+    </dgm:scene3d>
+    <dgm:sp3d/>
+    <dgm:txPr/>
+    <dgm:style>
+      <a:lnRef idx="2">
+        <a:scrgbClr r="0" g="0" b="0"/>
+      </a:lnRef>
+      <a:fillRef idx="1">
+        <a:scrgbClr r="0" g="0" b="0"/>
+      </a:fillRef>
+      <a:effectRef idx="0">
+        <a:scrgbClr r="0" g="0" b="0"/>
+      </a:effectRef>
+      <a:fontRef idx="minor"/>
+    </dgm:style>
+  </dgm:styleLbl>
+  <dgm:styleLbl name="trAlignAcc1">
+    <dgm:scene3d>
+      <a:camera prst="orthographicFront"/>
+      <a:lightRig rig="threePt" dir="t"/>
+    </dgm:scene3d>
+    <dgm:sp3d/>
+    <dgm:txPr/>
+    <dgm:style>
+      <a:lnRef idx="1">
+        <a:scrgbClr r="0" g="0" b="0"/>
+      </a:lnRef>
+      <a:fillRef idx="1">
+        <a:scrgbClr r="0" g="0" b="0"/>
+      </a:fillRef>
+      <a:effectRef idx="0">
+        <a:scrgbClr r="0" g="0" b="0"/>
+      </a:effectRef>
+      <a:fontRef idx="minor"/>
+    </dgm:style>
+  </dgm:styleLbl>
+  <dgm:styleLbl name="bgAcc1">
+    <dgm:scene3d>
+      <a:camera prst="orthographicFront"/>
+      <a:lightRig rig="threePt" dir="t"/>
+    </dgm:scene3d>
+    <dgm:sp3d/>
+    <dgm:txPr/>
+    <dgm:style>
+      <a:lnRef idx="2">
+        <a:scrgbClr r="0" g="0" b="0"/>
+      </a:lnRef>
+      <a:fillRef idx="1">
+        <a:scrgbClr r="0" g="0" b="0"/>
+      </a:fillRef>
+      <a:effectRef idx="0">
+        <a:scrgbClr r="0" g="0" b="0"/>
+      </a:effectRef>
+      <a:fontRef idx="minor"/>
+    </dgm:style>
+  </dgm:styleLbl>
+  <dgm:styleLbl name="solidFgAcc1">
+    <dgm:scene3d>
+      <a:camera prst="orthographicFront"/>
+      <a:lightRig rig="threePt" dir="t"/>
+    </dgm:scene3d>
+    <dgm:sp3d/>
+    <dgm:txPr/>
+    <dgm:style>
+      <a:lnRef idx="2">
+        <a:scrgbClr r="0" g="0" b="0"/>
+      </a:lnRef>
+      <a:fillRef idx="1">
+        <a:scrgbClr r="0" g="0" b="0"/>
+      </a:fillRef>
+      <a:effectRef idx="0">
+        <a:scrgbClr r="0" g="0" b="0"/>
+      </a:effectRef>
+      <a:fontRef idx="minor"/>
+    </dgm:style>
+  </dgm:styleLbl>
+  <dgm:styleLbl name="solidAlignAcc1">
+    <dgm:scene3d>
+      <a:camera prst="orthographicFront"/>
+      <a:lightRig rig="threePt" dir="t"/>
+    </dgm:scene3d>
+    <dgm:sp3d/>
+    <dgm:txPr/>
+    <dgm:style>
+      <a:lnRef idx="2">
+        <a:scrgbClr r="0" g="0" b="0"/>
+      </a:lnRef>
+      <a:fillRef idx="1">
+        <a:scrgbClr r="0" g="0" b="0"/>
+      </a:fillRef>
+      <a:effectRef idx="0">
+        <a:scrgbClr r="0" g="0" b="0"/>
+      </a:effectRef>
+      <a:fontRef idx="minor"/>
+    </dgm:style>
+  </dgm:styleLbl>
+  <dgm:styleLbl name="solidBgAcc1">
+    <dgm:scene3d>
+      <a:camera prst="orthographicFront"/>
+      <a:lightRig rig="threePt" dir="t"/>
+    </dgm:scene3d>
+    <dgm:sp3d/>
+    <dgm:txPr/>
+    <dgm:style>
+      <a:lnRef idx="2">
+        <a:scrgbClr r="0" g="0" b="0"/>
+      </a:lnRef>
+      <a:fillRef idx="1">
+        <a:scrgbClr r="0" g="0" b="0"/>
+      </a:fillRef>
+      <a:effectRef idx="0">
+        <a:scrgbClr r="0" g="0" b="0"/>
+      </a:effectRef>
+      <a:fontRef idx="minor"/>
+    </dgm:style>
+  </dgm:styleLbl>
+  <dgm:styleLbl name="fgAccFollowNode1">
+    <dgm:scene3d>
+      <a:camera prst="orthographicFront"/>
+      <a:lightRig rig="threePt" dir="t"/>
+    </dgm:scene3d>
+    <dgm:sp3d/>
+    <dgm:txPr/>
+    <dgm:style>
+      <a:lnRef idx="2">
+        <a:scrgbClr r="0" g="0" b="0"/>
+      </a:lnRef>
+      <a:fillRef idx="1">
+        <a:scrgbClr r="0" g="0" b="0"/>
+      </a:fillRef>
+      <a:effectRef idx="0">
+        <a:scrgbClr r="0" g="0" b="0"/>
+      </a:effectRef>
+      <a:fontRef idx="minor"/>
+    </dgm:style>
+  </dgm:styleLbl>
+  <dgm:styleLbl name="alignAccFollowNode1">
+    <dgm:scene3d>
+      <a:camera prst="orthographicFront"/>
+      <a:lightRig rig="threePt" dir="t"/>
+    </dgm:scene3d>
+    <dgm:sp3d/>
+    <dgm:txPr/>
+    <dgm:style>
+      <a:lnRef idx="2">
+        <a:scrgbClr r="0" g="0" b="0"/>
+      </a:lnRef>
+      <a:fillRef idx="1">
+        <a:scrgbClr r="0" g="0" b="0"/>
+      </a:fillRef>
+      <a:effectRef idx="0">
+        <a:scrgbClr r="0" g="0" b="0"/>
+      </a:effectRef>
+      <a:fontRef idx="minor"/>
+    </dgm:style>
+  </dgm:styleLbl>
+  <dgm:styleLbl name="bgAccFollowNode1">
+    <dgm:scene3d>
+      <a:camera prst="orthographicFront"/>
+      <a:lightRig rig="threePt" dir="t"/>
+    </dgm:scene3d>
+    <dgm:sp3d/>
+    <dgm:txPr/>
+    <dgm:style>
+      <a:lnRef idx="2">
+        <a:scrgbClr r="0" g="0" b="0"/>
+      </a:lnRef>
+      <a:fillRef idx="1">
+        <a:scrgbClr r="0" g="0" b="0"/>
+      </a:fillRef>
+      <a:effectRef idx="0">
+        <a:scrgbClr r="0" g="0" b="0"/>
+      </a:effectRef>
+      <a:fontRef idx="minor"/>
+    </dgm:style>
+  </dgm:styleLbl>
+  <dgm:styleLbl name="fgAcc0">
+    <dgm:scene3d>
+      <a:camera prst="orthographicFront"/>
+      <a:lightRig rig="threePt" dir="t"/>
+    </dgm:scene3d>
+    <dgm:sp3d/>
+    <dgm:txPr/>
+    <dgm:style>
+      <a:lnRef idx="2">
+        <a:scrgbClr r="0" g="0" b="0"/>
+      </a:lnRef>
+      <a:fillRef idx="1">
+        <a:scrgbClr r="0" g="0" b="0"/>
+      </a:fillRef>
+      <a:effectRef idx="0">
+        <a:scrgbClr r="0" g="0" b="0"/>
+      </a:effectRef>
+      <a:fontRef idx="minor"/>
+    </dgm:style>
+  </dgm:styleLbl>
+  <dgm:styleLbl name="fgAcc2">
+    <dgm:scene3d>
+      <a:camera prst="orthographicFront"/>
+      <a:lightRig rig="threePt" dir="t"/>
+    </dgm:scene3d>
+    <dgm:sp3d/>
+    <dgm:txPr/>
+    <dgm:style>
+      <a:lnRef idx="2">
+        <a:scrgbClr r="0" g="0" b="0"/>
+      </a:lnRef>
+      <a:fillRef idx="1">
+        <a:scrgbClr r="0" g="0" b="0"/>
+      </a:fillRef>
+      <a:effectRef idx="0">
+        <a:scrgbClr r="0" g="0" b="0"/>
+      </a:effectRef>
+      <a:fontRef idx="minor"/>
+    </dgm:style>
+  </dgm:styleLbl>
+  <dgm:styleLbl name="fgAcc3">
+    <dgm:scene3d>
+      <a:camera prst="orthographicFront"/>
+      <a:lightRig rig="threePt" dir="t"/>
+    </dgm:scene3d>
+    <dgm:sp3d/>
+    <dgm:txPr/>
+    <dgm:style>
+      <a:lnRef idx="2">
+        <a:scrgbClr r="0" g="0" b="0"/>
+      </a:lnRef>
+      <a:fillRef idx="1">
+        <a:scrgbClr r="0" g="0" b="0"/>
+      </a:fillRef>
+      <a:effectRef idx="0">
+        <a:scrgbClr r="0" g="0" b="0"/>
+      </a:effectRef>
+      <a:fontRef idx="minor"/>
+    </dgm:style>
+  </dgm:styleLbl>
+  <dgm:styleLbl name="fgAcc4">
+    <dgm:scene3d>
+      <a:camera prst="orthographicFront"/>
+      <a:lightRig rig="threePt" dir="t"/>
+    </dgm:scene3d>
+    <dgm:sp3d/>
+    <dgm:txPr/>
+    <dgm:style>
+      <a:lnRef idx="2">
+        <a:scrgbClr r="0" g="0" b="0"/>
+      </a:lnRef>
+      <a:fillRef idx="1">
+        <a:scrgbClr r="0" g="0" b="0"/>
+      </a:fillRef>
+      <a:effectRef idx="0">
+        <a:scrgbClr r="0" g="0" b="0"/>
+      </a:effectRef>
+      <a:fontRef idx="minor"/>
+    </dgm:style>
+  </dgm:styleLbl>
+  <dgm:styleLbl name="bgShp">
+    <dgm:scene3d>
+      <a:camera prst="orthographicFront"/>
+      <a:lightRig rig="threePt" dir="t"/>
+    </dgm:scene3d>
+    <dgm:sp3d/>
+    <dgm:txPr/>
+    <dgm:style>
+      <a:lnRef idx="0">
+        <a:scrgbClr r="0" g="0" b="0"/>
+      </a:lnRef>
+      <a:fillRef idx="1">
+        <a:scrgbClr r="0" g="0" b="0"/>
+      </a:fillRef>
+      <a:effectRef idx="0">
+        <a:scrgbClr r="0" g="0" b="0"/>
+      </a:effectRef>
+      <a:fontRef idx="minor"/>
+    </dgm:style>
+  </dgm:styleLbl>
+  <dgm:styleLbl name="dkBgShp">
+    <dgm:scene3d>
+      <a:camera prst="orthographicFront"/>
+      <a:lightRig rig="threePt" dir="t"/>
+    </dgm:scene3d>
+    <dgm:sp3d/>
+    <dgm:txPr/>
+    <dgm:style>
+      <a:lnRef idx="0">
+        <a:scrgbClr r="0" g="0" b="0"/>
+      </a:lnRef>
+      <a:fillRef idx="1">
+        <a:scrgbClr r="0" g="0" b="0"/>
+      </a:fillRef>
+      <a:effectRef idx="0">
+        <a:scrgbClr r="0" g="0" b="0"/>
+      </a:effectRef>
+      <a:fontRef idx="minor"/>
+    </dgm:style>
+  </dgm:styleLbl>
+  <dgm:styleLbl name="trBgShp">
+    <dgm:scene3d>
+      <a:camera prst="orthographicFront"/>
+      <a:lightRig rig="threePt" dir="t"/>
+    </dgm:scene3d>
+    <dgm:sp3d/>
+    <dgm:txPr/>
+    <dgm:style>
+      <a:lnRef idx="0">
+        <a:scrgbClr r="0" g="0" b="0"/>
+      </a:lnRef>
+      <a:fillRef idx="1">
+        <a:scrgbClr r="0" g="0" b="0"/>
+      </a:fillRef>
+      <a:effectRef idx="0">
+        <a:scrgbClr r="0" g="0" b="0"/>
+      </a:effectRef>
+      <a:fontRef idx="minor"/>
+    </dgm:style>
+  </dgm:styleLbl>
+  <dgm:styleLbl name="fgShp">
+    <dgm:scene3d>
+      <a:camera prst="orthographicFront"/>
+      <a:lightRig rig="threePt" dir="t"/>
+    </dgm:scene3d>
+    <dgm:sp3d/>
+    <dgm:txPr/>
+    <dgm:style>
+      <a:lnRef idx="2">
+        <a:scrgbClr r="0" g="0" b="0"/>
+      </a:lnRef>
+      <a:fillRef idx="1">
+        <a:scrgbClr r="0" g="0" b="0"/>
+      </a:fillRef>
+      <a:effectRef idx="0">
+        <a:scrgbClr r="0" g="0" b="0"/>
+      </a:effectRef>
+      <a:fontRef idx="minor"/>
+    </dgm:style>
+  </dgm:styleLbl>
+  <dgm:styleLbl name="revTx">
+    <dgm:scene3d>
+      <a:camera prst="orthographicFront"/>
+      <a:lightRig rig="threePt" dir="t"/>
+    </dgm:scene3d>
+    <dgm:sp3d/>
+    <dgm:txPr/>
+    <dgm:style>
+      <a:lnRef idx="0">
+        <a:scrgbClr r="0" g="0" b="0"/>
+      </a:lnRef>
+      <a:fillRef idx="0">
+        <a:scrgbClr r="0" g="0" b="0"/>
+      </a:fillRef>
+      <a:effectRef idx="0">
+        <a:scrgbClr r="0" g="0" b="0"/>
+      </a:effectRef>
+      <a:fontRef idx="minor"/>
+    </dgm:style>
+  </dgm:styleLbl>
+</dgm:styleDef>
+</file>
+
+<file path=ppt/diagrams/quickStyle8.xml><?xml version="1.0" encoding="utf-8"?>
 <dgm:styleDef xmlns:dgm="http://schemas.openxmlformats.org/drawingml/2006/diagram" xmlns:a="http://schemas.openxmlformats.org/drawingml/2006/main" uniqueId="urn:microsoft.com/office/officeart/2005/8/quickstyle/simple1">
   <dgm:title val=""/>
   <dgm:desc val=""/>
@@ -20637,7 +23558,7 @@
           <a:p>
             <a:fld id="{48A795E8-66B5-4696-B483-F1F9FA0B53D4}" type="datetimeFigureOut">
               <a:rPr lang="cs-CZ" smtClean="0"/>
-              <a:t>26.03.2022</a:t>
+              <a:t>29.03.2022</a:t>
             </a:fld>
             <a:endParaRPr lang="cs-CZ"/>
           </a:p>
@@ -29698,7 +32619,7 @@
           <a:p>
             <a:fld id="{4AAD347D-5ACD-4C99-B74B-A9C85AD731AF}" type="datetimeFigureOut">
               <a:rPr lang="en-US" smtClean="0"/>
-              <a:t>2022-03-26</a:t>
+              <a:t>2022-03-29</a:t>
             </a:fld>
             <a:endParaRPr lang="en-US" dirty="0"/>
           </a:p>
@@ -29905,7 +32826,7 @@
           <a:p>
             <a:fld id="{4509A250-FF31-4206-8172-F9D3106AACB1}" type="datetimeFigureOut">
               <a:rPr lang="en-US" smtClean="0"/>
-              <a:t>2022-03-26</a:t>
+              <a:t>2022-03-29</a:t>
             </a:fld>
             <a:endParaRPr lang="en-US" dirty="0"/>
           </a:p>
@@ -30085,7 +33006,7 @@
           <a:p>
             <a:fld id="{4509A250-FF31-4206-8172-F9D3106AACB1}" type="datetimeFigureOut">
               <a:rPr lang="en-US" smtClean="0"/>
-              <a:t>2022-03-26</a:t>
+              <a:t>2022-03-29</a:t>
             </a:fld>
             <a:endParaRPr lang="en-US" dirty="0"/>
           </a:p>
@@ -30290,7 +33211,7 @@
           <a:p>
             <a:fld id="{4509A250-FF31-4206-8172-F9D3106AACB1}" type="datetimeFigureOut">
               <a:rPr lang="en-US" smtClean="0"/>
-              <a:t>2022-03-26</a:t>
+              <a:t>2022-03-29</a:t>
             </a:fld>
             <a:endParaRPr lang="en-US" dirty="0"/>
           </a:p>
@@ -39188,7 +42109,7 @@
           <a:p>
             <a:fld id="{9796027F-7875-4030-9381-8BD8C4F21935}" type="datetimeFigureOut">
               <a:rPr lang="en-US" smtClean="0"/>
-              <a:t>2022-03-26</a:t>
+              <a:t>2022-03-29</a:t>
             </a:fld>
             <a:endParaRPr lang="en-US" dirty="0"/>
           </a:p>
@@ -39462,7 +42383,7 @@
           <a:p>
             <a:fld id="{9796027F-7875-4030-9381-8BD8C4F21935}" type="datetimeFigureOut">
               <a:rPr lang="en-US" smtClean="0"/>
-              <a:t>2022-03-26</a:t>
+              <a:t>2022-03-29</a:t>
             </a:fld>
             <a:endParaRPr lang="en-US" dirty="0"/>
           </a:p>
@@ -39860,7 +42781,7 @@
           <a:p>
             <a:fld id="{9796027F-7875-4030-9381-8BD8C4F21935}" type="datetimeFigureOut">
               <a:rPr lang="en-US" smtClean="0"/>
-              <a:t>2022-03-26</a:t>
+              <a:t>2022-03-29</a:t>
             </a:fld>
             <a:endParaRPr lang="en-US" dirty="0"/>
           </a:p>
@@ -39978,7 +42899,7 @@
           <a:p>
             <a:fld id="{4509A250-FF31-4206-8172-F9D3106AACB1}" type="datetimeFigureOut">
               <a:rPr lang="en-US" smtClean="0"/>
-              <a:t>2022-03-26</a:t>
+              <a:t>2022-03-29</a:t>
             </a:fld>
             <a:endParaRPr lang="en-US" dirty="0"/>
           </a:p>
@@ -40073,7 +42994,7 @@
           <a:p>
             <a:fld id="{4509A250-FF31-4206-8172-F9D3106AACB1}" type="datetimeFigureOut">
               <a:rPr lang="en-US" smtClean="0"/>
-              <a:t>2022-03-26</a:t>
+              <a:t>2022-03-29</a:t>
             </a:fld>
             <a:endParaRPr lang="en-US" dirty="0"/>
           </a:p>
@@ -40363,7 +43284,7 @@
           <a:p>
             <a:fld id="{4509A250-FF31-4206-8172-F9D3106AACB1}" type="datetimeFigureOut">
               <a:rPr lang="en-US" smtClean="0"/>
-              <a:t>2022-03-26</a:t>
+              <a:t>2022-03-29</a:t>
             </a:fld>
             <a:endParaRPr lang="en-US" dirty="0"/>
           </a:p>
@@ -40643,7 +43564,7 @@
           <a:p>
             <a:fld id="{4509A250-FF31-4206-8172-F9D3106AACB1}" type="datetimeFigureOut">
               <a:rPr lang="en-US" smtClean="0"/>
-              <a:t>2022-03-26</a:t>
+              <a:t>2022-03-29</a:t>
             </a:fld>
             <a:endParaRPr lang="en-US" dirty="0"/>
           </a:p>
@@ -40893,7 +43814,7 @@
           <a:p>
             <a:fld id="{4AAD347D-5ACD-4C99-B74B-A9C85AD731AF}" type="datetimeFigureOut">
               <a:rPr lang="en-US" smtClean="0"/>
-              <a:t>2022-03-26</a:t>
+              <a:t>2022-03-29</a:t>
             </a:fld>
             <a:endParaRPr lang="en-US" dirty="0"/>
           </a:p>
@@ -42117,6 +45038,372 @@
   <p:clrMapOvr>
     <a:masterClrMapping/>
   </p:clrMapOvr>
+  <p:timing>
+    <p:tnLst>
+      <p:par>
+        <p:cTn id="1" dur="indefinite" restart="never" nodeType="tmRoot">
+          <p:childTnLst>
+            <p:seq concurrent="1" nextAc="seek">
+              <p:cTn id="2" dur="indefinite" nodeType="mainSeq">
+                <p:childTnLst>
+                  <p:par>
+                    <p:cTn id="3" fill="hold">
+                      <p:stCondLst>
+                        <p:cond delay="indefinite"/>
+                      </p:stCondLst>
+                      <p:childTnLst>
+                        <p:par>
+                          <p:cTn id="4" fill="hold">
+                            <p:stCondLst>
+                              <p:cond delay="0"/>
+                            </p:stCondLst>
+                            <p:childTnLst>
+                              <p:par>
+                                <p:cTn id="5" presetID="1" presetClass="entr" presetSubtype="0" fill="hold" grpId="0" nodeType="clickEffect">
+                                  <p:stCondLst>
+                                    <p:cond delay="0"/>
+                                  </p:stCondLst>
+                                  <p:childTnLst>
+                                    <p:set>
+                                      <p:cBhvr>
+                                        <p:cTn id="6" dur="1" fill="hold">
+                                          <p:stCondLst>
+                                            <p:cond delay="0"/>
+                                          </p:stCondLst>
+                                        </p:cTn>
+                                        <p:tgtEl>
+                                          <p:spTgt spid="3">
+                                            <p:txEl>
+                                              <p:pRg st="0" end="0"/>
+                                            </p:txEl>
+                                          </p:spTgt>
+                                        </p:tgtEl>
+                                        <p:attrNameLst>
+                                          <p:attrName>style.visibility</p:attrName>
+                                        </p:attrNameLst>
+                                      </p:cBhvr>
+                                      <p:to>
+                                        <p:strVal val="visible"/>
+                                      </p:to>
+                                    </p:set>
+                                  </p:childTnLst>
+                                </p:cTn>
+                              </p:par>
+                              <p:par>
+                                <p:cTn id="7" presetID="1" presetClass="entr" presetSubtype="0" fill="hold" grpId="0" nodeType="withEffect">
+                                  <p:stCondLst>
+                                    <p:cond delay="0"/>
+                                  </p:stCondLst>
+                                  <p:childTnLst>
+                                    <p:set>
+                                      <p:cBhvr>
+                                        <p:cTn id="8" dur="1" fill="hold">
+                                          <p:stCondLst>
+                                            <p:cond delay="0"/>
+                                          </p:stCondLst>
+                                        </p:cTn>
+                                        <p:tgtEl>
+                                          <p:spTgt spid="3">
+                                            <p:txEl>
+                                              <p:pRg st="1" end="1"/>
+                                            </p:txEl>
+                                          </p:spTgt>
+                                        </p:tgtEl>
+                                        <p:attrNameLst>
+                                          <p:attrName>style.visibility</p:attrName>
+                                        </p:attrNameLst>
+                                      </p:cBhvr>
+                                      <p:to>
+                                        <p:strVal val="visible"/>
+                                      </p:to>
+                                    </p:set>
+                                  </p:childTnLst>
+                                </p:cTn>
+                              </p:par>
+                            </p:childTnLst>
+                          </p:cTn>
+                        </p:par>
+                      </p:childTnLst>
+                    </p:cTn>
+                  </p:par>
+                  <p:par>
+                    <p:cTn id="9" fill="hold">
+                      <p:stCondLst>
+                        <p:cond delay="indefinite"/>
+                      </p:stCondLst>
+                      <p:childTnLst>
+                        <p:par>
+                          <p:cTn id="10" fill="hold">
+                            <p:stCondLst>
+                              <p:cond delay="0"/>
+                            </p:stCondLst>
+                            <p:childTnLst>
+                              <p:par>
+                                <p:cTn id="11" presetID="1" presetClass="entr" presetSubtype="0" fill="hold" grpId="0" nodeType="clickEffect">
+                                  <p:stCondLst>
+                                    <p:cond delay="0"/>
+                                  </p:stCondLst>
+                                  <p:childTnLst>
+                                    <p:set>
+                                      <p:cBhvr>
+                                        <p:cTn id="12" dur="1" fill="hold">
+                                          <p:stCondLst>
+                                            <p:cond delay="0"/>
+                                          </p:stCondLst>
+                                        </p:cTn>
+                                        <p:tgtEl>
+                                          <p:spTgt spid="3">
+                                            <p:txEl>
+                                              <p:pRg st="2" end="2"/>
+                                            </p:txEl>
+                                          </p:spTgt>
+                                        </p:tgtEl>
+                                        <p:attrNameLst>
+                                          <p:attrName>style.visibility</p:attrName>
+                                        </p:attrNameLst>
+                                      </p:cBhvr>
+                                      <p:to>
+                                        <p:strVal val="visible"/>
+                                      </p:to>
+                                    </p:set>
+                                  </p:childTnLst>
+                                </p:cTn>
+                              </p:par>
+                              <p:par>
+                                <p:cTn id="13" presetID="1" presetClass="entr" presetSubtype="0" fill="hold" grpId="0" nodeType="withEffect">
+                                  <p:stCondLst>
+                                    <p:cond delay="0"/>
+                                  </p:stCondLst>
+                                  <p:childTnLst>
+                                    <p:set>
+                                      <p:cBhvr>
+                                        <p:cTn id="14" dur="1" fill="hold">
+                                          <p:stCondLst>
+                                            <p:cond delay="0"/>
+                                          </p:stCondLst>
+                                        </p:cTn>
+                                        <p:tgtEl>
+                                          <p:spTgt spid="3">
+                                            <p:txEl>
+                                              <p:pRg st="3" end="3"/>
+                                            </p:txEl>
+                                          </p:spTgt>
+                                        </p:tgtEl>
+                                        <p:attrNameLst>
+                                          <p:attrName>style.visibility</p:attrName>
+                                        </p:attrNameLst>
+                                      </p:cBhvr>
+                                      <p:to>
+                                        <p:strVal val="visible"/>
+                                      </p:to>
+                                    </p:set>
+                                  </p:childTnLst>
+                                </p:cTn>
+                              </p:par>
+                              <p:par>
+                                <p:cTn id="15" presetID="1" presetClass="entr" presetSubtype="0" fill="hold" grpId="0" nodeType="withEffect">
+                                  <p:stCondLst>
+                                    <p:cond delay="0"/>
+                                  </p:stCondLst>
+                                  <p:childTnLst>
+                                    <p:set>
+                                      <p:cBhvr>
+                                        <p:cTn id="16" dur="1" fill="hold">
+                                          <p:stCondLst>
+                                            <p:cond delay="0"/>
+                                          </p:stCondLst>
+                                        </p:cTn>
+                                        <p:tgtEl>
+                                          <p:spTgt spid="3">
+                                            <p:txEl>
+                                              <p:pRg st="4" end="4"/>
+                                            </p:txEl>
+                                          </p:spTgt>
+                                        </p:tgtEl>
+                                        <p:attrNameLst>
+                                          <p:attrName>style.visibility</p:attrName>
+                                        </p:attrNameLst>
+                                      </p:cBhvr>
+                                      <p:to>
+                                        <p:strVal val="visible"/>
+                                      </p:to>
+                                    </p:set>
+                                  </p:childTnLst>
+                                </p:cTn>
+                              </p:par>
+                              <p:par>
+                                <p:cTn id="17" presetID="1" presetClass="entr" presetSubtype="0" fill="hold" grpId="0" nodeType="withEffect">
+                                  <p:stCondLst>
+                                    <p:cond delay="0"/>
+                                  </p:stCondLst>
+                                  <p:childTnLst>
+                                    <p:set>
+                                      <p:cBhvr>
+                                        <p:cTn id="18" dur="1" fill="hold">
+                                          <p:stCondLst>
+                                            <p:cond delay="0"/>
+                                          </p:stCondLst>
+                                        </p:cTn>
+                                        <p:tgtEl>
+                                          <p:spTgt spid="3">
+                                            <p:txEl>
+                                              <p:pRg st="5" end="5"/>
+                                            </p:txEl>
+                                          </p:spTgt>
+                                        </p:tgtEl>
+                                        <p:attrNameLst>
+                                          <p:attrName>style.visibility</p:attrName>
+                                        </p:attrNameLst>
+                                      </p:cBhvr>
+                                      <p:to>
+                                        <p:strVal val="visible"/>
+                                      </p:to>
+                                    </p:set>
+                                  </p:childTnLst>
+                                </p:cTn>
+                              </p:par>
+                            </p:childTnLst>
+                          </p:cTn>
+                        </p:par>
+                      </p:childTnLst>
+                    </p:cTn>
+                  </p:par>
+                  <p:par>
+                    <p:cTn id="19" fill="hold">
+                      <p:stCondLst>
+                        <p:cond delay="indefinite"/>
+                      </p:stCondLst>
+                      <p:childTnLst>
+                        <p:par>
+                          <p:cTn id="20" fill="hold">
+                            <p:stCondLst>
+                              <p:cond delay="0"/>
+                            </p:stCondLst>
+                            <p:childTnLst>
+                              <p:par>
+                                <p:cTn id="21" presetID="1" presetClass="entr" presetSubtype="0" fill="hold" grpId="0" nodeType="clickEffect">
+                                  <p:stCondLst>
+                                    <p:cond delay="0"/>
+                                  </p:stCondLst>
+                                  <p:childTnLst>
+                                    <p:set>
+                                      <p:cBhvr>
+                                        <p:cTn id="22" dur="1" fill="hold">
+                                          <p:stCondLst>
+                                            <p:cond delay="0"/>
+                                          </p:stCondLst>
+                                        </p:cTn>
+                                        <p:tgtEl>
+                                          <p:spTgt spid="3">
+                                            <p:txEl>
+                                              <p:pRg st="6" end="6"/>
+                                            </p:txEl>
+                                          </p:spTgt>
+                                        </p:tgtEl>
+                                        <p:attrNameLst>
+                                          <p:attrName>style.visibility</p:attrName>
+                                        </p:attrNameLst>
+                                      </p:cBhvr>
+                                      <p:to>
+                                        <p:strVal val="visible"/>
+                                      </p:to>
+                                    </p:set>
+                                  </p:childTnLst>
+                                </p:cTn>
+                              </p:par>
+                              <p:par>
+                                <p:cTn id="23" presetID="1" presetClass="entr" presetSubtype="0" fill="hold" grpId="0" nodeType="withEffect">
+                                  <p:stCondLst>
+                                    <p:cond delay="0"/>
+                                  </p:stCondLst>
+                                  <p:childTnLst>
+                                    <p:set>
+                                      <p:cBhvr>
+                                        <p:cTn id="24" dur="1" fill="hold">
+                                          <p:stCondLst>
+                                            <p:cond delay="0"/>
+                                          </p:stCondLst>
+                                        </p:cTn>
+                                        <p:tgtEl>
+                                          <p:spTgt spid="3">
+                                            <p:txEl>
+                                              <p:pRg st="7" end="7"/>
+                                            </p:txEl>
+                                          </p:spTgt>
+                                        </p:tgtEl>
+                                        <p:attrNameLst>
+                                          <p:attrName>style.visibility</p:attrName>
+                                        </p:attrNameLst>
+                                      </p:cBhvr>
+                                      <p:to>
+                                        <p:strVal val="visible"/>
+                                      </p:to>
+                                    </p:set>
+                                  </p:childTnLst>
+                                </p:cTn>
+                              </p:par>
+                              <p:par>
+                                <p:cTn id="25" presetID="1" presetClass="entr" presetSubtype="0" fill="hold" grpId="0" nodeType="withEffect">
+                                  <p:stCondLst>
+                                    <p:cond delay="0"/>
+                                  </p:stCondLst>
+                                  <p:childTnLst>
+                                    <p:set>
+                                      <p:cBhvr>
+                                        <p:cTn id="26" dur="1" fill="hold">
+                                          <p:stCondLst>
+                                            <p:cond delay="0"/>
+                                          </p:stCondLst>
+                                        </p:cTn>
+                                        <p:tgtEl>
+                                          <p:spTgt spid="3">
+                                            <p:txEl>
+                                              <p:pRg st="8" end="8"/>
+                                            </p:txEl>
+                                          </p:spTgt>
+                                        </p:tgtEl>
+                                        <p:attrNameLst>
+                                          <p:attrName>style.visibility</p:attrName>
+                                        </p:attrNameLst>
+                                      </p:cBhvr>
+                                      <p:to>
+                                        <p:strVal val="visible"/>
+                                      </p:to>
+                                    </p:set>
+                                  </p:childTnLst>
+                                </p:cTn>
+                              </p:par>
+                            </p:childTnLst>
+                          </p:cTn>
+                        </p:par>
+                      </p:childTnLst>
+                    </p:cTn>
+                  </p:par>
+                </p:childTnLst>
+              </p:cTn>
+              <p:prevCondLst>
+                <p:cond evt="onPrev" delay="0">
+                  <p:tgtEl>
+                    <p:sldTgt/>
+                  </p:tgtEl>
+                </p:cond>
+              </p:prevCondLst>
+              <p:nextCondLst>
+                <p:cond evt="onNext" delay="0">
+                  <p:tgtEl>
+                    <p:sldTgt/>
+                  </p:tgtEl>
+                </p:cond>
+              </p:nextCondLst>
+            </p:seq>
+          </p:childTnLst>
+        </p:cTn>
+      </p:par>
+    </p:tnLst>
+    <p:bldLst>
+      <p:bldP spid="3" grpId="0" build="p"/>
+    </p:bldLst>
+  </p:timing>
 </p:sld>
 </file>
 
@@ -42538,8 +45825,16 @@
               <a:buChar char="•"/>
             </a:pPr>
             <a:r>
+              <a:rPr lang="en-US" dirty="0" err="1"/>
+              <a:t>Aktu</a:t>
+            </a:r>
+            <a:r>
+              <a:rPr lang="sk-SK" dirty="0" err="1"/>
+              <a:t>álně</a:t>
+            </a:r>
+            <a:r>
               <a:rPr lang="sk-SK" dirty="0"/>
-              <a:t>Nefunguje s MAUI</a:t>
+              <a:t> nefunguje s MAUI</a:t>
             </a:r>
           </a:p>
           <a:p>
@@ -42673,6 +45968,480 @@
   <p:clrMapOvr>
     <a:masterClrMapping/>
   </p:clrMapOvr>
+  <p:timing>
+    <p:tnLst>
+      <p:par>
+        <p:cTn id="1" dur="indefinite" restart="never" nodeType="tmRoot">
+          <p:childTnLst>
+            <p:seq concurrent="1" nextAc="seek">
+              <p:cTn id="2" dur="indefinite" nodeType="mainSeq">
+                <p:childTnLst>
+                  <p:par>
+                    <p:cTn id="3" fill="hold">
+                      <p:stCondLst>
+                        <p:cond delay="indefinite"/>
+                      </p:stCondLst>
+                      <p:childTnLst>
+                        <p:par>
+                          <p:cTn id="4" fill="hold">
+                            <p:stCondLst>
+                              <p:cond delay="0"/>
+                            </p:stCondLst>
+                            <p:childTnLst>
+                              <p:par>
+                                <p:cTn id="5" presetID="1" presetClass="entr" presetSubtype="0" fill="hold" grpId="0" nodeType="clickEffect">
+                                  <p:stCondLst>
+                                    <p:cond delay="0"/>
+                                  </p:stCondLst>
+                                  <p:childTnLst>
+                                    <p:set>
+                                      <p:cBhvr>
+                                        <p:cTn id="6" dur="1" fill="hold">
+                                          <p:stCondLst>
+                                            <p:cond delay="0"/>
+                                          </p:stCondLst>
+                                        </p:cTn>
+                                        <p:tgtEl>
+                                          <p:spTgt spid="3">
+                                            <p:txEl>
+                                              <p:pRg st="0" end="0"/>
+                                            </p:txEl>
+                                          </p:spTgt>
+                                        </p:tgtEl>
+                                        <p:attrNameLst>
+                                          <p:attrName>style.visibility</p:attrName>
+                                        </p:attrNameLst>
+                                      </p:cBhvr>
+                                      <p:to>
+                                        <p:strVal val="visible"/>
+                                      </p:to>
+                                    </p:set>
+                                  </p:childTnLst>
+                                </p:cTn>
+                              </p:par>
+                            </p:childTnLst>
+                          </p:cTn>
+                        </p:par>
+                      </p:childTnLst>
+                    </p:cTn>
+                  </p:par>
+                  <p:par>
+                    <p:cTn id="7" fill="hold">
+                      <p:stCondLst>
+                        <p:cond delay="indefinite"/>
+                      </p:stCondLst>
+                      <p:childTnLst>
+                        <p:par>
+                          <p:cTn id="8" fill="hold">
+                            <p:stCondLst>
+                              <p:cond delay="0"/>
+                            </p:stCondLst>
+                            <p:childTnLst>
+                              <p:par>
+                                <p:cTn id="9" presetID="1" presetClass="entr" presetSubtype="0" fill="hold" grpId="0" nodeType="clickEffect">
+                                  <p:stCondLst>
+                                    <p:cond delay="0"/>
+                                  </p:stCondLst>
+                                  <p:childTnLst>
+                                    <p:set>
+                                      <p:cBhvr>
+                                        <p:cTn id="10" dur="1" fill="hold">
+                                          <p:stCondLst>
+                                            <p:cond delay="0"/>
+                                          </p:stCondLst>
+                                        </p:cTn>
+                                        <p:tgtEl>
+                                          <p:spTgt spid="3">
+                                            <p:txEl>
+                                              <p:pRg st="1" end="1"/>
+                                            </p:txEl>
+                                          </p:spTgt>
+                                        </p:tgtEl>
+                                        <p:attrNameLst>
+                                          <p:attrName>style.visibility</p:attrName>
+                                        </p:attrNameLst>
+                                      </p:cBhvr>
+                                      <p:to>
+                                        <p:strVal val="visible"/>
+                                      </p:to>
+                                    </p:set>
+                                  </p:childTnLst>
+                                </p:cTn>
+                              </p:par>
+                            </p:childTnLst>
+                          </p:cTn>
+                        </p:par>
+                      </p:childTnLst>
+                    </p:cTn>
+                  </p:par>
+                  <p:par>
+                    <p:cTn id="11" fill="hold">
+                      <p:stCondLst>
+                        <p:cond delay="indefinite"/>
+                      </p:stCondLst>
+                      <p:childTnLst>
+                        <p:par>
+                          <p:cTn id="12" fill="hold">
+                            <p:stCondLst>
+                              <p:cond delay="0"/>
+                            </p:stCondLst>
+                            <p:childTnLst>
+                              <p:par>
+                                <p:cTn id="13" presetID="1" presetClass="entr" presetSubtype="0" fill="hold" grpId="0" nodeType="clickEffect">
+                                  <p:stCondLst>
+                                    <p:cond delay="0"/>
+                                  </p:stCondLst>
+                                  <p:childTnLst>
+                                    <p:set>
+                                      <p:cBhvr>
+                                        <p:cTn id="14" dur="1" fill="hold">
+                                          <p:stCondLst>
+                                            <p:cond delay="0"/>
+                                          </p:stCondLst>
+                                        </p:cTn>
+                                        <p:tgtEl>
+                                          <p:spTgt spid="3">
+                                            <p:txEl>
+                                              <p:pRg st="2" end="2"/>
+                                            </p:txEl>
+                                          </p:spTgt>
+                                        </p:tgtEl>
+                                        <p:attrNameLst>
+                                          <p:attrName>style.visibility</p:attrName>
+                                        </p:attrNameLst>
+                                      </p:cBhvr>
+                                      <p:to>
+                                        <p:strVal val="visible"/>
+                                      </p:to>
+                                    </p:set>
+                                  </p:childTnLst>
+                                </p:cTn>
+                              </p:par>
+                            </p:childTnLst>
+                          </p:cTn>
+                        </p:par>
+                      </p:childTnLst>
+                    </p:cTn>
+                  </p:par>
+                  <p:par>
+                    <p:cTn id="15" fill="hold">
+                      <p:stCondLst>
+                        <p:cond delay="indefinite"/>
+                      </p:stCondLst>
+                      <p:childTnLst>
+                        <p:par>
+                          <p:cTn id="16" fill="hold">
+                            <p:stCondLst>
+                              <p:cond delay="0"/>
+                            </p:stCondLst>
+                            <p:childTnLst>
+                              <p:par>
+                                <p:cTn id="17" presetID="1" presetClass="entr" presetSubtype="0" fill="hold" grpId="0" nodeType="clickEffect">
+                                  <p:stCondLst>
+                                    <p:cond delay="0"/>
+                                  </p:stCondLst>
+                                  <p:childTnLst>
+                                    <p:set>
+                                      <p:cBhvr>
+                                        <p:cTn id="18" dur="1" fill="hold">
+                                          <p:stCondLst>
+                                            <p:cond delay="0"/>
+                                          </p:stCondLst>
+                                        </p:cTn>
+                                        <p:tgtEl>
+                                          <p:spTgt spid="3">
+                                            <p:txEl>
+                                              <p:pRg st="3" end="3"/>
+                                            </p:txEl>
+                                          </p:spTgt>
+                                        </p:tgtEl>
+                                        <p:attrNameLst>
+                                          <p:attrName>style.visibility</p:attrName>
+                                        </p:attrNameLst>
+                                      </p:cBhvr>
+                                      <p:to>
+                                        <p:strVal val="visible"/>
+                                      </p:to>
+                                    </p:set>
+                                  </p:childTnLst>
+                                </p:cTn>
+                              </p:par>
+                            </p:childTnLst>
+                          </p:cTn>
+                        </p:par>
+                      </p:childTnLst>
+                    </p:cTn>
+                  </p:par>
+                  <p:par>
+                    <p:cTn id="19" fill="hold">
+                      <p:stCondLst>
+                        <p:cond delay="indefinite"/>
+                      </p:stCondLst>
+                      <p:childTnLst>
+                        <p:par>
+                          <p:cTn id="20" fill="hold">
+                            <p:stCondLst>
+                              <p:cond delay="0"/>
+                            </p:stCondLst>
+                            <p:childTnLst>
+                              <p:par>
+                                <p:cTn id="21" presetID="1" presetClass="entr" presetSubtype="0" fill="hold" grpId="0" nodeType="clickEffect">
+                                  <p:stCondLst>
+                                    <p:cond delay="0"/>
+                                  </p:stCondLst>
+                                  <p:childTnLst>
+                                    <p:set>
+                                      <p:cBhvr>
+                                        <p:cTn id="22" dur="1" fill="hold">
+                                          <p:stCondLst>
+                                            <p:cond delay="0"/>
+                                          </p:stCondLst>
+                                        </p:cTn>
+                                        <p:tgtEl>
+                                          <p:spTgt spid="3">
+                                            <p:txEl>
+                                              <p:pRg st="4" end="4"/>
+                                            </p:txEl>
+                                          </p:spTgt>
+                                        </p:tgtEl>
+                                        <p:attrNameLst>
+                                          <p:attrName>style.visibility</p:attrName>
+                                        </p:attrNameLst>
+                                      </p:cBhvr>
+                                      <p:to>
+                                        <p:strVal val="visible"/>
+                                      </p:to>
+                                    </p:set>
+                                  </p:childTnLst>
+                                </p:cTn>
+                              </p:par>
+                            </p:childTnLst>
+                          </p:cTn>
+                        </p:par>
+                      </p:childTnLst>
+                    </p:cTn>
+                  </p:par>
+                  <p:par>
+                    <p:cTn id="23" fill="hold">
+                      <p:stCondLst>
+                        <p:cond delay="indefinite"/>
+                      </p:stCondLst>
+                      <p:childTnLst>
+                        <p:par>
+                          <p:cTn id="24" fill="hold">
+                            <p:stCondLst>
+                              <p:cond delay="0"/>
+                            </p:stCondLst>
+                            <p:childTnLst>
+                              <p:par>
+                                <p:cTn id="25" presetID="1" presetClass="entr" presetSubtype="0" fill="hold" grpId="0" nodeType="clickEffect">
+                                  <p:stCondLst>
+                                    <p:cond delay="0"/>
+                                  </p:stCondLst>
+                                  <p:childTnLst>
+                                    <p:set>
+                                      <p:cBhvr>
+                                        <p:cTn id="26" dur="1" fill="hold">
+                                          <p:stCondLst>
+                                            <p:cond delay="0"/>
+                                          </p:stCondLst>
+                                        </p:cTn>
+                                        <p:tgtEl>
+                                          <p:spTgt spid="3">
+                                            <p:txEl>
+                                              <p:pRg st="5" end="5"/>
+                                            </p:txEl>
+                                          </p:spTgt>
+                                        </p:tgtEl>
+                                        <p:attrNameLst>
+                                          <p:attrName>style.visibility</p:attrName>
+                                        </p:attrNameLst>
+                                      </p:cBhvr>
+                                      <p:to>
+                                        <p:strVal val="visible"/>
+                                      </p:to>
+                                    </p:set>
+                                  </p:childTnLst>
+                                </p:cTn>
+                              </p:par>
+                            </p:childTnLst>
+                          </p:cTn>
+                        </p:par>
+                      </p:childTnLst>
+                    </p:cTn>
+                  </p:par>
+                  <p:par>
+                    <p:cTn id="27" fill="hold">
+                      <p:stCondLst>
+                        <p:cond delay="indefinite"/>
+                      </p:stCondLst>
+                      <p:childTnLst>
+                        <p:par>
+                          <p:cTn id="28" fill="hold">
+                            <p:stCondLst>
+                              <p:cond delay="0"/>
+                            </p:stCondLst>
+                            <p:childTnLst>
+                              <p:par>
+                                <p:cTn id="29" presetID="1" presetClass="entr" presetSubtype="0" fill="hold" grpId="0" nodeType="clickEffect">
+                                  <p:stCondLst>
+                                    <p:cond delay="0"/>
+                                  </p:stCondLst>
+                                  <p:childTnLst>
+                                    <p:set>
+                                      <p:cBhvr>
+                                        <p:cTn id="30" dur="1" fill="hold">
+                                          <p:stCondLst>
+                                            <p:cond delay="0"/>
+                                          </p:stCondLst>
+                                        </p:cTn>
+                                        <p:tgtEl>
+                                          <p:spTgt spid="3">
+                                            <p:txEl>
+                                              <p:pRg st="6" end="6"/>
+                                            </p:txEl>
+                                          </p:spTgt>
+                                        </p:tgtEl>
+                                        <p:attrNameLst>
+                                          <p:attrName>style.visibility</p:attrName>
+                                        </p:attrNameLst>
+                                      </p:cBhvr>
+                                      <p:to>
+                                        <p:strVal val="visible"/>
+                                      </p:to>
+                                    </p:set>
+                                  </p:childTnLst>
+                                </p:cTn>
+                              </p:par>
+                            </p:childTnLst>
+                          </p:cTn>
+                        </p:par>
+                      </p:childTnLst>
+                    </p:cTn>
+                  </p:par>
+                  <p:par>
+                    <p:cTn id="31" fill="hold">
+                      <p:stCondLst>
+                        <p:cond delay="indefinite"/>
+                      </p:stCondLst>
+                      <p:childTnLst>
+                        <p:par>
+                          <p:cTn id="32" fill="hold">
+                            <p:stCondLst>
+                              <p:cond delay="0"/>
+                            </p:stCondLst>
+                            <p:childTnLst>
+                              <p:par>
+                                <p:cTn id="33" presetID="1" presetClass="entr" presetSubtype="0" fill="hold" grpId="0" nodeType="clickEffect">
+                                  <p:stCondLst>
+                                    <p:cond delay="0"/>
+                                  </p:stCondLst>
+                                  <p:childTnLst>
+                                    <p:set>
+                                      <p:cBhvr>
+                                        <p:cTn id="34" dur="1" fill="hold">
+                                          <p:stCondLst>
+                                            <p:cond delay="0"/>
+                                          </p:stCondLst>
+                                        </p:cTn>
+                                        <p:tgtEl>
+                                          <p:spTgt spid="3">
+                                            <p:txEl>
+                                              <p:pRg st="7" end="7"/>
+                                            </p:txEl>
+                                          </p:spTgt>
+                                        </p:tgtEl>
+                                        <p:attrNameLst>
+                                          <p:attrName>style.visibility</p:attrName>
+                                        </p:attrNameLst>
+                                      </p:cBhvr>
+                                      <p:to>
+                                        <p:strVal val="visible"/>
+                                      </p:to>
+                                    </p:set>
+                                  </p:childTnLst>
+                                </p:cTn>
+                              </p:par>
+                            </p:childTnLst>
+                          </p:cTn>
+                        </p:par>
+                      </p:childTnLst>
+                    </p:cTn>
+                  </p:par>
+                  <p:par>
+                    <p:cTn id="35" fill="hold">
+                      <p:stCondLst>
+                        <p:cond delay="indefinite"/>
+                      </p:stCondLst>
+                      <p:childTnLst>
+                        <p:par>
+                          <p:cTn id="36" fill="hold">
+                            <p:stCondLst>
+                              <p:cond delay="0"/>
+                            </p:stCondLst>
+                            <p:childTnLst>
+                              <p:par>
+                                <p:cTn id="37" presetID="1" presetClass="entr" presetSubtype="0" fill="hold" grpId="0" nodeType="clickEffect">
+                                  <p:stCondLst>
+                                    <p:cond delay="0"/>
+                                  </p:stCondLst>
+                                  <p:childTnLst>
+                                    <p:set>
+                                      <p:cBhvr>
+                                        <p:cTn id="38" dur="1" fill="hold">
+                                          <p:stCondLst>
+                                            <p:cond delay="0"/>
+                                          </p:stCondLst>
+                                        </p:cTn>
+                                        <p:tgtEl>
+                                          <p:spTgt spid="3">
+                                            <p:txEl>
+                                              <p:pRg st="8" end="8"/>
+                                            </p:txEl>
+                                          </p:spTgt>
+                                        </p:tgtEl>
+                                        <p:attrNameLst>
+                                          <p:attrName>style.visibility</p:attrName>
+                                        </p:attrNameLst>
+                                      </p:cBhvr>
+                                      <p:to>
+                                        <p:strVal val="visible"/>
+                                      </p:to>
+                                    </p:set>
+                                  </p:childTnLst>
+                                </p:cTn>
+                              </p:par>
+                            </p:childTnLst>
+                          </p:cTn>
+                        </p:par>
+                      </p:childTnLst>
+                    </p:cTn>
+                  </p:par>
+                </p:childTnLst>
+              </p:cTn>
+              <p:prevCondLst>
+                <p:cond evt="onPrev" delay="0">
+                  <p:tgtEl>
+                    <p:sldTgt/>
+                  </p:tgtEl>
+                </p:cond>
+              </p:prevCondLst>
+              <p:nextCondLst>
+                <p:cond evt="onNext" delay="0">
+                  <p:tgtEl>
+                    <p:sldTgt/>
+                  </p:tgtEl>
+                </p:cond>
+              </p:nextCondLst>
+            </p:seq>
+          </p:childTnLst>
+        </p:cTn>
+      </p:par>
+    </p:tnLst>
+    <p:bldLst>
+      <p:bldP spid="3" grpId="0" uiExpand="1" build="p"/>
+    </p:bldLst>
+  </p:timing>
 </p:sld>
 </file>
 
@@ -42930,6 +46699,1378 @@
       </p:grpSpPr>
       <p:sp>
         <p:nvSpPr>
+          <p:cNvPr id="2" name="Title 1">
+            <a:extLst>
+              <a:ext uri="{FF2B5EF4-FFF2-40B4-BE49-F238E27FC236}">
+                <a16:creationId xmlns:a16="http://schemas.microsoft.com/office/drawing/2014/main" id="{28505488-3E92-4656-AC67-9D31490121ED}"/>
+              </a:ext>
+            </a:extLst>
+          </p:cNvPr>
+          <p:cNvSpPr>
+            <a:spLocks noGrp="1"/>
+          </p:cNvSpPr>
+          <p:nvPr>
+            <p:ph type="title"/>
+          </p:nvPr>
+        </p:nvSpPr>
+        <p:spPr/>
+        <p:txBody>
+          <a:bodyPr/>
+          <a:lstStyle/>
+          <a:p>
+            <a:r>
+              <a:rPr lang="sk-SK" dirty="0"/>
+              <a:t>State </a:t>
+            </a:r>
+            <a:r>
+              <a:rPr lang="sk-SK" dirty="0" err="1"/>
+              <a:t>views</a:t>
+            </a:r>
+            <a:endParaRPr lang="en-US" dirty="0"/>
+          </a:p>
+        </p:txBody>
+      </p:sp>
+      <p:sp>
+        <p:nvSpPr>
+          <p:cNvPr id="3" name="Content Placeholder 2">
+            <a:extLst>
+              <a:ext uri="{FF2B5EF4-FFF2-40B4-BE49-F238E27FC236}">
+                <a16:creationId xmlns:a16="http://schemas.microsoft.com/office/drawing/2014/main" id="{7A9B94A6-7561-4184-A9C3-C4E65758DADB}"/>
+              </a:ext>
+            </a:extLst>
+          </p:cNvPr>
+          <p:cNvSpPr>
+            <a:spLocks noGrp="1"/>
+          </p:cNvSpPr>
+          <p:nvPr>
+            <p:ph idx="1"/>
+          </p:nvPr>
+        </p:nvSpPr>
+        <p:spPr/>
+        <p:txBody>
+          <a:bodyPr/>
+          <a:lstStyle/>
+          <a:p>
+            <a:pPr>
+              <a:buFont typeface="Arial" panose="020B0604020202020204" pitchFamily="34" charset="0"/>
+              <a:buChar char="•"/>
+            </a:pPr>
+            <a:r>
+              <a:rPr lang="sk-SK" dirty="0"/>
+              <a:t> </a:t>
+            </a:r>
+            <a:r>
+              <a:rPr lang="sk-SK" dirty="0" err="1"/>
+              <a:t>Možnost</a:t>
+            </a:r>
+            <a:r>
+              <a:rPr lang="sk-SK" dirty="0"/>
+              <a:t> </a:t>
+            </a:r>
+            <a:r>
+              <a:rPr lang="sk-SK" dirty="0" err="1"/>
+              <a:t>definovat</a:t>
+            </a:r>
+            <a:r>
+              <a:rPr lang="sk-SK" dirty="0"/>
+              <a:t> samostatné </a:t>
+            </a:r>
+            <a:r>
+              <a:rPr lang="sk-SK" dirty="0" err="1"/>
+              <a:t>views</a:t>
+            </a:r>
+            <a:r>
+              <a:rPr lang="sk-SK" dirty="0"/>
+              <a:t> pro </a:t>
+            </a:r>
+            <a:r>
+              <a:rPr lang="sk-SK" dirty="0" err="1"/>
+              <a:t>různé</a:t>
+            </a:r>
+            <a:r>
+              <a:rPr lang="sk-SK" dirty="0"/>
+              <a:t> stavy</a:t>
+            </a:r>
+          </a:p>
+          <a:p>
+            <a:pPr lvl="1">
+              <a:buFont typeface="Arial" panose="020B0604020202020204" pitchFamily="34" charset="0"/>
+              <a:buChar char="•"/>
+            </a:pPr>
+            <a:r>
+              <a:rPr lang="sk-SK" dirty="0" err="1"/>
+              <a:t>Loading</a:t>
+            </a:r>
+            <a:endParaRPr lang="sk-SK" dirty="0"/>
+          </a:p>
+          <a:p>
+            <a:pPr lvl="1">
+              <a:buFont typeface="Arial" panose="020B0604020202020204" pitchFamily="34" charset="0"/>
+              <a:buChar char="•"/>
+            </a:pPr>
+            <a:r>
+              <a:rPr lang="sk-SK" dirty="0" err="1"/>
+              <a:t>Error</a:t>
+            </a:r>
+            <a:endParaRPr lang="sk-SK" dirty="0"/>
+          </a:p>
+          <a:p>
+            <a:pPr lvl="1">
+              <a:buFont typeface="Arial" panose="020B0604020202020204" pitchFamily="34" charset="0"/>
+              <a:buChar char="•"/>
+            </a:pPr>
+            <a:r>
+              <a:rPr lang="sk-SK" dirty="0" err="1"/>
+              <a:t>Empty</a:t>
+            </a:r>
+            <a:endParaRPr lang="sk-SK" dirty="0"/>
+          </a:p>
+          <a:p>
+            <a:pPr lvl="1">
+              <a:buFont typeface="Arial" panose="020B0604020202020204" pitchFamily="34" charset="0"/>
+              <a:buChar char="•"/>
+            </a:pPr>
+            <a:r>
+              <a:rPr lang="sk-SK" dirty="0"/>
+              <a:t>...</a:t>
+            </a:r>
+          </a:p>
+          <a:p>
+            <a:pPr>
+              <a:buFont typeface="Arial" panose="020B0604020202020204" pitchFamily="34" charset="0"/>
+              <a:buChar char="•"/>
+            </a:pPr>
+            <a:r>
+              <a:rPr lang="sk-SK" dirty="0"/>
+              <a:t> </a:t>
+            </a:r>
+            <a:r>
+              <a:rPr lang="sk-SK" dirty="0" err="1"/>
+              <a:t>Přidat</a:t>
+            </a:r>
+            <a:r>
+              <a:rPr lang="sk-SK" dirty="0"/>
+              <a:t> na </a:t>
+            </a:r>
+            <a:r>
+              <a:rPr lang="sk-SK" dirty="0" err="1"/>
+              <a:t>layout</a:t>
+            </a:r>
+            <a:r>
+              <a:rPr lang="sk-SK" dirty="0"/>
+              <a:t> pomocí </a:t>
+            </a:r>
+            <a:r>
+              <a:rPr lang="sk-SK" dirty="0" err="1"/>
+              <a:t>static</a:t>
+            </a:r>
+            <a:r>
+              <a:rPr lang="sk-SK" dirty="0"/>
+              <a:t> </a:t>
+            </a:r>
+            <a:r>
+              <a:rPr lang="sk-SK" dirty="0" err="1"/>
+              <a:t>class</a:t>
+            </a:r>
+            <a:r>
+              <a:rPr lang="sk-SK" dirty="0"/>
+              <a:t> </a:t>
+            </a:r>
+            <a:r>
+              <a:rPr lang="sk-SK" dirty="0" err="1"/>
+              <a:t>StateLayout</a:t>
+            </a:r>
+            <a:endParaRPr lang="sk-SK" dirty="0"/>
+          </a:p>
+          <a:p>
+            <a:pPr lvl="1">
+              <a:buFont typeface="Arial" panose="020B0604020202020204" pitchFamily="34" charset="0"/>
+              <a:buChar char="•"/>
+            </a:pPr>
+            <a:r>
+              <a:rPr lang="sk-SK" sz="1500" dirty="0" err="1">
+                <a:solidFill>
+                  <a:srgbClr val="0000FF"/>
+                </a:solidFill>
+                <a:latin typeface="Cascadia Mono" panose="020B0609020000020004" pitchFamily="49" charset="0"/>
+              </a:rPr>
+              <a:t>StateLayout.CurrentState</a:t>
+            </a:r>
+            <a:r>
+              <a:rPr lang="sk-SK" sz="1500" dirty="0">
+                <a:solidFill>
+                  <a:srgbClr val="0000FF"/>
+                </a:solidFill>
+                <a:latin typeface="Cascadia Mono" panose="020B0609020000020004" pitchFamily="49" charset="0"/>
+              </a:rPr>
+              <a:t>=</a:t>
+            </a:r>
+            <a:r>
+              <a:rPr lang="en-US" sz="1500" dirty="0">
+                <a:solidFill>
+                  <a:srgbClr val="0000FF"/>
+                </a:solidFill>
+                <a:latin typeface="Cascadia Mono" panose="020B0609020000020004" pitchFamily="49" charset="0"/>
+              </a:rPr>
+              <a:t>{</a:t>
+            </a:r>
+            <a:r>
+              <a:rPr lang="en-US" sz="1500" dirty="0">
+                <a:solidFill>
+                  <a:srgbClr val="A31515"/>
+                </a:solidFill>
+                <a:latin typeface="Cascadia Mono" panose="020B0609020000020004" pitchFamily="49" charset="0"/>
+              </a:rPr>
+              <a:t>Binding State</a:t>
+            </a:r>
+            <a:r>
+              <a:rPr lang="en-US" sz="1500" dirty="0">
+                <a:solidFill>
+                  <a:srgbClr val="0000FF"/>
+                </a:solidFill>
+                <a:latin typeface="Cascadia Mono" panose="020B0609020000020004" pitchFamily="49" charset="0"/>
+              </a:rPr>
+              <a:t>}</a:t>
+            </a:r>
+            <a:endParaRPr lang="sk-SK" sz="1500" dirty="0">
+              <a:solidFill>
+                <a:srgbClr val="0000FF"/>
+              </a:solidFill>
+              <a:latin typeface="Cascadia Mono" panose="020B0609020000020004" pitchFamily="49" charset="0"/>
+            </a:endParaRPr>
+          </a:p>
+          <a:p>
+            <a:pPr>
+              <a:buFont typeface="Arial" panose="020B0604020202020204" pitchFamily="34" charset="0"/>
+              <a:buChar char="•"/>
+            </a:pPr>
+            <a:r>
+              <a:rPr lang="sk-SK" sz="2400" dirty="0"/>
+              <a:t> </a:t>
+            </a:r>
+            <a:r>
+              <a:rPr lang="sk-SK" sz="2400" dirty="0" err="1"/>
+              <a:t>Definovat</a:t>
+            </a:r>
+            <a:r>
+              <a:rPr lang="sk-SK" sz="2400" dirty="0"/>
+              <a:t> </a:t>
+            </a:r>
+            <a:r>
+              <a:rPr lang="sk-SK" sz="2400" dirty="0" err="1"/>
+              <a:t>views</a:t>
+            </a:r>
+            <a:r>
+              <a:rPr lang="sk-SK" sz="2400" dirty="0"/>
+              <a:t> pro jednotlivé stavy</a:t>
+            </a:r>
+          </a:p>
+          <a:p>
+            <a:pPr>
+              <a:buFont typeface="Arial" panose="020B0604020202020204" pitchFamily="34" charset="0"/>
+              <a:buChar char="•"/>
+            </a:pPr>
+            <a:r>
+              <a:rPr lang="sk-SK" sz="2400" dirty="0"/>
+              <a:t> </a:t>
+            </a:r>
+            <a:r>
+              <a:rPr lang="sk-SK" sz="2400" dirty="0" err="1"/>
+              <a:t>Možnost</a:t>
+            </a:r>
+            <a:r>
+              <a:rPr lang="sk-SK" sz="2400" dirty="0"/>
+              <a:t> </a:t>
+            </a:r>
+            <a:r>
+              <a:rPr lang="sk-SK" sz="2400" dirty="0" err="1"/>
+              <a:t>použít</a:t>
+            </a:r>
+            <a:r>
+              <a:rPr lang="sk-SK" sz="2400" dirty="0"/>
+              <a:t> </a:t>
+            </a:r>
+            <a:r>
+              <a:rPr lang="sk-SK" sz="2400" dirty="0" err="1"/>
+              <a:t>RepeatCount</a:t>
+            </a:r>
+            <a:r>
+              <a:rPr lang="sk-SK" sz="2400" dirty="0"/>
+              <a:t> – </a:t>
+            </a:r>
+            <a:r>
+              <a:rPr lang="sk-SK" sz="2400" dirty="0" err="1"/>
+              <a:t>např</a:t>
+            </a:r>
+            <a:r>
+              <a:rPr lang="sk-SK" sz="2400" dirty="0"/>
+              <a:t>. pro vykreslení </a:t>
+            </a:r>
+            <a:r>
+              <a:rPr lang="sk-SK" sz="2400" dirty="0" err="1"/>
+              <a:t>kolekce</a:t>
+            </a:r>
+            <a:endParaRPr lang="sk-SK" sz="2400" dirty="0"/>
+          </a:p>
+          <a:p>
+            <a:pPr>
+              <a:buFont typeface="Arial" panose="020B0604020202020204" pitchFamily="34" charset="0"/>
+              <a:buChar char="•"/>
+            </a:pPr>
+            <a:endParaRPr lang="en-US" sz="1900" dirty="0"/>
+          </a:p>
+        </p:txBody>
+      </p:sp>
+    </p:spTree>
+    <p:extLst>
+      <p:ext uri="{BB962C8B-B14F-4D97-AF65-F5344CB8AC3E}">
+        <p14:creationId xmlns:p14="http://schemas.microsoft.com/office/powerpoint/2010/main" val="3171174334"/>
+      </p:ext>
+    </p:extLst>
+  </p:cSld>
+  <p:clrMapOvr>
+    <a:masterClrMapping/>
+  </p:clrMapOvr>
+  <p:timing>
+    <p:tnLst>
+      <p:par>
+        <p:cTn id="1" dur="indefinite" restart="never" nodeType="tmRoot">
+          <p:childTnLst>
+            <p:seq concurrent="1" nextAc="seek">
+              <p:cTn id="2" dur="indefinite" nodeType="mainSeq">
+                <p:childTnLst>
+                  <p:par>
+                    <p:cTn id="3" fill="hold">
+                      <p:stCondLst>
+                        <p:cond delay="indefinite"/>
+                      </p:stCondLst>
+                      <p:childTnLst>
+                        <p:par>
+                          <p:cTn id="4" fill="hold">
+                            <p:stCondLst>
+                              <p:cond delay="0"/>
+                            </p:stCondLst>
+                            <p:childTnLst>
+                              <p:par>
+                                <p:cTn id="5" presetID="1" presetClass="entr" presetSubtype="0" fill="hold" grpId="0" nodeType="clickEffect">
+                                  <p:stCondLst>
+                                    <p:cond delay="0"/>
+                                  </p:stCondLst>
+                                  <p:childTnLst>
+                                    <p:set>
+                                      <p:cBhvr>
+                                        <p:cTn id="6" dur="1" fill="hold">
+                                          <p:stCondLst>
+                                            <p:cond delay="0"/>
+                                          </p:stCondLst>
+                                        </p:cTn>
+                                        <p:tgtEl>
+                                          <p:spTgt spid="3">
+                                            <p:txEl>
+                                              <p:pRg st="0" end="0"/>
+                                            </p:txEl>
+                                          </p:spTgt>
+                                        </p:tgtEl>
+                                        <p:attrNameLst>
+                                          <p:attrName>style.visibility</p:attrName>
+                                        </p:attrNameLst>
+                                      </p:cBhvr>
+                                      <p:to>
+                                        <p:strVal val="visible"/>
+                                      </p:to>
+                                    </p:set>
+                                  </p:childTnLst>
+                                </p:cTn>
+                              </p:par>
+                              <p:par>
+                                <p:cTn id="7" presetID="1" presetClass="entr" presetSubtype="0" fill="hold" grpId="0" nodeType="withEffect">
+                                  <p:stCondLst>
+                                    <p:cond delay="0"/>
+                                  </p:stCondLst>
+                                  <p:childTnLst>
+                                    <p:set>
+                                      <p:cBhvr>
+                                        <p:cTn id="8" dur="1" fill="hold">
+                                          <p:stCondLst>
+                                            <p:cond delay="0"/>
+                                          </p:stCondLst>
+                                        </p:cTn>
+                                        <p:tgtEl>
+                                          <p:spTgt spid="3">
+                                            <p:txEl>
+                                              <p:pRg st="1" end="1"/>
+                                            </p:txEl>
+                                          </p:spTgt>
+                                        </p:tgtEl>
+                                        <p:attrNameLst>
+                                          <p:attrName>style.visibility</p:attrName>
+                                        </p:attrNameLst>
+                                      </p:cBhvr>
+                                      <p:to>
+                                        <p:strVal val="visible"/>
+                                      </p:to>
+                                    </p:set>
+                                  </p:childTnLst>
+                                </p:cTn>
+                              </p:par>
+                              <p:par>
+                                <p:cTn id="9" presetID="1" presetClass="entr" presetSubtype="0" fill="hold" grpId="0" nodeType="withEffect">
+                                  <p:stCondLst>
+                                    <p:cond delay="0"/>
+                                  </p:stCondLst>
+                                  <p:childTnLst>
+                                    <p:set>
+                                      <p:cBhvr>
+                                        <p:cTn id="10" dur="1" fill="hold">
+                                          <p:stCondLst>
+                                            <p:cond delay="0"/>
+                                          </p:stCondLst>
+                                        </p:cTn>
+                                        <p:tgtEl>
+                                          <p:spTgt spid="3">
+                                            <p:txEl>
+                                              <p:pRg st="2" end="2"/>
+                                            </p:txEl>
+                                          </p:spTgt>
+                                        </p:tgtEl>
+                                        <p:attrNameLst>
+                                          <p:attrName>style.visibility</p:attrName>
+                                        </p:attrNameLst>
+                                      </p:cBhvr>
+                                      <p:to>
+                                        <p:strVal val="visible"/>
+                                      </p:to>
+                                    </p:set>
+                                  </p:childTnLst>
+                                </p:cTn>
+                              </p:par>
+                              <p:par>
+                                <p:cTn id="11" presetID="1" presetClass="entr" presetSubtype="0" fill="hold" grpId="0" nodeType="withEffect">
+                                  <p:stCondLst>
+                                    <p:cond delay="0"/>
+                                  </p:stCondLst>
+                                  <p:childTnLst>
+                                    <p:set>
+                                      <p:cBhvr>
+                                        <p:cTn id="12" dur="1" fill="hold">
+                                          <p:stCondLst>
+                                            <p:cond delay="0"/>
+                                          </p:stCondLst>
+                                        </p:cTn>
+                                        <p:tgtEl>
+                                          <p:spTgt spid="3">
+                                            <p:txEl>
+                                              <p:pRg st="3" end="3"/>
+                                            </p:txEl>
+                                          </p:spTgt>
+                                        </p:tgtEl>
+                                        <p:attrNameLst>
+                                          <p:attrName>style.visibility</p:attrName>
+                                        </p:attrNameLst>
+                                      </p:cBhvr>
+                                      <p:to>
+                                        <p:strVal val="visible"/>
+                                      </p:to>
+                                    </p:set>
+                                  </p:childTnLst>
+                                </p:cTn>
+                              </p:par>
+                              <p:par>
+                                <p:cTn id="13" presetID="1" presetClass="entr" presetSubtype="0" fill="hold" grpId="0" nodeType="withEffect">
+                                  <p:stCondLst>
+                                    <p:cond delay="0"/>
+                                  </p:stCondLst>
+                                  <p:childTnLst>
+                                    <p:set>
+                                      <p:cBhvr>
+                                        <p:cTn id="14" dur="1" fill="hold">
+                                          <p:stCondLst>
+                                            <p:cond delay="0"/>
+                                          </p:stCondLst>
+                                        </p:cTn>
+                                        <p:tgtEl>
+                                          <p:spTgt spid="3">
+                                            <p:txEl>
+                                              <p:pRg st="4" end="4"/>
+                                            </p:txEl>
+                                          </p:spTgt>
+                                        </p:tgtEl>
+                                        <p:attrNameLst>
+                                          <p:attrName>style.visibility</p:attrName>
+                                        </p:attrNameLst>
+                                      </p:cBhvr>
+                                      <p:to>
+                                        <p:strVal val="visible"/>
+                                      </p:to>
+                                    </p:set>
+                                  </p:childTnLst>
+                                </p:cTn>
+                              </p:par>
+                            </p:childTnLst>
+                          </p:cTn>
+                        </p:par>
+                      </p:childTnLst>
+                    </p:cTn>
+                  </p:par>
+                  <p:par>
+                    <p:cTn id="15" fill="hold">
+                      <p:stCondLst>
+                        <p:cond delay="indefinite"/>
+                      </p:stCondLst>
+                      <p:childTnLst>
+                        <p:par>
+                          <p:cTn id="16" fill="hold">
+                            <p:stCondLst>
+                              <p:cond delay="0"/>
+                            </p:stCondLst>
+                            <p:childTnLst>
+                              <p:par>
+                                <p:cTn id="17" presetID="1" presetClass="entr" presetSubtype="0" fill="hold" grpId="0" nodeType="clickEffect">
+                                  <p:stCondLst>
+                                    <p:cond delay="0"/>
+                                  </p:stCondLst>
+                                  <p:childTnLst>
+                                    <p:set>
+                                      <p:cBhvr>
+                                        <p:cTn id="18" dur="1" fill="hold">
+                                          <p:stCondLst>
+                                            <p:cond delay="0"/>
+                                          </p:stCondLst>
+                                        </p:cTn>
+                                        <p:tgtEl>
+                                          <p:spTgt spid="3">
+                                            <p:txEl>
+                                              <p:pRg st="5" end="5"/>
+                                            </p:txEl>
+                                          </p:spTgt>
+                                        </p:tgtEl>
+                                        <p:attrNameLst>
+                                          <p:attrName>style.visibility</p:attrName>
+                                        </p:attrNameLst>
+                                      </p:cBhvr>
+                                      <p:to>
+                                        <p:strVal val="visible"/>
+                                      </p:to>
+                                    </p:set>
+                                  </p:childTnLst>
+                                </p:cTn>
+                              </p:par>
+                              <p:par>
+                                <p:cTn id="19" presetID="1" presetClass="entr" presetSubtype="0" fill="hold" grpId="0" nodeType="withEffect">
+                                  <p:stCondLst>
+                                    <p:cond delay="0"/>
+                                  </p:stCondLst>
+                                  <p:childTnLst>
+                                    <p:set>
+                                      <p:cBhvr>
+                                        <p:cTn id="20" dur="1" fill="hold">
+                                          <p:stCondLst>
+                                            <p:cond delay="0"/>
+                                          </p:stCondLst>
+                                        </p:cTn>
+                                        <p:tgtEl>
+                                          <p:spTgt spid="3">
+                                            <p:txEl>
+                                              <p:pRg st="6" end="6"/>
+                                            </p:txEl>
+                                          </p:spTgt>
+                                        </p:tgtEl>
+                                        <p:attrNameLst>
+                                          <p:attrName>style.visibility</p:attrName>
+                                        </p:attrNameLst>
+                                      </p:cBhvr>
+                                      <p:to>
+                                        <p:strVal val="visible"/>
+                                      </p:to>
+                                    </p:set>
+                                  </p:childTnLst>
+                                </p:cTn>
+                              </p:par>
+                            </p:childTnLst>
+                          </p:cTn>
+                        </p:par>
+                      </p:childTnLst>
+                    </p:cTn>
+                  </p:par>
+                  <p:par>
+                    <p:cTn id="21" fill="hold">
+                      <p:stCondLst>
+                        <p:cond delay="indefinite"/>
+                      </p:stCondLst>
+                      <p:childTnLst>
+                        <p:par>
+                          <p:cTn id="22" fill="hold">
+                            <p:stCondLst>
+                              <p:cond delay="0"/>
+                            </p:stCondLst>
+                            <p:childTnLst>
+                              <p:par>
+                                <p:cTn id="23" presetID="1" presetClass="entr" presetSubtype="0" fill="hold" grpId="0" nodeType="clickEffect">
+                                  <p:stCondLst>
+                                    <p:cond delay="0"/>
+                                  </p:stCondLst>
+                                  <p:childTnLst>
+                                    <p:set>
+                                      <p:cBhvr>
+                                        <p:cTn id="24" dur="1" fill="hold">
+                                          <p:stCondLst>
+                                            <p:cond delay="0"/>
+                                          </p:stCondLst>
+                                        </p:cTn>
+                                        <p:tgtEl>
+                                          <p:spTgt spid="3">
+                                            <p:txEl>
+                                              <p:pRg st="7" end="7"/>
+                                            </p:txEl>
+                                          </p:spTgt>
+                                        </p:tgtEl>
+                                        <p:attrNameLst>
+                                          <p:attrName>style.visibility</p:attrName>
+                                        </p:attrNameLst>
+                                      </p:cBhvr>
+                                      <p:to>
+                                        <p:strVal val="visible"/>
+                                      </p:to>
+                                    </p:set>
+                                  </p:childTnLst>
+                                </p:cTn>
+                              </p:par>
+                            </p:childTnLst>
+                          </p:cTn>
+                        </p:par>
+                      </p:childTnLst>
+                    </p:cTn>
+                  </p:par>
+                  <p:par>
+                    <p:cTn id="25" fill="hold">
+                      <p:stCondLst>
+                        <p:cond delay="indefinite"/>
+                      </p:stCondLst>
+                      <p:childTnLst>
+                        <p:par>
+                          <p:cTn id="26" fill="hold">
+                            <p:stCondLst>
+                              <p:cond delay="0"/>
+                            </p:stCondLst>
+                            <p:childTnLst>
+                              <p:par>
+                                <p:cTn id="27" presetID="1" presetClass="entr" presetSubtype="0" fill="hold" grpId="0" nodeType="clickEffect">
+                                  <p:stCondLst>
+                                    <p:cond delay="0"/>
+                                  </p:stCondLst>
+                                  <p:childTnLst>
+                                    <p:set>
+                                      <p:cBhvr>
+                                        <p:cTn id="28" dur="1" fill="hold">
+                                          <p:stCondLst>
+                                            <p:cond delay="0"/>
+                                          </p:stCondLst>
+                                        </p:cTn>
+                                        <p:tgtEl>
+                                          <p:spTgt spid="3">
+                                            <p:txEl>
+                                              <p:pRg st="8" end="8"/>
+                                            </p:txEl>
+                                          </p:spTgt>
+                                        </p:tgtEl>
+                                        <p:attrNameLst>
+                                          <p:attrName>style.visibility</p:attrName>
+                                        </p:attrNameLst>
+                                      </p:cBhvr>
+                                      <p:to>
+                                        <p:strVal val="visible"/>
+                                      </p:to>
+                                    </p:set>
+                                  </p:childTnLst>
+                                </p:cTn>
+                              </p:par>
+                            </p:childTnLst>
+                          </p:cTn>
+                        </p:par>
+                      </p:childTnLst>
+                    </p:cTn>
+                  </p:par>
+                </p:childTnLst>
+              </p:cTn>
+              <p:prevCondLst>
+                <p:cond evt="onPrev" delay="0">
+                  <p:tgtEl>
+                    <p:sldTgt/>
+                  </p:tgtEl>
+                </p:cond>
+              </p:prevCondLst>
+              <p:nextCondLst>
+                <p:cond evt="onNext" delay="0">
+                  <p:tgtEl>
+                    <p:sldTgt/>
+                  </p:tgtEl>
+                </p:cond>
+              </p:nextCondLst>
+            </p:seq>
+          </p:childTnLst>
+        </p:cTn>
+      </p:par>
+    </p:tnLst>
+    <p:bldLst>
+      <p:bldP spid="3" grpId="0" uiExpand="1" build="p"/>
+    </p:bldLst>
+  </p:timing>
+</p:sld>
+</file>
+
+<file path=ppt/slides/slide15.xml><?xml version="1.0" encoding="utf-8"?>
+<p:sld xmlns:a="http://schemas.openxmlformats.org/drawingml/2006/main" xmlns:r="http://schemas.openxmlformats.org/officeDocument/2006/relationships" xmlns:p="http://schemas.openxmlformats.org/presentationml/2006/main">
+  <p:cSld>
+    <p:spTree>
+      <p:nvGrpSpPr>
+        <p:cNvPr id="1" name=""/>
+        <p:cNvGrpSpPr/>
+        <p:nvPr/>
+      </p:nvGrpSpPr>
+      <p:grpSpPr>
+        <a:xfrm>
+          <a:off x="0" y="0"/>
+          <a:ext cx="0" cy="0"/>
+          <a:chOff x="0" y="0"/>
+          <a:chExt cx="0" cy="0"/>
+        </a:xfrm>
+      </p:grpSpPr>
+      <p:sp>
+        <p:nvSpPr>
+          <p:cNvPr id="2" name="Title 1">
+            <a:extLst>
+              <a:ext uri="{FF2B5EF4-FFF2-40B4-BE49-F238E27FC236}">
+                <a16:creationId xmlns:a16="http://schemas.microsoft.com/office/drawing/2014/main" id="{BD327CCE-7779-4336-A773-B37DFDE0A572}"/>
+              </a:ext>
+            </a:extLst>
+          </p:cNvPr>
+          <p:cNvSpPr>
+            <a:spLocks noGrp="1"/>
+          </p:cNvSpPr>
+          <p:nvPr>
+            <p:ph type="title"/>
+          </p:nvPr>
+        </p:nvSpPr>
+        <p:spPr/>
+        <p:txBody>
+          <a:bodyPr/>
+          <a:lstStyle/>
+          <a:p>
+            <a:r>
+              <a:rPr lang="sk-SK" dirty="0" err="1"/>
+              <a:t>Converter</a:t>
+            </a:r>
+            <a:endParaRPr lang="en-US" dirty="0"/>
+          </a:p>
+        </p:txBody>
+      </p:sp>
+      <p:sp>
+        <p:nvSpPr>
+          <p:cNvPr id="3" name="Content Placeholder 2">
+            <a:extLst>
+              <a:ext uri="{FF2B5EF4-FFF2-40B4-BE49-F238E27FC236}">
+                <a16:creationId xmlns:a16="http://schemas.microsoft.com/office/drawing/2014/main" id="{048E0EE2-28D9-4223-9D28-6F61C2CF892F}"/>
+              </a:ext>
+            </a:extLst>
+          </p:cNvPr>
+          <p:cNvSpPr>
+            <a:spLocks noGrp="1"/>
+          </p:cNvSpPr>
+          <p:nvPr>
+            <p:ph idx="1"/>
+          </p:nvPr>
+        </p:nvSpPr>
+        <p:spPr/>
+        <p:txBody>
+          <a:bodyPr/>
+          <a:lstStyle/>
+          <a:p>
+            <a:pPr>
+              <a:buFont typeface="Arial" panose="020B0604020202020204" pitchFamily="34" charset="0"/>
+              <a:buChar char="•"/>
+            </a:pPr>
+            <a:r>
+              <a:rPr lang="sk-SK" dirty="0"/>
+              <a:t> </a:t>
+            </a:r>
+            <a:r>
+              <a:rPr lang="sk-SK" dirty="0" err="1"/>
+              <a:t>Převod</a:t>
+            </a:r>
+            <a:r>
+              <a:rPr lang="sk-SK" dirty="0"/>
+              <a:t> „</a:t>
+            </a:r>
+            <a:r>
+              <a:rPr lang="sk-SK" dirty="0" err="1"/>
+              <a:t>nějaké</a:t>
+            </a:r>
+            <a:r>
+              <a:rPr lang="sk-SK" dirty="0"/>
+              <a:t>“ hodnoty na „</a:t>
+            </a:r>
+            <a:r>
+              <a:rPr lang="sk-SK" dirty="0" err="1"/>
+              <a:t>nějakou</a:t>
+            </a:r>
+            <a:r>
+              <a:rPr lang="sk-SK" dirty="0"/>
+              <a:t> </a:t>
+            </a:r>
+            <a:r>
+              <a:rPr lang="sk-SK" dirty="0" err="1"/>
+              <a:t>jinou</a:t>
+            </a:r>
+            <a:r>
+              <a:rPr lang="sk-SK" dirty="0"/>
+              <a:t>“</a:t>
+            </a:r>
+          </a:p>
+          <a:p>
+            <a:pPr>
+              <a:buFont typeface="Arial" panose="020B0604020202020204" pitchFamily="34" charset="0"/>
+              <a:buChar char="•"/>
+            </a:pPr>
+            <a:r>
+              <a:rPr lang="sk-SK" dirty="0"/>
+              <a:t> </a:t>
+            </a:r>
+            <a:r>
+              <a:rPr lang="sk-SK" dirty="0" err="1"/>
+              <a:t>Hodně</a:t>
+            </a:r>
+            <a:r>
+              <a:rPr lang="sk-SK" dirty="0"/>
+              <a:t> obecný koncept</a:t>
+            </a:r>
+          </a:p>
+          <a:p>
+            <a:pPr>
+              <a:buFont typeface="Arial" panose="020B0604020202020204" pitchFamily="34" charset="0"/>
+              <a:buChar char="•"/>
+            </a:pPr>
+            <a:r>
+              <a:rPr lang="sk-SK" dirty="0"/>
+              <a:t> Interface </a:t>
+            </a:r>
+            <a:r>
+              <a:rPr lang="sk-SK" dirty="0" err="1"/>
+              <a:t>IValueConverter</a:t>
+            </a:r>
+            <a:endParaRPr lang="sk-SK" dirty="0"/>
+          </a:p>
+          <a:p>
+            <a:pPr lvl="1">
+              <a:buFont typeface="Arial" panose="020B0604020202020204" pitchFamily="34" charset="0"/>
+              <a:buChar char="•"/>
+            </a:pPr>
+            <a:r>
+              <a:rPr lang="sk-SK" dirty="0" err="1"/>
+              <a:t>object</a:t>
+            </a:r>
+            <a:r>
+              <a:rPr lang="sk-SK" dirty="0"/>
+              <a:t> </a:t>
+            </a:r>
+            <a:r>
+              <a:rPr lang="sk-SK" dirty="0" err="1"/>
+              <a:t>Convert</a:t>
+            </a:r>
+            <a:r>
+              <a:rPr lang="sk-SK" dirty="0"/>
+              <a:t>()</a:t>
+            </a:r>
+          </a:p>
+          <a:p>
+            <a:pPr lvl="1">
+              <a:buFont typeface="Arial" panose="020B0604020202020204" pitchFamily="34" charset="0"/>
+              <a:buChar char="•"/>
+            </a:pPr>
+            <a:r>
+              <a:rPr lang="sk-SK" dirty="0" err="1"/>
+              <a:t>object</a:t>
+            </a:r>
+            <a:r>
+              <a:rPr lang="sk-SK" dirty="0"/>
+              <a:t> </a:t>
+            </a:r>
+            <a:r>
+              <a:rPr lang="sk-SK" dirty="0" err="1"/>
+              <a:t>ConvertBack</a:t>
+            </a:r>
+            <a:r>
+              <a:rPr lang="sk-SK" dirty="0"/>
+              <a:t>()</a:t>
+            </a:r>
+          </a:p>
+          <a:p>
+            <a:pPr>
+              <a:buFont typeface="Arial" panose="020B0604020202020204" pitchFamily="34" charset="0"/>
+              <a:buChar char="•"/>
+            </a:pPr>
+            <a:r>
+              <a:rPr lang="sk-SK" dirty="0"/>
+              <a:t> </a:t>
+            </a:r>
+            <a:r>
+              <a:rPr lang="sk-SK" dirty="0" err="1"/>
+              <a:t>Není</a:t>
+            </a:r>
+            <a:r>
+              <a:rPr lang="sk-SK" dirty="0"/>
+              <a:t> </a:t>
+            </a:r>
+            <a:r>
+              <a:rPr lang="sk-SK" dirty="0" err="1"/>
+              <a:t>nutno</a:t>
+            </a:r>
+            <a:r>
+              <a:rPr lang="sk-SK" dirty="0"/>
+              <a:t> </a:t>
+            </a:r>
+            <a:r>
+              <a:rPr lang="sk-SK" dirty="0" err="1"/>
+              <a:t>implementovat</a:t>
+            </a:r>
+            <a:r>
+              <a:rPr lang="sk-SK" dirty="0"/>
+              <a:t> oba </a:t>
+            </a:r>
+            <a:r>
+              <a:rPr lang="sk-SK" dirty="0" err="1"/>
+              <a:t>směry</a:t>
+            </a:r>
+            <a:r>
+              <a:rPr lang="sk-SK" dirty="0"/>
+              <a:t> </a:t>
+            </a:r>
+            <a:r>
+              <a:rPr lang="sk-SK" dirty="0" err="1"/>
+              <a:t>pokud</a:t>
+            </a:r>
+            <a:r>
+              <a:rPr lang="sk-SK" dirty="0"/>
+              <a:t> to </a:t>
+            </a:r>
+            <a:r>
+              <a:rPr lang="sk-SK" dirty="0" err="1"/>
+              <a:t>nedává</a:t>
+            </a:r>
+            <a:r>
+              <a:rPr lang="sk-SK" dirty="0"/>
+              <a:t> </a:t>
+            </a:r>
+            <a:r>
+              <a:rPr lang="sk-SK" dirty="0" err="1"/>
+              <a:t>smysl</a:t>
+            </a:r>
+            <a:endParaRPr lang="sk-SK" dirty="0"/>
+          </a:p>
+          <a:p>
+            <a:pPr>
+              <a:buFont typeface="Arial" panose="020B0604020202020204" pitchFamily="34" charset="0"/>
+              <a:buChar char="•"/>
+            </a:pPr>
+            <a:r>
+              <a:rPr lang="sk-SK" dirty="0"/>
+              <a:t> Pracuje </a:t>
+            </a:r>
+            <a:r>
+              <a:rPr lang="sk-SK" dirty="0" err="1"/>
+              <a:t>se</a:t>
+            </a:r>
+            <a:r>
+              <a:rPr lang="sk-SK" dirty="0"/>
+              <a:t> s objekty – je </a:t>
+            </a:r>
+            <a:r>
+              <a:rPr lang="sk-SK" dirty="0" err="1"/>
+              <a:t>potřeba</a:t>
+            </a:r>
+            <a:r>
+              <a:rPr lang="sk-SK" dirty="0"/>
+              <a:t> </a:t>
+            </a:r>
+            <a:r>
+              <a:rPr lang="sk-SK" dirty="0" err="1"/>
+              <a:t>přetypovávat</a:t>
+            </a:r>
+            <a:endParaRPr lang="sk-SK" dirty="0"/>
+          </a:p>
+        </p:txBody>
+      </p:sp>
+    </p:spTree>
+    <p:extLst>
+      <p:ext uri="{BB962C8B-B14F-4D97-AF65-F5344CB8AC3E}">
+        <p14:creationId xmlns:p14="http://schemas.microsoft.com/office/powerpoint/2010/main" val="998918489"/>
+      </p:ext>
+    </p:extLst>
+  </p:cSld>
+  <p:clrMapOvr>
+    <a:masterClrMapping/>
+  </p:clrMapOvr>
+  <p:timing>
+    <p:tnLst>
+      <p:par>
+        <p:cTn id="1" dur="indefinite" restart="never" nodeType="tmRoot">
+          <p:childTnLst>
+            <p:seq concurrent="1" nextAc="seek">
+              <p:cTn id="2" dur="indefinite" nodeType="mainSeq">
+                <p:childTnLst>
+                  <p:par>
+                    <p:cTn id="3" fill="hold">
+                      <p:stCondLst>
+                        <p:cond delay="indefinite"/>
+                      </p:stCondLst>
+                      <p:childTnLst>
+                        <p:par>
+                          <p:cTn id="4" fill="hold">
+                            <p:stCondLst>
+                              <p:cond delay="0"/>
+                            </p:stCondLst>
+                            <p:childTnLst>
+                              <p:par>
+                                <p:cTn id="5" presetID="1" presetClass="entr" presetSubtype="0" fill="hold" grpId="0" nodeType="clickEffect">
+                                  <p:stCondLst>
+                                    <p:cond delay="0"/>
+                                  </p:stCondLst>
+                                  <p:childTnLst>
+                                    <p:set>
+                                      <p:cBhvr>
+                                        <p:cTn id="6" dur="1" fill="hold">
+                                          <p:stCondLst>
+                                            <p:cond delay="0"/>
+                                          </p:stCondLst>
+                                        </p:cTn>
+                                        <p:tgtEl>
+                                          <p:spTgt spid="3">
+                                            <p:txEl>
+                                              <p:pRg st="0" end="0"/>
+                                            </p:txEl>
+                                          </p:spTgt>
+                                        </p:tgtEl>
+                                        <p:attrNameLst>
+                                          <p:attrName>style.visibility</p:attrName>
+                                        </p:attrNameLst>
+                                      </p:cBhvr>
+                                      <p:to>
+                                        <p:strVal val="visible"/>
+                                      </p:to>
+                                    </p:set>
+                                  </p:childTnLst>
+                                </p:cTn>
+                              </p:par>
+                            </p:childTnLst>
+                          </p:cTn>
+                        </p:par>
+                      </p:childTnLst>
+                    </p:cTn>
+                  </p:par>
+                  <p:par>
+                    <p:cTn id="7" fill="hold">
+                      <p:stCondLst>
+                        <p:cond delay="indefinite"/>
+                      </p:stCondLst>
+                      <p:childTnLst>
+                        <p:par>
+                          <p:cTn id="8" fill="hold">
+                            <p:stCondLst>
+                              <p:cond delay="0"/>
+                            </p:stCondLst>
+                            <p:childTnLst>
+                              <p:par>
+                                <p:cTn id="9" presetID="1" presetClass="entr" presetSubtype="0" fill="hold" grpId="0" nodeType="clickEffect">
+                                  <p:stCondLst>
+                                    <p:cond delay="0"/>
+                                  </p:stCondLst>
+                                  <p:childTnLst>
+                                    <p:set>
+                                      <p:cBhvr>
+                                        <p:cTn id="10" dur="1" fill="hold">
+                                          <p:stCondLst>
+                                            <p:cond delay="0"/>
+                                          </p:stCondLst>
+                                        </p:cTn>
+                                        <p:tgtEl>
+                                          <p:spTgt spid="3">
+                                            <p:txEl>
+                                              <p:pRg st="1" end="1"/>
+                                            </p:txEl>
+                                          </p:spTgt>
+                                        </p:tgtEl>
+                                        <p:attrNameLst>
+                                          <p:attrName>style.visibility</p:attrName>
+                                        </p:attrNameLst>
+                                      </p:cBhvr>
+                                      <p:to>
+                                        <p:strVal val="visible"/>
+                                      </p:to>
+                                    </p:set>
+                                  </p:childTnLst>
+                                </p:cTn>
+                              </p:par>
+                            </p:childTnLst>
+                          </p:cTn>
+                        </p:par>
+                      </p:childTnLst>
+                    </p:cTn>
+                  </p:par>
+                  <p:par>
+                    <p:cTn id="11" fill="hold">
+                      <p:stCondLst>
+                        <p:cond delay="indefinite"/>
+                      </p:stCondLst>
+                      <p:childTnLst>
+                        <p:par>
+                          <p:cTn id="12" fill="hold">
+                            <p:stCondLst>
+                              <p:cond delay="0"/>
+                            </p:stCondLst>
+                            <p:childTnLst>
+                              <p:par>
+                                <p:cTn id="13" presetID="1" presetClass="entr" presetSubtype="0" fill="hold" grpId="0" nodeType="clickEffect">
+                                  <p:stCondLst>
+                                    <p:cond delay="0"/>
+                                  </p:stCondLst>
+                                  <p:childTnLst>
+                                    <p:set>
+                                      <p:cBhvr>
+                                        <p:cTn id="14" dur="1" fill="hold">
+                                          <p:stCondLst>
+                                            <p:cond delay="0"/>
+                                          </p:stCondLst>
+                                        </p:cTn>
+                                        <p:tgtEl>
+                                          <p:spTgt spid="3">
+                                            <p:txEl>
+                                              <p:pRg st="2" end="2"/>
+                                            </p:txEl>
+                                          </p:spTgt>
+                                        </p:tgtEl>
+                                        <p:attrNameLst>
+                                          <p:attrName>style.visibility</p:attrName>
+                                        </p:attrNameLst>
+                                      </p:cBhvr>
+                                      <p:to>
+                                        <p:strVal val="visible"/>
+                                      </p:to>
+                                    </p:set>
+                                  </p:childTnLst>
+                                </p:cTn>
+                              </p:par>
+                              <p:par>
+                                <p:cTn id="15" presetID="1" presetClass="entr" presetSubtype="0" fill="hold" grpId="0" nodeType="withEffect">
+                                  <p:stCondLst>
+                                    <p:cond delay="0"/>
+                                  </p:stCondLst>
+                                  <p:childTnLst>
+                                    <p:set>
+                                      <p:cBhvr>
+                                        <p:cTn id="16" dur="1" fill="hold">
+                                          <p:stCondLst>
+                                            <p:cond delay="0"/>
+                                          </p:stCondLst>
+                                        </p:cTn>
+                                        <p:tgtEl>
+                                          <p:spTgt spid="3">
+                                            <p:txEl>
+                                              <p:pRg st="3" end="3"/>
+                                            </p:txEl>
+                                          </p:spTgt>
+                                        </p:tgtEl>
+                                        <p:attrNameLst>
+                                          <p:attrName>style.visibility</p:attrName>
+                                        </p:attrNameLst>
+                                      </p:cBhvr>
+                                      <p:to>
+                                        <p:strVal val="visible"/>
+                                      </p:to>
+                                    </p:set>
+                                  </p:childTnLst>
+                                </p:cTn>
+                              </p:par>
+                              <p:par>
+                                <p:cTn id="17" presetID="1" presetClass="entr" presetSubtype="0" fill="hold" grpId="0" nodeType="withEffect">
+                                  <p:stCondLst>
+                                    <p:cond delay="0"/>
+                                  </p:stCondLst>
+                                  <p:childTnLst>
+                                    <p:set>
+                                      <p:cBhvr>
+                                        <p:cTn id="18" dur="1" fill="hold">
+                                          <p:stCondLst>
+                                            <p:cond delay="0"/>
+                                          </p:stCondLst>
+                                        </p:cTn>
+                                        <p:tgtEl>
+                                          <p:spTgt spid="3">
+                                            <p:txEl>
+                                              <p:pRg st="4" end="4"/>
+                                            </p:txEl>
+                                          </p:spTgt>
+                                        </p:tgtEl>
+                                        <p:attrNameLst>
+                                          <p:attrName>style.visibility</p:attrName>
+                                        </p:attrNameLst>
+                                      </p:cBhvr>
+                                      <p:to>
+                                        <p:strVal val="visible"/>
+                                      </p:to>
+                                    </p:set>
+                                  </p:childTnLst>
+                                </p:cTn>
+                              </p:par>
+                            </p:childTnLst>
+                          </p:cTn>
+                        </p:par>
+                      </p:childTnLst>
+                    </p:cTn>
+                  </p:par>
+                  <p:par>
+                    <p:cTn id="19" fill="hold">
+                      <p:stCondLst>
+                        <p:cond delay="indefinite"/>
+                      </p:stCondLst>
+                      <p:childTnLst>
+                        <p:par>
+                          <p:cTn id="20" fill="hold">
+                            <p:stCondLst>
+                              <p:cond delay="0"/>
+                            </p:stCondLst>
+                            <p:childTnLst>
+                              <p:par>
+                                <p:cTn id="21" presetID="1" presetClass="entr" presetSubtype="0" fill="hold" grpId="0" nodeType="clickEffect">
+                                  <p:stCondLst>
+                                    <p:cond delay="0"/>
+                                  </p:stCondLst>
+                                  <p:childTnLst>
+                                    <p:set>
+                                      <p:cBhvr>
+                                        <p:cTn id="22" dur="1" fill="hold">
+                                          <p:stCondLst>
+                                            <p:cond delay="0"/>
+                                          </p:stCondLst>
+                                        </p:cTn>
+                                        <p:tgtEl>
+                                          <p:spTgt spid="3">
+                                            <p:txEl>
+                                              <p:pRg st="5" end="5"/>
+                                            </p:txEl>
+                                          </p:spTgt>
+                                        </p:tgtEl>
+                                        <p:attrNameLst>
+                                          <p:attrName>style.visibility</p:attrName>
+                                        </p:attrNameLst>
+                                      </p:cBhvr>
+                                      <p:to>
+                                        <p:strVal val="visible"/>
+                                      </p:to>
+                                    </p:set>
+                                  </p:childTnLst>
+                                </p:cTn>
+                              </p:par>
+                            </p:childTnLst>
+                          </p:cTn>
+                        </p:par>
+                      </p:childTnLst>
+                    </p:cTn>
+                  </p:par>
+                  <p:par>
+                    <p:cTn id="23" fill="hold">
+                      <p:stCondLst>
+                        <p:cond delay="indefinite"/>
+                      </p:stCondLst>
+                      <p:childTnLst>
+                        <p:par>
+                          <p:cTn id="24" fill="hold">
+                            <p:stCondLst>
+                              <p:cond delay="0"/>
+                            </p:stCondLst>
+                            <p:childTnLst>
+                              <p:par>
+                                <p:cTn id="25" presetID="1" presetClass="entr" presetSubtype="0" fill="hold" grpId="0" nodeType="clickEffect">
+                                  <p:stCondLst>
+                                    <p:cond delay="0"/>
+                                  </p:stCondLst>
+                                  <p:childTnLst>
+                                    <p:set>
+                                      <p:cBhvr>
+                                        <p:cTn id="26" dur="1" fill="hold">
+                                          <p:stCondLst>
+                                            <p:cond delay="0"/>
+                                          </p:stCondLst>
+                                        </p:cTn>
+                                        <p:tgtEl>
+                                          <p:spTgt spid="3">
+                                            <p:txEl>
+                                              <p:pRg st="6" end="6"/>
+                                            </p:txEl>
+                                          </p:spTgt>
+                                        </p:tgtEl>
+                                        <p:attrNameLst>
+                                          <p:attrName>style.visibility</p:attrName>
+                                        </p:attrNameLst>
+                                      </p:cBhvr>
+                                      <p:to>
+                                        <p:strVal val="visible"/>
+                                      </p:to>
+                                    </p:set>
+                                  </p:childTnLst>
+                                </p:cTn>
+                              </p:par>
+                            </p:childTnLst>
+                          </p:cTn>
+                        </p:par>
+                      </p:childTnLst>
+                    </p:cTn>
+                  </p:par>
+                </p:childTnLst>
+              </p:cTn>
+              <p:prevCondLst>
+                <p:cond evt="onPrev" delay="0">
+                  <p:tgtEl>
+                    <p:sldTgt/>
+                  </p:tgtEl>
+                </p:cond>
+              </p:prevCondLst>
+              <p:nextCondLst>
+                <p:cond evt="onNext" delay="0">
+                  <p:tgtEl>
+                    <p:sldTgt/>
+                  </p:tgtEl>
+                </p:cond>
+              </p:nextCondLst>
+            </p:seq>
+          </p:childTnLst>
+        </p:cTn>
+      </p:par>
+    </p:tnLst>
+    <p:bldLst>
+      <p:bldP spid="3" grpId="0" build="p"/>
+    </p:bldLst>
+  </p:timing>
+</p:sld>
+</file>
+
+<file path=ppt/slides/slide16.xml><?xml version="1.0" encoding="utf-8"?>
+<p:sld xmlns:a="http://schemas.openxmlformats.org/drawingml/2006/main" xmlns:r="http://schemas.openxmlformats.org/officeDocument/2006/relationships" xmlns:p="http://schemas.openxmlformats.org/presentationml/2006/main">
+  <p:cSld>
+    <p:spTree>
+      <p:nvGrpSpPr>
+        <p:cNvPr id="1" name=""/>
+        <p:cNvGrpSpPr/>
+        <p:nvPr/>
+      </p:nvGrpSpPr>
+      <p:grpSpPr>
+        <a:xfrm>
+          <a:off x="0" y="0"/>
+          <a:ext cx="0" cy="0"/>
+          <a:chOff x="0" y="0"/>
+          <a:chExt cx="0" cy="0"/>
+        </a:xfrm>
+      </p:grpSpPr>
+      <p:sp>
+        <p:nvSpPr>
           <p:cNvPr id="4" name="Title 3">
             <a:extLst>
               <a:ext uri="{FF2B5EF4-FFF2-40B4-BE49-F238E27FC236}">
@@ -43099,12 +48240,20 @@
           <a:p>
             <a:pPr algn="l"/>
             <a:r>
-              <a:rPr lang="en-US" sz="6000" dirty="0" err="1">
+              <a:rPr lang="sk-SK" sz="6000" dirty="0">
                 <a:solidFill>
                   <a:srgbClr val="FFFFFF"/>
                 </a:solidFill>
               </a:rPr>
-              <a:t>Konfigurace</a:t>
+              <a:t>State </a:t>
+            </a:r>
+            <a:r>
+              <a:rPr lang="sk-SK" sz="6000" dirty="0" err="1">
+                <a:solidFill>
+                  <a:srgbClr val="FFFFFF"/>
+                </a:solidFill>
+              </a:rPr>
+              <a:t>views</a:t>
             </a:r>
             <a:endParaRPr lang="en-US" sz="6000" dirty="0">
               <a:solidFill>
@@ -43117,904 +48266,7 @@
     </p:spTree>
     <p:extLst>
       <p:ext uri="{BB962C8B-B14F-4D97-AF65-F5344CB8AC3E}">
-        <p14:creationId xmlns:p14="http://schemas.microsoft.com/office/powerpoint/2010/main" val="1757609030"/>
-      </p:ext>
-    </p:extLst>
-  </p:cSld>
-  <p:clrMapOvr>
-    <a:masterClrMapping/>
-  </p:clrMapOvr>
-</p:sld>
-</file>
-
-<file path=ppt/slides/slide15.xml><?xml version="1.0" encoding="utf-8"?>
-<p:sld xmlns:a="http://schemas.openxmlformats.org/drawingml/2006/main" xmlns:r="http://schemas.openxmlformats.org/officeDocument/2006/relationships" xmlns:p="http://schemas.openxmlformats.org/presentationml/2006/main">
-  <p:cSld>
-    <p:spTree>
-      <p:nvGrpSpPr>
-        <p:cNvPr id="1" name=""/>
-        <p:cNvGrpSpPr/>
-        <p:nvPr/>
-      </p:nvGrpSpPr>
-      <p:grpSpPr>
-        <a:xfrm>
-          <a:off x="0" y="0"/>
-          <a:ext cx="0" cy="0"/>
-          <a:chOff x="0" y="0"/>
-          <a:chExt cx="0" cy="0"/>
-        </a:xfrm>
-      </p:grpSpPr>
-      <p:sp>
-        <p:nvSpPr>
-          <p:cNvPr id="2" name="Title 1">
-            <a:extLst>
-              <a:ext uri="{FF2B5EF4-FFF2-40B4-BE49-F238E27FC236}">
-                <a16:creationId xmlns:a16="http://schemas.microsoft.com/office/drawing/2014/main" id="{95759C59-4143-4F3D-9141-3D213475D391}"/>
-              </a:ext>
-            </a:extLst>
-          </p:cNvPr>
-          <p:cNvSpPr>
-            <a:spLocks noGrp="1"/>
-          </p:cNvSpPr>
-          <p:nvPr>
-            <p:ph type="title"/>
-          </p:nvPr>
-        </p:nvSpPr>
-        <p:spPr/>
-        <p:txBody>
-          <a:bodyPr/>
-          <a:lstStyle/>
-          <a:p>
-            <a:r>
-              <a:rPr lang="sk-SK" dirty="0" err="1"/>
-              <a:t>Konfigurace</a:t>
-            </a:r>
-            <a:endParaRPr lang="en-US" dirty="0"/>
-          </a:p>
-        </p:txBody>
-      </p:sp>
-      <p:sp>
-        <p:nvSpPr>
-          <p:cNvPr id="3" name="Content Placeholder 2">
-            <a:extLst>
-              <a:ext uri="{FF2B5EF4-FFF2-40B4-BE49-F238E27FC236}">
-                <a16:creationId xmlns:a16="http://schemas.microsoft.com/office/drawing/2014/main" id="{8320182E-2167-4AC6-AE3A-7A6C3DE31297}"/>
-              </a:ext>
-            </a:extLst>
-          </p:cNvPr>
-          <p:cNvSpPr>
-            <a:spLocks noGrp="1"/>
-          </p:cNvSpPr>
-          <p:nvPr>
-            <p:ph idx="1"/>
-          </p:nvPr>
-        </p:nvSpPr>
-        <p:spPr/>
-        <p:txBody>
-          <a:bodyPr>
-            <a:normAutofit/>
-          </a:bodyPr>
-          <a:lstStyle/>
-          <a:p>
-            <a:pPr>
-              <a:buFont typeface="Arial" panose="020B0604020202020204" pitchFamily="34" charset="0"/>
-              <a:buChar char="•"/>
-            </a:pPr>
-            <a:r>
-              <a:rPr lang="en-US" dirty="0"/>
-              <a:t> Add </a:t>
-            </a:r>
-            <a:r>
-              <a:rPr lang="en-US" dirty="0" err="1"/>
-              <a:t>json</a:t>
-            </a:r>
-            <a:r>
-              <a:rPr lang="en-US" dirty="0"/>
-              <a:t> file (i.e. </a:t>
-            </a:r>
-            <a:r>
-              <a:rPr lang="en-US" dirty="0" err="1"/>
-              <a:t>appsettings.json</a:t>
-            </a:r>
-            <a:r>
-              <a:rPr lang="en-US" dirty="0"/>
-              <a:t>) as Embedded Resource</a:t>
-            </a:r>
-          </a:p>
-          <a:p>
-            <a:pPr>
-              <a:buFont typeface="Arial" panose="020B0604020202020204" pitchFamily="34" charset="0"/>
-              <a:buChar char="•"/>
-            </a:pPr>
-            <a:r>
-              <a:rPr lang="en-US" dirty="0"/>
-              <a:t> Add </a:t>
-            </a:r>
-            <a:r>
-              <a:rPr lang="en-US" dirty="0" err="1"/>
-              <a:t>Nuget</a:t>
-            </a:r>
-            <a:r>
-              <a:rPr lang="en-US" dirty="0"/>
-              <a:t> packages</a:t>
-            </a:r>
-          </a:p>
-          <a:p>
-            <a:pPr lvl="1">
-              <a:buFont typeface="Arial" panose="020B0604020202020204" pitchFamily="34" charset="0"/>
-              <a:buChar char="•"/>
-            </a:pPr>
-            <a:r>
-              <a:rPr lang="en-US" dirty="0" err="1"/>
-              <a:t>Microsoft.Extensions.Configuration.Binder</a:t>
-            </a:r>
-            <a:endParaRPr lang="en-US" dirty="0"/>
-          </a:p>
-          <a:p>
-            <a:pPr lvl="1">
-              <a:buFont typeface="Arial" panose="020B0604020202020204" pitchFamily="34" charset="0"/>
-              <a:buChar char="•"/>
-            </a:pPr>
-            <a:r>
-              <a:rPr lang="en-US" dirty="0" err="1"/>
-              <a:t>Microsoft.Extensions.Configuration.Json</a:t>
-            </a:r>
-            <a:endParaRPr lang="en-US" dirty="0"/>
-          </a:p>
-          <a:p>
-            <a:pPr>
-              <a:buFont typeface="Arial" panose="020B0604020202020204" pitchFamily="34" charset="0"/>
-              <a:buChar char="•"/>
-            </a:pPr>
-            <a:r>
-              <a:rPr lang="en-US" dirty="0"/>
-              <a:t> Add the file stream to </a:t>
-            </a:r>
-            <a:r>
-              <a:rPr lang="en-US" dirty="0" err="1"/>
-              <a:t>ConfigurationBuilder</a:t>
-            </a:r>
-            <a:endParaRPr lang="en-US" dirty="0"/>
-          </a:p>
-          <a:p>
-            <a:pPr lvl="1">
-              <a:buFont typeface="Arial" panose="020B0604020202020204" pitchFamily="34" charset="0"/>
-              <a:buChar char="•"/>
-            </a:pPr>
-            <a:r>
-              <a:rPr lang="en-US" sz="1800" dirty="0" err="1">
-                <a:solidFill>
-                  <a:srgbClr val="000000"/>
-                </a:solidFill>
-                <a:latin typeface="Cascadia Mono" panose="020B0609020000020004" pitchFamily="49" charset="0"/>
-              </a:rPr>
-              <a:t>AddJsonStream</a:t>
-            </a:r>
-            <a:r>
-              <a:rPr lang="en-US" sz="1800" dirty="0">
-                <a:solidFill>
-                  <a:srgbClr val="000000"/>
-                </a:solidFill>
-                <a:latin typeface="Cascadia Mono" panose="020B0609020000020004" pitchFamily="49" charset="0"/>
-              </a:rPr>
-              <a:t>()</a:t>
-            </a:r>
-          </a:p>
-          <a:p>
-            <a:pPr>
-              <a:buFont typeface="Arial" panose="020B0604020202020204" pitchFamily="34" charset="0"/>
-              <a:buChar char="•"/>
-            </a:pPr>
-            <a:r>
-              <a:rPr lang="en-US" dirty="0"/>
-              <a:t> Configure the section for </a:t>
-            </a:r>
-            <a:r>
-              <a:rPr lang="en-US" dirty="0" err="1"/>
-              <a:t>Ioptions</a:t>
-            </a:r>
-            <a:endParaRPr lang="en-US" dirty="0"/>
-          </a:p>
-          <a:p>
-            <a:pPr lvl="1">
-              <a:buFont typeface="Arial" panose="020B0604020202020204" pitchFamily="34" charset="0"/>
-              <a:buChar char="•"/>
-            </a:pPr>
-            <a:r>
-              <a:rPr lang="en-US" dirty="0" err="1"/>
-              <a:t>builder.Configure</a:t>
-            </a:r>
-            <a:r>
-              <a:rPr lang="en-US" dirty="0"/>
-              <a:t>&lt;</a:t>
-            </a:r>
-            <a:r>
-              <a:rPr lang="en-US" dirty="0" err="1"/>
-              <a:t>ApiOptions</a:t>
-            </a:r>
-            <a:r>
-              <a:rPr lang="en-US" dirty="0"/>
-              <a:t>&gt;(o =&gt; </a:t>
-            </a:r>
-            <a:r>
-              <a:rPr lang="en-US" dirty="0" err="1"/>
-              <a:t>builder.Configuration.GetSection</a:t>
-            </a:r>
-            <a:r>
-              <a:rPr lang="en-US" dirty="0"/>
-              <a:t>(“</a:t>
-            </a:r>
-            <a:r>
-              <a:rPr lang="en-US" dirty="0" err="1"/>
-              <a:t>ApiOptions</a:t>
-            </a:r>
-            <a:r>
-              <a:rPr lang="en-US" dirty="0"/>
-              <a:t>”)).Bind(options));</a:t>
-            </a:r>
-          </a:p>
-          <a:p>
-            <a:pPr>
-              <a:buFont typeface="Arial" panose="020B0604020202020204" pitchFamily="34" charset="0"/>
-              <a:buChar char="•"/>
-            </a:pPr>
-            <a:r>
-              <a:rPr lang="en-US" dirty="0"/>
-              <a:t> Resolve </a:t>
-            </a:r>
-            <a:r>
-              <a:rPr lang="en-US" dirty="0" err="1"/>
-              <a:t>IOptions</a:t>
-            </a:r>
-            <a:r>
-              <a:rPr lang="en-US" dirty="0"/>
-              <a:t>&lt;</a:t>
-            </a:r>
-            <a:r>
-              <a:rPr lang="en-US" dirty="0" err="1"/>
-              <a:t>ApiOptions</a:t>
-            </a:r>
-            <a:r>
-              <a:rPr lang="en-US" dirty="0"/>
-              <a:t>&gt; where needed</a:t>
-            </a:r>
-          </a:p>
-        </p:txBody>
-      </p:sp>
-    </p:spTree>
-    <p:extLst>
-      <p:ext uri="{BB962C8B-B14F-4D97-AF65-F5344CB8AC3E}">
-        <p14:creationId xmlns:p14="http://schemas.microsoft.com/office/powerpoint/2010/main" val="2464305491"/>
-      </p:ext>
-    </p:extLst>
-  </p:cSld>
-  <p:clrMapOvr>
-    <a:masterClrMapping/>
-  </p:clrMapOvr>
-</p:sld>
-</file>
-
-<file path=ppt/slides/slide16.xml><?xml version="1.0" encoding="utf-8"?>
-<p:sld xmlns:a="http://schemas.openxmlformats.org/drawingml/2006/main" xmlns:r="http://schemas.openxmlformats.org/officeDocument/2006/relationships" xmlns:p="http://schemas.openxmlformats.org/presentationml/2006/main">
-  <p:cSld>
-    <p:spTree>
-      <p:nvGrpSpPr>
-        <p:cNvPr id="1" name=""/>
-        <p:cNvGrpSpPr/>
-        <p:nvPr/>
-      </p:nvGrpSpPr>
-      <p:grpSpPr>
-        <a:xfrm>
-          <a:off x="0" y="0"/>
-          <a:ext cx="0" cy="0"/>
-          <a:chOff x="0" y="0"/>
-          <a:chExt cx="0" cy="0"/>
-        </a:xfrm>
-      </p:grpSpPr>
-      <p:sp>
-        <p:nvSpPr>
-          <p:cNvPr id="2" name="Title 1">
-            <a:extLst>
-              <a:ext uri="{FF2B5EF4-FFF2-40B4-BE49-F238E27FC236}">
-                <a16:creationId xmlns:a16="http://schemas.microsoft.com/office/drawing/2014/main" id="{99B5AF3B-656F-401C-9512-1D6F8DEEB2FF}"/>
-              </a:ext>
-            </a:extLst>
-          </p:cNvPr>
-          <p:cNvSpPr>
-            <a:spLocks noGrp="1"/>
-          </p:cNvSpPr>
-          <p:nvPr>
-            <p:ph type="title"/>
-          </p:nvPr>
-        </p:nvSpPr>
-        <p:spPr/>
-        <p:txBody>
-          <a:bodyPr/>
-          <a:lstStyle/>
-          <a:p>
-            <a:r>
-              <a:rPr lang="en-US" dirty="0" err="1"/>
-              <a:t>Lokalizace</a:t>
-            </a:r>
-            <a:endParaRPr lang="en-US" dirty="0"/>
-          </a:p>
-        </p:txBody>
-      </p:sp>
-      <p:sp>
-        <p:nvSpPr>
-          <p:cNvPr id="3" name="Content Placeholder 2">
-            <a:extLst>
-              <a:ext uri="{FF2B5EF4-FFF2-40B4-BE49-F238E27FC236}">
-                <a16:creationId xmlns:a16="http://schemas.microsoft.com/office/drawing/2014/main" id="{0F6E5664-0E73-444C-8A9D-CD3B2D7F55F0}"/>
-              </a:ext>
-            </a:extLst>
-          </p:cNvPr>
-          <p:cNvSpPr>
-            <a:spLocks noGrp="1"/>
-          </p:cNvSpPr>
-          <p:nvPr>
-            <p:ph idx="1"/>
-          </p:nvPr>
-        </p:nvSpPr>
-        <p:spPr>
-          <a:xfrm>
-            <a:off x="1024128" y="2286000"/>
-            <a:ext cx="9720073" cy="4665306"/>
-          </a:xfrm>
-        </p:spPr>
-        <p:txBody>
-          <a:bodyPr>
-            <a:normAutofit/>
-          </a:bodyPr>
-          <a:lstStyle/>
-          <a:p>
-            <a:pPr>
-              <a:buFont typeface="Arial" panose="020B0604020202020204" pitchFamily="34" charset="0"/>
-              <a:buChar char="•"/>
-            </a:pPr>
-            <a:r>
-              <a:rPr lang="en-US" dirty="0"/>
-              <a:t> </a:t>
-            </a:r>
-            <a:r>
-              <a:rPr lang="en-US" dirty="0" err="1"/>
-              <a:t>Pou</a:t>
-            </a:r>
-            <a:r>
-              <a:rPr lang="sk-SK" dirty="0"/>
-              <a:t>žití .</a:t>
-            </a:r>
-            <a:r>
-              <a:rPr lang="sk-SK" dirty="0" err="1"/>
-              <a:t>resx</a:t>
-            </a:r>
-            <a:r>
-              <a:rPr lang="sk-SK" dirty="0"/>
-              <a:t> </a:t>
-            </a:r>
-            <a:r>
-              <a:rPr lang="sk-SK" dirty="0" err="1"/>
-              <a:t>souborů</a:t>
-            </a:r>
-            <a:endParaRPr lang="sk-SK" dirty="0"/>
-          </a:p>
-          <a:p>
-            <a:pPr lvl="1">
-              <a:buFont typeface="Arial" panose="020B0604020202020204" pitchFamily="34" charset="0"/>
-              <a:buChar char="•"/>
-            </a:pPr>
-            <a:r>
-              <a:rPr lang="sk-SK" dirty="0"/>
-              <a:t>„Základní“ </a:t>
-            </a:r>
-            <a:r>
-              <a:rPr lang="sk-SK" dirty="0" err="1"/>
-              <a:t>soubor</a:t>
-            </a:r>
-            <a:r>
-              <a:rPr lang="sk-SK" dirty="0"/>
-              <a:t> bez </a:t>
-            </a:r>
-            <a:r>
-              <a:rPr lang="sk-SK" dirty="0" err="1"/>
-              <a:t>suffixu</a:t>
-            </a:r>
-            <a:r>
-              <a:rPr lang="sk-SK" dirty="0"/>
-              <a:t> – generuje </a:t>
-            </a:r>
-            <a:r>
-              <a:rPr lang="sk-SK" dirty="0" err="1"/>
-              <a:t>se</a:t>
-            </a:r>
-            <a:r>
-              <a:rPr lang="sk-SK" dirty="0"/>
-              <a:t> z </a:t>
-            </a:r>
-            <a:r>
-              <a:rPr lang="sk-SK" dirty="0" err="1"/>
-              <a:t>něj</a:t>
-            </a:r>
-            <a:r>
-              <a:rPr lang="sk-SK" dirty="0"/>
-              <a:t> </a:t>
-            </a:r>
-            <a:r>
-              <a:rPr lang="sk-SK" dirty="0" err="1"/>
-              <a:t>třída</a:t>
-            </a:r>
-            <a:endParaRPr lang="sk-SK" dirty="0"/>
-          </a:p>
-          <a:p>
-            <a:pPr lvl="1">
-              <a:buFont typeface="Arial" panose="020B0604020202020204" pitchFamily="34" charset="0"/>
-              <a:buChar char="•"/>
-            </a:pPr>
-            <a:r>
-              <a:rPr lang="sk-SK" dirty="0"/>
-              <a:t>Samostatní </a:t>
-            </a:r>
-            <a:r>
-              <a:rPr lang="sk-SK" dirty="0" err="1"/>
-              <a:t>soubory</a:t>
-            </a:r>
-            <a:r>
-              <a:rPr lang="sk-SK" dirty="0"/>
-              <a:t> </a:t>
-            </a:r>
-            <a:r>
-              <a:rPr lang="sk-SK" dirty="0" err="1"/>
-              <a:t>se</a:t>
-            </a:r>
-            <a:r>
-              <a:rPr lang="sk-SK" dirty="0"/>
-              <a:t> </a:t>
-            </a:r>
-            <a:r>
-              <a:rPr lang="sk-SK" dirty="0" err="1"/>
-              <a:t>suffixem</a:t>
-            </a:r>
-            <a:r>
-              <a:rPr lang="sk-SK" dirty="0"/>
-              <a:t> pro jednotlivé jazyky (.</a:t>
-            </a:r>
-            <a:r>
-              <a:rPr lang="sk-SK" dirty="0" err="1"/>
-              <a:t>en-US.resx</a:t>
-            </a:r>
-            <a:r>
-              <a:rPr lang="sk-SK" dirty="0"/>
-              <a:t>, .</a:t>
-            </a:r>
-            <a:r>
-              <a:rPr lang="sk-SK" dirty="0" err="1"/>
-              <a:t>cs.resx</a:t>
-            </a:r>
-            <a:r>
-              <a:rPr lang="sk-SK" dirty="0"/>
-              <a:t>...)</a:t>
-            </a:r>
-          </a:p>
-          <a:p>
-            <a:pPr>
-              <a:buFont typeface="Arial" panose="020B0604020202020204" pitchFamily="34" charset="0"/>
-              <a:buChar char="•"/>
-            </a:pPr>
-            <a:r>
-              <a:rPr lang="sk-SK" dirty="0"/>
-              <a:t> Použití v </a:t>
-            </a:r>
-            <a:r>
-              <a:rPr lang="sk-SK" dirty="0" err="1"/>
-              <a:t>XAMLu</a:t>
-            </a:r>
-            <a:endParaRPr lang="sk-SK" dirty="0"/>
-          </a:p>
-          <a:p>
-            <a:pPr lvl="1">
-              <a:buFont typeface="Arial" panose="020B0604020202020204" pitchFamily="34" charset="0"/>
-              <a:buChar char="•"/>
-            </a:pPr>
-            <a:r>
-              <a:rPr lang="sk-SK" dirty="0"/>
-              <a:t>Statické - </a:t>
-            </a:r>
-            <a:r>
-              <a:rPr lang="sk-SK" dirty="0" err="1"/>
-              <a:t>změní</a:t>
-            </a:r>
-            <a:r>
-              <a:rPr lang="sk-SK" dirty="0"/>
-              <a:t> </a:t>
-            </a:r>
-            <a:r>
-              <a:rPr lang="sk-SK" dirty="0" err="1"/>
-              <a:t>se</a:t>
-            </a:r>
-            <a:r>
-              <a:rPr lang="sk-SK" dirty="0"/>
-              <a:t> až po </a:t>
-            </a:r>
-            <a:r>
-              <a:rPr lang="sk-SK" dirty="0" err="1"/>
-              <a:t>restartu</a:t>
-            </a:r>
-            <a:r>
-              <a:rPr lang="sk-SK" dirty="0"/>
-              <a:t> </a:t>
-            </a:r>
-            <a:r>
-              <a:rPr lang="sk-SK" dirty="0" err="1"/>
-              <a:t>aplikace</a:t>
-            </a:r>
-            <a:endParaRPr lang="sk-SK" dirty="0"/>
-          </a:p>
-          <a:p>
-            <a:pPr lvl="2">
-              <a:buFont typeface="Arial" panose="020B0604020202020204" pitchFamily="34" charset="0"/>
-              <a:buChar char="•"/>
-            </a:pPr>
-            <a:r>
-              <a:rPr lang="en-US" sz="1500" dirty="0">
-                <a:solidFill>
-                  <a:srgbClr val="0000FF"/>
-                </a:solidFill>
-                <a:latin typeface="Cascadia Mono" panose="020B0609020000020004" pitchFamily="49" charset="0"/>
-              </a:rPr>
-              <a:t>{</a:t>
-            </a:r>
-            <a:r>
-              <a:rPr lang="en-US" sz="1500" dirty="0" err="1">
-                <a:solidFill>
-                  <a:srgbClr val="A31515"/>
-                </a:solidFill>
-                <a:latin typeface="Cascadia Mono" panose="020B0609020000020004" pitchFamily="49" charset="0"/>
-              </a:rPr>
-              <a:t>x</a:t>
-            </a:r>
-            <a:r>
-              <a:rPr lang="en-US" sz="1500" dirty="0" err="1">
-                <a:solidFill>
-                  <a:srgbClr val="0000FF"/>
-                </a:solidFill>
-                <a:latin typeface="Cascadia Mono" panose="020B0609020000020004" pitchFamily="49" charset="0"/>
-              </a:rPr>
-              <a:t>:</a:t>
-            </a:r>
-            <a:r>
-              <a:rPr lang="en-US" sz="1500" dirty="0" err="1">
-                <a:solidFill>
-                  <a:srgbClr val="A31515"/>
-                </a:solidFill>
-                <a:latin typeface="Cascadia Mono" panose="020B0609020000020004" pitchFamily="49" charset="0"/>
-              </a:rPr>
-              <a:t>Static</a:t>
-            </a:r>
-            <a:r>
-              <a:rPr lang="en-US" sz="1500" dirty="0">
-                <a:solidFill>
-                  <a:srgbClr val="FF0000"/>
-                </a:solidFill>
-                <a:latin typeface="Cascadia Mono" panose="020B0609020000020004" pitchFamily="49" charset="0"/>
-              </a:rPr>
-              <a:t> </a:t>
-            </a:r>
-            <a:r>
-              <a:rPr lang="en-US" sz="1500" dirty="0" err="1">
-                <a:solidFill>
-                  <a:srgbClr val="FF0000"/>
-                </a:solidFill>
-                <a:latin typeface="Cascadia Mono" panose="020B0609020000020004" pitchFamily="49" charset="0"/>
-              </a:rPr>
-              <a:t>texts</a:t>
-            </a:r>
-            <a:r>
-              <a:rPr lang="en-US" sz="1500" dirty="0" err="1">
-                <a:solidFill>
-                  <a:srgbClr val="0000FF"/>
-                </a:solidFill>
-                <a:latin typeface="Cascadia Mono" panose="020B0609020000020004" pitchFamily="49" charset="0"/>
-              </a:rPr>
-              <a:t>:</a:t>
-            </a:r>
-            <a:r>
-              <a:rPr lang="en-US" sz="1500" dirty="0" err="1">
-                <a:solidFill>
-                  <a:srgbClr val="FF0000"/>
-                </a:solidFill>
-                <a:latin typeface="Cascadia Mono" panose="020B0609020000020004" pitchFamily="49" charset="0"/>
-              </a:rPr>
-              <a:t>RecipeListViewTexts</a:t>
-            </a:r>
-            <a:r>
-              <a:rPr lang="en-US" sz="1500" dirty="0" err="1">
-                <a:solidFill>
-                  <a:srgbClr val="0000FF"/>
-                </a:solidFill>
-                <a:latin typeface="Cascadia Mono" panose="020B0609020000020004" pitchFamily="49" charset="0"/>
-              </a:rPr>
-              <a:t>.Title_Label</a:t>
-            </a:r>
-            <a:r>
-              <a:rPr lang="en-US" sz="1500" dirty="0">
-                <a:solidFill>
-                  <a:srgbClr val="0000FF"/>
-                </a:solidFill>
-                <a:latin typeface="Cascadia Mono" panose="020B0609020000020004" pitchFamily="49" charset="0"/>
-              </a:rPr>
-              <a:t>}</a:t>
-            </a:r>
-          </a:p>
-          <a:p>
-            <a:pPr lvl="1">
-              <a:buFont typeface="Arial" panose="020B0604020202020204" pitchFamily="34" charset="0"/>
-              <a:buChar char="•"/>
-            </a:pPr>
-            <a:r>
-              <a:rPr lang="en-US" sz="2000" dirty="0" err="1"/>
-              <a:t>Dynamick</a:t>
-            </a:r>
-            <a:r>
-              <a:rPr lang="sk-SK" sz="2000" dirty="0"/>
-              <a:t>é - </a:t>
-            </a:r>
-            <a:r>
-              <a:rPr lang="sk-SK" sz="2000" dirty="0" err="1"/>
-              <a:t>změní</a:t>
-            </a:r>
-            <a:r>
-              <a:rPr lang="sk-SK" sz="2000" dirty="0"/>
-              <a:t> </a:t>
-            </a:r>
-            <a:r>
-              <a:rPr lang="sk-SK" sz="2000" dirty="0" err="1"/>
-              <a:t>se</a:t>
-            </a:r>
-            <a:r>
-              <a:rPr lang="sk-SK" sz="2000" dirty="0"/>
-              <a:t> za </a:t>
-            </a:r>
-            <a:r>
-              <a:rPr lang="sk-SK" sz="2000" dirty="0" err="1"/>
-              <a:t>běhu</a:t>
-            </a:r>
-            <a:endParaRPr lang="sk-SK" sz="2000" dirty="0"/>
-          </a:p>
-          <a:p>
-            <a:pPr lvl="2">
-              <a:buFont typeface="Arial" panose="020B0604020202020204" pitchFamily="34" charset="0"/>
-              <a:buChar char="•"/>
-            </a:pPr>
-            <a:r>
-              <a:rPr lang="sk-SK" sz="1800" dirty="0"/>
-              <a:t>Xamarin </a:t>
-            </a:r>
-            <a:r>
-              <a:rPr lang="sk-SK" sz="1800" dirty="0" err="1"/>
-              <a:t>Community</a:t>
-            </a:r>
-            <a:r>
-              <a:rPr lang="sk-SK" sz="1800" dirty="0"/>
-              <a:t> </a:t>
-            </a:r>
-            <a:r>
-              <a:rPr lang="sk-SK" sz="1800" dirty="0" err="1"/>
-              <a:t>Toolkit</a:t>
-            </a:r>
-            <a:endParaRPr lang="sk-SK" sz="1800" dirty="0"/>
-          </a:p>
-          <a:p>
-            <a:pPr lvl="2">
-              <a:buFont typeface="Arial" panose="020B0604020202020204" pitchFamily="34" charset="0"/>
-              <a:buChar char="•"/>
-            </a:pPr>
-            <a:r>
-              <a:rPr lang="en-US" sz="1500" dirty="0">
-                <a:solidFill>
-                  <a:srgbClr val="0000FF"/>
-                </a:solidFill>
-                <a:latin typeface="Cascadia Mono" panose="020B0609020000020004" pitchFamily="49" charset="0"/>
-              </a:rPr>
-              <a:t>{</a:t>
-            </a:r>
-            <a:r>
-              <a:rPr lang="en-US" sz="1500" dirty="0">
-                <a:solidFill>
-                  <a:srgbClr val="A31515"/>
-                </a:solidFill>
-                <a:latin typeface="Cascadia Mono" panose="020B0609020000020004" pitchFamily="49" charset="0"/>
-              </a:rPr>
-              <a:t>x</a:t>
-            </a:r>
-            <a:r>
-              <a:rPr lang="sk-SK" sz="1500" dirty="0" err="1">
-                <a:solidFill>
-                  <a:srgbClr val="A31515"/>
-                </a:solidFill>
-                <a:latin typeface="Cascadia Mono" panose="020B0609020000020004" pitchFamily="49" charset="0"/>
-              </a:rPr>
-              <a:t>ct</a:t>
-            </a:r>
-            <a:r>
-              <a:rPr lang="en-US" sz="1500" dirty="0">
-                <a:solidFill>
-                  <a:srgbClr val="0000FF"/>
-                </a:solidFill>
-                <a:latin typeface="Cascadia Mono" panose="020B0609020000020004" pitchFamily="49" charset="0"/>
-              </a:rPr>
-              <a:t>:</a:t>
-            </a:r>
-            <a:r>
-              <a:rPr lang="sk-SK" sz="1500" dirty="0" err="1">
-                <a:solidFill>
-                  <a:srgbClr val="A31515"/>
-                </a:solidFill>
-                <a:latin typeface="Cascadia Mono" panose="020B0609020000020004" pitchFamily="49" charset="0"/>
-              </a:rPr>
-              <a:t>Translate</a:t>
-            </a:r>
-            <a:r>
-              <a:rPr lang="en-US" sz="1500" dirty="0">
-                <a:solidFill>
-                  <a:srgbClr val="FF0000"/>
-                </a:solidFill>
-                <a:latin typeface="Cascadia Mono" panose="020B0609020000020004" pitchFamily="49" charset="0"/>
-              </a:rPr>
-              <a:t> </a:t>
-            </a:r>
-            <a:r>
-              <a:rPr lang="en-US" sz="1500" dirty="0" err="1">
-                <a:solidFill>
-                  <a:srgbClr val="FF0000"/>
-                </a:solidFill>
-                <a:latin typeface="Cascadia Mono" panose="020B0609020000020004" pitchFamily="49" charset="0"/>
-              </a:rPr>
-              <a:t>texts</a:t>
-            </a:r>
-            <a:r>
-              <a:rPr lang="en-US" sz="1500" dirty="0" err="1">
-                <a:solidFill>
-                  <a:srgbClr val="0000FF"/>
-                </a:solidFill>
-                <a:latin typeface="Cascadia Mono" panose="020B0609020000020004" pitchFamily="49" charset="0"/>
-              </a:rPr>
-              <a:t>:</a:t>
-            </a:r>
-            <a:r>
-              <a:rPr lang="en-US" sz="1500" dirty="0" err="1">
-                <a:solidFill>
-                  <a:srgbClr val="FF0000"/>
-                </a:solidFill>
-                <a:latin typeface="Cascadia Mono" panose="020B0609020000020004" pitchFamily="49" charset="0"/>
-              </a:rPr>
-              <a:t>RecipeListViewTexts</a:t>
-            </a:r>
-            <a:r>
-              <a:rPr lang="en-US" sz="1500" dirty="0" err="1">
-                <a:solidFill>
-                  <a:srgbClr val="0000FF"/>
-                </a:solidFill>
-                <a:latin typeface="Cascadia Mono" panose="020B0609020000020004" pitchFamily="49" charset="0"/>
-              </a:rPr>
-              <a:t>.Title_Label</a:t>
-            </a:r>
-            <a:r>
-              <a:rPr lang="en-US" sz="1500" dirty="0">
-                <a:solidFill>
-                  <a:srgbClr val="0000FF"/>
-                </a:solidFill>
-                <a:latin typeface="Cascadia Mono" panose="020B0609020000020004" pitchFamily="49" charset="0"/>
-              </a:rPr>
-              <a:t>}</a:t>
-            </a:r>
-            <a:endParaRPr lang="sk-SK" sz="1800" dirty="0"/>
-          </a:p>
-          <a:p>
-            <a:pPr>
-              <a:buFont typeface="Arial" panose="020B0604020202020204" pitchFamily="34" charset="0"/>
-              <a:buChar char="•"/>
-            </a:pPr>
-            <a:r>
-              <a:rPr lang="sk-SK" dirty="0"/>
-              <a:t> Samostatné </a:t>
-            </a:r>
-            <a:r>
-              <a:rPr lang="sk-SK" dirty="0" err="1"/>
-              <a:t>soubory</a:t>
-            </a:r>
-            <a:r>
-              <a:rPr lang="sk-SK" dirty="0"/>
-              <a:t> pro jednotlivá okna/kontrolky</a:t>
-            </a:r>
-          </a:p>
-          <a:p>
-            <a:pPr lvl="1">
-              <a:buFont typeface="Arial" panose="020B0604020202020204" pitchFamily="34" charset="0"/>
-              <a:buChar char="•"/>
-            </a:pPr>
-            <a:r>
-              <a:rPr lang="sk-SK" dirty="0" err="1"/>
-              <a:t>Duplikace</a:t>
-            </a:r>
-            <a:r>
-              <a:rPr lang="sk-SK" dirty="0"/>
-              <a:t> </a:t>
-            </a:r>
-            <a:r>
-              <a:rPr lang="sk-SK" dirty="0" err="1"/>
-              <a:t>se</a:t>
-            </a:r>
-            <a:r>
-              <a:rPr lang="sk-SK" dirty="0"/>
-              <a:t> </a:t>
-            </a:r>
-            <a:r>
-              <a:rPr lang="sk-SK" dirty="0" err="1"/>
-              <a:t>někdy</a:t>
-            </a:r>
-            <a:r>
-              <a:rPr lang="sk-SK" dirty="0"/>
-              <a:t> </a:t>
-            </a:r>
-            <a:r>
-              <a:rPr lang="sk-SK" dirty="0" err="1"/>
-              <a:t>může</a:t>
-            </a:r>
-            <a:r>
-              <a:rPr lang="sk-SK" dirty="0"/>
-              <a:t> i </a:t>
-            </a:r>
-            <a:r>
-              <a:rPr lang="sk-SK" dirty="0" err="1"/>
-              <a:t>hodit</a:t>
-            </a:r>
-            <a:endParaRPr lang="sk-SK" dirty="0"/>
-          </a:p>
-          <a:p>
-            <a:pPr>
-              <a:buFont typeface="Arial" panose="020B0604020202020204" pitchFamily="34" charset="0"/>
-              <a:buChar char="•"/>
-            </a:pPr>
-            <a:r>
-              <a:rPr lang="sk-SK" dirty="0"/>
-              <a:t> </a:t>
-            </a:r>
-            <a:r>
-              <a:rPr lang="sk-SK" dirty="0" err="1"/>
-              <a:t>Resx</a:t>
-            </a:r>
-            <a:r>
-              <a:rPr lang="sk-SK" dirty="0"/>
-              <a:t> Manager – </a:t>
-            </a:r>
-            <a:r>
-              <a:rPr lang="sk-SK" dirty="0" err="1"/>
-              <a:t>doplněk</a:t>
-            </a:r>
-            <a:r>
-              <a:rPr lang="sk-SK" dirty="0"/>
-              <a:t> pro lepší práci s .</a:t>
-            </a:r>
-            <a:r>
-              <a:rPr lang="sk-SK" dirty="0" err="1"/>
-              <a:t>resx</a:t>
-            </a:r>
-            <a:r>
-              <a:rPr lang="sk-SK" dirty="0"/>
-              <a:t> </a:t>
-            </a:r>
-            <a:r>
-              <a:rPr lang="sk-SK" dirty="0" err="1"/>
-              <a:t>soubory</a:t>
-            </a:r>
-            <a:endParaRPr lang="sk-SK" dirty="0"/>
-          </a:p>
-        </p:txBody>
-      </p:sp>
-    </p:spTree>
-    <p:extLst>
-      <p:ext uri="{BB962C8B-B14F-4D97-AF65-F5344CB8AC3E}">
-        <p14:creationId xmlns:p14="http://schemas.microsoft.com/office/powerpoint/2010/main" val="163410846"/>
+        <p14:creationId xmlns:p14="http://schemas.microsoft.com/office/powerpoint/2010/main" val="1599301811"/>
       </p:ext>
     </p:extLst>
   </p:cSld>
@@ -44212,12 +48464,12 @@
           <a:p>
             <a:pPr algn="l"/>
             <a:r>
-              <a:rPr lang="sk-SK" sz="6000" dirty="0" err="1">
+              <a:rPr lang="en-US" sz="6000" dirty="0" err="1">
                 <a:solidFill>
                   <a:srgbClr val="FFFFFF"/>
                 </a:solidFill>
               </a:rPr>
-              <a:t>lokalizace</a:t>
+              <a:t>Konfigurace</a:t>
             </a:r>
             <a:endParaRPr lang="en-US" sz="6000" dirty="0">
               <a:solidFill>
@@ -44230,7 +48482,7 @@
     </p:spTree>
     <p:extLst>
       <p:ext uri="{BB962C8B-B14F-4D97-AF65-F5344CB8AC3E}">
-        <p14:creationId xmlns:p14="http://schemas.microsoft.com/office/powerpoint/2010/main" val="2095691801"/>
+        <p14:creationId xmlns:p14="http://schemas.microsoft.com/office/powerpoint/2010/main" val="1757609030"/>
       </p:ext>
     </p:extLst>
   </p:cSld>
@@ -44262,7 +48514,7 @@
           <p:cNvPr id="2" name="Title 1">
             <a:extLst>
               <a:ext uri="{FF2B5EF4-FFF2-40B4-BE49-F238E27FC236}">
-                <a16:creationId xmlns:a16="http://schemas.microsoft.com/office/drawing/2014/main" id="{B88C0280-8D2D-4C36-B5DE-87FC22CDC44A}"/>
+                <a16:creationId xmlns:a16="http://schemas.microsoft.com/office/drawing/2014/main" id="{95759C59-4143-4F3D-9141-3D213475D391}"/>
               </a:ext>
             </a:extLst>
           </p:cNvPr>
@@ -44279,8 +48531,8 @@
           <a:lstStyle/>
           <a:p>
             <a:r>
-              <a:rPr lang="sk-SK" dirty="0"/>
-              <a:t>hospoda</a:t>
+              <a:rPr lang="sk-SK" dirty="0" err="1"/>
+              <a:t>Konfigurace</a:t>
             </a:r>
             <a:endParaRPr lang="en-US" dirty="0"/>
           </a:p>
@@ -44291,7 +48543,7 @@
           <p:cNvPr id="3" name="Content Placeholder 2">
             <a:extLst>
               <a:ext uri="{FF2B5EF4-FFF2-40B4-BE49-F238E27FC236}">
-                <a16:creationId xmlns:a16="http://schemas.microsoft.com/office/drawing/2014/main" id="{F0500748-1B05-441E-BF2E-4A5539100735}"/>
+                <a16:creationId xmlns:a16="http://schemas.microsoft.com/office/drawing/2014/main" id="{8320182E-2167-4AC6-AE3A-7A6C3DE31297}"/>
               </a:ext>
             </a:extLst>
           </p:cNvPr>
@@ -44304,23 +48556,1331 @@
         </p:nvSpPr>
         <p:spPr/>
         <p:txBody>
-          <a:bodyPr/>
+          <a:bodyPr>
+            <a:normAutofit/>
+          </a:bodyPr>
           <a:lstStyle/>
           <a:p>
+            <a:pPr>
+              <a:buFont typeface="Arial" panose="020B0604020202020204" pitchFamily="34" charset="0"/>
+              <a:buChar char="•"/>
+            </a:pPr>
+            <a:r>
+              <a:rPr lang="en-US" dirty="0"/>
+              <a:t> Add </a:t>
+            </a:r>
+            <a:r>
+              <a:rPr lang="en-US" dirty="0" err="1"/>
+              <a:t>json</a:t>
+            </a:r>
+            <a:r>
+              <a:rPr lang="en-US" dirty="0"/>
+              <a:t> file (i.e. </a:t>
+            </a:r>
+            <a:r>
+              <a:rPr lang="en-US" dirty="0" err="1"/>
+              <a:t>appsettings.json</a:t>
+            </a:r>
+            <a:r>
+              <a:rPr lang="en-US" dirty="0"/>
+              <a:t>) as Embedded Resource</a:t>
+            </a:r>
+          </a:p>
+          <a:p>
+            <a:pPr>
+              <a:buFont typeface="Arial" panose="020B0604020202020204" pitchFamily="34" charset="0"/>
+              <a:buChar char="•"/>
+            </a:pPr>
+            <a:r>
+              <a:rPr lang="en-US" dirty="0"/>
+              <a:t> Add </a:t>
+            </a:r>
+            <a:r>
+              <a:rPr lang="en-US" dirty="0" err="1"/>
+              <a:t>Nuget</a:t>
+            </a:r>
+            <a:r>
+              <a:rPr lang="en-US" dirty="0"/>
+              <a:t> packages</a:t>
+            </a:r>
+          </a:p>
+          <a:p>
+            <a:pPr lvl="1">
+              <a:buFont typeface="Arial" panose="020B0604020202020204" pitchFamily="34" charset="0"/>
+              <a:buChar char="•"/>
+            </a:pPr>
+            <a:r>
+              <a:rPr lang="en-US" dirty="0" err="1"/>
+              <a:t>Microsoft.Extensions.Configuration.Binder</a:t>
+            </a:r>
             <a:endParaRPr lang="en-US" dirty="0"/>
+          </a:p>
+          <a:p>
+            <a:pPr lvl="1">
+              <a:buFont typeface="Arial" panose="020B0604020202020204" pitchFamily="34" charset="0"/>
+              <a:buChar char="•"/>
+            </a:pPr>
+            <a:r>
+              <a:rPr lang="en-US" dirty="0" err="1"/>
+              <a:t>Microsoft.Extensions.Configuration.Json</a:t>
+            </a:r>
+            <a:endParaRPr lang="en-US" dirty="0"/>
+          </a:p>
+          <a:p>
+            <a:pPr>
+              <a:buFont typeface="Arial" panose="020B0604020202020204" pitchFamily="34" charset="0"/>
+              <a:buChar char="•"/>
+            </a:pPr>
+            <a:r>
+              <a:rPr lang="en-US" dirty="0"/>
+              <a:t> Add the file stream to </a:t>
+            </a:r>
+            <a:r>
+              <a:rPr lang="en-US" dirty="0" err="1"/>
+              <a:t>ConfigurationBuilder</a:t>
+            </a:r>
+            <a:endParaRPr lang="en-US" dirty="0"/>
+          </a:p>
+          <a:p>
+            <a:pPr lvl="1">
+              <a:buFont typeface="Arial" panose="020B0604020202020204" pitchFamily="34" charset="0"/>
+              <a:buChar char="•"/>
+            </a:pPr>
+            <a:r>
+              <a:rPr lang="en-US" sz="1800" dirty="0" err="1">
+                <a:solidFill>
+                  <a:srgbClr val="000000"/>
+                </a:solidFill>
+                <a:latin typeface="Cascadia Mono" panose="020B0609020000020004" pitchFamily="49" charset="0"/>
+              </a:rPr>
+              <a:t>AddJsonStream</a:t>
+            </a:r>
+            <a:r>
+              <a:rPr lang="en-US" sz="1800" dirty="0">
+                <a:solidFill>
+                  <a:srgbClr val="000000"/>
+                </a:solidFill>
+                <a:latin typeface="Cascadia Mono" panose="020B0609020000020004" pitchFamily="49" charset="0"/>
+              </a:rPr>
+              <a:t>()</a:t>
+            </a:r>
+          </a:p>
+          <a:p>
+            <a:pPr>
+              <a:buFont typeface="Arial" panose="020B0604020202020204" pitchFamily="34" charset="0"/>
+              <a:buChar char="•"/>
+            </a:pPr>
+            <a:r>
+              <a:rPr lang="en-US" dirty="0"/>
+              <a:t> Configure the section for </a:t>
+            </a:r>
+            <a:r>
+              <a:rPr lang="en-US" dirty="0" err="1"/>
+              <a:t>Ioptions</a:t>
+            </a:r>
+            <a:endParaRPr lang="en-US" dirty="0"/>
+          </a:p>
+          <a:p>
+            <a:pPr lvl="1">
+              <a:buFont typeface="Arial" panose="020B0604020202020204" pitchFamily="34" charset="0"/>
+              <a:buChar char="•"/>
+            </a:pPr>
+            <a:r>
+              <a:rPr lang="en-US" dirty="0" err="1"/>
+              <a:t>builder.Configure</a:t>
+            </a:r>
+            <a:r>
+              <a:rPr lang="en-US" dirty="0"/>
+              <a:t>&lt;</a:t>
+            </a:r>
+            <a:r>
+              <a:rPr lang="en-US" dirty="0" err="1"/>
+              <a:t>ApiOptions</a:t>
+            </a:r>
+            <a:r>
+              <a:rPr lang="en-US" dirty="0"/>
+              <a:t>&gt;(o =&gt; </a:t>
+            </a:r>
+            <a:r>
+              <a:rPr lang="en-US" dirty="0" err="1"/>
+              <a:t>builder.Configuration.GetSection</a:t>
+            </a:r>
+            <a:r>
+              <a:rPr lang="en-US" dirty="0"/>
+              <a:t>(“</a:t>
+            </a:r>
+            <a:r>
+              <a:rPr lang="en-US" dirty="0" err="1"/>
+              <a:t>ApiOptions</a:t>
+            </a:r>
+            <a:r>
+              <a:rPr lang="en-US" dirty="0"/>
+              <a:t>”)).Bind(options));</a:t>
+            </a:r>
+          </a:p>
+          <a:p>
+            <a:pPr>
+              <a:buFont typeface="Arial" panose="020B0604020202020204" pitchFamily="34" charset="0"/>
+              <a:buChar char="•"/>
+            </a:pPr>
+            <a:r>
+              <a:rPr lang="en-US" dirty="0"/>
+              <a:t> Resolve </a:t>
+            </a:r>
+            <a:r>
+              <a:rPr lang="en-US" dirty="0" err="1"/>
+              <a:t>IOptions</a:t>
+            </a:r>
+            <a:r>
+              <a:rPr lang="en-US" dirty="0"/>
+              <a:t>&lt;</a:t>
+            </a:r>
+            <a:r>
+              <a:rPr lang="en-US" dirty="0" err="1"/>
+              <a:t>ApiOptions</a:t>
+            </a:r>
+            <a:r>
+              <a:rPr lang="en-US" dirty="0"/>
+              <a:t>&gt; where needed</a:t>
+            </a:r>
           </a:p>
         </p:txBody>
       </p:sp>
     </p:spTree>
     <p:extLst>
       <p:ext uri="{BB962C8B-B14F-4D97-AF65-F5344CB8AC3E}">
-        <p14:creationId xmlns:p14="http://schemas.microsoft.com/office/powerpoint/2010/main" val="3441092717"/>
+        <p14:creationId xmlns:p14="http://schemas.microsoft.com/office/powerpoint/2010/main" val="2464305491"/>
       </p:ext>
     </p:extLst>
   </p:cSld>
   <p:clrMapOvr>
     <a:masterClrMapping/>
   </p:clrMapOvr>
+</p:sld>
+</file>
+
+<file path=ppt/slides/slide19.xml><?xml version="1.0" encoding="utf-8"?>
+<p:sld xmlns:a="http://schemas.openxmlformats.org/drawingml/2006/main" xmlns:r="http://schemas.openxmlformats.org/officeDocument/2006/relationships" xmlns:p="http://schemas.openxmlformats.org/presentationml/2006/main">
+  <p:cSld>
+    <p:spTree>
+      <p:nvGrpSpPr>
+        <p:cNvPr id="1" name=""/>
+        <p:cNvGrpSpPr/>
+        <p:nvPr/>
+      </p:nvGrpSpPr>
+      <p:grpSpPr>
+        <a:xfrm>
+          <a:off x="0" y="0"/>
+          <a:ext cx="0" cy="0"/>
+          <a:chOff x="0" y="0"/>
+          <a:chExt cx="0" cy="0"/>
+        </a:xfrm>
+      </p:grpSpPr>
+      <p:sp>
+        <p:nvSpPr>
+          <p:cNvPr id="2" name="Title 1">
+            <a:extLst>
+              <a:ext uri="{FF2B5EF4-FFF2-40B4-BE49-F238E27FC236}">
+                <a16:creationId xmlns:a16="http://schemas.microsoft.com/office/drawing/2014/main" id="{99B5AF3B-656F-401C-9512-1D6F8DEEB2FF}"/>
+              </a:ext>
+            </a:extLst>
+          </p:cNvPr>
+          <p:cNvSpPr>
+            <a:spLocks noGrp="1"/>
+          </p:cNvSpPr>
+          <p:nvPr>
+            <p:ph type="title"/>
+          </p:nvPr>
+        </p:nvSpPr>
+        <p:spPr/>
+        <p:txBody>
+          <a:bodyPr/>
+          <a:lstStyle/>
+          <a:p>
+            <a:r>
+              <a:rPr lang="en-US" dirty="0" err="1"/>
+              <a:t>Lokalizace</a:t>
+            </a:r>
+            <a:endParaRPr lang="en-US" dirty="0"/>
+          </a:p>
+        </p:txBody>
+      </p:sp>
+      <p:sp>
+        <p:nvSpPr>
+          <p:cNvPr id="3" name="Content Placeholder 2">
+            <a:extLst>
+              <a:ext uri="{FF2B5EF4-FFF2-40B4-BE49-F238E27FC236}">
+                <a16:creationId xmlns:a16="http://schemas.microsoft.com/office/drawing/2014/main" id="{0F6E5664-0E73-444C-8A9D-CD3B2D7F55F0}"/>
+              </a:ext>
+            </a:extLst>
+          </p:cNvPr>
+          <p:cNvSpPr>
+            <a:spLocks noGrp="1"/>
+          </p:cNvSpPr>
+          <p:nvPr>
+            <p:ph idx="1"/>
+          </p:nvPr>
+        </p:nvSpPr>
+        <p:spPr>
+          <a:xfrm>
+            <a:off x="1024128" y="2286000"/>
+            <a:ext cx="9720073" cy="4665306"/>
+          </a:xfrm>
+        </p:spPr>
+        <p:txBody>
+          <a:bodyPr>
+            <a:normAutofit/>
+          </a:bodyPr>
+          <a:lstStyle/>
+          <a:p>
+            <a:pPr>
+              <a:buFont typeface="Arial" panose="020B0604020202020204" pitchFamily="34" charset="0"/>
+              <a:buChar char="•"/>
+            </a:pPr>
+            <a:r>
+              <a:rPr lang="en-US" dirty="0"/>
+              <a:t> </a:t>
+            </a:r>
+            <a:r>
+              <a:rPr lang="en-US" dirty="0" err="1"/>
+              <a:t>Pou</a:t>
+            </a:r>
+            <a:r>
+              <a:rPr lang="sk-SK" dirty="0"/>
+              <a:t>žití .</a:t>
+            </a:r>
+            <a:r>
+              <a:rPr lang="sk-SK" dirty="0" err="1"/>
+              <a:t>resx</a:t>
+            </a:r>
+            <a:r>
+              <a:rPr lang="sk-SK" dirty="0"/>
+              <a:t> </a:t>
+            </a:r>
+            <a:r>
+              <a:rPr lang="sk-SK" dirty="0" err="1"/>
+              <a:t>souborů</a:t>
+            </a:r>
+            <a:endParaRPr lang="sk-SK" dirty="0"/>
+          </a:p>
+          <a:p>
+            <a:pPr lvl="1">
+              <a:buFont typeface="Arial" panose="020B0604020202020204" pitchFamily="34" charset="0"/>
+              <a:buChar char="•"/>
+            </a:pPr>
+            <a:r>
+              <a:rPr lang="sk-SK" dirty="0"/>
+              <a:t>„Základní“ </a:t>
+            </a:r>
+            <a:r>
+              <a:rPr lang="sk-SK" dirty="0" err="1"/>
+              <a:t>soubor</a:t>
+            </a:r>
+            <a:r>
+              <a:rPr lang="sk-SK" dirty="0"/>
+              <a:t> bez </a:t>
+            </a:r>
+            <a:r>
+              <a:rPr lang="sk-SK" dirty="0" err="1"/>
+              <a:t>suffixu</a:t>
+            </a:r>
+            <a:r>
+              <a:rPr lang="sk-SK" dirty="0"/>
+              <a:t> – generuje </a:t>
+            </a:r>
+            <a:r>
+              <a:rPr lang="sk-SK" dirty="0" err="1"/>
+              <a:t>se</a:t>
+            </a:r>
+            <a:r>
+              <a:rPr lang="sk-SK" dirty="0"/>
+              <a:t> z </a:t>
+            </a:r>
+            <a:r>
+              <a:rPr lang="sk-SK" dirty="0" err="1"/>
+              <a:t>něj</a:t>
+            </a:r>
+            <a:r>
+              <a:rPr lang="sk-SK" dirty="0"/>
+              <a:t> </a:t>
+            </a:r>
+            <a:r>
+              <a:rPr lang="sk-SK" dirty="0" err="1"/>
+              <a:t>třída</a:t>
+            </a:r>
+            <a:endParaRPr lang="sk-SK" dirty="0"/>
+          </a:p>
+          <a:p>
+            <a:pPr lvl="1">
+              <a:buFont typeface="Arial" panose="020B0604020202020204" pitchFamily="34" charset="0"/>
+              <a:buChar char="•"/>
+            </a:pPr>
+            <a:r>
+              <a:rPr lang="sk-SK" dirty="0"/>
+              <a:t>Samostatní </a:t>
+            </a:r>
+            <a:r>
+              <a:rPr lang="sk-SK" dirty="0" err="1"/>
+              <a:t>soubory</a:t>
+            </a:r>
+            <a:r>
+              <a:rPr lang="sk-SK" dirty="0"/>
+              <a:t> </a:t>
+            </a:r>
+            <a:r>
+              <a:rPr lang="sk-SK" dirty="0" err="1"/>
+              <a:t>se</a:t>
+            </a:r>
+            <a:r>
+              <a:rPr lang="sk-SK" dirty="0"/>
+              <a:t> </a:t>
+            </a:r>
+            <a:r>
+              <a:rPr lang="sk-SK" dirty="0" err="1"/>
+              <a:t>suffixem</a:t>
+            </a:r>
+            <a:r>
+              <a:rPr lang="sk-SK" dirty="0"/>
+              <a:t> pro jednotlivé jazyky (.</a:t>
+            </a:r>
+            <a:r>
+              <a:rPr lang="sk-SK" dirty="0" err="1"/>
+              <a:t>en-US.resx</a:t>
+            </a:r>
+            <a:r>
+              <a:rPr lang="sk-SK" dirty="0"/>
+              <a:t>, .</a:t>
+            </a:r>
+            <a:r>
+              <a:rPr lang="sk-SK" dirty="0" err="1"/>
+              <a:t>cs.resx</a:t>
+            </a:r>
+            <a:r>
+              <a:rPr lang="sk-SK" dirty="0"/>
+              <a:t>...)</a:t>
+            </a:r>
+          </a:p>
+          <a:p>
+            <a:pPr>
+              <a:buFont typeface="Arial" panose="020B0604020202020204" pitchFamily="34" charset="0"/>
+              <a:buChar char="•"/>
+            </a:pPr>
+            <a:r>
+              <a:rPr lang="sk-SK" dirty="0"/>
+              <a:t> Použití v </a:t>
+            </a:r>
+            <a:r>
+              <a:rPr lang="sk-SK" dirty="0" err="1"/>
+              <a:t>XAMLu</a:t>
+            </a:r>
+            <a:endParaRPr lang="sk-SK" dirty="0"/>
+          </a:p>
+          <a:p>
+            <a:pPr lvl="1">
+              <a:buFont typeface="Arial" panose="020B0604020202020204" pitchFamily="34" charset="0"/>
+              <a:buChar char="•"/>
+            </a:pPr>
+            <a:r>
+              <a:rPr lang="sk-SK" dirty="0"/>
+              <a:t>Statické - </a:t>
+            </a:r>
+            <a:r>
+              <a:rPr lang="sk-SK" dirty="0" err="1"/>
+              <a:t>změní</a:t>
+            </a:r>
+            <a:r>
+              <a:rPr lang="sk-SK" dirty="0"/>
+              <a:t> </a:t>
+            </a:r>
+            <a:r>
+              <a:rPr lang="sk-SK" dirty="0" err="1"/>
+              <a:t>se</a:t>
+            </a:r>
+            <a:r>
+              <a:rPr lang="sk-SK" dirty="0"/>
+              <a:t> až po </a:t>
+            </a:r>
+            <a:r>
+              <a:rPr lang="sk-SK" dirty="0" err="1"/>
+              <a:t>restartu</a:t>
+            </a:r>
+            <a:r>
+              <a:rPr lang="sk-SK" dirty="0"/>
+              <a:t> </a:t>
+            </a:r>
+            <a:r>
+              <a:rPr lang="sk-SK" dirty="0" err="1"/>
+              <a:t>aplikace</a:t>
+            </a:r>
+            <a:endParaRPr lang="sk-SK" dirty="0"/>
+          </a:p>
+          <a:p>
+            <a:pPr lvl="2">
+              <a:buFont typeface="Arial" panose="020B0604020202020204" pitchFamily="34" charset="0"/>
+              <a:buChar char="•"/>
+            </a:pPr>
+            <a:r>
+              <a:rPr lang="en-US" sz="1500" dirty="0">
+                <a:solidFill>
+                  <a:srgbClr val="0000FF"/>
+                </a:solidFill>
+                <a:latin typeface="Cascadia Mono" panose="020B0609020000020004" pitchFamily="49" charset="0"/>
+              </a:rPr>
+              <a:t>{</a:t>
+            </a:r>
+            <a:r>
+              <a:rPr lang="en-US" sz="1500" dirty="0" err="1">
+                <a:solidFill>
+                  <a:srgbClr val="A31515"/>
+                </a:solidFill>
+                <a:latin typeface="Cascadia Mono" panose="020B0609020000020004" pitchFamily="49" charset="0"/>
+              </a:rPr>
+              <a:t>x</a:t>
+            </a:r>
+            <a:r>
+              <a:rPr lang="en-US" sz="1500" dirty="0" err="1">
+                <a:solidFill>
+                  <a:srgbClr val="0000FF"/>
+                </a:solidFill>
+                <a:latin typeface="Cascadia Mono" panose="020B0609020000020004" pitchFamily="49" charset="0"/>
+              </a:rPr>
+              <a:t>:</a:t>
+            </a:r>
+            <a:r>
+              <a:rPr lang="en-US" sz="1500" dirty="0" err="1">
+                <a:solidFill>
+                  <a:srgbClr val="A31515"/>
+                </a:solidFill>
+                <a:latin typeface="Cascadia Mono" panose="020B0609020000020004" pitchFamily="49" charset="0"/>
+              </a:rPr>
+              <a:t>Static</a:t>
+            </a:r>
+            <a:r>
+              <a:rPr lang="en-US" sz="1500" dirty="0">
+                <a:solidFill>
+                  <a:srgbClr val="FF0000"/>
+                </a:solidFill>
+                <a:latin typeface="Cascadia Mono" panose="020B0609020000020004" pitchFamily="49" charset="0"/>
+              </a:rPr>
+              <a:t> </a:t>
+            </a:r>
+            <a:r>
+              <a:rPr lang="en-US" sz="1500" dirty="0" err="1">
+                <a:solidFill>
+                  <a:srgbClr val="FF0000"/>
+                </a:solidFill>
+                <a:latin typeface="Cascadia Mono" panose="020B0609020000020004" pitchFamily="49" charset="0"/>
+              </a:rPr>
+              <a:t>texts</a:t>
+            </a:r>
+            <a:r>
+              <a:rPr lang="en-US" sz="1500" dirty="0" err="1">
+                <a:solidFill>
+                  <a:srgbClr val="0000FF"/>
+                </a:solidFill>
+                <a:latin typeface="Cascadia Mono" panose="020B0609020000020004" pitchFamily="49" charset="0"/>
+              </a:rPr>
+              <a:t>:</a:t>
+            </a:r>
+            <a:r>
+              <a:rPr lang="en-US" sz="1500" dirty="0" err="1">
+                <a:solidFill>
+                  <a:srgbClr val="FF0000"/>
+                </a:solidFill>
+                <a:latin typeface="Cascadia Mono" panose="020B0609020000020004" pitchFamily="49" charset="0"/>
+              </a:rPr>
+              <a:t>RecipeListViewTexts</a:t>
+            </a:r>
+            <a:r>
+              <a:rPr lang="en-US" sz="1500" dirty="0" err="1">
+                <a:solidFill>
+                  <a:srgbClr val="0000FF"/>
+                </a:solidFill>
+                <a:latin typeface="Cascadia Mono" panose="020B0609020000020004" pitchFamily="49" charset="0"/>
+              </a:rPr>
+              <a:t>.Title_Label</a:t>
+            </a:r>
+            <a:r>
+              <a:rPr lang="en-US" sz="1500" dirty="0">
+                <a:solidFill>
+                  <a:srgbClr val="0000FF"/>
+                </a:solidFill>
+                <a:latin typeface="Cascadia Mono" panose="020B0609020000020004" pitchFamily="49" charset="0"/>
+              </a:rPr>
+              <a:t>}</a:t>
+            </a:r>
+          </a:p>
+          <a:p>
+            <a:pPr lvl="1">
+              <a:buFont typeface="Arial" panose="020B0604020202020204" pitchFamily="34" charset="0"/>
+              <a:buChar char="•"/>
+            </a:pPr>
+            <a:r>
+              <a:rPr lang="en-US" sz="2000" dirty="0" err="1"/>
+              <a:t>Dynamick</a:t>
+            </a:r>
+            <a:r>
+              <a:rPr lang="sk-SK" sz="2000" dirty="0"/>
+              <a:t>é - </a:t>
+            </a:r>
+            <a:r>
+              <a:rPr lang="sk-SK" sz="2000" dirty="0" err="1"/>
+              <a:t>změní</a:t>
+            </a:r>
+            <a:r>
+              <a:rPr lang="sk-SK" sz="2000" dirty="0"/>
+              <a:t> </a:t>
+            </a:r>
+            <a:r>
+              <a:rPr lang="sk-SK" sz="2000" dirty="0" err="1"/>
+              <a:t>se</a:t>
+            </a:r>
+            <a:r>
+              <a:rPr lang="sk-SK" sz="2000" dirty="0"/>
+              <a:t> za </a:t>
+            </a:r>
+            <a:r>
+              <a:rPr lang="sk-SK" sz="2000" dirty="0" err="1"/>
+              <a:t>běhu</a:t>
+            </a:r>
+            <a:endParaRPr lang="sk-SK" sz="2000" dirty="0"/>
+          </a:p>
+          <a:p>
+            <a:pPr lvl="2">
+              <a:buFont typeface="Arial" panose="020B0604020202020204" pitchFamily="34" charset="0"/>
+              <a:buChar char="•"/>
+            </a:pPr>
+            <a:r>
+              <a:rPr lang="sk-SK" sz="1800" dirty="0"/>
+              <a:t>Xamarin </a:t>
+            </a:r>
+            <a:r>
+              <a:rPr lang="sk-SK" sz="1800" dirty="0" err="1"/>
+              <a:t>Community</a:t>
+            </a:r>
+            <a:r>
+              <a:rPr lang="sk-SK" sz="1800" dirty="0"/>
+              <a:t> </a:t>
+            </a:r>
+            <a:r>
+              <a:rPr lang="sk-SK" sz="1800" dirty="0" err="1"/>
+              <a:t>Toolkit</a:t>
+            </a:r>
+            <a:endParaRPr lang="sk-SK" sz="1800" dirty="0"/>
+          </a:p>
+          <a:p>
+            <a:pPr lvl="2">
+              <a:buFont typeface="Arial" panose="020B0604020202020204" pitchFamily="34" charset="0"/>
+              <a:buChar char="•"/>
+            </a:pPr>
+            <a:r>
+              <a:rPr lang="en-US" sz="1500" dirty="0">
+                <a:solidFill>
+                  <a:srgbClr val="0000FF"/>
+                </a:solidFill>
+                <a:latin typeface="Cascadia Mono" panose="020B0609020000020004" pitchFamily="49" charset="0"/>
+              </a:rPr>
+              <a:t>{</a:t>
+            </a:r>
+            <a:r>
+              <a:rPr lang="en-US" sz="1500" dirty="0">
+                <a:solidFill>
+                  <a:srgbClr val="A31515"/>
+                </a:solidFill>
+                <a:latin typeface="Cascadia Mono" panose="020B0609020000020004" pitchFamily="49" charset="0"/>
+              </a:rPr>
+              <a:t>x</a:t>
+            </a:r>
+            <a:r>
+              <a:rPr lang="sk-SK" sz="1500" dirty="0" err="1">
+                <a:solidFill>
+                  <a:srgbClr val="A31515"/>
+                </a:solidFill>
+                <a:latin typeface="Cascadia Mono" panose="020B0609020000020004" pitchFamily="49" charset="0"/>
+              </a:rPr>
+              <a:t>ct</a:t>
+            </a:r>
+            <a:r>
+              <a:rPr lang="en-US" sz="1500" dirty="0">
+                <a:solidFill>
+                  <a:srgbClr val="0000FF"/>
+                </a:solidFill>
+                <a:latin typeface="Cascadia Mono" panose="020B0609020000020004" pitchFamily="49" charset="0"/>
+              </a:rPr>
+              <a:t>:</a:t>
+            </a:r>
+            <a:r>
+              <a:rPr lang="sk-SK" sz="1500" dirty="0" err="1">
+                <a:solidFill>
+                  <a:srgbClr val="A31515"/>
+                </a:solidFill>
+                <a:latin typeface="Cascadia Mono" panose="020B0609020000020004" pitchFamily="49" charset="0"/>
+              </a:rPr>
+              <a:t>Translate</a:t>
+            </a:r>
+            <a:r>
+              <a:rPr lang="en-US" sz="1500" dirty="0">
+                <a:solidFill>
+                  <a:srgbClr val="FF0000"/>
+                </a:solidFill>
+                <a:latin typeface="Cascadia Mono" panose="020B0609020000020004" pitchFamily="49" charset="0"/>
+              </a:rPr>
+              <a:t> </a:t>
+            </a:r>
+            <a:r>
+              <a:rPr lang="en-US" sz="1500" dirty="0" err="1">
+                <a:solidFill>
+                  <a:srgbClr val="FF0000"/>
+                </a:solidFill>
+                <a:latin typeface="Cascadia Mono" panose="020B0609020000020004" pitchFamily="49" charset="0"/>
+              </a:rPr>
+              <a:t>texts</a:t>
+            </a:r>
+            <a:r>
+              <a:rPr lang="en-US" sz="1500" dirty="0" err="1">
+                <a:solidFill>
+                  <a:srgbClr val="0000FF"/>
+                </a:solidFill>
+                <a:latin typeface="Cascadia Mono" panose="020B0609020000020004" pitchFamily="49" charset="0"/>
+              </a:rPr>
+              <a:t>:</a:t>
+            </a:r>
+            <a:r>
+              <a:rPr lang="en-US" sz="1500" dirty="0" err="1">
+                <a:solidFill>
+                  <a:srgbClr val="FF0000"/>
+                </a:solidFill>
+                <a:latin typeface="Cascadia Mono" panose="020B0609020000020004" pitchFamily="49" charset="0"/>
+              </a:rPr>
+              <a:t>RecipeListViewTexts</a:t>
+            </a:r>
+            <a:r>
+              <a:rPr lang="en-US" sz="1500" dirty="0" err="1">
+                <a:solidFill>
+                  <a:srgbClr val="0000FF"/>
+                </a:solidFill>
+                <a:latin typeface="Cascadia Mono" panose="020B0609020000020004" pitchFamily="49" charset="0"/>
+              </a:rPr>
+              <a:t>.Title_Label</a:t>
+            </a:r>
+            <a:r>
+              <a:rPr lang="en-US" sz="1500" dirty="0">
+                <a:solidFill>
+                  <a:srgbClr val="0000FF"/>
+                </a:solidFill>
+                <a:latin typeface="Cascadia Mono" panose="020B0609020000020004" pitchFamily="49" charset="0"/>
+              </a:rPr>
+              <a:t>}</a:t>
+            </a:r>
+            <a:endParaRPr lang="sk-SK" sz="1800" dirty="0"/>
+          </a:p>
+          <a:p>
+            <a:pPr>
+              <a:buFont typeface="Arial" panose="020B0604020202020204" pitchFamily="34" charset="0"/>
+              <a:buChar char="•"/>
+            </a:pPr>
+            <a:r>
+              <a:rPr lang="sk-SK" dirty="0"/>
+              <a:t> Samostatné </a:t>
+            </a:r>
+            <a:r>
+              <a:rPr lang="sk-SK" dirty="0" err="1"/>
+              <a:t>soubory</a:t>
+            </a:r>
+            <a:r>
+              <a:rPr lang="sk-SK" dirty="0"/>
+              <a:t> pro jednotlivá okna/kontrolky</a:t>
+            </a:r>
+          </a:p>
+          <a:p>
+            <a:pPr lvl="1">
+              <a:buFont typeface="Arial" panose="020B0604020202020204" pitchFamily="34" charset="0"/>
+              <a:buChar char="•"/>
+            </a:pPr>
+            <a:r>
+              <a:rPr lang="sk-SK" dirty="0" err="1"/>
+              <a:t>Duplikace</a:t>
+            </a:r>
+            <a:r>
+              <a:rPr lang="sk-SK" dirty="0"/>
+              <a:t> </a:t>
+            </a:r>
+            <a:r>
+              <a:rPr lang="sk-SK" dirty="0" err="1"/>
+              <a:t>se</a:t>
+            </a:r>
+            <a:r>
+              <a:rPr lang="sk-SK" dirty="0"/>
+              <a:t> </a:t>
+            </a:r>
+            <a:r>
+              <a:rPr lang="sk-SK" dirty="0" err="1"/>
+              <a:t>někdy</a:t>
+            </a:r>
+            <a:r>
+              <a:rPr lang="sk-SK" dirty="0"/>
+              <a:t> </a:t>
+            </a:r>
+            <a:r>
+              <a:rPr lang="sk-SK" dirty="0" err="1"/>
+              <a:t>může</a:t>
+            </a:r>
+            <a:r>
+              <a:rPr lang="sk-SK" dirty="0"/>
+              <a:t> i </a:t>
+            </a:r>
+            <a:r>
+              <a:rPr lang="sk-SK" dirty="0" err="1"/>
+              <a:t>hodit</a:t>
+            </a:r>
+            <a:endParaRPr lang="sk-SK" dirty="0"/>
+          </a:p>
+          <a:p>
+            <a:pPr>
+              <a:buFont typeface="Arial" panose="020B0604020202020204" pitchFamily="34" charset="0"/>
+              <a:buChar char="•"/>
+            </a:pPr>
+            <a:r>
+              <a:rPr lang="sk-SK" dirty="0"/>
+              <a:t> </a:t>
+            </a:r>
+            <a:r>
+              <a:rPr lang="sk-SK" dirty="0" err="1"/>
+              <a:t>Resx</a:t>
+            </a:r>
+            <a:r>
+              <a:rPr lang="sk-SK" dirty="0"/>
+              <a:t> Manager – </a:t>
+            </a:r>
+            <a:r>
+              <a:rPr lang="sk-SK" dirty="0" err="1"/>
+              <a:t>doplněk</a:t>
+            </a:r>
+            <a:r>
+              <a:rPr lang="sk-SK" dirty="0"/>
+              <a:t> pro lepší práci s .</a:t>
+            </a:r>
+            <a:r>
+              <a:rPr lang="sk-SK" dirty="0" err="1"/>
+              <a:t>resx</a:t>
+            </a:r>
+            <a:r>
+              <a:rPr lang="sk-SK" dirty="0"/>
+              <a:t> </a:t>
+            </a:r>
+            <a:r>
+              <a:rPr lang="sk-SK" dirty="0" err="1"/>
+              <a:t>soubory</a:t>
+            </a:r>
+            <a:endParaRPr lang="sk-SK" dirty="0"/>
+          </a:p>
+        </p:txBody>
+      </p:sp>
+    </p:spTree>
+    <p:extLst>
+      <p:ext uri="{BB962C8B-B14F-4D97-AF65-F5344CB8AC3E}">
+        <p14:creationId xmlns:p14="http://schemas.microsoft.com/office/powerpoint/2010/main" val="163410846"/>
+      </p:ext>
+    </p:extLst>
+  </p:cSld>
+  <p:clrMapOvr>
+    <a:masterClrMapping/>
+  </p:clrMapOvr>
+  <p:timing>
+    <p:tnLst>
+      <p:par>
+        <p:cTn id="1" dur="indefinite" restart="never" nodeType="tmRoot">
+          <p:childTnLst>
+            <p:seq concurrent="1" nextAc="seek">
+              <p:cTn id="2" dur="indefinite" nodeType="mainSeq">
+                <p:childTnLst>
+                  <p:par>
+                    <p:cTn id="3" fill="hold">
+                      <p:stCondLst>
+                        <p:cond delay="indefinite"/>
+                      </p:stCondLst>
+                      <p:childTnLst>
+                        <p:par>
+                          <p:cTn id="4" fill="hold">
+                            <p:stCondLst>
+                              <p:cond delay="0"/>
+                            </p:stCondLst>
+                            <p:childTnLst>
+                              <p:par>
+                                <p:cTn id="5" presetID="1" presetClass="entr" presetSubtype="0" fill="hold" grpId="0" nodeType="clickEffect">
+                                  <p:stCondLst>
+                                    <p:cond delay="0"/>
+                                  </p:stCondLst>
+                                  <p:childTnLst>
+                                    <p:set>
+                                      <p:cBhvr>
+                                        <p:cTn id="6" dur="1" fill="hold">
+                                          <p:stCondLst>
+                                            <p:cond delay="0"/>
+                                          </p:stCondLst>
+                                        </p:cTn>
+                                        <p:tgtEl>
+                                          <p:spTgt spid="3">
+                                            <p:txEl>
+                                              <p:pRg st="0" end="0"/>
+                                            </p:txEl>
+                                          </p:spTgt>
+                                        </p:tgtEl>
+                                        <p:attrNameLst>
+                                          <p:attrName>style.visibility</p:attrName>
+                                        </p:attrNameLst>
+                                      </p:cBhvr>
+                                      <p:to>
+                                        <p:strVal val="visible"/>
+                                      </p:to>
+                                    </p:set>
+                                  </p:childTnLst>
+                                </p:cTn>
+                              </p:par>
+                              <p:par>
+                                <p:cTn id="7" presetID="1" presetClass="entr" presetSubtype="0" fill="hold" grpId="0" nodeType="withEffect">
+                                  <p:stCondLst>
+                                    <p:cond delay="0"/>
+                                  </p:stCondLst>
+                                  <p:childTnLst>
+                                    <p:set>
+                                      <p:cBhvr>
+                                        <p:cTn id="8" dur="1" fill="hold">
+                                          <p:stCondLst>
+                                            <p:cond delay="0"/>
+                                          </p:stCondLst>
+                                        </p:cTn>
+                                        <p:tgtEl>
+                                          <p:spTgt spid="3">
+                                            <p:txEl>
+                                              <p:pRg st="1" end="1"/>
+                                            </p:txEl>
+                                          </p:spTgt>
+                                        </p:tgtEl>
+                                        <p:attrNameLst>
+                                          <p:attrName>style.visibility</p:attrName>
+                                        </p:attrNameLst>
+                                      </p:cBhvr>
+                                      <p:to>
+                                        <p:strVal val="visible"/>
+                                      </p:to>
+                                    </p:set>
+                                  </p:childTnLst>
+                                </p:cTn>
+                              </p:par>
+                              <p:par>
+                                <p:cTn id="9" presetID="1" presetClass="entr" presetSubtype="0" fill="hold" grpId="0" nodeType="withEffect">
+                                  <p:stCondLst>
+                                    <p:cond delay="0"/>
+                                  </p:stCondLst>
+                                  <p:childTnLst>
+                                    <p:set>
+                                      <p:cBhvr>
+                                        <p:cTn id="10" dur="1" fill="hold">
+                                          <p:stCondLst>
+                                            <p:cond delay="0"/>
+                                          </p:stCondLst>
+                                        </p:cTn>
+                                        <p:tgtEl>
+                                          <p:spTgt spid="3">
+                                            <p:txEl>
+                                              <p:pRg st="2" end="2"/>
+                                            </p:txEl>
+                                          </p:spTgt>
+                                        </p:tgtEl>
+                                        <p:attrNameLst>
+                                          <p:attrName>style.visibility</p:attrName>
+                                        </p:attrNameLst>
+                                      </p:cBhvr>
+                                      <p:to>
+                                        <p:strVal val="visible"/>
+                                      </p:to>
+                                    </p:set>
+                                  </p:childTnLst>
+                                </p:cTn>
+                              </p:par>
+                            </p:childTnLst>
+                          </p:cTn>
+                        </p:par>
+                      </p:childTnLst>
+                    </p:cTn>
+                  </p:par>
+                  <p:par>
+                    <p:cTn id="11" fill="hold">
+                      <p:stCondLst>
+                        <p:cond delay="indefinite"/>
+                      </p:stCondLst>
+                      <p:childTnLst>
+                        <p:par>
+                          <p:cTn id="12" fill="hold">
+                            <p:stCondLst>
+                              <p:cond delay="0"/>
+                            </p:stCondLst>
+                            <p:childTnLst>
+                              <p:par>
+                                <p:cTn id="13" presetID="1" presetClass="entr" presetSubtype="0" fill="hold" grpId="0" nodeType="clickEffect">
+                                  <p:stCondLst>
+                                    <p:cond delay="0"/>
+                                  </p:stCondLst>
+                                  <p:childTnLst>
+                                    <p:set>
+                                      <p:cBhvr>
+                                        <p:cTn id="14" dur="1" fill="hold">
+                                          <p:stCondLst>
+                                            <p:cond delay="0"/>
+                                          </p:stCondLst>
+                                        </p:cTn>
+                                        <p:tgtEl>
+                                          <p:spTgt spid="3">
+                                            <p:txEl>
+                                              <p:pRg st="3" end="3"/>
+                                            </p:txEl>
+                                          </p:spTgt>
+                                        </p:tgtEl>
+                                        <p:attrNameLst>
+                                          <p:attrName>style.visibility</p:attrName>
+                                        </p:attrNameLst>
+                                      </p:cBhvr>
+                                      <p:to>
+                                        <p:strVal val="visible"/>
+                                      </p:to>
+                                    </p:set>
+                                  </p:childTnLst>
+                                </p:cTn>
+                              </p:par>
+                              <p:par>
+                                <p:cTn id="15" presetID="1" presetClass="entr" presetSubtype="0" fill="hold" grpId="0" nodeType="withEffect">
+                                  <p:stCondLst>
+                                    <p:cond delay="0"/>
+                                  </p:stCondLst>
+                                  <p:childTnLst>
+                                    <p:set>
+                                      <p:cBhvr>
+                                        <p:cTn id="16" dur="1" fill="hold">
+                                          <p:stCondLst>
+                                            <p:cond delay="0"/>
+                                          </p:stCondLst>
+                                        </p:cTn>
+                                        <p:tgtEl>
+                                          <p:spTgt spid="3">
+                                            <p:txEl>
+                                              <p:pRg st="4" end="4"/>
+                                            </p:txEl>
+                                          </p:spTgt>
+                                        </p:tgtEl>
+                                        <p:attrNameLst>
+                                          <p:attrName>style.visibility</p:attrName>
+                                        </p:attrNameLst>
+                                      </p:cBhvr>
+                                      <p:to>
+                                        <p:strVal val="visible"/>
+                                      </p:to>
+                                    </p:set>
+                                  </p:childTnLst>
+                                </p:cTn>
+                              </p:par>
+                              <p:par>
+                                <p:cTn id="17" presetID="1" presetClass="entr" presetSubtype="0" fill="hold" grpId="0" nodeType="withEffect">
+                                  <p:stCondLst>
+                                    <p:cond delay="0"/>
+                                  </p:stCondLst>
+                                  <p:childTnLst>
+                                    <p:set>
+                                      <p:cBhvr>
+                                        <p:cTn id="18" dur="1" fill="hold">
+                                          <p:stCondLst>
+                                            <p:cond delay="0"/>
+                                          </p:stCondLst>
+                                        </p:cTn>
+                                        <p:tgtEl>
+                                          <p:spTgt spid="3">
+                                            <p:txEl>
+                                              <p:pRg st="5" end="5"/>
+                                            </p:txEl>
+                                          </p:spTgt>
+                                        </p:tgtEl>
+                                        <p:attrNameLst>
+                                          <p:attrName>style.visibility</p:attrName>
+                                        </p:attrNameLst>
+                                      </p:cBhvr>
+                                      <p:to>
+                                        <p:strVal val="visible"/>
+                                      </p:to>
+                                    </p:set>
+                                  </p:childTnLst>
+                                </p:cTn>
+                              </p:par>
+                            </p:childTnLst>
+                          </p:cTn>
+                        </p:par>
+                      </p:childTnLst>
+                    </p:cTn>
+                  </p:par>
+                  <p:par>
+                    <p:cTn id="19" fill="hold">
+                      <p:stCondLst>
+                        <p:cond delay="indefinite"/>
+                      </p:stCondLst>
+                      <p:childTnLst>
+                        <p:par>
+                          <p:cTn id="20" fill="hold">
+                            <p:stCondLst>
+                              <p:cond delay="0"/>
+                            </p:stCondLst>
+                            <p:childTnLst>
+                              <p:par>
+                                <p:cTn id="21" presetID="1" presetClass="entr" presetSubtype="0" fill="hold" grpId="0" nodeType="clickEffect">
+                                  <p:stCondLst>
+                                    <p:cond delay="0"/>
+                                  </p:stCondLst>
+                                  <p:childTnLst>
+                                    <p:set>
+                                      <p:cBhvr>
+                                        <p:cTn id="22" dur="1" fill="hold">
+                                          <p:stCondLst>
+                                            <p:cond delay="0"/>
+                                          </p:stCondLst>
+                                        </p:cTn>
+                                        <p:tgtEl>
+                                          <p:spTgt spid="3">
+                                            <p:txEl>
+                                              <p:pRg st="6" end="6"/>
+                                            </p:txEl>
+                                          </p:spTgt>
+                                        </p:tgtEl>
+                                        <p:attrNameLst>
+                                          <p:attrName>style.visibility</p:attrName>
+                                        </p:attrNameLst>
+                                      </p:cBhvr>
+                                      <p:to>
+                                        <p:strVal val="visible"/>
+                                      </p:to>
+                                    </p:set>
+                                  </p:childTnLst>
+                                </p:cTn>
+                              </p:par>
+                              <p:par>
+                                <p:cTn id="23" presetID="1" presetClass="entr" presetSubtype="0" fill="hold" grpId="0" nodeType="withEffect">
+                                  <p:stCondLst>
+                                    <p:cond delay="0"/>
+                                  </p:stCondLst>
+                                  <p:childTnLst>
+                                    <p:set>
+                                      <p:cBhvr>
+                                        <p:cTn id="24" dur="1" fill="hold">
+                                          <p:stCondLst>
+                                            <p:cond delay="0"/>
+                                          </p:stCondLst>
+                                        </p:cTn>
+                                        <p:tgtEl>
+                                          <p:spTgt spid="3">
+                                            <p:txEl>
+                                              <p:pRg st="7" end="7"/>
+                                            </p:txEl>
+                                          </p:spTgt>
+                                        </p:tgtEl>
+                                        <p:attrNameLst>
+                                          <p:attrName>style.visibility</p:attrName>
+                                        </p:attrNameLst>
+                                      </p:cBhvr>
+                                      <p:to>
+                                        <p:strVal val="visible"/>
+                                      </p:to>
+                                    </p:set>
+                                  </p:childTnLst>
+                                </p:cTn>
+                              </p:par>
+                              <p:par>
+                                <p:cTn id="25" presetID="1" presetClass="entr" presetSubtype="0" fill="hold" grpId="0" nodeType="withEffect">
+                                  <p:stCondLst>
+                                    <p:cond delay="0"/>
+                                  </p:stCondLst>
+                                  <p:childTnLst>
+                                    <p:set>
+                                      <p:cBhvr>
+                                        <p:cTn id="26" dur="1" fill="hold">
+                                          <p:stCondLst>
+                                            <p:cond delay="0"/>
+                                          </p:stCondLst>
+                                        </p:cTn>
+                                        <p:tgtEl>
+                                          <p:spTgt spid="3">
+                                            <p:txEl>
+                                              <p:pRg st="8" end="8"/>
+                                            </p:txEl>
+                                          </p:spTgt>
+                                        </p:tgtEl>
+                                        <p:attrNameLst>
+                                          <p:attrName>style.visibility</p:attrName>
+                                        </p:attrNameLst>
+                                      </p:cBhvr>
+                                      <p:to>
+                                        <p:strVal val="visible"/>
+                                      </p:to>
+                                    </p:set>
+                                  </p:childTnLst>
+                                </p:cTn>
+                              </p:par>
+                            </p:childTnLst>
+                          </p:cTn>
+                        </p:par>
+                      </p:childTnLst>
+                    </p:cTn>
+                  </p:par>
+                  <p:par>
+                    <p:cTn id="27" fill="hold">
+                      <p:stCondLst>
+                        <p:cond delay="indefinite"/>
+                      </p:stCondLst>
+                      <p:childTnLst>
+                        <p:par>
+                          <p:cTn id="28" fill="hold">
+                            <p:stCondLst>
+                              <p:cond delay="0"/>
+                            </p:stCondLst>
+                            <p:childTnLst>
+                              <p:par>
+                                <p:cTn id="29" presetID="1" presetClass="entr" presetSubtype="0" fill="hold" grpId="0" nodeType="clickEffect">
+                                  <p:stCondLst>
+                                    <p:cond delay="0"/>
+                                  </p:stCondLst>
+                                  <p:childTnLst>
+                                    <p:set>
+                                      <p:cBhvr>
+                                        <p:cTn id="30" dur="1" fill="hold">
+                                          <p:stCondLst>
+                                            <p:cond delay="0"/>
+                                          </p:stCondLst>
+                                        </p:cTn>
+                                        <p:tgtEl>
+                                          <p:spTgt spid="3">
+                                            <p:txEl>
+                                              <p:pRg st="9" end="9"/>
+                                            </p:txEl>
+                                          </p:spTgt>
+                                        </p:tgtEl>
+                                        <p:attrNameLst>
+                                          <p:attrName>style.visibility</p:attrName>
+                                        </p:attrNameLst>
+                                      </p:cBhvr>
+                                      <p:to>
+                                        <p:strVal val="visible"/>
+                                      </p:to>
+                                    </p:set>
+                                  </p:childTnLst>
+                                </p:cTn>
+                              </p:par>
+                              <p:par>
+                                <p:cTn id="31" presetID="1" presetClass="entr" presetSubtype="0" fill="hold" grpId="0" nodeType="withEffect">
+                                  <p:stCondLst>
+                                    <p:cond delay="0"/>
+                                  </p:stCondLst>
+                                  <p:childTnLst>
+                                    <p:set>
+                                      <p:cBhvr>
+                                        <p:cTn id="32" dur="1" fill="hold">
+                                          <p:stCondLst>
+                                            <p:cond delay="0"/>
+                                          </p:stCondLst>
+                                        </p:cTn>
+                                        <p:tgtEl>
+                                          <p:spTgt spid="3">
+                                            <p:txEl>
+                                              <p:pRg st="10" end="10"/>
+                                            </p:txEl>
+                                          </p:spTgt>
+                                        </p:tgtEl>
+                                        <p:attrNameLst>
+                                          <p:attrName>style.visibility</p:attrName>
+                                        </p:attrNameLst>
+                                      </p:cBhvr>
+                                      <p:to>
+                                        <p:strVal val="visible"/>
+                                      </p:to>
+                                    </p:set>
+                                  </p:childTnLst>
+                                </p:cTn>
+                              </p:par>
+                            </p:childTnLst>
+                          </p:cTn>
+                        </p:par>
+                      </p:childTnLst>
+                    </p:cTn>
+                  </p:par>
+                  <p:par>
+                    <p:cTn id="33" fill="hold">
+                      <p:stCondLst>
+                        <p:cond delay="indefinite"/>
+                      </p:stCondLst>
+                      <p:childTnLst>
+                        <p:par>
+                          <p:cTn id="34" fill="hold">
+                            <p:stCondLst>
+                              <p:cond delay="0"/>
+                            </p:stCondLst>
+                            <p:childTnLst>
+                              <p:par>
+                                <p:cTn id="35" presetID="1" presetClass="entr" presetSubtype="0" fill="hold" grpId="0" nodeType="clickEffect">
+                                  <p:stCondLst>
+                                    <p:cond delay="0"/>
+                                  </p:stCondLst>
+                                  <p:childTnLst>
+                                    <p:set>
+                                      <p:cBhvr>
+                                        <p:cTn id="36" dur="1" fill="hold">
+                                          <p:stCondLst>
+                                            <p:cond delay="0"/>
+                                          </p:stCondLst>
+                                        </p:cTn>
+                                        <p:tgtEl>
+                                          <p:spTgt spid="3">
+                                            <p:txEl>
+                                              <p:pRg st="11" end="11"/>
+                                            </p:txEl>
+                                          </p:spTgt>
+                                        </p:tgtEl>
+                                        <p:attrNameLst>
+                                          <p:attrName>style.visibility</p:attrName>
+                                        </p:attrNameLst>
+                                      </p:cBhvr>
+                                      <p:to>
+                                        <p:strVal val="visible"/>
+                                      </p:to>
+                                    </p:set>
+                                  </p:childTnLst>
+                                </p:cTn>
+                              </p:par>
+                            </p:childTnLst>
+                          </p:cTn>
+                        </p:par>
+                      </p:childTnLst>
+                    </p:cTn>
+                  </p:par>
+                </p:childTnLst>
+              </p:cTn>
+              <p:prevCondLst>
+                <p:cond evt="onPrev" delay="0">
+                  <p:tgtEl>
+                    <p:sldTgt/>
+                  </p:tgtEl>
+                </p:cond>
+              </p:prevCondLst>
+              <p:nextCondLst>
+                <p:cond evt="onNext" delay="0">
+                  <p:tgtEl>
+                    <p:sldTgt/>
+                  </p:tgtEl>
+                </p:cond>
+              </p:nextCondLst>
+            </p:seq>
+          </p:childTnLst>
+        </p:cTn>
+      </p:par>
+    </p:tnLst>
+    <p:bldLst>
+      <p:bldP spid="3" grpId="0" uiExpand="1" build="p"/>
+    </p:bldLst>
+  </p:timing>
 </p:sld>
 </file>
 
@@ -44654,207 +50214,7 @@
 </p:sld>
 </file>
 
-<file path=ppt/slides/slide3.xml><?xml version="1.0" encoding="utf-8"?>
-<p:sld xmlns:a="http://schemas.openxmlformats.org/drawingml/2006/main" xmlns:r="http://schemas.openxmlformats.org/officeDocument/2006/relationships" xmlns:p="http://schemas.openxmlformats.org/presentationml/2006/main">
-  <p:cSld>
-    <p:spTree>
-      <p:nvGrpSpPr>
-        <p:cNvPr id="1" name=""/>
-        <p:cNvGrpSpPr/>
-        <p:nvPr/>
-      </p:nvGrpSpPr>
-      <p:grpSpPr>
-        <a:xfrm>
-          <a:off x="0" y="0"/>
-          <a:ext cx="0" cy="0"/>
-          <a:chOff x="0" y="0"/>
-          <a:chExt cx="0" cy="0"/>
-        </a:xfrm>
-      </p:grpSpPr>
-      <p:sp>
-        <p:nvSpPr>
-          <p:cNvPr id="2" name="Title 1">
-            <a:extLst>
-              <a:ext uri="{FF2B5EF4-FFF2-40B4-BE49-F238E27FC236}">
-                <a16:creationId xmlns:a16="http://schemas.microsoft.com/office/drawing/2014/main" id="{4FF1E465-C99A-43C2-978D-66A97E0512AB}"/>
-              </a:ext>
-            </a:extLst>
-          </p:cNvPr>
-          <p:cNvSpPr>
-            <a:spLocks noGrp="1"/>
-          </p:cNvSpPr>
-          <p:nvPr>
-            <p:ph type="title"/>
-          </p:nvPr>
-        </p:nvSpPr>
-        <p:spPr/>
-        <p:txBody>
-          <a:bodyPr/>
-          <a:lstStyle/>
-          <a:p>
-            <a:r>
-              <a:rPr lang="sk-SK" dirty="0"/>
-              <a:t>Dnešní </a:t>
-            </a:r>
-            <a:r>
-              <a:rPr lang="sk-SK" dirty="0" err="1"/>
-              <a:t>cíle</a:t>
-            </a:r>
-            <a:endParaRPr lang="en-US" dirty="0"/>
-          </a:p>
-        </p:txBody>
-      </p:sp>
-      <p:sp>
-        <p:nvSpPr>
-          <p:cNvPr id="3" name="Content Placeholder 2">
-            <a:extLst>
-              <a:ext uri="{FF2B5EF4-FFF2-40B4-BE49-F238E27FC236}">
-                <a16:creationId xmlns:a16="http://schemas.microsoft.com/office/drawing/2014/main" id="{87AC5A56-3708-4275-AA47-E21D26099D17}"/>
-              </a:ext>
-            </a:extLst>
-          </p:cNvPr>
-          <p:cNvSpPr>
-            <a:spLocks noGrp="1"/>
-          </p:cNvSpPr>
-          <p:nvPr>
-            <p:ph idx="1"/>
-          </p:nvPr>
-        </p:nvSpPr>
-        <p:spPr/>
-        <p:txBody>
-          <a:bodyPr/>
-          <a:lstStyle/>
-          <a:p>
-            <a:pPr>
-              <a:buFont typeface="Arial" panose="020B0604020202020204" pitchFamily="34" charset="0"/>
-              <a:buChar char="•"/>
-            </a:pPr>
-            <a:r>
-              <a:rPr lang="sk-SK" dirty="0"/>
-              <a:t> </a:t>
-            </a:r>
-            <a:r>
-              <a:rPr lang="sk-SK" dirty="0" err="1"/>
-              <a:t>Share</a:t>
-            </a:r>
-            <a:r>
-              <a:rPr lang="sk-SK" dirty="0"/>
-              <a:t> obsahu z </a:t>
-            </a:r>
-            <a:r>
-              <a:rPr lang="sk-SK" dirty="0" err="1"/>
-              <a:t>aplikace</a:t>
-            </a:r>
-            <a:r>
-              <a:rPr lang="sk-SK" dirty="0"/>
-              <a:t> a do </a:t>
-            </a:r>
-            <a:r>
-              <a:rPr lang="sk-SK" dirty="0" err="1"/>
-              <a:t>aplikace</a:t>
-            </a:r>
-            <a:endParaRPr lang="sk-SK" dirty="0"/>
-          </a:p>
-          <a:p>
-            <a:pPr>
-              <a:buFont typeface="Arial" panose="020B0604020202020204" pitchFamily="34" charset="0"/>
-              <a:buChar char="•"/>
-            </a:pPr>
-            <a:r>
-              <a:rPr lang="sk-SK" dirty="0"/>
-              <a:t> Tipy na </a:t>
-            </a:r>
-            <a:r>
-              <a:rPr lang="sk-SK" dirty="0" err="1"/>
-              <a:t>užitečné</a:t>
-            </a:r>
-            <a:r>
-              <a:rPr lang="sk-SK" dirty="0"/>
-              <a:t> nástroje a </a:t>
-            </a:r>
-            <a:r>
-              <a:rPr lang="sk-SK" dirty="0" err="1"/>
-              <a:t>rozšíření</a:t>
-            </a:r>
-            <a:endParaRPr lang="sk-SK" dirty="0"/>
-          </a:p>
-          <a:p>
-            <a:pPr>
-              <a:buFont typeface="Arial" panose="020B0604020202020204" pitchFamily="34" charset="0"/>
-              <a:buChar char="•"/>
-            </a:pPr>
-            <a:r>
-              <a:rPr lang="sk-SK" dirty="0"/>
-              <a:t> </a:t>
-            </a:r>
-            <a:r>
-              <a:rPr lang="sk-SK" dirty="0" err="1"/>
-              <a:t>Konfigurace</a:t>
-            </a:r>
-            <a:r>
-              <a:rPr lang="sk-SK" dirty="0"/>
-              <a:t> </a:t>
-            </a:r>
-            <a:r>
-              <a:rPr lang="sk-SK" dirty="0" err="1"/>
-              <a:t>aplikace</a:t>
-            </a:r>
-            <a:endParaRPr lang="sk-SK" dirty="0"/>
-          </a:p>
-          <a:p>
-            <a:pPr>
-              <a:buFont typeface="Arial" panose="020B0604020202020204" pitchFamily="34" charset="0"/>
-              <a:buChar char="•"/>
-            </a:pPr>
-            <a:r>
-              <a:rPr lang="sk-SK" dirty="0"/>
-              <a:t> </a:t>
-            </a:r>
-            <a:r>
-              <a:rPr lang="sk-SK" dirty="0" err="1"/>
-              <a:t>Loading</a:t>
-            </a:r>
-            <a:r>
-              <a:rPr lang="sk-SK" dirty="0"/>
-              <a:t> </a:t>
-            </a:r>
-            <a:r>
-              <a:rPr lang="sk-SK" dirty="0" err="1"/>
-              <a:t>animace</a:t>
-            </a:r>
-            <a:endParaRPr lang="sk-SK" dirty="0"/>
-          </a:p>
-          <a:p>
-            <a:pPr>
-              <a:buFont typeface="Arial" panose="020B0604020202020204" pitchFamily="34" charset="0"/>
-              <a:buChar char="•"/>
-            </a:pPr>
-            <a:r>
-              <a:rPr lang="sk-SK" dirty="0"/>
-              <a:t> </a:t>
-            </a:r>
-            <a:r>
-              <a:rPr lang="sk-SK" dirty="0" err="1"/>
-              <a:t>Lokalizace</a:t>
-            </a:r>
-            <a:endParaRPr lang="sk-SK" dirty="0"/>
-          </a:p>
-        </p:txBody>
-      </p:sp>
-    </p:spTree>
-    <p:extLst>
-      <p:ext uri="{BB962C8B-B14F-4D97-AF65-F5344CB8AC3E}">
-        <p14:creationId xmlns:p14="http://schemas.microsoft.com/office/powerpoint/2010/main" val="343479349"/>
-      </p:ext>
-    </p:extLst>
-  </p:cSld>
-  <p:clrMapOvr>
-    <a:masterClrMapping/>
-  </p:clrMapOvr>
-</p:sld>
-</file>
-
-<file path=ppt/slides/slide4.xml><?xml version="1.0" encoding="utf-8"?>
+<file path=ppt/slides/slide20.xml><?xml version="1.0" encoding="utf-8"?>
 <p:sld xmlns:a="http://schemas.openxmlformats.org/drawingml/2006/main" xmlns:r="http://schemas.openxmlformats.org/officeDocument/2006/relationships" xmlns:p="http://schemas.openxmlformats.org/presentationml/2006/main">
   <p:cSld>
     <p:spTree>
@@ -45042,20 +50402,25 @@
           <a:p>
             <a:pPr algn="l"/>
             <a:r>
-              <a:rPr lang="en-US" sz="6000" dirty="0">
+              <a:rPr lang="sk-SK" sz="6000" dirty="0" err="1">
                 <a:solidFill>
                   <a:srgbClr val="FFFFFF"/>
                 </a:solidFill>
               </a:rPr>
-              <a:t>Share z aplikace</a:t>
-            </a:r>
+              <a:t>lokalizace</a:t>
+            </a:r>
+            <a:endParaRPr lang="en-US" sz="6000" dirty="0">
+              <a:solidFill>
+                <a:srgbClr val="FFFFFF"/>
+              </a:solidFill>
+            </a:endParaRPr>
           </a:p>
         </p:txBody>
       </p:sp>
     </p:spTree>
     <p:extLst>
       <p:ext uri="{BB962C8B-B14F-4D97-AF65-F5344CB8AC3E}">
-        <p14:creationId xmlns:p14="http://schemas.microsoft.com/office/powerpoint/2010/main" val="1041166085"/>
+        <p14:creationId xmlns:p14="http://schemas.microsoft.com/office/powerpoint/2010/main" val="2095691801"/>
       </p:ext>
     </p:extLst>
   </p:cSld>
@@ -45065,7 +50430,7 @@
 </p:sld>
 </file>
 
-<file path=ppt/slides/slide5.xml><?xml version="1.0" encoding="utf-8"?>
+<file path=ppt/slides/slide21.xml><?xml version="1.0" encoding="utf-8"?>
 <p:sld xmlns:a="http://schemas.openxmlformats.org/drawingml/2006/main" xmlns:r="http://schemas.openxmlformats.org/officeDocument/2006/relationships" xmlns:p="http://schemas.openxmlformats.org/presentationml/2006/main">
   <p:cSld>
     <p:spTree>
@@ -45087,7 +50452,7 @@
           <p:cNvPr id="2" name="Title 1">
             <a:extLst>
               <a:ext uri="{FF2B5EF4-FFF2-40B4-BE49-F238E27FC236}">
-                <a16:creationId xmlns:a16="http://schemas.microsoft.com/office/drawing/2014/main" id="{44214306-3DD6-4776-97CA-F15AB9CEBAB7}"/>
+                <a16:creationId xmlns:a16="http://schemas.microsoft.com/office/drawing/2014/main" id="{B88C0280-8D2D-4C36-B5DE-87FC22CDC44A}"/>
               </a:ext>
             </a:extLst>
           </p:cNvPr>
@@ -45104,16 +50469,8 @@
           <a:lstStyle/>
           <a:p>
             <a:r>
-              <a:rPr lang="sk-SK" dirty="0" err="1"/>
-              <a:t>Share</a:t>
-            </a:r>
-            <a:r>
               <a:rPr lang="sk-SK" dirty="0"/>
-              <a:t> z </a:t>
-            </a:r>
-            <a:r>
-              <a:rPr lang="sk-SK" dirty="0" err="1"/>
-              <a:t>aplikace</a:t>
+              <a:t>hospoda</a:t>
             </a:r>
             <a:endParaRPr lang="en-US" dirty="0"/>
           </a:p>
@@ -45124,7 +50481,95 @@
           <p:cNvPr id="3" name="Content Placeholder 2">
             <a:extLst>
               <a:ext uri="{FF2B5EF4-FFF2-40B4-BE49-F238E27FC236}">
-                <a16:creationId xmlns:a16="http://schemas.microsoft.com/office/drawing/2014/main" id="{E579F7F0-0BDF-481F-ADE1-B5C00108578A}"/>
+                <a16:creationId xmlns:a16="http://schemas.microsoft.com/office/drawing/2014/main" id="{F0500748-1B05-441E-BF2E-4A5539100735}"/>
+              </a:ext>
+            </a:extLst>
+          </p:cNvPr>
+          <p:cNvSpPr>
+            <a:spLocks noGrp="1"/>
+          </p:cNvSpPr>
+          <p:nvPr>
+            <p:ph idx="1"/>
+          </p:nvPr>
+        </p:nvSpPr>
+        <p:spPr/>
+        <p:txBody>
+          <a:bodyPr/>
+          <a:lstStyle/>
+          <a:p>
+            <a:endParaRPr lang="en-US" dirty="0"/>
+          </a:p>
+        </p:txBody>
+      </p:sp>
+    </p:spTree>
+    <p:extLst>
+      <p:ext uri="{BB962C8B-B14F-4D97-AF65-F5344CB8AC3E}">
+        <p14:creationId xmlns:p14="http://schemas.microsoft.com/office/powerpoint/2010/main" val="3441092717"/>
+      </p:ext>
+    </p:extLst>
+  </p:cSld>
+  <p:clrMapOvr>
+    <a:masterClrMapping/>
+  </p:clrMapOvr>
+</p:sld>
+</file>
+
+<file path=ppt/slides/slide3.xml><?xml version="1.0" encoding="utf-8"?>
+<p:sld xmlns:a="http://schemas.openxmlformats.org/drawingml/2006/main" xmlns:r="http://schemas.openxmlformats.org/officeDocument/2006/relationships" xmlns:p="http://schemas.openxmlformats.org/presentationml/2006/main">
+  <p:cSld>
+    <p:spTree>
+      <p:nvGrpSpPr>
+        <p:cNvPr id="1" name=""/>
+        <p:cNvGrpSpPr/>
+        <p:nvPr/>
+      </p:nvGrpSpPr>
+      <p:grpSpPr>
+        <a:xfrm>
+          <a:off x="0" y="0"/>
+          <a:ext cx="0" cy="0"/>
+          <a:chOff x="0" y="0"/>
+          <a:chExt cx="0" cy="0"/>
+        </a:xfrm>
+      </p:grpSpPr>
+      <p:sp>
+        <p:nvSpPr>
+          <p:cNvPr id="2" name="Title 1">
+            <a:extLst>
+              <a:ext uri="{FF2B5EF4-FFF2-40B4-BE49-F238E27FC236}">
+                <a16:creationId xmlns:a16="http://schemas.microsoft.com/office/drawing/2014/main" id="{4FF1E465-C99A-43C2-978D-66A97E0512AB}"/>
+              </a:ext>
+            </a:extLst>
+          </p:cNvPr>
+          <p:cNvSpPr>
+            <a:spLocks noGrp="1"/>
+          </p:cNvSpPr>
+          <p:nvPr>
+            <p:ph type="title"/>
+          </p:nvPr>
+        </p:nvSpPr>
+        <p:spPr/>
+        <p:txBody>
+          <a:bodyPr/>
+          <a:lstStyle/>
+          <a:p>
+            <a:r>
+              <a:rPr lang="sk-SK" dirty="0"/>
+              <a:t>Dnešní </a:t>
+            </a:r>
+            <a:r>
+              <a:rPr lang="sk-SK" dirty="0" err="1"/>
+              <a:t>cíle</a:t>
+            </a:r>
+            <a:endParaRPr lang="en-US" dirty="0"/>
+          </a:p>
+        </p:txBody>
+      </p:sp>
+      <p:sp>
+        <p:nvSpPr>
+          <p:cNvPr id="3" name="Content Placeholder 2">
+            <a:extLst>
+              <a:ext uri="{FF2B5EF4-FFF2-40B4-BE49-F238E27FC236}">
+                <a16:creationId xmlns:a16="http://schemas.microsoft.com/office/drawing/2014/main" id="{87AC5A56-3708-4275-AA47-E21D26099D17}"/>
               </a:ext>
             </a:extLst>
           </p:cNvPr>
@@ -45146,16 +50591,6 @@
             </a:pPr>
             <a:r>
               <a:rPr lang="sk-SK" dirty="0"/>
-              <a:t> Xamarin Essentials</a:t>
-            </a:r>
-          </a:p>
-          <a:p>
-            <a:pPr>
-              <a:buFont typeface="Arial" panose="020B0604020202020204" pitchFamily="34" charset="0"/>
-              <a:buChar char="•"/>
-            </a:pPr>
-            <a:r>
-              <a:rPr lang="sk-SK" dirty="0"/>
               <a:t> </a:t>
             </a:r>
             <a:r>
@@ -45164,11 +50599,19 @@
             </a:r>
             <a:r>
               <a:rPr lang="sk-SK" dirty="0"/>
-              <a:t> </a:t>
+              <a:t> obsahu z </a:t>
             </a:r>
             <a:r>
               <a:rPr lang="sk-SK" dirty="0" err="1"/>
-              <a:t>class</a:t>
+              <a:t>aplikace</a:t>
+            </a:r>
+            <a:r>
+              <a:rPr lang="sk-SK" dirty="0"/>
+              <a:t> a do </a:t>
+            </a:r>
+            <a:r>
+              <a:rPr lang="sk-SK" dirty="0" err="1"/>
+              <a:t>aplikace</a:t>
             </a:r>
             <a:endParaRPr lang="sk-SK" dirty="0"/>
           </a:p>
@@ -45179,29 +50622,377 @@
             </a:pPr>
             <a:r>
               <a:rPr lang="sk-SK" dirty="0"/>
+              <a:t> Tipy na </a:t>
+            </a:r>
+            <a:r>
+              <a:rPr lang="sk-SK" dirty="0" err="1"/>
+              <a:t>užitečné</a:t>
+            </a:r>
+            <a:r>
+              <a:rPr lang="sk-SK" dirty="0"/>
+              <a:t> nástroje a </a:t>
+            </a:r>
+            <a:r>
+              <a:rPr lang="sk-SK" dirty="0" err="1"/>
+              <a:t>rozšíření</a:t>
+            </a:r>
+            <a:endParaRPr lang="sk-SK" dirty="0"/>
+          </a:p>
+          <a:p>
+            <a:pPr>
+              <a:buFont typeface="Arial" panose="020B0604020202020204" pitchFamily="34" charset="0"/>
+              <a:buChar char="•"/>
+            </a:pPr>
+            <a:r>
+              <a:rPr lang="sk-SK" dirty="0"/>
               <a:t> </a:t>
             </a:r>
             <a:r>
-              <a:rPr lang="en-US" dirty="0"/>
-              <a:t>Text or Files</a:t>
-            </a:r>
+              <a:rPr lang="sk-SK" dirty="0" err="1"/>
+              <a:t>Loading</a:t>
+            </a:r>
+            <a:r>
+              <a:rPr lang="sk-SK" dirty="0"/>
+              <a:t> </a:t>
+            </a:r>
+            <a:r>
+              <a:rPr lang="sk-SK" dirty="0" err="1"/>
+              <a:t>animace</a:t>
+            </a:r>
+            <a:endParaRPr lang="sk-SK" dirty="0"/>
+          </a:p>
+          <a:p>
+            <a:pPr>
+              <a:buFont typeface="Arial" panose="020B0604020202020204" pitchFamily="34" charset="0"/>
+              <a:buChar char="•"/>
+            </a:pPr>
+            <a:r>
+              <a:rPr lang="sk-SK" dirty="0"/>
+              <a:t> </a:t>
+            </a:r>
+            <a:r>
+              <a:rPr lang="sk-SK" dirty="0" err="1"/>
+              <a:t>Konfigurace</a:t>
+            </a:r>
+            <a:r>
+              <a:rPr lang="sk-SK" dirty="0"/>
+              <a:t> </a:t>
+            </a:r>
+            <a:r>
+              <a:rPr lang="sk-SK" dirty="0" err="1"/>
+              <a:t>aplikace</a:t>
+            </a:r>
+            <a:endParaRPr lang="sk-SK" dirty="0"/>
+          </a:p>
+          <a:p>
+            <a:pPr>
+              <a:buFont typeface="Arial" panose="020B0604020202020204" pitchFamily="34" charset="0"/>
+              <a:buChar char="•"/>
+            </a:pPr>
+            <a:r>
+              <a:rPr lang="sk-SK" dirty="0"/>
+              <a:t> </a:t>
+            </a:r>
+            <a:r>
+              <a:rPr lang="sk-SK" dirty="0" err="1"/>
+              <a:t>Lokalizace</a:t>
+            </a:r>
+            <a:endParaRPr lang="sk-SK" dirty="0"/>
           </a:p>
         </p:txBody>
       </p:sp>
     </p:spTree>
     <p:extLst>
       <p:ext uri="{BB962C8B-B14F-4D97-AF65-F5344CB8AC3E}">
-        <p14:creationId xmlns:p14="http://schemas.microsoft.com/office/powerpoint/2010/main" val="2210473261"/>
+        <p14:creationId xmlns:p14="http://schemas.microsoft.com/office/powerpoint/2010/main" val="343479349"/>
       </p:ext>
     </p:extLst>
   </p:cSld>
   <p:clrMapOvr>
     <a:masterClrMapping/>
   </p:clrMapOvr>
+  <p:timing>
+    <p:tnLst>
+      <p:par>
+        <p:cTn id="1" dur="indefinite" restart="never" nodeType="tmRoot">
+          <p:childTnLst>
+            <p:seq concurrent="1" nextAc="seek">
+              <p:cTn id="2" dur="indefinite" nodeType="mainSeq">
+                <p:childTnLst>
+                  <p:par>
+                    <p:cTn id="3" fill="hold">
+                      <p:stCondLst>
+                        <p:cond delay="indefinite"/>
+                      </p:stCondLst>
+                      <p:childTnLst>
+                        <p:par>
+                          <p:cTn id="4" fill="hold">
+                            <p:stCondLst>
+                              <p:cond delay="0"/>
+                            </p:stCondLst>
+                            <p:childTnLst>
+                              <p:par>
+                                <p:cTn id="5" presetID="1" presetClass="entr" presetSubtype="0" fill="hold" grpId="0" nodeType="clickEffect">
+                                  <p:stCondLst>
+                                    <p:cond delay="0"/>
+                                  </p:stCondLst>
+                                  <p:childTnLst>
+                                    <p:set>
+                                      <p:cBhvr>
+                                        <p:cTn id="6" dur="1" fill="hold">
+                                          <p:stCondLst>
+                                            <p:cond delay="0"/>
+                                          </p:stCondLst>
+                                        </p:cTn>
+                                        <p:tgtEl>
+                                          <p:spTgt spid="3">
+                                            <p:txEl>
+                                              <p:pRg st="0" end="0"/>
+                                            </p:txEl>
+                                          </p:spTgt>
+                                        </p:tgtEl>
+                                        <p:attrNameLst>
+                                          <p:attrName>style.visibility</p:attrName>
+                                        </p:attrNameLst>
+                                      </p:cBhvr>
+                                      <p:to>
+                                        <p:strVal val="visible"/>
+                                      </p:to>
+                                    </p:set>
+                                  </p:childTnLst>
+                                </p:cTn>
+                              </p:par>
+                            </p:childTnLst>
+                          </p:cTn>
+                        </p:par>
+                      </p:childTnLst>
+                    </p:cTn>
+                  </p:par>
+                  <p:par>
+                    <p:cTn id="7" fill="hold">
+                      <p:stCondLst>
+                        <p:cond delay="indefinite"/>
+                      </p:stCondLst>
+                      <p:childTnLst>
+                        <p:par>
+                          <p:cTn id="8" fill="hold">
+                            <p:stCondLst>
+                              <p:cond delay="0"/>
+                            </p:stCondLst>
+                            <p:childTnLst>
+                              <p:par>
+                                <p:cTn id="9" presetID="1" presetClass="entr" presetSubtype="0" fill="hold" grpId="0" nodeType="clickEffect">
+                                  <p:stCondLst>
+                                    <p:cond delay="0"/>
+                                  </p:stCondLst>
+                                  <p:childTnLst>
+                                    <p:set>
+                                      <p:cBhvr>
+                                        <p:cTn id="10" dur="1" fill="hold">
+                                          <p:stCondLst>
+                                            <p:cond delay="0"/>
+                                          </p:stCondLst>
+                                        </p:cTn>
+                                        <p:tgtEl>
+                                          <p:spTgt spid="3">
+                                            <p:txEl>
+                                              <p:pRg st="1" end="1"/>
+                                            </p:txEl>
+                                          </p:spTgt>
+                                        </p:tgtEl>
+                                        <p:attrNameLst>
+                                          <p:attrName>style.visibility</p:attrName>
+                                        </p:attrNameLst>
+                                      </p:cBhvr>
+                                      <p:to>
+                                        <p:strVal val="visible"/>
+                                      </p:to>
+                                    </p:set>
+                                  </p:childTnLst>
+                                </p:cTn>
+                              </p:par>
+                            </p:childTnLst>
+                          </p:cTn>
+                        </p:par>
+                      </p:childTnLst>
+                    </p:cTn>
+                  </p:par>
+                  <p:par>
+                    <p:cTn id="11" fill="hold">
+                      <p:stCondLst>
+                        <p:cond delay="indefinite"/>
+                      </p:stCondLst>
+                      <p:childTnLst>
+                        <p:par>
+                          <p:cTn id="12" fill="hold">
+                            <p:stCondLst>
+                              <p:cond delay="0"/>
+                            </p:stCondLst>
+                            <p:childTnLst>
+                              <p:par>
+                                <p:cTn id="13" presetID="1" presetClass="entr" presetSubtype="0" fill="hold" grpId="0" nodeType="clickEffect">
+                                  <p:stCondLst>
+                                    <p:cond delay="0"/>
+                                  </p:stCondLst>
+                                  <p:childTnLst>
+                                    <p:set>
+                                      <p:cBhvr>
+                                        <p:cTn id="14" dur="1" fill="hold">
+                                          <p:stCondLst>
+                                            <p:cond delay="0"/>
+                                          </p:stCondLst>
+                                        </p:cTn>
+                                        <p:tgtEl>
+                                          <p:spTgt spid="3">
+                                            <p:txEl>
+                                              <p:pRg st="2" end="2"/>
+                                            </p:txEl>
+                                          </p:spTgt>
+                                        </p:tgtEl>
+                                        <p:attrNameLst>
+                                          <p:attrName>style.visibility</p:attrName>
+                                        </p:attrNameLst>
+                                      </p:cBhvr>
+                                      <p:to>
+                                        <p:strVal val="visible"/>
+                                      </p:to>
+                                    </p:set>
+                                  </p:childTnLst>
+                                </p:cTn>
+                              </p:par>
+                            </p:childTnLst>
+                          </p:cTn>
+                        </p:par>
+                      </p:childTnLst>
+                    </p:cTn>
+                  </p:par>
+                  <p:par>
+                    <p:cTn id="15" fill="hold">
+                      <p:stCondLst>
+                        <p:cond delay="indefinite"/>
+                      </p:stCondLst>
+                      <p:childTnLst>
+                        <p:par>
+                          <p:cTn id="16" fill="hold">
+                            <p:stCondLst>
+                              <p:cond delay="0"/>
+                            </p:stCondLst>
+                            <p:childTnLst>
+                              <p:par>
+                                <p:cTn id="17" presetID="1" presetClass="entr" presetSubtype="0" fill="hold" grpId="0" nodeType="clickEffect">
+                                  <p:stCondLst>
+                                    <p:cond delay="0"/>
+                                  </p:stCondLst>
+                                  <p:childTnLst>
+                                    <p:set>
+                                      <p:cBhvr>
+                                        <p:cTn id="18" dur="1" fill="hold">
+                                          <p:stCondLst>
+                                            <p:cond delay="0"/>
+                                          </p:stCondLst>
+                                        </p:cTn>
+                                        <p:tgtEl>
+                                          <p:spTgt spid="3">
+                                            <p:txEl>
+                                              <p:pRg st="3" end="3"/>
+                                            </p:txEl>
+                                          </p:spTgt>
+                                        </p:tgtEl>
+                                        <p:attrNameLst>
+                                          <p:attrName>style.visibility</p:attrName>
+                                        </p:attrNameLst>
+                                      </p:cBhvr>
+                                      <p:to>
+                                        <p:strVal val="visible"/>
+                                      </p:to>
+                                    </p:set>
+                                  </p:childTnLst>
+                                </p:cTn>
+                              </p:par>
+                            </p:childTnLst>
+                          </p:cTn>
+                        </p:par>
+                      </p:childTnLst>
+                    </p:cTn>
+                  </p:par>
+                  <p:par>
+                    <p:cTn id="19" fill="hold">
+                      <p:stCondLst>
+                        <p:cond delay="indefinite"/>
+                      </p:stCondLst>
+                      <p:childTnLst>
+                        <p:par>
+                          <p:cTn id="20" fill="hold">
+                            <p:stCondLst>
+                              <p:cond delay="0"/>
+                            </p:stCondLst>
+                            <p:childTnLst>
+                              <p:par>
+                                <p:cTn id="21" presetID="1" presetClass="entr" presetSubtype="0" fill="hold" grpId="0" nodeType="clickEffect">
+                                  <p:stCondLst>
+                                    <p:cond delay="0"/>
+                                  </p:stCondLst>
+                                  <p:childTnLst>
+                                    <p:set>
+                                      <p:cBhvr>
+                                        <p:cTn id="22" dur="1" fill="hold">
+                                          <p:stCondLst>
+                                            <p:cond delay="0"/>
+                                          </p:stCondLst>
+                                        </p:cTn>
+                                        <p:tgtEl>
+                                          <p:spTgt spid="3">
+                                            <p:txEl>
+                                              <p:pRg st="4" end="4"/>
+                                            </p:txEl>
+                                          </p:spTgt>
+                                        </p:tgtEl>
+                                        <p:attrNameLst>
+                                          <p:attrName>style.visibility</p:attrName>
+                                        </p:attrNameLst>
+                                      </p:cBhvr>
+                                      <p:to>
+                                        <p:strVal val="visible"/>
+                                      </p:to>
+                                    </p:set>
+                                  </p:childTnLst>
+                                </p:cTn>
+                              </p:par>
+                            </p:childTnLst>
+                          </p:cTn>
+                        </p:par>
+                      </p:childTnLst>
+                    </p:cTn>
+                  </p:par>
+                </p:childTnLst>
+              </p:cTn>
+              <p:prevCondLst>
+                <p:cond evt="onPrev" delay="0">
+                  <p:tgtEl>
+                    <p:sldTgt/>
+                  </p:tgtEl>
+                </p:cond>
+              </p:prevCondLst>
+              <p:nextCondLst>
+                <p:cond evt="onNext" delay="0">
+                  <p:tgtEl>
+                    <p:sldTgt/>
+                  </p:tgtEl>
+                </p:cond>
+              </p:nextCondLst>
+            </p:seq>
+          </p:childTnLst>
+        </p:cTn>
+      </p:par>
+    </p:tnLst>
+    <p:bldLst>
+      <p:bldP spid="3" grpId="0" build="p"/>
+    </p:bldLst>
+  </p:timing>
 </p:sld>
 </file>
 
-<file path=ppt/slides/slide6.xml><?xml version="1.0" encoding="utf-8"?>
+<file path=ppt/slides/slide4.xml><?xml version="1.0" encoding="utf-8"?>
 <p:sld xmlns:a="http://schemas.openxmlformats.org/drawingml/2006/main" xmlns:r="http://schemas.openxmlformats.org/officeDocument/2006/relationships" xmlns:p="http://schemas.openxmlformats.org/presentationml/2006/main">
   <p:cSld>
     <p:spTree>
@@ -45394,6 +51185,533 @@
                   <a:srgbClr val="FFFFFF"/>
                 </a:solidFill>
               </a:rPr>
+              <a:t>Share z aplikace</a:t>
+            </a:r>
+          </a:p>
+        </p:txBody>
+      </p:sp>
+    </p:spTree>
+    <p:extLst>
+      <p:ext uri="{BB962C8B-B14F-4D97-AF65-F5344CB8AC3E}">
+        <p14:creationId xmlns:p14="http://schemas.microsoft.com/office/powerpoint/2010/main" val="1041166085"/>
+      </p:ext>
+    </p:extLst>
+  </p:cSld>
+  <p:clrMapOvr>
+    <a:masterClrMapping/>
+  </p:clrMapOvr>
+</p:sld>
+</file>
+
+<file path=ppt/slides/slide5.xml><?xml version="1.0" encoding="utf-8"?>
+<p:sld xmlns:a="http://schemas.openxmlformats.org/drawingml/2006/main" xmlns:r="http://schemas.openxmlformats.org/officeDocument/2006/relationships" xmlns:p="http://schemas.openxmlformats.org/presentationml/2006/main">
+  <p:cSld>
+    <p:spTree>
+      <p:nvGrpSpPr>
+        <p:cNvPr id="1" name=""/>
+        <p:cNvGrpSpPr/>
+        <p:nvPr/>
+      </p:nvGrpSpPr>
+      <p:grpSpPr>
+        <a:xfrm>
+          <a:off x="0" y="0"/>
+          <a:ext cx="0" cy="0"/>
+          <a:chOff x="0" y="0"/>
+          <a:chExt cx="0" cy="0"/>
+        </a:xfrm>
+      </p:grpSpPr>
+      <p:sp>
+        <p:nvSpPr>
+          <p:cNvPr id="2" name="Title 1">
+            <a:extLst>
+              <a:ext uri="{FF2B5EF4-FFF2-40B4-BE49-F238E27FC236}">
+                <a16:creationId xmlns:a16="http://schemas.microsoft.com/office/drawing/2014/main" id="{44214306-3DD6-4776-97CA-F15AB9CEBAB7}"/>
+              </a:ext>
+            </a:extLst>
+          </p:cNvPr>
+          <p:cNvSpPr>
+            <a:spLocks noGrp="1"/>
+          </p:cNvSpPr>
+          <p:nvPr>
+            <p:ph type="title"/>
+          </p:nvPr>
+        </p:nvSpPr>
+        <p:spPr/>
+        <p:txBody>
+          <a:bodyPr/>
+          <a:lstStyle/>
+          <a:p>
+            <a:r>
+              <a:rPr lang="sk-SK" dirty="0" err="1"/>
+              <a:t>Share</a:t>
+            </a:r>
+            <a:r>
+              <a:rPr lang="sk-SK" dirty="0"/>
+              <a:t> z </a:t>
+            </a:r>
+            <a:r>
+              <a:rPr lang="sk-SK" dirty="0" err="1"/>
+              <a:t>aplikace</a:t>
+            </a:r>
+            <a:endParaRPr lang="en-US" dirty="0"/>
+          </a:p>
+        </p:txBody>
+      </p:sp>
+      <p:sp>
+        <p:nvSpPr>
+          <p:cNvPr id="3" name="Content Placeholder 2">
+            <a:extLst>
+              <a:ext uri="{FF2B5EF4-FFF2-40B4-BE49-F238E27FC236}">
+                <a16:creationId xmlns:a16="http://schemas.microsoft.com/office/drawing/2014/main" id="{E579F7F0-0BDF-481F-ADE1-B5C00108578A}"/>
+              </a:ext>
+            </a:extLst>
+          </p:cNvPr>
+          <p:cNvSpPr>
+            <a:spLocks noGrp="1"/>
+          </p:cNvSpPr>
+          <p:nvPr>
+            <p:ph idx="1"/>
+          </p:nvPr>
+        </p:nvSpPr>
+        <p:spPr/>
+        <p:txBody>
+          <a:bodyPr/>
+          <a:lstStyle/>
+          <a:p>
+            <a:pPr>
+              <a:buFont typeface="Arial" panose="020B0604020202020204" pitchFamily="34" charset="0"/>
+              <a:buChar char="•"/>
+            </a:pPr>
+            <a:r>
+              <a:rPr lang="sk-SK" dirty="0"/>
+              <a:t> Xamarin Essentials</a:t>
+            </a:r>
+          </a:p>
+          <a:p>
+            <a:pPr>
+              <a:buFont typeface="Arial" panose="020B0604020202020204" pitchFamily="34" charset="0"/>
+              <a:buChar char="•"/>
+            </a:pPr>
+            <a:r>
+              <a:rPr lang="sk-SK" dirty="0"/>
+              <a:t> </a:t>
+            </a:r>
+            <a:r>
+              <a:rPr lang="sk-SK" dirty="0" err="1"/>
+              <a:t>Share</a:t>
+            </a:r>
+            <a:r>
+              <a:rPr lang="sk-SK" dirty="0"/>
+              <a:t> </a:t>
+            </a:r>
+            <a:r>
+              <a:rPr lang="sk-SK" dirty="0" err="1"/>
+              <a:t>class</a:t>
+            </a:r>
+            <a:endParaRPr lang="sk-SK" dirty="0"/>
+          </a:p>
+          <a:p>
+            <a:pPr>
+              <a:buFont typeface="Arial" panose="020B0604020202020204" pitchFamily="34" charset="0"/>
+              <a:buChar char="•"/>
+            </a:pPr>
+            <a:r>
+              <a:rPr lang="sk-SK" dirty="0"/>
+              <a:t> </a:t>
+            </a:r>
+            <a:r>
+              <a:rPr lang="en-US" dirty="0"/>
+              <a:t>Text or Files</a:t>
+            </a:r>
+          </a:p>
+        </p:txBody>
+      </p:sp>
+    </p:spTree>
+    <p:extLst>
+      <p:ext uri="{BB962C8B-B14F-4D97-AF65-F5344CB8AC3E}">
+        <p14:creationId xmlns:p14="http://schemas.microsoft.com/office/powerpoint/2010/main" val="2210473261"/>
+      </p:ext>
+    </p:extLst>
+  </p:cSld>
+  <p:clrMapOvr>
+    <a:masterClrMapping/>
+  </p:clrMapOvr>
+  <p:timing>
+    <p:tnLst>
+      <p:par>
+        <p:cTn id="1" dur="indefinite" restart="never" nodeType="tmRoot">
+          <p:childTnLst>
+            <p:seq concurrent="1" nextAc="seek">
+              <p:cTn id="2" dur="indefinite" nodeType="mainSeq">
+                <p:childTnLst>
+                  <p:par>
+                    <p:cTn id="3" fill="hold">
+                      <p:stCondLst>
+                        <p:cond delay="indefinite"/>
+                      </p:stCondLst>
+                      <p:childTnLst>
+                        <p:par>
+                          <p:cTn id="4" fill="hold">
+                            <p:stCondLst>
+                              <p:cond delay="0"/>
+                            </p:stCondLst>
+                            <p:childTnLst>
+                              <p:par>
+                                <p:cTn id="5" presetID="1" presetClass="entr" presetSubtype="0" fill="hold" grpId="0" nodeType="clickEffect">
+                                  <p:stCondLst>
+                                    <p:cond delay="0"/>
+                                  </p:stCondLst>
+                                  <p:childTnLst>
+                                    <p:set>
+                                      <p:cBhvr>
+                                        <p:cTn id="6" dur="1" fill="hold">
+                                          <p:stCondLst>
+                                            <p:cond delay="0"/>
+                                          </p:stCondLst>
+                                        </p:cTn>
+                                        <p:tgtEl>
+                                          <p:spTgt spid="3">
+                                            <p:txEl>
+                                              <p:pRg st="0" end="0"/>
+                                            </p:txEl>
+                                          </p:spTgt>
+                                        </p:tgtEl>
+                                        <p:attrNameLst>
+                                          <p:attrName>style.visibility</p:attrName>
+                                        </p:attrNameLst>
+                                      </p:cBhvr>
+                                      <p:to>
+                                        <p:strVal val="visible"/>
+                                      </p:to>
+                                    </p:set>
+                                  </p:childTnLst>
+                                </p:cTn>
+                              </p:par>
+                            </p:childTnLst>
+                          </p:cTn>
+                        </p:par>
+                      </p:childTnLst>
+                    </p:cTn>
+                  </p:par>
+                  <p:par>
+                    <p:cTn id="7" fill="hold">
+                      <p:stCondLst>
+                        <p:cond delay="indefinite"/>
+                      </p:stCondLst>
+                      <p:childTnLst>
+                        <p:par>
+                          <p:cTn id="8" fill="hold">
+                            <p:stCondLst>
+                              <p:cond delay="0"/>
+                            </p:stCondLst>
+                            <p:childTnLst>
+                              <p:par>
+                                <p:cTn id="9" presetID="1" presetClass="entr" presetSubtype="0" fill="hold" grpId="0" nodeType="clickEffect">
+                                  <p:stCondLst>
+                                    <p:cond delay="0"/>
+                                  </p:stCondLst>
+                                  <p:childTnLst>
+                                    <p:set>
+                                      <p:cBhvr>
+                                        <p:cTn id="10" dur="1" fill="hold">
+                                          <p:stCondLst>
+                                            <p:cond delay="0"/>
+                                          </p:stCondLst>
+                                        </p:cTn>
+                                        <p:tgtEl>
+                                          <p:spTgt spid="3">
+                                            <p:txEl>
+                                              <p:pRg st="1" end="1"/>
+                                            </p:txEl>
+                                          </p:spTgt>
+                                        </p:tgtEl>
+                                        <p:attrNameLst>
+                                          <p:attrName>style.visibility</p:attrName>
+                                        </p:attrNameLst>
+                                      </p:cBhvr>
+                                      <p:to>
+                                        <p:strVal val="visible"/>
+                                      </p:to>
+                                    </p:set>
+                                  </p:childTnLst>
+                                </p:cTn>
+                              </p:par>
+                            </p:childTnLst>
+                          </p:cTn>
+                        </p:par>
+                      </p:childTnLst>
+                    </p:cTn>
+                  </p:par>
+                  <p:par>
+                    <p:cTn id="11" fill="hold">
+                      <p:stCondLst>
+                        <p:cond delay="indefinite"/>
+                      </p:stCondLst>
+                      <p:childTnLst>
+                        <p:par>
+                          <p:cTn id="12" fill="hold">
+                            <p:stCondLst>
+                              <p:cond delay="0"/>
+                            </p:stCondLst>
+                            <p:childTnLst>
+                              <p:par>
+                                <p:cTn id="13" presetID="1" presetClass="entr" presetSubtype="0" fill="hold" grpId="0" nodeType="clickEffect">
+                                  <p:stCondLst>
+                                    <p:cond delay="0"/>
+                                  </p:stCondLst>
+                                  <p:childTnLst>
+                                    <p:set>
+                                      <p:cBhvr>
+                                        <p:cTn id="14" dur="1" fill="hold">
+                                          <p:stCondLst>
+                                            <p:cond delay="0"/>
+                                          </p:stCondLst>
+                                        </p:cTn>
+                                        <p:tgtEl>
+                                          <p:spTgt spid="3">
+                                            <p:txEl>
+                                              <p:pRg st="2" end="2"/>
+                                            </p:txEl>
+                                          </p:spTgt>
+                                        </p:tgtEl>
+                                        <p:attrNameLst>
+                                          <p:attrName>style.visibility</p:attrName>
+                                        </p:attrNameLst>
+                                      </p:cBhvr>
+                                      <p:to>
+                                        <p:strVal val="visible"/>
+                                      </p:to>
+                                    </p:set>
+                                  </p:childTnLst>
+                                </p:cTn>
+                              </p:par>
+                            </p:childTnLst>
+                          </p:cTn>
+                        </p:par>
+                      </p:childTnLst>
+                    </p:cTn>
+                  </p:par>
+                </p:childTnLst>
+              </p:cTn>
+              <p:prevCondLst>
+                <p:cond evt="onPrev" delay="0">
+                  <p:tgtEl>
+                    <p:sldTgt/>
+                  </p:tgtEl>
+                </p:cond>
+              </p:prevCondLst>
+              <p:nextCondLst>
+                <p:cond evt="onNext" delay="0">
+                  <p:tgtEl>
+                    <p:sldTgt/>
+                  </p:tgtEl>
+                </p:cond>
+              </p:nextCondLst>
+            </p:seq>
+          </p:childTnLst>
+        </p:cTn>
+      </p:par>
+    </p:tnLst>
+    <p:bldLst>
+      <p:bldP spid="3" grpId="0" build="p"/>
+    </p:bldLst>
+  </p:timing>
+</p:sld>
+</file>
+
+<file path=ppt/slides/slide6.xml><?xml version="1.0" encoding="utf-8"?>
+<p:sld xmlns:a="http://schemas.openxmlformats.org/drawingml/2006/main" xmlns:r="http://schemas.openxmlformats.org/officeDocument/2006/relationships" xmlns:p="http://schemas.openxmlformats.org/presentationml/2006/main">
+  <p:cSld>
+    <p:spTree>
+      <p:nvGrpSpPr>
+        <p:cNvPr id="1" name=""/>
+        <p:cNvGrpSpPr/>
+        <p:nvPr/>
+      </p:nvGrpSpPr>
+      <p:grpSpPr>
+        <a:xfrm>
+          <a:off x="0" y="0"/>
+          <a:ext cx="0" cy="0"/>
+          <a:chOff x="0" y="0"/>
+          <a:chExt cx="0" cy="0"/>
+        </a:xfrm>
+      </p:grpSpPr>
+      <p:sp>
+        <p:nvSpPr>
+          <p:cNvPr id="4" name="Title 3">
+            <a:extLst>
+              <a:ext uri="{FF2B5EF4-FFF2-40B4-BE49-F238E27FC236}">
+                <a16:creationId xmlns:a16="http://schemas.microsoft.com/office/drawing/2014/main" id="{A51F8EC0-6D53-41A5-A82F-6C23A33E399C}"/>
+              </a:ext>
+            </a:extLst>
+          </p:cNvPr>
+          <p:cNvSpPr>
+            <a:spLocks noGrp="1"/>
+          </p:cNvSpPr>
+          <p:nvPr>
+            <p:ph type="title"/>
+          </p:nvPr>
+        </p:nvSpPr>
+        <p:spPr/>
+        <p:txBody>
+          <a:bodyPr vert="horz" lIns="91440" tIns="45720" rIns="91440" bIns="45720" rtlCol="0" anchor="b">
+            <a:normAutofit/>
+          </a:bodyPr>
+          <a:lstStyle/>
+          <a:p>
+            <a:pPr algn="l"/>
+            <a:r>
+              <a:rPr lang="en-US" sz="6000" dirty="0">
+                <a:solidFill>
+                  <a:srgbClr val="FFFFFF"/>
+                </a:solidFill>
+              </a:rPr>
+              <a:t>Layouts</a:t>
+            </a:r>
+          </a:p>
+        </p:txBody>
+      </p:sp>
+      <p:sp>
+        <p:nvSpPr>
+          <p:cNvPr id="5" name="Text Placeholder 4">
+            <a:extLst>
+              <a:ext uri="{FF2B5EF4-FFF2-40B4-BE49-F238E27FC236}">
+                <a16:creationId xmlns:a16="http://schemas.microsoft.com/office/drawing/2014/main" id="{3C332F20-34EA-4D53-8695-413F791CF2D1}"/>
+              </a:ext>
+            </a:extLst>
+          </p:cNvPr>
+          <p:cNvSpPr>
+            <a:spLocks noGrp="1"/>
+          </p:cNvSpPr>
+          <p:nvPr>
+            <p:ph type="body" idx="1"/>
+          </p:nvPr>
+        </p:nvSpPr>
+        <p:spPr/>
+        <p:txBody>
+          <a:bodyPr vert="horz" lIns="91440" tIns="45720" rIns="91440" bIns="45720" rtlCol="0" anchor="ctr">
+            <a:normAutofit/>
+          </a:bodyPr>
+          <a:lstStyle/>
+          <a:p>
+            <a:r>
+              <a:rPr lang="en-US" dirty="0"/>
+              <a:t>Demo</a:t>
+            </a:r>
+          </a:p>
+        </p:txBody>
+      </p:sp>
+      <p:graphicFrame>
+        <p:nvGraphicFramePr>
+          <p:cNvPr id="11" name="Content Placeholder 3">
+            <a:extLst>
+              <a:ext uri="{FF2B5EF4-FFF2-40B4-BE49-F238E27FC236}">
+                <a16:creationId xmlns:a16="http://schemas.microsoft.com/office/drawing/2014/main" id="{92944134-D722-44F1-9261-C4D27FC3CF1F}"/>
+              </a:ext>
+            </a:extLst>
+          </p:cNvPr>
+          <p:cNvGraphicFramePr>
+            <a:graphicFrameLocks/>
+          </p:cNvGraphicFramePr>
+          <p:nvPr/>
+        </p:nvGraphicFramePr>
+        <p:xfrm>
+          <a:off x="0" y="0"/>
+          <a:ext cx="12192000" cy="354564"/>
+        </p:xfrm>
+        <a:graphic>
+          <a:graphicData uri="http://schemas.openxmlformats.org/drawingml/2006/diagram">
+            <dgm:relIds xmlns:dgm="http://schemas.openxmlformats.org/drawingml/2006/diagram" xmlns:r="http://schemas.openxmlformats.org/officeDocument/2006/relationships" r:dm="rId2" r:lo="rId3" r:qs="rId4" r:cs="rId5"/>
+          </a:graphicData>
+        </a:graphic>
+      </p:graphicFrame>
+      <p:pic>
+        <p:nvPicPr>
+          <p:cNvPr id="6" name="Picture 5">
+            <a:extLst>
+              <a:ext uri="{FF2B5EF4-FFF2-40B4-BE49-F238E27FC236}">
+                <a16:creationId xmlns:a16="http://schemas.microsoft.com/office/drawing/2014/main" id="{F94753F2-98D1-4CBD-85FE-EA88A5ECDB5F}"/>
+              </a:ext>
+            </a:extLst>
+          </p:cNvPr>
+          <p:cNvPicPr>
+            <a:picLocks noChangeAspect="1"/>
+          </p:cNvPicPr>
+          <p:nvPr/>
+        </p:nvPicPr>
+        <p:blipFill>
+          <a:blip r:embed="rId7"/>
+          <a:stretch>
+            <a:fillRect/>
+          </a:stretch>
+        </p:blipFill>
+        <p:spPr>
+          <a:xfrm>
+            <a:off x="-1" y="-1"/>
+            <a:ext cx="12192000" cy="4646645"/>
+          </a:xfrm>
+          <a:prstGeom prst="rect">
+            <a:avLst/>
+          </a:prstGeom>
+        </p:spPr>
+      </p:pic>
+      <p:sp>
+        <p:nvSpPr>
+          <p:cNvPr id="15" name="Title 3">
+            <a:extLst>
+              <a:ext uri="{FF2B5EF4-FFF2-40B4-BE49-F238E27FC236}">
+                <a16:creationId xmlns:a16="http://schemas.microsoft.com/office/drawing/2014/main" id="{32B43D03-B7C0-4DB8-858A-1D1179732C57}"/>
+              </a:ext>
+            </a:extLst>
+          </p:cNvPr>
+          <p:cNvSpPr txBox="1">
+            <a:spLocks/>
+          </p:cNvSpPr>
+          <p:nvPr/>
+        </p:nvSpPr>
+        <p:spPr>
+          <a:xfrm>
+            <a:off x="1286933" y="977048"/>
+            <a:ext cx="9618133" cy="2960980"/>
+          </a:xfrm>
+          <a:prstGeom prst="rect">
+            <a:avLst/>
+          </a:prstGeom>
+        </p:spPr>
+        <p:txBody>
+          <a:bodyPr vert="horz" lIns="91440" tIns="45720" rIns="91440" bIns="45720" rtlCol="0" anchor="b">
+            <a:normAutofit/>
+          </a:bodyPr>
+          <a:lstStyle>
+            <a:lvl1pPr algn="r" defTabSz="914400" rtl="0" eaLnBrk="1" latinLnBrk="0" hangingPunct="1">
+              <a:lnSpc>
+                <a:spcPct val="80000"/>
+              </a:lnSpc>
+              <a:spcBef>
+                <a:spcPct val="0"/>
+              </a:spcBef>
+              <a:buNone/>
+              <a:defRPr sz="5000" b="0" kern="1200" cap="all" spc="200" baseline="0">
+                <a:solidFill>
+                  <a:schemeClr val="tx1">
+                    <a:lumMod val="95000"/>
+                    <a:lumOff val="5000"/>
+                  </a:schemeClr>
+                </a:solidFill>
+                <a:latin typeface="+mj-lt"/>
+                <a:ea typeface="+mj-ea"/>
+                <a:cs typeface="+mj-cs"/>
+              </a:defRPr>
+            </a:lvl1pPr>
+          </a:lstStyle>
+          <a:p>
+            <a:pPr algn="l"/>
+            <a:r>
+              <a:rPr lang="en-US" sz="6000" dirty="0">
+                <a:solidFill>
+                  <a:srgbClr val="FFFFFF"/>
+                </a:solidFill>
+              </a:rPr>
               <a:t>Share do aplikace</a:t>
             </a:r>
           </a:p>
@@ -45705,6 +52023,408 @@
   <p:clrMapOvr>
     <a:masterClrMapping/>
   </p:clrMapOvr>
+  <p:timing>
+    <p:tnLst>
+      <p:par>
+        <p:cTn id="1" dur="indefinite" restart="never" nodeType="tmRoot">
+          <p:childTnLst>
+            <p:seq concurrent="1" nextAc="seek">
+              <p:cTn id="2" dur="indefinite" nodeType="mainSeq">
+                <p:childTnLst>
+                  <p:par>
+                    <p:cTn id="3" fill="hold">
+                      <p:stCondLst>
+                        <p:cond delay="indefinite"/>
+                      </p:stCondLst>
+                      <p:childTnLst>
+                        <p:par>
+                          <p:cTn id="4" fill="hold">
+                            <p:stCondLst>
+                              <p:cond delay="0"/>
+                            </p:stCondLst>
+                            <p:childTnLst>
+                              <p:par>
+                                <p:cTn id="5" presetID="1" presetClass="entr" presetSubtype="0" fill="hold" grpId="0" nodeType="clickEffect">
+                                  <p:stCondLst>
+                                    <p:cond delay="0"/>
+                                  </p:stCondLst>
+                                  <p:childTnLst>
+                                    <p:set>
+                                      <p:cBhvr>
+                                        <p:cTn id="6" dur="1" fill="hold">
+                                          <p:stCondLst>
+                                            <p:cond delay="0"/>
+                                          </p:stCondLst>
+                                        </p:cTn>
+                                        <p:tgtEl>
+                                          <p:spTgt spid="3">
+                                            <p:txEl>
+                                              <p:pRg st="0" end="0"/>
+                                            </p:txEl>
+                                          </p:spTgt>
+                                        </p:tgtEl>
+                                        <p:attrNameLst>
+                                          <p:attrName>style.visibility</p:attrName>
+                                        </p:attrNameLst>
+                                      </p:cBhvr>
+                                      <p:to>
+                                        <p:strVal val="visible"/>
+                                      </p:to>
+                                    </p:set>
+                                  </p:childTnLst>
+                                </p:cTn>
+                              </p:par>
+                            </p:childTnLst>
+                          </p:cTn>
+                        </p:par>
+                      </p:childTnLst>
+                    </p:cTn>
+                  </p:par>
+                  <p:par>
+                    <p:cTn id="7" fill="hold">
+                      <p:stCondLst>
+                        <p:cond delay="indefinite"/>
+                      </p:stCondLst>
+                      <p:childTnLst>
+                        <p:par>
+                          <p:cTn id="8" fill="hold">
+                            <p:stCondLst>
+                              <p:cond delay="0"/>
+                            </p:stCondLst>
+                            <p:childTnLst>
+                              <p:par>
+                                <p:cTn id="9" presetID="1" presetClass="entr" presetSubtype="0" fill="hold" grpId="0" nodeType="clickEffect">
+                                  <p:stCondLst>
+                                    <p:cond delay="0"/>
+                                  </p:stCondLst>
+                                  <p:childTnLst>
+                                    <p:set>
+                                      <p:cBhvr>
+                                        <p:cTn id="10" dur="1" fill="hold">
+                                          <p:stCondLst>
+                                            <p:cond delay="0"/>
+                                          </p:stCondLst>
+                                        </p:cTn>
+                                        <p:tgtEl>
+                                          <p:spTgt spid="3">
+                                            <p:txEl>
+                                              <p:pRg st="1" end="1"/>
+                                            </p:txEl>
+                                          </p:spTgt>
+                                        </p:tgtEl>
+                                        <p:attrNameLst>
+                                          <p:attrName>style.visibility</p:attrName>
+                                        </p:attrNameLst>
+                                      </p:cBhvr>
+                                      <p:to>
+                                        <p:strVal val="visible"/>
+                                      </p:to>
+                                    </p:set>
+                                  </p:childTnLst>
+                                </p:cTn>
+                              </p:par>
+                              <p:par>
+                                <p:cTn id="11" presetID="1" presetClass="entr" presetSubtype="0" fill="hold" grpId="0" nodeType="withEffect">
+                                  <p:stCondLst>
+                                    <p:cond delay="0"/>
+                                  </p:stCondLst>
+                                  <p:childTnLst>
+                                    <p:set>
+                                      <p:cBhvr>
+                                        <p:cTn id="12" dur="1" fill="hold">
+                                          <p:stCondLst>
+                                            <p:cond delay="0"/>
+                                          </p:stCondLst>
+                                        </p:cTn>
+                                        <p:tgtEl>
+                                          <p:spTgt spid="3">
+                                            <p:txEl>
+                                              <p:pRg st="2" end="2"/>
+                                            </p:txEl>
+                                          </p:spTgt>
+                                        </p:tgtEl>
+                                        <p:attrNameLst>
+                                          <p:attrName>style.visibility</p:attrName>
+                                        </p:attrNameLst>
+                                      </p:cBhvr>
+                                      <p:to>
+                                        <p:strVal val="visible"/>
+                                      </p:to>
+                                    </p:set>
+                                  </p:childTnLst>
+                                </p:cTn>
+                              </p:par>
+                            </p:childTnLst>
+                          </p:cTn>
+                        </p:par>
+                      </p:childTnLst>
+                    </p:cTn>
+                  </p:par>
+                  <p:par>
+                    <p:cTn id="13" fill="hold">
+                      <p:stCondLst>
+                        <p:cond delay="indefinite"/>
+                      </p:stCondLst>
+                      <p:childTnLst>
+                        <p:par>
+                          <p:cTn id="14" fill="hold">
+                            <p:stCondLst>
+                              <p:cond delay="0"/>
+                            </p:stCondLst>
+                            <p:childTnLst>
+                              <p:par>
+                                <p:cTn id="15" presetID="1" presetClass="entr" presetSubtype="0" fill="hold" grpId="0" nodeType="clickEffect">
+                                  <p:stCondLst>
+                                    <p:cond delay="0"/>
+                                  </p:stCondLst>
+                                  <p:childTnLst>
+                                    <p:set>
+                                      <p:cBhvr>
+                                        <p:cTn id="16" dur="1" fill="hold">
+                                          <p:stCondLst>
+                                            <p:cond delay="0"/>
+                                          </p:stCondLst>
+                                        </p:cTn>
+                                        <p:tgtEl>
+                                          <p:spTgt spid="3">
+                                            <p:txEl>
+                                              <p:pRg st="3" end="3"/>
+                                            </p:txEl>
+                                          </p:spTgt>
+                                        </p:tgtEl>
+                                        <p:attrNameLst>
+                                          <p:attrName>style.visibility</p:attrName>
+                                        </p:attrNameLst>
+                                      </p:cBhvr>
+                                      <p:to>
+                                        <p:strVal val="visible"/>
+                                      </p:to>
+                                    </p:set>
+                                  </p:childTnLst>
+                                </p:cTn>
+                              </p:par>
+                              <p:par>
+                                <p:cTn id="17" presetID="1" presetClass="entr" presetSubtype="0" fill="hold" grpId="0" nodeType="withEffect">
+                                  <p:stCondLst>
+                                    <p:cond delay="0"/>
+                                  </p:stCondLst>
+                                  <p:childTnLst>
+                                    <p:set>
+                                      <p:cBhvr>
+                                        <p:cTn id="18" dur="1" fill="hold">
+                                          <p:stCondLst>
+                                            <p:cond delay="0"/>
+                                          </p:stCondLst>
+                                        </p:cTn>
+                                        <p:tgtEl>
+                                          <p:spTgt spid="3">
+                                            <p:txEl>
+                                              <p:pRg st="4" end="4"/>
+                                            </p:txEl>
+                                          </p:spTgt>
+                                        </p:tgtEl>
+                                        <p:attrNameLst>
+                                          <p:attrName>style.visibility</p:attrName>
+                                        </p:attrNameLst>
+                                      </p:cBhvr>
+                                      <p:to>
+                                        <p:strVal val="visible"/>
+                                      </p:to>
+                                    </p:set>
+                                  </p:childTnLst>
+                                </p:cTn>
+                              </p:par>
+                              <p:par>
+                                <p:cTn id="19" presetID="1" presetClass="entr" presetSubtype="0" fill="hold" grpId="0" nodeType="withEffect">
+                                  <p:stCondLst>
+                                    <p:cond delay="0"/>
+                                  </p:stCondLst>
+                                  <p:childTnLst>
+                                    <p:set>
+                                      <p:cBhvr>
+                                        <p:cTn id="20" dur="1" fill="hold">
+                                          <p:stCondLst>
+                                            <p:cond delay="0"/>
+                                          </p:stCondLst>
+                                        </p:cTn>
+                                        <p:tgtEl>
+                                          <p:spTgt spid="3">
+                                            <p:txEl>
+                                              <p:pRg st="5" end="5"/>
+                                            </p:txEl>
+                                          </p:spTgt>
+                                        </p:tgtEl>
+                                        <p:attrNameLst>
+                                          <p:attrName>style.visibility</p:attrName>
+                                        </p:attrNameLst>
+                                      </p:cBhvr>
+                                      <p:to>
+                                        <p:strVal val="visible"/>
+                                      </p:to>
+                                    </p:set>
+                                  </p:childTnLst>
+                                </p:cTn>
+                              </p:par>
+                              <p:par>
+                                <p:cTn id="21" presetID="1" presetClass="entr" presetSubtype="0" fill="hold" grpId="0" nodeType="withEffect">
+                                  <p:stCondLst>
+                                    <p:cond delay="0"/>
+                                  </p:stCondLst>
+                                  <p:childTnLst>
+                                    <p:set>
+                                      <p:cBhvr>
+                                        <p:cTn id="22" dur="1" fill="hold">
+                                          <p:stCondLst>
+                                            <p:cond delay="0"/>
+                                          </p:stCondLst>
+                                        </p:cTn>
+                                        <p:tgtEl>
+                                          <p:spTgt spid="3">
+                                            <p:txEl>
+                                              <p:pRg st="6" end="6"/>
+                                            </p:txEl>
+                                          </p:spTgt>
+                                        </p:tgtEl>
+                                        <p:attrNameLst>
+                                          <p:attrName>style.visibility</p:attrName>
+                                        </p:attrNameLst>
+                                      </p:cBhvr>
+                                      <p:to>
+                                        <p:strVal val="visible"/>
+                                      </p:to>
+                                    </p:set>
+                                  </p:childTnLst>
+                                </p:cTn>
+                              </p:par>
+                            </p:childTnLst>
+                          </p:cTn>
+                        </p:par>
+                      </p:childTnLst>
+                    </p:cTn>
+                  </p:par>
+                  <p:par>
+                    <p:cTn id="23" fill="hold">
+                      <p:stCondLst>
+                        <p:cond delay="indefinite"/>
+                      </p:stCondLst>
+                      <p:childTnLst>
+                        <p:par>
+                          <p:cTn id="24" fill="hold">
+                            <p:stCondLst>
+                              <p:cond delay="0"/>
+                            </p:stCondLst>
+                            <p:childTnLst>
+                              <p:par>
+                                <p:cTn id="25" presetID="1" presetClass="entr" presetSubtype="0" fill="hold" grpId="0" nodeType="clickEffect">
+                                  <p:stCondLst>
+                                    <p:cond delay="0"/>
+                                  </p:stCondLst>
+                                  <p:childTnLst>
+                                    <p:set>
+                                      <p:cBhvr>
+                                        <p:cTn id="26" dur="1" fill="hold">
+                                          <p:stCondLst>
+                                            <p:cond delay="0"/>
+                                          </p:stCondLst>
+                                        </p:cTn>
+                                        <p:tgtEl>
+                                          <p:spTgt spid="3">
+                                            <p:txEl>
+                                              <p:pRg st="7" end="7"/>
+                                            </p:txEl>
+                                          </p:spTgt>
+                                        </p:tgtEl>
+                                        <p:attrNameLst>
+                                          <p:attrName>style.visibility</p:attrName>
+                                        </p:attrNameLst>
+                                      </p:cBhvr>
+                                      <p:to>
+                                        <p:strVal val="visible"/>
+                                      </p:to>
+                                    </p:set>
+                                  </p:childTnLst>
+                                </p:cTn>
+                              </p:par>
+                            </p:childTnLst>
+                          </p:cTn>
+                        </p:par>
+                      </p:childTnLst>
+                    </p:cTn>
+                  </p:par>
+                  <p:par>
+                    <p:cTn id="27" fill="hold">
+                      <p:stCondLst>
+                        <p:cond delay="indefinite"/>
+                      </p:stCondLst>
+                      <p:childTnLst>
+                        <p:par>
+                          <p:cTn id="28" fill="hold">
+                            <p:stCondLst>
+                              <p:cond delay="0"/>
+                            </p:stCondLst>
+                            <p:childTnLst>
+                              <p:par>
+                                <p:cTn id="29" presetID="1" presetClass="entr" presetSubtype="0" fill="hold" grpId="0" nodeType="clickEffect">
+                                  <p:stCondLst>
+                                    <p:cond delay="0"/>
+                                  </p:stCondLst>
+                                  <p:childTnLst>
+                                    <p:set>
+                                      <p:cBhvr>
+                                        <p:cTn id="30" dur="1" fill="hold">
+                                          <p:stCondLst>
+                                            <p:cond delay="0"/>
+                                          </p:stCondLst>
+                                        </p:cTn>
+                                        <p:tgtEl>
+                                          <p:spTgt spid="3">
+                                            <p:txEl>
+                                              <p:pRg st="8" end="8"/>
+                                            </p:txEl>
+                                          </p:spTgt>
+                                        </p:tgtEl>
+                                        <p:attrNameLst>
+                                          <p:attrName>style.visibility</p:attrName>
+                                        </p:attrNameLst>
+                                      </p:cBhvr>
+                                      <p:to>
+                                        <p:strVal val="visible"/>
+                                      </p:to>
+                                    </p:set>
+                                  </p:childTnLst>
+                                </p:cTn>
+                              </p:par>
+                            </p:childTnLst>
+                          </p:cTn>
+                        </p:par>
+                      </p:childTnLst>
+                    </p:cTn>
+                  </p:par>
+                </p:childTnLst>
+              </p:cTn>
+              <p:prevCondLst>
+                <p:cond evt="onPrev" delay="0">
+                  <p:tgtEl>
+                    <p:sldTgt/>
+                  </p:tgtEl>
+                </p:cond>
+              </p:prevCondLst>
+              <p:nextCondLst>
+                <p:cond evt="onNext" delay="0">
+                  <p:tgtEl>
+                    <p:sldTgt/>
+                  </p:tgtEl>
+                </p:cond>
+              </p:nextCondLst>
+            </p:seq>
+          </p:childTnLst>
+        </p:cTn>
+      </p:par>
+    </p:tnLst>
+    <p:bldLst>
+      <p:bldP spid="3" grpId="0" build="p"/>
+    </p:bldLst>
+  </p:timing>
 </p:sld>
 </file>
 
@@ -46154,6 +52874,452 @@
   <p:clrMapOvr>
     <a:masterClrMapping/>
   </p:clrMapOvr>
+  <p:timing>
+    <p:tnLst>
+      <p:par>
+        <p:cTn id="1" dur="indefinite" restart="never" nodeType="tmRoot">
+          <p:childTnLst>
+            <p:seq concurrent="1" nextAc="seek">
+              <p:cTn id="2" dur="indefinite" nodeType="mainSeq">
+                <p:childTnLst>
+                  <p:par>
+                    <p:cTn id="3" fill="hold">
+                      <p:stCondLst>
+                        <p:cond delay="indefinite"/>
+                      </p:stCondLst>
+                      <p:childTnLst>
+                        <p:par>
+                          <p:cTn id="4" fill="hold">
+                            <p:stCondLst>
+                              <p:cond delay="0"/>
+                            </p:stCondLst>
+                            <p:childTnLst>
+                              <p:par>
+                                <p:cTn id="5" presetID="1" presetClass="entr" presetSubtype="0" fill="hold" grpId="0" nodeType="clickEffect">
+                                  <p:stCondLst>
+                                    <p:cond delay="0"/>
+                                  </p:stCondLst>
+                                  <p:childTnLst>
+                                    <p:set>
+                                      <p:cBhvr>
+                                        <p:cTn id="6" dur="1" fill="hold">
+                                          <p:stCondLst>
+                                            <p:cond delay="0"/>
+                                          </p:stCondLst>
+                                        </p:cTn>
+                                        <p:tgtEl>
+                                          <p:spTgt spid="3">
+                                            <p:txEl>
+                                              <p:pRg st="0" end="0"/>
+                                            </p:txEl>
+                                          </p:spTgt>
+                                        </p:tgtEl>
+                                        <p:attrNameLst>
+                                          <p:attrName>style.visibility</p:attrName>
+                                        </p:attrNameLst>
+                                      </p:cBhvr>
+                                      <p:to>
+                                        <p:strVal val="visible"/>
+                                      </p:to>
+                                    </p:set>
+                                  </p:childTnLst>
+                                </p:cTn>
+                              </p:par>
+                              <p:par>
+                                <p:cTn id="7" presetID="1" presetClass="entr" presetSubtype="0" fill="hold" grpId="0" nodeType="withEffect">
+                                  <p:stCondLst>
+                                    <p:cond delay="0"/>
+                                  </p:stCondLst>
+                                  <p:childTnLst>
+                                    <p:set>
+                                      <p:cBhvr>
+                                        <p:cTn id="8" dur="1" fill="hold">
+                                          <p:stCondLst>
+                                            <p:cond delay="0"/>
+                                          </p:stCondLst>
+                                        </p:cTn>
+                                        <p:tgtEl>
+                                          <p:spTgt spid="3">
+                                            <p:txEl>
+                                              <p:pRg st="1" end="1"/>
+                                            </p:txEl>
+                                          </p:spTgt>
+                                        </p:tgtEl>
+                                        <p:attrNameLst>
+                                          <p:attrName>style.visibility</p:attrName>
+                                        </p:attrNameLst>
+                                      </p:cBhvr>
+                                      <p:to>
+                                        <p:strVal val="visible"/>
+                                      </p:to>
+                                    </p:set>
+                                  </p:childTnLst>
+                                </p:cTn>
+                              </p:par>
+                              <p:par>
+                                <p:cTn id="9" presetID="1" presetClass="entr" presetSubtype="0" fill="hold" grpId="0" nodeType="withEffect">
+                                  <p:stCondLst>
+                                    <p:cond delay="0"/>
+                                  </p:stCondLst>
+                                  <p:childTnLst>
+                                    <p:set>
+                                      <p:cBhvr>
+                                        <p:cTn id="10" dur="1" fill="hold">
+                                          <p:stCondLst>
+                                            <p:cond delay="0"/>
+                                          </p:stCondLst>
+                                        </p:cTn>
+                                        <p:tgtEl>
+                                          <p:spTgt spid="3">
+                                            <p:txEl>
+                                              <p:pRg st="2" end="2"/>
+                                            </p:txEl>
+                                          </p:spTgt>
+                                        </p:tgtEl>
+                                        <p:attrNameLst>
+                                          <p:attrName>style.visibility</p:attrName>
+                                        </p:attrNameLst>
+                                      </p:cBhvr>
+                                      <p:to>
+                                        <p:strVal val="visible"/>
+                                      </p:to>
+                                    </p:set>
+                                  </p:childTnLst>
+                                </p:cTn>
+                              </p:par>
+                            </p:childTnLst>
+                          </p:cTn>
+                        </p:par>
+                      </p:childTnLst>
+                    </p:cTn>
+                  </p:par>
+                  <p:par>
+                    <p:cTn id="11" fill="hold">
+                      <p:stCondLst>
+                        <p:cond delay="indefinite"/>
+                      </p:stCondLst>
+                      <p:childTnLst>
+                        <p:par>
+                          <p:cTn id="12" fill="hold">
+                            <p:stCondLst>
+                              <p:cond delay="0"/>
+                            </p:stCondLst>
+                            <p:childTnLst>
+                              <p:par>
+                                <p:cTn id="13" presetID="1" presetClass="entr" presetSubtype="0" fill="hold" grpId="0" nodeType="clickEffect">
+                                  <p:stCondLst>
+                                    <p:cond delay="0"/>
+                                  </p:stCondLst>
+                                  <p:childTnLst>
+                                    <p:set>
+                                      <p:cBhvr>
+                                        <p:cTn id="14" dur="1" fill="hold">
+                                          <p:stCondLst>
+                                            <p:cond delay="0"/>
+                                          </p:stCondLst>
+                                        </p:cTn>
+                                        <p:tgtEl>
+                                          <p:spTgt spid="3">
+                                            <p:txEl>
+                                              <p:pRg st="3" end="3"/>
+                                            </p:txEl>
+                                          </p:spTgt>
+                                        </p:tgtEl>
+                                        <p:attrNameLst>
+                                          <p:attrName>style.visibility</p:attrName>
+                                        </p:attrNameLst>
+                                      </p:cBhvr>
+                                      <p:to>
+                                        <p:strVal val="visible"/>
+                                      </p:to>
+                                    </p:set>
+                                  </p:childTnLst>
+                                </p:cTn>
+                              </p:par>
+                              <p:par>
+                                <p:cTn id="15" presetID="1" presetClass="entr" presetSubtype="0" fill="hold" grpId="0" nodeType="withEffect">
+                                  <p:stCondLst>
+                                    <p:cond delay="0"/>
+                                  </p:stCondLst>
+                                  <p:childTnLst>
+                                    <p:set>
+                                      <p:cBhvr>
+                                        <p:cTn id="16" dur="1" fill="hold">
+                                          <p:stCondLst>
+                                            <p:cond delay="0"/>
+                                          </p:stCondLst>
+                                        </p:cTn>
+                                        <p:tgtEl>
+                                          <p:spTgt spid="3">
+                                            <p:txEl>
+                                              <p:pRg st="4" end="4"/>
+                                            </p:txEl>
+                                          </p:spTgt>
+                                        </p:tgtEl>
+                                        <p:attrNameLst>
+                                          <p:attrName>style.visibility</p:attrName>
+                                        </p:attrNameLst>
+                                      </p:cBhvr>
+                                      <p:to>
+                                        <p:strVal val="visible"/>
+                                      </p:to>
+                                    </p:set>
+                                  </p:childTnLst>
+                                </p:cTn>
+                              </p:par>
+                              <p:par>
+                                <p:cTn id="17" presetID="1" presetClass="entr" presetSubtype="0" fill="hold" grpId="0" nodeType="withEffect">
+                                  <p:stCondLst>
+                                    <p:cond delay="0"/>
+                                  </p:stCondLst>
+                                  <p:childTnLst>
+                                    <p:set>
+                                      <p:cBhvr>
+                                        <p:cTn id="18" dur="1" fill="hold">
+                                          <p:stCondLst>
+                                            <p:cond delay="0"/>
+                                          </p:stCondLst>
+                                        </p:cTn>
+                                        <p:tgtEl>
+                                          <p:spTgt spid="3">
+                                            <p:txEl>
+                                              <p:pRg st="5" end="5"/>
+                                            </p:txEl>
+                                          </p:spTgt>
+                                        </p:tgtEl>
+                                        <p:attrNameLst>
+                                          <p:attrName>style.visibility</p:attrName>
+                                        </p:attrNameLst>
+                                      </p:cBhvr>
+                                      <p:to>
+                                        <p:strVal val="visible"/>
+                                      </p:to>
+                                    </p:set>
+                                  </p:childTnLst>
+                                </p:cTn>
+                              </p:par>
+                              <p:par>
+                                <p:cTn id="19" presetID="1" presetClass="entr" presetSubtype="0" fill="hold" grpId="0" nodeType="withEffect">
+                                  <p:stCondLst>
+                                    <p:cond delay="0"/>
+                                  </p:stCondLst>
+                                  <p:childTnLst>
+                                    <p:set>
+                                      <p:cBhvr>
+                                        <p:cTn id="20" dur="1" fill="hold">
+                                          <p:stCondLst>
+                                            <p:cond delay="0"/>
+                                          </p:stCondLst>
+                                        </p:cTn>
+                                        <p:tgtEl>
+                                          <p:spTgt spid="3">
+                                            <p:txEl>
+                                              <p:pRg st="6" end="6"/>
+                                            </p:txEl>
+                                          </p:spTgt>
+                                        </p:tgtEl>
+                                        <p:attrNameLst>
+                                          <p:attrName>style.visibility</p:attrName>
+                                        </p:attrNameLst>
+                                      </p:cBhvr>
+                                      <p:to>
+                                        <p:strVal val="visible"/>
+                                      </p:to>
+                                    </p:set>
+                                  </p:childTnLst>
+                                </p:cTn>
+                              </p:par>
+                            </p:childTnLst>
+                          </p:cTn>
+                        </p:par>
+                      </p:childTnLst>
+                    </p:cTn>
+                  </p:par>
+                  <p:par>
+                    <p:cTn id="21" fill="hold">
+                      <p:stCondLst>
+                        <p:cond delay="indefinite"/>
+                      </p:stCondLst>
+                      <p:childTnLst>
+                        <p:par>
+                          <p:cTn id="22" fill="hold">
+                            <p:stCondLst>
+                              <p:cond delay="0"/>
+                            </p:stCondLst>
+                            <p:childTnLst>
+                              <p:par>
+                                <p:cTn id="23" presetID="1" presetClass="entr" presetSubtype="0" fill="hold" grpId="0" nodeType="clickEffect">
+                                  <p:stCondLst>
+                                    <p:cond delay="0"/>
+                                  </p:stCondLst>
+                                  <p:childTnLst>
+                                    <p:set>
+                                      <p:cBhvr>
+                                        <p:cTn id="24" dur="1" fill="hold">
+                                          <p:stCondLst>
+                                            <p:cond delay="0"/>
+                                          </p:stCondLst>
+                                        </p:cTn>
+                                        <p:tgtEl>
+                                          <p:spTgt spid="3">
+                                            <p:txEl>
+                                              <p:pRg st="7" end="7"/>
+                                            </p:txEl>
+                                          </p:spTgt>
+                                        </p:tgtEl>
+                                        <p:attrNameLst>
+                                          <p:attrName>style.visibility</p:attrName>
+                                        </p:attrNameLst>
+                                      </p:cBhvr>
+                                      <p:to>
+                                        <p:strVal val="visible"/>
+                                      </p:to>
+                                    </p:set>
+                                  </p:childTnLst>
+                                </p:cTn>
+                              </p:par>
+                              <p:par>
+                                <p:cTn id="25" presetID="1" presetClass="entr" presetSubtype="0" fill="hold" grpId="0" nodeType="withEffect">
+                                  <p:stCondLst>
+                                    <p:cond delay="0"/>
+                                  </p:stCondLst>
+                                  <p:childTnLst>
+                                    <p:set>
+                                      <p:cBhvr>
+                                        <p:cTn id="26" dur="1" fill="hold">
+                                          <p:stCondLst>
+                                            <p:cond delay="0"/>
+                                          </p:stCondLst>
+                                        </p:cTn>
+                                        <p:tgtEl>
+                                          <p:spTgt spid="3">
+                                            <p:txEl>
+                                              <p:pRg st="8" end="8"/>
+                                            </p:txEl>
+                                          </p:spTgt>
+                                        </p:tgtEl>
+                                        <p:attrNameLst>
+                                          <p:attrName>style.visibility</p:attrName>
+                                        </p:attrNameLst>
+                                      </p:cBhvr>
+                                      <p:to>
+                                        <p:strVal val="visible"/>
+                                      </p:to>
+                                    </p:set>
+                                  </p:childTnLst>
+                                </p:cTn>
+                              </p:par>
+                            </p:childTnLst>
+                          </p:cTn>
+                        </p:par>
+                      </p:childTnLst>
+                    </p:cTn>
+                  </p:par>
+                  <p:par>
+                    <p:cTn id="27" fill="hold">
+                      <p:stCondLst>
+                        <p:cond delay="indefinite"/>
+                      </p:stCondLst>
+                      <p:childTnLst>
+                        <p:par>
+                          <p:cTn id="28" fill="hold">
+                            <p:stCondLst>
+                              <p:cond delay="0"/>
+                            </p:stCondLst>
+                            <p:childTnLst>
+                              <p:par>
+                                <p:cTn id="29" presetID="1" presetClass="entr" presetSubtype="0" fill="hold" grpId="0" nodeType="clickEffect">
+                                  <p:stCondLst>
+                                    <p:cond delay="0"/>
+                                  </p:stCondLst>
+                                  <p:childTnLst>
+                                    <p:set>
+                                      <p:cBhvr>
+                                        <p:cTn id="30" dur="1" fill="hold">
+                                          <p:stCondLst>
+                                            <p:cond delay="0"/>
+                                          </p:stCondLst>
+                                        </p:cTn>
+                                        <p:tgtEl>
+                                          <p:spTgt spid="3">
+                                            <p:txEl>
+                                              <p:pRg st="9" end="9"/>
+                                            </p:txEl>
+                                          </p:spTgt>
+                                        </p:tgtEl>
+                                        <p:attrNameLst>
+                                          <p:attrName>style.visibility</p:attrName>
+                                        </p:attrNameLst>
+                                      </p:cBhvr>
+                                      <p:to>
+                                        <p:strVal val="visible"/>
+                                      </p:to>
+                                    </p:set>
+                                  </p:childTnLst>
+                                </p:cTn>
+                              </p:par>
+                              <p:par>
+                                <p:cTn id="31" presetID="1" presetClass="entr" presetSubtype="0" fill="hold" grpId="0" nodeType="withEffect">
+                                  <p:stCondLst>
+                                    <p:cond delay="0"/>
+                                  </p:stCondLst>
+                                  <p:childTnLst>
+                                    <p:set>
+                                      <p:cBhvr>
+                                        <p:cTn id="32" dur="1" fill="hold">
+                                          <p:stCondLst>
+                                            <p:cond delay="0"/>
+                                          </p:stCondLst>
+                                        </p:cTn>
+                                        <p:tgtEl>
+                                          <p:spTgt spid="3">
+                                            <p:txEl>
+                                              <p:pRg st="10" end="10"/>
+                                            </p:txEl>
+                                          </p:spTgt>
+                                        </p:tgtEl>
+                                        <p:attrNameLst>
+                                          <p:attrName>style.visibility</p:attrName>
+                                        </p:attrNameLst>
+                                      </p:cBhvr>
+                                      <p:to>
+                                        <p:strVal val="visible"/>
+                                      </p:to>
+                                    </p:set>
+                                  </p:childTnLst>
+                                </p:cTn>
+                              </p:par>
+                            </p:childTnLst>
+                          </p:cTn>
+                        </p:par>
+                      </p:childTnLst>
+                    </p:cTn>
+                  </p:par>
+                </p:childTnLst>
+              </p:cTn>
+              <p:prevCondLst>
+                <p:cond evt="onPrev" delay="0">
+                  <p:tgtEl>
+                    <p:sldTgt/>
+                  </p:tgtEl>
+                </p:cond>
+              </p:prevCondLst>
+              <p:nextCondLst>
+                <p:cond evt="onNext" delay="0">
+                  <p:tgtEl>
+                    <p:sldTgt/>
+                  </p:tgtEl>
+                </p:cond>
+              </p:nextCondLst>
+            </p:seq>
+          </p:childTnLst>
+        </p:cTn>
+      </p:par>
+    </p:tnLst>
+    <p:bldLst>
+      <p:bldP spid="3" grpId="0" build="p"/>
+    </p:bldLst>
+  </p:timing>
 </p:sld>
 </file>
 

--- a/07_Bonus/PV239-Xamarin-07_Bonus.pptx
+++ b/07_Bonus/PV239-Xamarin-07_Bonus.pptx
@@ -15,10 +15,10 @@
     <p:sldId id="408" r:id="rId6"/>
     <p:sldId id="414" r:id="rId7"/>
     <p:sldId id="409" r:id="rId8"/>
-    <p:sldId id="418" r:id="rId9"/>
-    <p:sldId id="421" r:id="rId10"/>
-    <p:sldId id="419" r:id="rId11"/>
-    <p:sldId id="422" r:id="rId12"/>
+    <p:sldId id="419" r:id="rId9"/>
+    <p:sldId id="422" r:id="rId10"/>
+    <p:sldId id="418" r:id="rId11"/>
+    <p:sldId id="421" r:id="rId12"/>
     <p:sldId id="420" r:id="rId13"/>
     <p:sldId id="423" r:id="rId14"/>
     <p:sldId id="425" r:id="rId15"/>
@@ -147,10 +147,10 @@
         </p14:section>
         <p14:section name="Užitečné nástroje" id="{AFEBFAF9-DC2E-4ACD-B1AE-DBF3B3CAFF73}">
           <p14:sldIdLst>
+            <p14:sldId id="419"/>
+            <p14:sldId id="422"/>
             <p14:sldId id="418"/>
             <p14:sldId id="421"/>
-            <p14:sldId id="419"/>
-            <p14:sldId id="422"/>
             <p14:sldId id="420"/>
             <p14:sldId id="423"/>
           </p14:sldIdLst>
@@ -44663,7 +44663,7 @@
           <p:cNvPr id="2" name="Title 1">
             <a:extLst>
               <a:ext uri="{FF2B5EF4-FFF2-40B4-BE49-F238E27FC236}">
-                <a16:creationId xmlns:a16="http://schemas.microsoft.com/office/drawing/2014/main" id="{0103BE05-8EF7-4510-9EFA-506F351DB22A}"/>
+                <a16:creationId xmlns:a16="http://schemas.microsoft.com/office/drawing/2014/main" id="{998C28BD-DA8B-42D2-91AD-871797D664C5}"/>
               </a:ext>
             </a:extLst>
           </p:cNvPr>
@@ -44680,18 +44680,9 @@
           <a:lstStyle/>
           <a:p>
             <a:r>
-              <a:rPr lang="sk-SK" dirty="0" err="1"/>
-              <a:t>Užitečné</a:t>
-            </a:r>
-            <a:r>
-              <a:rPr lang="sk-SK" dirty="0"/>
-              <a:t> nástroje – </a:t>
-            </a:r>
-            <a:r>
-              <a:rPr lang="sk-SK" dirty="0" err="1"/>
-              <a:t>debuggování</a:t>
-            </a:r>
-            <a:endParaRPr lang="en-US" dirty="0"/>
+              <a:rPr lang="cs-CZ" dirty="0"/>
+              <a:t>Užitečné nástroje – práce s telefonem</a:t>
+            </a:r>
           </a:p>
         </p:txBody>
       </p:sp>
@@ -44700,7 +44691,7 @@
           <p:cNvPr id="3" name="Content Placeholder 2">
             <a:extLst>
               <a:ext uri="{FF2B5EF4-FFF2-40B4-BE49-F238E27FC236}">
-                <a16:creationId xmlns:a16="http://schemas.microsoft.com/office/drawing/2014/main" id="{B79E931B-E621-4BB7-B0EB-4BD6348699F1}"/>
+                <a16:creationId xmlns:a16="http://schemas.microsoft.com/office/drawing/2014/main" id="{8C995FE1-285B-4A4A-A1F4-5D590309D79D}"/>
               </a:ext>
             </a:extLst>
           </p:cNvPr>
@@ -44713,7 +44704,9 @@
         </p:nvSpPr>
         <p:spPr/>
         <p:txBody>
-          <a:bodyPr/>
+          <a:bodyPr>
+            <a:normAutofit lnSpcReduction="10000"/>
+          </a:bodyPr>
           <a:lstStyle/>
           <a:p>
             <a:pPr>
@@ -44722,19 +44715,21 @@
             </a:pPr>
             <a:r>
               <a:rPr lang="sk-SK" dirty="0"/>
-              <a:t> XAML </a:t>
+              <a:t> </a:t>
             </a:r>
             <a:r>
               <a:rPr lang="sk-SK" dirty="0" err="1"/>
-              <a:t>Binding</a:t>
+              <a:t>scrcpy</a:t>
             </a:r>
             <a:r>
               <a:rPr lang="sk-SK" dirty="0"/>
-              <a:t> </a:t>
-            </a:r>
-            <a:r>
-              <a:rPr lang="sk-SK" dirty="0" err="1"/>
-              <a:t>Failures</a:t>
+              <a:t> - </a:t>
+            </a:r>
+            <a:r>
+              <a:rPr lang="sk-SK" dirty="0">
+                <a:hlinkClick r:id="rId2"/>
+              </a:rPr>
+              <a:t>https://github.com/Genymobile/scrcpy</a:t>
             </a:r>
             <a:endParaRPr lang="sk-SK" dirty="0"/>
           </a:p>
@@ -44744,12 +44739,24 @@
               <a:buChar char="•"/>
             </a:pPr>
             <a:r>
+              <a:rPr lang="sk-SK" dirty="0" err="1"/>
+              <a:t>Zobrazování</a:t>
+            </a:r>
+            <a:r>
               <a:rPr lang="sk-SK" dirty="0"/>
-              <a:t>Zobrazí chyby v </a:t>
+              <a:t> obrazovky </a:t>
             </a:r>
             <a:r>
               <a:rPr lang="sk-SK" dirty="0" err="1"/>
-              <a:t>bindingu</a:t>
+              <a:t>telefonu</a:t>
+            </a:r>
+            <a:r>
+              <a:rPr lang="sk-SK" dirty="0"/>
+              <a:t> na PC + </a:t>
+            </a:r>
+            <a:r>
+              <a:rPr lang="sk-SK" dirty="0" err="1"/>
+              <a:t>možnost</a:t>
             </a:r>
             <a:r>
               <a:rPr lang="sk-SK" dirty="0"/>
@@ -44757,23 +44764,131 @@
             </a:r>
             <a:r>
               <a:rPr lang="sk-SK" dirty="0" err="1"/>
-              <a:t>při</a:t>
-            </a:r>
+              <a:t>interakce</a:t>
+            </a:r>
+            <a:endParaRPr lang="sk-SK" dirty="0"/>
+          </a:p>
+          <a:p>
+            <a:pPr lvl="1">
+              <a:buFont typeface="Arial" panose="020B0604020202020204" pitchFamily="34" charset="0"/>
+              <a:buChar char="•"/>
+            </a:pPr>
+            <a:r>
+              <a:rPr lang="sk-SK" dirty="0"/>
+              <a:t>CLI nástroj, jednoduchý </a:t>
+            </a:r>
+            <a:r>
+              <a:rPr lang="sk-SK" dirty="0" err="1"/>
+              <a:t>setup</a:t>
+            </a:r>
+            <a:r>
+              <a:rPr lang="sk-SK" dirty="0"/>
+              <a:t>, </a:t>
+            </a:r>
+            <a:r>
+              <a:rPr lang="sk-SK" dirty="0" err="1"/>
+              <a:t>free</a:t>
+            </a:r>
+            <a:r>
+              <a:rPr lang="sk-SK" dirty="0"/>
+              <a:t>, pro Android</a:t>
+            </a:r>
+          </a:p>
+          <a:p>
+            <a:pPr>
+              <a:buFont typeface="Arial" panose="020B0604020202020204" pitchFamily="34" charset="0"/>
+              <a:buChar char="•"/>
+            </a:pPr>
             <a:r>
               <a:rPr lang="sk-SK" dirty="0"/>
               <a:t> </a:t>
             </a:r>
             <a:r>
               <a:rPr lang="sk-SK" dirty="0" err="1"/>
-              <a:t>kompilaci</a:t>
+              <a:t>QuickTime</a:t>
             </a:r>
             <a:r>
               <a:rPr lang="sk-SK" dirty="0"/>
-              <a:t> i za </a:t>
+              <a:t> </a:t>
             </a:r>
             <a:r>
               <a:rPr lang="sk-SK" dirty="0" err="1"/>
-              <a:t>běhu</a:t>
+              <a:t>Player</a:t>
+            </a:r>
+            <a:r>
+              <a:rPr lang="sk-SK" dirty="0"/>
+              <a:t>, </a:t>
+            </a:r>
+            <a:r>
+              <a:rPr lang="sk-SK" dirty="0" err="1"/>
+              <a:t>Vysor</a:t>
+            </a:r>
+            <a:endParaRPr lang="sk-SK" dirty="0"/>
+          </a:p>
+          <a:p>
+            <a:pPr lvl="1">
+              <a:buFont typeface="Arial" panose="020B0604020202020204" pitchFamily="34" charset="0"/>
+              <a:buChar char="•"/>
+            </a:pPr>
+            <a:r>
+              <a:rPr lang="sk-SK" dirty="0" err="1"/>
+              <a:t>Zobrazování</a:t>
+            </a:r>
+            <a:r>
+              <a:rPr lang="sk-SK" dirty="0"/>
+              <a:t> obrazovky z iPhone (QT </a:t>
+            </a:r>
+            <a:r>
+              <a:rPr lang="sk-SK" dirty="0" err="1"/>
+              <a:t>Player</a:t>
+            </a:r>
+            <a:r>
+              <a:rPr lang="sk-SK" dirty="0"/>
+              <a:t> – Mac OS)</a:t>
+            </a:r>
+          </a:p>
+          <a:p>
+            <a:pPr lvl="1">
+              <a:buFont typeface="Arial" panose="020B0604020202020204" pitchFamily="34" charset="0"/>
+              <a:buChar char="•"/>
+            </a:pPr>
+            <a:r>
+              <a:rPr lang="sk-SK" dirty="0"/>
+              <a:t>QT </a:t>
+            </a:r>
+            <a:r>
+              <a:rPr lang="sk-SK" dirty="0" err="1"/>
+              <a:t>Player</a:t>
+            </a:r>
+            <a:r>
+              <a:rPr lang="sk-SK" dirty="0"/>
+              <a:t> zdarma</a:t>
+            </a:r>
+          </a:p>
+          <a:p>
+            <a:pPr lvl="1">
+              <a:buFont typeface="Arial" panose="020B0604020202020204" pitchFamily="34" charset="0"/>
+              <a:buChar char="•"/>
+            </a:pPr>
+            <a:r>
+              <a:rPr lang="sk-SK" dirty="0" err="1"/>
+              <a:t>Vysor</a:t>
+            </a:r>
+            <a:r>
+              <a:rPr lang="sk-SK" dirty="0"/>
+              <a:t> v </a:t>
+            </a:r>
+            <a:r>
+              <a:rPr lang="sk-SK" dirty="0" err="1"/>
+              <a:t>základním</a:t>
+            </a:r>
+            <a:r>
+              <a:rPr lang="sk-SK" dirty="0"/>
+              <a:t> režimu zdarma, vyšší rozlíšení </a:t>
+            </a:r>
+            <a:r>
+              <a:rPr lang="sk-SK" dirty="0" err="1"/>
+              <a:t>placené</a:t>
             </a:r>
             <a:endParaRPr lang="sk-SK" dirty="0"/>
           </a:p>
@@ -44784,21 +44899,11 @@
             </a:pPr>
             <a:r>
               <a:rPr lang="sk-SK" dirty="0"/>
-              <a:t> Device Log</a:t>
-            </a:r>
-          </a:p>
-          <a:p>
-            <a:pPr lvl="1">
-              <a:buFont typeface="Arial" panose="020B0604020202020204" pitchFamily="34" charset="0"/>
-              <a:buChar char="•"/>
-            </a:pPr>
-            <a:r>
-              <a:rPr lang="sk-SK" dirty="0"/>
-              <a:t>Zobrazení logu </a:t>
+              <a:t> </a:t>
             </a:r>
             <a:r>
               <a:rPr lang="sk-SK" dirty="0" err="1"/>
-              <a:t>přímo</a:t>
+              <a:t>adb</a:t>
             </a:r>
             <a:r>
               <a:rPr lang="sk-SK" dirty="0"/>
@@ -44806,15 +44911,7 @@
             </a:r>
             <a:r>
               <a:rPr lang="sk-SK" dirty="0" err="1"/>
-              <a:t>ze</a:t>
-            </a:r>
-            <a:r>
-              <a:rPr lang="sk-SK" dirty="0"/>
-              <a:t> </a:t>
-            </a:r>
-            <a:r>
-              <a:rPr lang="sk-SK" dirty="0" err="1"/>
-              <a:t>zařízení</a:t>
+              <a:t>uninstall</a:t>
             </a:r>
             <a:endParaRPr lang="sk-SK" dirty="0"/>
           </a:p>
@@ -44825,7 +44922,7 @@
             </a:pPr>
             <a:r>
               <a:rPr lang="sk-SK" dirty="0" err="1"/>
-              <a:t>Možnost</a:t>
+              <a:t>Pokud</a:t>
             </a:r>
             <a:r>
               <a:rPr lang="sk-SK" dirty="0"/>
@@ -44833,7 +44930,7 @@
             </a:r>
             <a:r>
               <a:rPr lang="sk-SK" dirty="0" err="1"/>
-              <a:t>filtrovat</a:t>
+              <a:t>opravdu</a:t>
             </a:r>
             <a:r>
               <a:rPr lang="sk-SK" dirty="0"/>
@@ -44841,19 +44938,19 @@
             </a:r>
             <a:r>
               <a:rPr lang="sk-SK" dirty="0" err="1"/>
-              <a:t>zprávy</a:t>
+              <a:t>potřebujete</a:t>
             </a:r>
             <a:r>
               <a:rPr lang="sk-SK" dirty="0"/>
-              <a:t> pro </a:t>
+              <a:t> </a:t>
             </a:r>
             <a:r>
               <a:rPr lang="sk-SK" dirty="0" err="1"/>
-              <a:t>telefon</a:t>
+              <a:t>odinstalovat</a:t>
             </a:r>
             <a:r>
               <a:rPr lang="sk-SK" dirty="0"/>
-              <a:t> nebo pro </a:t>
+              <a:t> </a:t>
             </a:r>
             <a:r>
               <a:rPr lang="sk-SK" dirty="0" err="1"/>
@@ -44861,16 +44958,55 @@
             </a:r>
             <a:r>
               <a:rPr lang="sk-SK" dirty="0"/>
-              <a:t> (</a:t>
+              <a:t> z Androidu „</a:t>
             </a:r>
             <a:r>
               <a:rPr lang="sk-SK" dirty="0" err="1"/>
-              <a:t>adb</a:t>
+              <a:t>se</a:t>
             </a:r>
             <a:r>
               <a:rPr lang="sk-SK" dirty="0"/>
-              <a:t>)</a:t>
-            </a:r>
+              <a:t> </a:t>
+            </a:r>
+            <a:r>
+              <a:rPr lang="sk-SK" dirty="0" err="1"/>
+              <a:t>vším</a:t>
+            </a:r>
+            <a:r>
+              <a:rPr lang="sk-SK" dirty="0"/>
+              <a:t> </a:t>
+            </a:r>
+            <a:r>
+              <a:rPr lang="sk-SK" dirty="0" err="1"/>
+              <a:t>všudy</a:t>
+            </a:r>
+            <a:r>
+              <a:rPr lang="sk-SK" dirty="0"/>
+              <a:t>“</a:t>
+            </a:r>
+          </a:p>
+          <a:p>
+            <a:pPr>
+              <a:buFont typeface="Arial" panose="020B0604020202020204" pitchFamily="34" charset="0"/>
+              <a:buChar char="•"/>
+            </a:pPr>
+            <a:r>
+              <a:rPr lang="sk-SK" dirty="0"/>
+              <a:t> Show </a:t>
+            </a:r>
+            <a:r>
+              <a:rPr lang="sk-SK" dirty="0" err="1"/>
+              <a:t>Layout</a:t>
+            </a:r>
+            <a:r>
+              <a:rPr lang="sk-SK" dirty="0"/>
+              <a:t> </a:t>
+            </a:r>
+            <a:r>
+              <a:rPr lang="sk-SK" dirty="0" err="1"/>
+              <a:t>Boundaries</a:t>
+            </a:r>
+            <a:endParaRPr lang="sk-SK" dirty="0"/>
           </a:p>
           <a:p>
             <a:pPr lvl="1">
@@ -44878,57 +45014,24 @@
               <a:buChar char="•"/>
             </a:pPr>
             <a:r>
-              <a:rPr lang="sk-SK" dirty="0"/>
-              <a:t>Existuje pro Android i </a:t>
-            </a:r>
-            <a:r>
-              <a:rPr lang="sk-SK" dirty="0" err="1"/>
-              <a:t>iOS</a:t>
-            </a:r>
-            <a:endParaRPr lang="sk-SK" dirty="0"/>
-          </a:p>
-          <a:p>
-            <a:pPr>
-              <a:buFont typeface="Arial" panose="020B0604020202020204" pitchFamily="34" charset="0"/>
-              <a:buChar char="•"/>
-            </a:pPr>
-            <a:r>
-              <a:rPr lang="sk-SK" dirty="0"/>
-              <a:t> Output</a:t>
-            </a:r>
-          </a:p>
-          <a:p>
-            <a:pPr lvl="1">
-              <a:buFont typeface="Arial" panose="020B0604020202020204" pitchFamily="34" charset="0"/>
-              <a:buChar char="•"/>
-            </a:pPr>
-            <a:r>
               <a:rPr lang="sk-SK" dirty="0" err="1"/>
               <a:t>Pokud</a:t>
             </a:r>
             <a:r>
               <a:rPr lang="sk-SK" dirty="0"/>
-              <a:t> </a:t>
+              <a:t> chcete </a:t>
             </a:r>
             <a:r>
               <a:rPr lang="sk-SK" dirty="0" err="1"/>
-              <a:t>není</a:t>
+              <a:t>vidět</a:t>
             </a:r>
             <a:r>
               <a:rPr lang="sk-SK" dirty="0"/>
-              <a:t> chyba nikde </a:t>
+              <a:t> ohraničení </a:t>
             </a:r>
             <a:r>
               <a:rPr lang="sk-SK" dirty="0" err="1"/>
-              <a:t>jinde</a:t>
-            </a:r>
-            <a:r>
-              <a:rPr lang="sk-SK" dirty="0"/>
-              <a:t>, </a:t>
-            </a:r>
-            <a:r>
-              <a:rPr lang="sk-SK" dirty="0" err="1"/>
-              <a:t>zkuste</a:t>
+              <a:t>všech</a:t>
             </a:r>
             <a:r>
               <a:rPr lang="sk-SK" dirty="0"/>
@@ -44936,6 +45039,14 @@
             </a:r>
             <a:r>
               <a:rPr lang="sk-SK" dirty="0" err="1"/>
+              <a:t>prvků</a:t>
+            </a:r>
+            <a:r>
+              <a:rPr lang="sk-SK" dirty="0"/>
+              <a:t> – hodí </a:t>
+            </a:r>
+            <a:r>
+              <a:rPr lang="sk-SK" dirty="0" err="1"/>
               <a:t>se</a:t>
             </a:r>
             <a:r>
@@ -44944,7 +45055,7 @@
             </a:r>
             <a:r>
               <a:rPr lang="sk-SK" dirty="0" err="1"/>
-              <a:t>podívat</a:t>
+              <a:t>při</a:t>
             </a:r>
             <a:r>
               <a:rPr lang="sk-SK" dirty="0"/>
@@ -44952,21 +45063,7 @@
             </a:r>
             <a:r>
               <a:rPr lang="sk-SK" dirty="0" err="1"/>
-              <a:t>ještě</a:t>
-            </a:r>
-            <a:r>
-              <a:rPr lang="sk-SK" dirty="0"/>
-              <a:t> sem</a:t>
-            </a:r>
-          </a:p>
-          <a:p>
-            <a:pPr lvl="1">
-              <a:buFont typeface="Arial" panose="020B0604020202020204" pitchFamily="34" charset="0"/>
-              <a:buChar char="•"/>
-            </a:pPr>
-            <a:r>
-              <a:rPr lang="sk-SK" dirty="0" err="1"/>
-              <a:t>Někdy</a:t>
+              <a:t>ladění</a:t>
             </a:r>
             <a:r>
               <a:rPr lang="sk-SK" dirty="0"/>
@@ -44974,55 +45071,7 @@
             </a:r>
             <a:r>
               <a:rPr lang="sk-SK" dirty="0" err="1"/>
-              <a:t>se</a:t>
-            </a:r>
-            <a:r>
-              <a:rPr lang="sk-SK" dirty="0"/>
-              <a:t> </a:t>
-            </a:r>
-            <a:r>
-              <a:rPr lang="sk-SK" dirty="0" err="1"/>
-              <a:t>potkáte</a:t>
-            </a:r>
-            <a:r>
-              <a:rPr lang="sk-SK" dirty="0"/>
-              <a:t> s chybou z </a:t>
-            </a:r>
-            <a:r>
-              <a:rPr lang="sk-SK" dirty="0" err="1"/>
-              <a:t>nativního</a:t>
-            </a:r>
-            <a:r>
-              <a:rPr lang="sk-SK" dirty="0"/>
-              <a:t> jazyka – ale </a:t>
-            </a:r>
-            <a:r>
-              <a:rPr lang="sk-SK" dirty="0" err="1"/>
-              <a:t>alespoň</a:t>
-            </a:r>
-            <a:r>
-              <a:rPr lang="sk-SK" dirty="0"/>
-              <a:t> </a:t>
-            </a:r>
-            <a:r>
-              <a:rPr lang="sk-SK" dirty="0" err="1"/>
-              <a:t>víte</a:t>
-            </a:r>
-            <a:r>
-              <a:rPr lang="sk-SK" dirty="0"/>
-              <a:t> </a:t>
-            </a:r>
-            <a:r>
-              <a:rPr lang="sk-SK" dirty="0" err="1"/>
-              <a:t>co</a:t>
-            </a:r>
-            <a:r>
-              <a:rPr lang="sk-SK" dirty="0"/>
-              <a:t> máte </a:t>
-            </a:r>
-            <a:r>
-              <a:rPr lang="sk-SK" dirty="0" err="1"/>
-              <a:t>hledat</a:t>
+              <a:t>layoutů</a:t>
             </a:r>
             <a:endParaRPr lang="sk-SK" dirty="0"/>
           </a:p>
@@ -45031,7 +45080,7 @@
     </p:spTree>
     <p:extLst>
       <p:ext uri="{BB962C8B-B14F-4D97-AF65-F5344CB8AC3E}">
-        <p14:creationId xmlns:p14="http://schemas.microsoft.com/office/powerpoint/2010/main" val="916259010"/>
+        <p14:creationId xmlns:p14="http://schemas.microsoft.com/office/powerpoint/2010/main" val="779747416"/>
       </p:ext>
     </p:extLst>
   </p:cSld>
@@ -45120,33 +45169,15 @@
                                   </p:childTnLst>
                                 </p:cTn>
                               </p:par>
-                            </p:childTnLst>
-                          </p:cTn>
-                        </p:par>
-                      </p:childTnLst>
-                    </p:cTn>
-                  </p:par>
-                  <p:par>
-                    <p:cTn id="9" fill="hold">
-                      <p:stCondLst>
-                        <p:cond delay="indefinite"/>
-                      </p:stCondLst>
-                      <p:childTnLst>
-                        <p:par>
-                          <p:cTn id="10" fill="hold">
-                            <p:stCondLst>
-                              <p:cond delay="0"/>
-                            </p:stCondLst>
-                            <p:childTnLst>
                               <p:par>
-                                <p:cTn id="11" presetID="1" presetClass="entr" presetSubtype="0" fill="hold" grpId="0" nodeType="clickEffect">
+                                <p:cTn id="9" presetID="1" presetClass="entr" presetSubtype="0" fill="hold" grpId="0" nodeType="withEffect">
                                   <p:stCondLst>
                                     <p:cond delay="0"/>
                                   </p:stCondLst>
                                   <p:childTnLst>
                                     <p:set>
                                       <p:cBhvr>
-                                        <p:cTn id="12" dur="1" fill="hold">
+                                        <p:cTn id="10" dur="1" fill="hold">
                                           <p:stCondLst>
                                             <p:cond delay="0"/>
                                           </p:stCondLst>
@@ -45169,8 +45200,26 @@
                                   </p:childTnLst>
                                 </p:cTn>
                               </p:par>
+                            </p:childTnLst>
+                          </p:cTn>
+                        </p:par>
+                      </p:childTnLst>
+                    </p:cTn>
+                  </p:par>
+                  <p:par>
+                    <p:cTn id="11" fill="hold">
+                      <p:stCondLst>
+                        <p:cond delay="indefinite"/>
+                      </p:stCondLst>
+                      <p:childTnLst>
+                        <p:par>
+                          <p:cTn id="12" fill="hold">
+                            <p:stCondLst>
+                              <p:cond delay="0"/>
+                            </p:stCondLst>
+                            <p:childTnLst>
                               <p:par>
-                                <p:cTn id="13" presetID="1" presetClass="entr" presetSubtype="0" fill="hold" grpId="0" nodeType="withEffect">
+                                <p:cTn id="13" presetID="1" presetClass="entr" presetSubtype="0" fill="hold" grpId="0" nodeType="clickEffect">
                                   <p:stCondLst>
                                     <p:cond delay="0"/>
                                   </p:stCondLst>
@@ -45262,33 +45311,15 @@
                                   </p:childTnLst>
                                 </p:cTn>
                               </p:par>
-                            </p:childTnLst>
-                          </p:cTn>
-                        </p:par>
-                      </p:childTnLst>
-                    </p:cTn>
-                  </p:par>
-                  <p:par>
-                    <p:cTn id="19" fill="hold">
-                      <p:stCondLst>
-                        <p:cond delay="indefinite"/>
-                      </p:stCondLst>
-                      <p:childTnLst>
-                        <p:par>
-                          <p:cTn id="20" fill="hold">
-                            <p:stCondLst>
-                              <p:cond delay="0"/>
-                            </p:stCondLst>
-                            <p:childTnLst>
                               <p:par>
-                                <p:cTn id="21" presetID="1" presetClass="entr" presetSubtype="0" fill="hold" grpId="0" nodeType="clickEffect">
+                                <p:cTn id="19" presetID="1" presetClass="entr" presetSubtype="0" fill="hold" grpId="0" nodeType="withEffect">
                                   <p:stCondLst>
                                     <p:cond delay="0"/>
                                   </p:stCondLst>
                                   <p:childTnLst>
                                     <p:set>
                                       <p:cBhvr>
-                                        <p:cTn id="22" dur="1" fill="hold">
+                                        <p:cTn id="20" dur="1" fill="hold">
                                           <p:stCondLst>
                                             <p:cond delay="0"/>
                                           </p:stCondLst>
@@ -45311,8 +45342,26 @@
                                   </p:childTnLst>
                                 </p:cTn>
                               </p:par>
+                            </p:childTnLst>
+                          </p:cTn>
+                        </p:par>
+                      </p:childTnLst>
+                    </p:cTn>
+                  </p:par>
+                  <p:par>
+                    <p:cTn id="21" fill="hold">
+                      <p:stCondLst>
+                        <p:cond delay="indefinite"/>
+                      </p:stCondLst>
+                      <p:childTnLst>
+                        <p:par>
+                          <p:cTn id="22" fill="hold">
+                            <p:stCondLst>
+                              <p:cond delay="0"/>
+                            </p:stCondLst>
+                            <p:childTnLst>
                               <p:par>
-                                <p:cTn id="23" presetID="1" presetClass="entr" presetSubtype="0" fill="hold" grpId="0" nodeType="withEffect">
+                                <p:cTn id="23" presetID="1" presetClass="entr" presetSubtype="0" fill="hold" grpId="0" nodeType="clickEffect">
                                   <p:stCondLst>
                                     <p:cond delay="0"/>
                                   </p:stCondLst>
@@ -45359,6 +45408,86 @@
                                           <p:spTgt spid="3">
                                             <p:txEl>
                                               <p:pRg st="8" end="8"/>
+                                            </p:txEl>
+                                          </p:spTgt>
+                                        </p:tgtEl>
+                                        <p:attrNameLst>
+                                          <p:attrName>style.visibility</p:attrName>
+                                        </p:attrNameLst>
+                                      </p:cBhvr>
+                                      <p:to>
+                                        <p:strVal val="visible"/>
+                                      </p:to>
+                                    </p:set>
+                                  </p:childTnLst>
+                                </p:cTn>
+                              </p:par>
+                            </p:childTnLst>
+                          </p:cTn>
+                        </p:par>
+                      </p:childTnLst>
+                    </p:cTn>
+                  </p:par>
+                  <p:par>
+                    <p:cTn id="27" fill="hold">
+                      <p:stCondLst>
+                        <p:cond delay="indefinite"/>
+                      </p:stCondLst>
+                      <p:childTnLst>
+                        <p:par>
+                          <p:cTn id="28" fill="hold">
+                            <p:stCondLst>
+                              <p:cond delay="0"/>
+                            </p:stCondLst>
+                            <p:childTnLst>
+                              <p:par>
+                                <p:cTn id="29" presetID="1" presetClass="entr" presetSubtype="0" fill="hold" grpId="0" nodeType="clickEffect">
+                                  <p:stCondLst>
+                                    <p:cond delay="0"/>
+                                  </p:stCondLst>
+                                  <p:childTnLst>
+                                    <p:set>
+                                      <p:cBhvr>
+                                        <p:cTn id="30" dur="1" fill="hold">
+                                          <p:stCondLst>
+                                            <p:cond delay="0"/>
+                                          </p:stCondLst>
+                                        </p:cTn>
+                                        <p:tgtEl>
+                                          <p:spTgt spid="3">
+                                            <p:txEl>
+                                              <p:pRg st="9" end="9"/>
+                                            </p:txEl>
+                                          </p:spTgt>
+                                        </p:tgtEl>
+                                        <p:attrNameLst>
+                                          <p:attrName>style.visibility</p:attrName>
+                                        </p:attrNameLst>
+                                      </p:cBhvr>
+                                      <p:to>
+                                        <p:strVal val="visible"/>
+                                      </p:to>
+                                    </p:set>
+                                  </p:childTnLst>
+                                </p:cTn>
+                              </p:par>
+                              <p:par>
+                                <p:cTn id="31" presetID="1" presetClass="entr" presetSubtype="0" fill="hold" grpId="0" nodeType="withEffect">
+                                  <p:stCondLst>
+                                    <p:cond delay="0"/>
+                                  </p:stCondLst>
+                                  <p:childTnLst>
+                                    <p:set>
+                                      <p:cBhvr>
+                                        <p:cTn id="32" dur="1" fill="hold">
+                                          <p:stCondLst>
+                                            <p:cond delay="0"/>
+                                          </p:stCondLst>
+                                        </p:cTn>
+                                        <p:tgtEl>
+                                          <p:spTgt spid="3">
+                                            <p:txEl>
+                                              <p:pRg st="10" end="10"/>
                                             </p:txEl>
                                           </p:spTgt>
                                         </p:tgtEl>
@@ -45614,12 +45743,20 @@
           <a:p>
             <a:pPr algn="l"/>
             <a:r>
+              <a:rPr lang="sk-SK" sz="6000" dirty="0">
+                <a:solidFill>
+                  <a:srgbClr val="FFFFFF"/>
+                </a:solidFill>
+              </a:rPr>
+              <a:t>Práce s </a:t>
+            </a:r>
+            <a:r>
               <a:rPr lang="sk-SK" sz="6000" dirty="0" err="1">
                 <a:solidFill>
                   <a:srgbClr val="FFFFFF"/>
                 </a:solidFill>
               </a:rPr>
-              <a:t>debuggování</a:t>
+              <a:t>telefonem</a:t>
             </a:r>
             <a:endParaRPr lang="en-US" sz="6000" dirty="0">
               <a:solidFill>
@@ -45632,7 +45769,7 @@
     </p:spTree>
     <p:extLst>
       <p:ext uri="{BB962C8B-B14F-4D97-AF65-F5344CB8AC3E}">
-        <p14:creationId xmlns:p14="http://schemas.microsoft.com/office/powerpoint/2010/main" val="2620531651"/>
+        <p14:creationId xmlns:p14="http://schemas.microsoft.com/office/powerpoint/2010/main" val="889197125"/>
       </p:ext>
     </p:extLst>
   </p:cSld>
@@ -52450,7 +52587,7 @@
           <p:cNvPr id="2" name="Title 1">
             <a:extLst>
               <a:ext uri="{FF2B5EF4-FFF2-40B4-BE49-F238E27FC236}">
-                <a16:creationId xmlns:a16="http://schemas.microsoft.com/office/drawing/2014/main" id="{998C28BD-DA8B-42D2-91AD-871797D664C5}"/>
+                <a16:creationId xmlns:a16="http://schemas.microsoft.com/office/drawing/2014/main" id="{0103BE05-8EF7-4510-9EFA-506F351DB22A}"/>
               </a:ext>
             </a:extLst>
           </p:cNvPr>
@@ -52467,9 +52604,18 @@
           <a:lstStyle/>
           <a:p>
             <a:r>
-              <a:rPr lang="cs-CZ" dirty="0"/>
-              <a:t>Užitečné nástroje – práce s telefonem</a:t>
-            </a:r>
+              <a:rPr lang="sk-SK" dirty="0" err="1"/>
+              <a:t>Užitečné</a:t>
+            </a:r>
+            <a:r>
+              <a:rPr lang="sk-SK" dirty="0"/>
+              <a:t> nástroje – </a:t>
+            </a:r>
+            <a:r>
+              <a:rPr lang="sk-SK" dirty="0" err="1"/>
+              <a:t>debuggování</a:t>
+            </a:r>
+            <a:endParaRPr lang="en-US" dirty="0"/>
           </a:p>
         </p:txBody>
       </p:sp>
@@ -52478,7 +52624,7 @@
           <p:cNvPr id="3" name="Content Placeholder 2">
             <a:extLst>
               <a:ext uri="{FF2B5EF4-FFF2-40B4-BE49-F238E27FC236}">
-                <a16:creationId xmlns:a16="http://schemas.microsoft.com/office/drawing/2014/main" id="{8C995FE1-285B-4A4A-A1F4-5D590309D79D}"/>
+                <a16:creationId xmlns:a16="http://schemas.microsoft.com/office/drawing/2014/main" id="{B79E931B-E621-4BB7-B0EB-4BD6348699F1}"/>
               </a:ext>
             </a:extLst>
           </p:cNvPr>
@@ -52491,9 +52637,7 @@
         </p:nvSpPr>
         <p:spPr/>
         <p:txBody>
-          <a:bodyPr>
-            <a:normAutofit lnSpcReduction="10000"/>
-          </a:bodyPr>
+          <a:bodyPr/>
           <a:lstStyle/>
           <a:p>
             <a:pPr>
@@ -52502,21 +52646,19 @@
             </a:pPr>
             <a:r>
               <a:rPr lang="sk-SK" dirty="0"/>
+              <a:t> XAML </a:t>
+            </a:r>
+            <a:r>
+              <a:rPr lang="sk-SK" dirty="0" err="1"/>
+              <a:t>Binding</a:t>
+            </a:r>
+            <a:r>
+              <a:rPr lang="sk-SK" dirty="0"/>
               <a:t> </a:t>
             </a:r>
             <a:r>
               <a:rPr lang="sk-SK" dirty="0" err="1"/>
-              <a:t>scrcpy</a:t>
-            </a:r>
-            <a:r>
-              <a:rPr lang="sk-SK" dirty="0"/>
-              <a:t> - </a:t>
-            </a:r>
-            <a:r>
-              <a:rPr lang="sk-SK" dirty="0">
-                <a:hlinkClick r:id="rId2"/>
-              </a:rPr>
-              <a:t>https://github.com/Genymobile/scrcpy</a:t>
+              <a:t>Failures</a:t>
             </a:r>
             <a:endParaRPr lang="sk-SK" dirty="0"/>
           </a:p>
@@ -52526,24 +52668,12 @@
               <a:buChar char="•"/>
             </a:pPr>
             <a:r>
+              <a:rPr lang="sk-SK" dirty="0"/>
+              <a:t>Zobrazí chyby v </a:t>
+            </a:r>
+            <a:r>
               <a:rPr lang="sk-SK" dirty="0" err="1"/>
-              <a:t>Zobrazování</a:t>
-            </a:r>
-            <a:r>
-              <a:rPr lang="sk-SK" dirty="0"/>
-              <a:t> obrazovky </a:t>
-            </a:r>
-            <a:r>
-              <a:rPr lang="sk-SK" dirty="0" err="1"/>
-              <a:t>telefonu</a:t>
-            </a:r>
-            <a:r>
-              <a:rPr lang="sk-SK" dirty="0"/>
-              <a:t> na PC + </a:t>
-            </a:r>
-            <a:r>
-              <a:rPr lang="sk-SK" dirty="0" err="1"/>
-              <a:t>možnost</a:t>
+              <a:t>bindingu</a:t>
             </a:r>
             <a:r>
               <a:rPr lang="sk-SK" dirty="0"/>
@@ -52551,7 +52681,64 @@
             </a:r>
             <a:r>
               <a:rPr lang="sk-SK" dirty="0" err="1"/>
-              <a:t>interakce</a:t>
+              <a:t>při</a:t>
+            </a:r>
+            <a:r>
+              <a:rPr lang="sk-SK" dirty="0"/>
+              <a:t> </a:t>
+            </a:r>
+            <a:r>
+              <a:rPr lang="sk-SK" dirty="0" err="1"/>
+              <a:t>kompilaci</a:t>
+            </a:r>
+            <a:r>
+              <a:rPr lang="sk-SK" dirty="0"/>
+              <a:t> i za </a:t>
+            </a:r>
+            <a:r>
+              <a:rPr lang="sk-SK" dirty="0" err="1"/>
+              <a:t>běhu</a:t>
+            </a:r>
+            <a:endParaRPr lang="sk-SK" dirty="0"/>
+          </a:p>
+          <a:p>
+            <a:pPr>
+              <a:buFont typeface="Arial" panose="020B0604020202020204" pitchFamily="34" charset="0"/>
+              <a:buChar char="•"/>
+            </a:pPr>
+            <a:r>
+              <a:rPr lang="sk-SK" dirty="0"/>
+              <a:t> Device Log</a:t>
+            </a:r>
+          </a:p>
+          <a:p>
+            <a:pPr lvl="1">
+              <a:buFont typeface="Arial" panose="020B0604020202020204" pitchFamily="34" charset="0"/>
+              <a:buChar char="•"/>
+            </a:pPr>
+            <a:r>
+              <a:rPr lang="sk-SK" dirty="0"/>
+              <a:t>Zobrazení logu </a:t>
+            </a:r>
+            <a:r>
+              <a:rPr lang="sk-SK" dirty="0" err="1"/>
+              <a:t>přímo</a:t>
+            </a:r>
+            <a:r>
+              <a:rPr lang="sk-SK" dirty="0"/>
+              <a:t> </a:t>
+            </a:r>
+            <a:r>
+              <a:rPr lang="sk-SK" dirty="0" err="1"/>
+              <a:t>ze</a:t>
+            </a:r>
+            <a:r>
+              <a:rPr lang="sk-SK" dirty="0"/>
+              <a:t> </a:t>
+            </a:r>
+            <a:r>
+              <a:rPr lang="sk-SK" dirty="0" err="1"/>
+              <a:t>zařízení</a:t>
             </a:r>
             <a:endParaRPr lang="sk-SK" dirty="0"/>
           </a:p>
@@ -52561,38 +52748,16 @@
               <a:buChar char="•"/>
             </a:pPr>
             <a:r>
-              <a:rPr lang="sk-SK" dirty="0"/>
-              <a:t>CLI nástroj, jednoduchý </a:t>
-            </a:r>
-            <a:r>
               <a:rPr lang="sk-SK" dirty="0" err="1"/>
-              <a:t>setup</a:t>
-            </a:r>
-            <a:r>
-              <a:rPr lang="sk-SK" dirty="0"/>
-              <a:t>, </a:t>
-            </a:r>
-            <a:r>
-              <a:rPr lang="sk-SK" dirty="0" err="1"/>
-              <a:t>free</a:t>
-            </a:r>
-            <a:r>
-              <a:rPr lang="sk-SK" dirty="0"/>
-              <a:t>, pro Android</a:t>
-            </a:r>
-          </a:p>
-          <a:p>
-            <a:pPr>
-              <a:buFont typeface="Arial" panose="020B0604020202020204" pitchFamily="34" charset="0"/>
-              <a:buChar char="•"/>
-            </a:pPr>
+              <a:t>Možnost</a:t>
+            </a:r>
             <a:r>
               <a:rPr lang="sk-SK" dirty="0"/>
               <a:t> </a:t>
             </a:r>
             <a:r>
               <a:rPr lang="sk-SK" dirty="0" err="1"/>
-              <a:t>QuickTime</a:t>
+              <a:t>filtrovat</a:t>
             </a:r>
             <a:r>
               <a:rPr lang="sk-SK" dirty="0"/>
@@ -52600,17 +52765,36 @@
             </a:r>
             <a:r>
               <a:rPr lang="sk-SK" dirty="0" err="1"/>
-              <a:t>Player</a:t>
+              <a:t>zprávy</a:t>
             </a:r>
             <a:r>
               <a:rPr lang="sk-SK" dirty="0"/>
-              <a:t>, </a:t>
+              <a:t> pro </a:t>
             </a:r>
             <a:r>
               <a:rPr lang="sk-SK" dirty="0" err="1"/>
-              <a:t>Vysor</a:t>
-            </a:r>
-            <a:endParaRPr lang="sk-SK" dirty="0"/>
+              <a:t>telefon</a:t>
+            </a:r>
+            <a:r>
+              <a:rPr lang="sk-SK" dirty="0"/>
+              <a:t> nebo pro </a:t>
+            </a:r>
+            <a:r>
+              <a:rPr lang="sk-SK" dirty="0" err="1"/>
+              <a:t>aplikaci</a:t>
+            </a:r>
+            <a:r>
+              <a:rPr lang="sk-SK" dirty="0"/>
+              <a:t> (</a:t>
+            </a:r>
+            <a:r>
+              <a:rPr lang="sk-SK" dirty="0" err="1"/>
+              <a:t>adb</a:t>
+            </a:r>
+            <a:r>
+              <a:rPr lang="sk-SK" dirty="0"/>
+              <a:t>)</a:t>
+            </a:r>
           </a:p>
           <a:p>
             <a:pPr lvl="1">
@@ -52618,64 +52802,12 @@
               <a:buChar char="•"/>
             </a:pPr>
             <a:r>
+              <a:rPr lang="sk-SK" dirty="0"/>
+              <a:t>Existuje pro Android i </a:t>
+            </a:r>
+            <a:r>
               <a:rPr lang="sk-SK" dirty="0" err="1"/>
-              <a:t>Zobrazování</a:t>
-            </a:r>
-            <a:r>
-              <a:rPr lang="sk-SK" dirty="0"/>
-              <a:t> obrazovky z iPhone (QT </a:t>
-            </a:r>
-            <a:r>
-              <a:rPr lang="sk-SK" dirty="0" err="1"/>
-              <a:t>Player</a:t>
-            </a:r>
-            <a:r>
-              <a:rPr lang="sk-SK" dirty="0"/>
-              <a:t> – Mac OS)</a:t>
-            </a:r>
-          </a:p>
-          <a:p>
-            <a:pPr lvl="1">
-              <a:buFont typeface="Arial" panose="020B0604020202020204" pitchFamily="34" charset="0"/>
-              <a:buChar char="•"/>
-            </a:pPr>
-            <a:r>
-              <a:rPr lang="sk-SK" dirty="0"/>
-              <a:t>QT </a:t>
-            </a:r>
-            <a:r>
-              <a:rPr lang="sk-SK" dirty="0" err="1"/>
-              <a:t>Player</a:t>
-            </a:r>
-            <a:r>
-              <a:rPr lang="sk-SK" dirty="0"/>
-              <a:t> zdarma</a:t>
-            </a:r>
-          </a:p>
-          <a:p>
-            <a:pPr lvl="1">
-              <a:buFont typeface="Arial" panose="020B0604020202020204" pitchFamily="34" charset="0"/>
-              <a:buChar char="•"/>
-            </a:pPr>
-            <a:r>
-              <a:rPr lang="sk-SK" dirty="0" err="1"/>
-              <a:t>Vysor</a:t>
-            </a:r>
-            <a:r>
-              <a:rPr lang="sk-SK" dirty="0"/>
-              <a:t> v </a:t>
-            </a:r>
-            <a:r>
-              <a:rPr lang="sk-SK" dirty="0" err="1"/>
-              <a:t>základním</a:t>
-            </a:r>
-            <a:r>
-              <a:rPr lang="sk-SK" dirty="0"/>
-              <a:t> režimu zdarma, vyšší rozlíšení </a:t>
-            </a:r>
-            <a:r>
-              <a:rPr lang="sk-SK" dirty="0" err="1"/>
-              <a:t>placené</a:t>
+              <a:t>iOS</a:t>
             </a:r>
             <a:endParaRPr lang="sk-SK" dirty="0"/>
           </a:p>
@@ -52686,21 +52818,8 @@
             </a:pPr>
             <a:r>
               <a:rPr lang="sk-SK" dirty="0"/>
-              <a:t> </a:t>
-            </a:r>
-            <a:r>
-              <a:rPr lang="sk-SK" dirty="0" err="1"/>
-              <a:t>adb</a:t>
-            </a:r>
-            <a:r>
-              <a:rPr lang="sk-SK" dirty="0"/>
-              <a:t> </a:t>
-            </a:r>
-            <a:r>
-              <a:rPr lang="sk-SK" dirty="0" err="1"/>
-              <a:t>uninstall</a:t>
-            </a:r>
-            <a:endParaRPr lang="sk-SK" dirty="0"/>
+              <a:t> Output</a:t>
+            </a:r>
           </a:p>
           <a:p>
             <a:pPr lvl="1">
@@ -52717,7 +52836,23 @@
             </a:r>
             <a:r>
               <a:rPr lang="sk-SK" dirty="0" err="1"/>
-              <a:t>opravdu</a:t>
+              <a:t>není</a:t>
+            </a:r>
+            <a:r>
+              <a:rPr lang="sk-SK" dirty="0"/>
+              <a:t> chyba nikde </a:t>
+            </a:r>
+            <a:r>
+              <a:rPr lang="sk-SK" dirty="0" err="1"/>
+              <a:t>jinde</a:t>
+            </a:r>
+            <a:r>
+              <a:rPr lang="sk-SK" dirty="0"/>
+              <a:t>, </a:t>
+            </a:r>
+            <a:r>
+              <a:rPr lang="sk-SK" dirty="0" err="1"/>
+              <a:t>zkuste</a:t>
             </a:r>
             <a:r>
               <a:rPr lang="sk-SK" dirty="0"/>
@@ -52725,7 +52860,7 @@
             </a:r>
             <a:r>
               <a:rPr lang="sk-SK" dirty="0" err="1"/>
-              <a:t>potřebujete</a:t>
+              <a:t>se</a:t>
             </a:r>
             <a:r>
               <a:rPr lang="sk-SK" dirty="0"/>
@@ -52733,7 +52868,7 @@
             </a:r>
             <a:r>
               <a:rPr lang="sk-SK" dirty="0" err="1"/>
-              <a:t>odinstalovat</a:t>
+              <a:t>podívat</a:t>
             </a:r>
             <a:r>
               <a:rPr lang="sk-SK" dirty="0"/>
@@ -52741,59 +52876,12 @@
             </a:r>
             <a:r>
               <a:rPr lang="sk-SK" dirty="0" err="1"/>
-              <a:t>aplikaci</a:t>
+              <a:t>ještě</a:t>
             </a:r>
             <a:r>
               <a:rPr lang="sk-SK" dirty="0"/>
-              <a:t> z Androidu „</a:t>
-            </a:r>
-            <a:r>
-              <a:rPr lang="sk-SK" dirty="0" err="1"/>
-              <a:t>se</a:t>
-            </a:r>
-            <a:r>
-              <a:rPr lang="sk-SK" dirty="0"/>
-              <a:t> </a:t>
-            </a:r>
-            <a:r>
-              <a:rPr lang="sk-SK" dirty="0" err="1"/>
-              <a:t>vším</a:t>
-            </a:r>
-            <a:r>
-              <a:rPr lang="sk-SK" dirty="0"/>
-              <a:t> </a:t>
-            </a:r>
-            <a:r>
-              <a:rPr lang="sk-SK" dirty="0" err="1"/>
-              <a:t>všudy</a:t>
-            </a:r>
-            <a:r>
-              <a:rPr lang="sk-SK" dirty="0"/>
-              <a:t>“</a:t>
-            </a:r>
-          </a:p>
-          <a:p>
-            <a:pPr>
-              <a:buFont typeface="Arial" panose="020B0604020202020204" pitchFamily="34" charset="0"/>
-              <a:buChar char="•"/>
-            </a:pPr>
-            <a:r>
-              <a:rPr lang="sk-SK" dirty="0"/>
-              <a:t> Show </a:t>
-            </a:r>
-            <a:r>
-              <a:rPr lang="sk-SK" dirty="0" err="1"/>
-              <a:t>Layout</a:t>
-            </a:r>
-            <a:r>
-              <a:rPr lang="sk-SK" dirty="0"/>
-              <a:t> </a:t>
-            </a:r>
-            <a:r>
-              <a:rPr lang="sk-SK" dirty="0" err="1"/>
-              <a:t>Boundaries</a:t>
-            </a:r>
-            <a:endParaRPr lang="sk-SK" dirty="0"/>
+              <a:t> sem</a:t>
+            </a:r>
           </a:p>
           <a:p>
             <a:pPr lvl="1">
@@ -52802,23 +52890,7 @@
             </a:pPr>
             <a:r>
               <a:rPr lang="sk-SK" dirty="0" err="1"/>
-              <a:t>Pokud</a:t>
-            </a:r>
-            <a:r>
-              <a:rPr lang="sk-SK" dirty="0"/>
-              <a:t> chcete </a:t>
-            </a:r>
-            <a:r>
-              <a:rPr lang="sk-SK" dirty="0" err="1"/>
-              <a:t>vidět</a:t>
-            </a:r>
-            <a:r>
-              <a:rPr lang="sk-SK" dirty="0"/>
-              <a:t> ohraničení </a:t>
-            </a:r>
-            <a:r>
-              <a:rPr lang="sk-SK" dirty="0" err="1"/>
-              <a:t>všech</a:t>
+              <a:t>Někdy</a:t>
             </a:r>
             <a:r>
               <a:rPr lang="sk-SK" dirty="0"/>
@@ -52826,14 +52898,6 @@
             </a:r>
             <a:r>
               <a:rPr lang="sk-SK" dirty="0" err="1"/>
-              <a:t>prvků</a:t>
-            </a:r>
-            <a:r>
-              <a:rPr lang="sk-SK" dirty="0"/>
-              <a:t> – hodí </a:t>
-            </a:r>
-            <a:r>
-              <a:rPr lang="sk-SK" dirty="0" err="1"/>
               <a:t>se</a:t>
             </a:r>
             <a:r>
@@ -52842,7 +52906,23 @@
             </a:r>
             <a:r>
               <a:rPr lang="sk-SK" dirty="0" err="1"/>
-              <a:t>při</a:t>
+              <a:t>potkáte</a:t>
+            </a:r>
+            <a:r>
+              <a:rPr lang="sk-SK" dirty="0"/>
+              <a:t> s chybou z </a:t>
+            </a:r>
+            <a:r>
+              <a:rPr lang="sk-SK" dirty="0" err="1"/>
+              <a:t>nativního</a:t>
+            </a:r>
+            <a:r>
+              <a:rPr lang="sk-SK" dirty="0"/>
+              <a:t> jazyka – ale </a:t>
+            </a:r>
+            <a:r>
+              <a:rPr lang="sk-SK" dirty="0" err="1"/>
+              <a:t>alespoň</a:t>
             </a:r>
             <a:r>
               <a:rPr lang="sk-SK" dirty="0"/>
@@ -52850,7 +52930,7 @@
             </a:r>
             <a:r>
               <a:rPr lang="sk-SK" dirty="0" err="1"/>
-              <a:t>ladění</a:t>
+              <a:t>víte</a:t>
             </a:r>
             <a:r>
               <a:rPr lang="sk-SK" dirty="0"/>
@@ -52858,7 +52938,15 @@
             </a:r>
             <a:r>
               <a:rPr lang="sk-SK" dirty="0" err="1"/>
-              <a:t>layoutů</a:t>
+              <a:t>co</a:t>
+            </a:r>
+            <a:r>
+              <a:rPr lang="sk-SK" dirty="0"/>
+              <a:t> máte </a:t>
+            </a:r>
+            <a:r>
+              <a:rPr lang="sk-SK" dirty="0" err="1"/>
+              <a:t>hledat</a:t>
             </a:r>
             <a:endParaRPr lang="sk-SK" dirty="0"/>
           </a:p>
@@ -52867,7 +52955,7 @@
     </p:spTree>
     <p:extLst>
       <p:ext uri="{BB962C8B-B14F-4D97-AF65-F5344CB8AC3E}">
-        <p14:creationId xmlns:p14="http://schemas.microsoft.com/office/powerpoint/2010/main" val="779747416"/>
+        <p14:creationId xmlns:p14="http://schemas.microsoft.com/office/powerpoint/2010/main" val="916259010"/>
       </p:ext>
     </p:extLst>
   </p:cSld>
@@ -52956,15 +53044,33 @@
                                   </p:childTnLst>
                                 </p:cTn>
                               </p:par>
+                            </p:childTnLst>
+                          </p:cTn>
+                        </p:par>
+                      </p:childTnLst>
+                    </p:cTn>
+                  </p:par>
+                  <p:par>
+                    <p:cTn id="9" fill="hold">
+                      <p:stCondLst>
+                        <p:cond delay="indefinite"/>
+                      </p:stCondLst>
+                      <p:childTnLst>
+                        <p:par>
+                          <p:cTn id="10" fill="hold">
+                            <p:stCondLst>
+                              <p:cond delay="0"/>
+                            </p:stCondLst>
+                            <p:childTnLst>
                               <p:par>
-                                <p:cTn id="9" presetID="1" presetClass="entr" presetSubtype="0" fill="hold" grpId="0" nodeType="withEffect">
+                                <p:cTn id="11" presetID="1" presetClass="entr" presetSubtype="0" fill="hold" grpId="0" nodeType="clickEffect">
                                   <p:stCondLst>
                                     <p:cond delay="0"/>
                                   </p:stCondLst>
                                   <p:childTnLst>
                                     <p:set>
                                       <p:cBhvr>
-                                        <p:cTn id="10" dur="1" fill="hold">
+                                        <p:cTn id="12" dur="1" fill="hold">
                                           <p:stCondLst>
                                             <p:cond delay="0"/>
                                           </p:stCondLst>
@@ -52987,26 +53093,8 @@
                                   </p:childTnLst>
                                 </p:cTn>
                               </p:par>
-                            </p:childTnLst>
-                          </p:cTn>
-                        </p:par>
-                      </p:childTnLst>
-                    </p:cTn>
-                  </p:par>
-                  <p:par>
-                    <p:cTn id="11" fill="hold">
-                      <p:stCondLst>
-                        <p:cond delay="indefinite"/>
-                      </p:stCondLst>
-                      <p:childTnLst>
-                        <p:par>
-                          <p:cTn id="12" fill="hold">
-                            <p:stCondLst>
-                              <p:cond delay="0"/>
-                            </p:stCondLst>
-                            <p:childTnLst>
                               <p:par>
-                                <p:cTn id="13" presetID="1" presetClass="entr" presetSubtype="0" fill="hold" grpId="0" nodeType="clickEffect">
+                                <p:cTn id="13" presetID="1" presetClass="entr" presetSubtype="0" fill="hold" grpId="0" nodeType="withEffect">
                                   <p:stCondLst>
                                     <p:cond delay="0"/>
                                   </p:stCondLst>
@@ -53098,15 +53186,33 @@
                                   </p:childTnLst>
                                 </p:cTn>
                               </p:par>
+                            </p:childTnLst>
+                          </p:cTn>
+                        </p:par>
+                      </p:childTnLst>
+                    </p:cTn>
+                  </p:par>
+                  <p:par>
+                    <p:cTn id="19" fill="hold">
+                      <p:stCondLst>
+                        <p:cond delay="indefinite"/>
+                      </p:stCondLst>
+                      <p:childTnLst>
+                        <p:par>
+                          <p:cTn id="20" fill="hold">
+                            <p:stCondLst>
+                              <p:cond delay="0"/>
+                            </p:stCondLst>
+                            <p:childTnLst>
                               <p:par>
-                                <p:cTn id="19" presetID="1" presetClass="entr" presetSubtype="0" fill="hold" grpId="0" nodeType="withEffect">
+                                <p:cTn id="21" presetID="1" presetClass="entr" presetSubtype="0" fill="hold" grpId="0" nodeType="clickEffect">
                                   <p:stCondLst>
                                     <p:cond delay="0"/>
                                   </p:stCondLst>
                                   <p:childTnLst>
                                     <p:set>
                                       <p:cBhvr>
-                                        <p:cTn id="20" dur="1" fill="hold">
+                                        <p:cTn id="22" dur="1" fill="hold">
                                           <p:stCondLst>
                                             <p:cond delay="0"/>
                                           </p:stCondLst>
@@ -53129,26 +53235,8 @@
                                   </p:childTnLst>
                                 </p:cTn>
                               </p:par>
-                            </p:childTnLst>
-                          </p:cTn>
-                        </p:par>
-                      </p:childTnLst>
-                    </p:cTn>
-                  </p:par>
-                  <p:par>
-                    <p:cTn id="21" fill="hold">
-                      <p:stCondLst>
-                        <p:cond delay="indefinite"/>
-                      </p:stCondLst>
-                      <p:childTnLst>
-                        <p:par>
-                          <p:cTn id="22" fill="hold">
-                            <p:stCondLst>
-                              <p:cond delay="0"/>
-                            </p:stCondLst>
-                            <p:childTnLst>
                               <p:par>
-                                <p:cTn id="23" presetID="1" presetClass="entr" presetSubtype="0" fill="hold" grpId="0" nodeType="clickEffect">
+                                <p:cTn id="23" presetID="1" presetClass="entr" presetSubtype="0" fill="hold" grpId="0" nodeType="withEffect">
                                   <p:stCondLst>
                                     <p:cond delay="0"/>
                                   </p:stCondLst>
@@ -53195,86 +53283,6 @@
                                           <p:spTgt spid="3">
                                             <p:txEl>
                                               <p:pRg st="8" end="8"/>
-                                            </p:txEl>
-                                          </p:spTgt>
-                                        </p:tgtEl>
-                                        <p:attrNameLst>
-                                          <p:attrName>style.visibility</p:attrName>
-                                        </p:attrNameLst>
-                                      </p:cBhvr>
-                                      <p:to>
-                                        <p:strVal val="visible"/>
-                                      </p:to>
-                                    </p:set>
-                                  </p:childTnLst>
-                                </p:cTn>
-                              </p:par>
-                            </p:childTnLst>
-                          </p:cTn>
-                        </p:par>
-                      </p:childTnLst>
-                    </p:cTn>
-                  </p:par>
-                  <p:par>
-                    <p:cTn id="27" fill="hold">
-                      <p:stCondLst>
-                        <p:cond delay="indefinite"/>
-                      </p:stCondLst>
-                      <p:childTnLst>
-                        <p:par>
-                          <p:cTn id="28" fill="hold">
-                            <p:stCondLst>
-                              <p:cond delay="0"/>
-                            </p:stCondLst>
-                            <p:childTnLst>
-                              <p:par>
-                                <p:cTn id="29" presetID="1" presetClass="entr" presetSubtype="0" fill="hold" grpId="0" nodeType="clickEffect">
-                                  <p:stCondLst>
-                                    <p:cond delay="0"/>
-                                  </p:stCondLst>
-                                  <p:childTnLst>
-                                    <p:set>
-                                      <p:cBhvr>
-                                        <p:cTn id="30" dur="1" fill="hold">
-                                          <p:stCondLst>
-                                            <p:cond delay="0"/>
-                                          </p:stCondLst>
-                                        </p:cTn>
-                                        <p:tgtEl>
-                                          <p:spTgt spid="3">
-                                            <p:txEl>
-                                              <p:pRg st="9" end="9"/>
-                                            </p:txEl>
-                                          </p:spTgt>
-                                        </p:tgtEl>
-                                        <p:attrNameLst>
-                                          <p:attrName>style.visibility</p:attrName>
-                                        </p:attrNameLst>
-                                      </p:cBhvr>
-                                      <p:to>
-                                        <p:strVal val="visible"/>
-                                      </p:to>
-                                    </p:set>
-                                  </p:childTnLst>
-                                </p:cTn>
-                              </p:par>
-                              <p:par>
-                                <p:cTn id="31" presetID="1" presetClass="entr" presetSubtype="0" fill="hold" grpId="0" nodeType="withEffect">
-                                  <p:stCondLst>
-                                    <p:cond delay="0"/>
-                                  </p:stCondLst>
-                                  <p:childTnLst>
-                                    <p:set>
-                                      <p:cBhvr>
-                                        <p:cTn id="32" dur="1" fill="hold">
-                                          <p:stCondLst>
-                                            <p:cond delay="0"/>
-                                          </p:stCondLst>
-                                        </p:cTn>
-                                        <p:tgtEl>
-                                          <p:spTgt spid="3">
-                                            <p:txEl>
-                                              <p:pRg st="10" end="10"/>
                                             </p:txEl>
                                           </p:spTgt>
                                         </p:tgtEl>
@@ -53530,20 +53538,12 @@
           <a:p>
             <a:pPr algn="l"/>
             <a:r>
-              <a:rPr lang="sk-SK" sz="6000" dirty="0">
-                <a:solidFill>
-                  <a:srgbClr val="FFFFFF"/>
-                </a:solidFill>
-              </a:rPr>
-              <a:t>Práce s </a:t>
-            </a:r>
-            <a:r>
               <a:rPr lang="sk-SK" sz="6000" dirty="0" err="1">
                 <a:solidFill>
                   <a:srgbClr val="FFFFFF"/>
                 </a:solidFill>
               </a:rPr>
-              <a:t>telefonem</a:t>
+              <a:t>debuggování</a:t>
             </a:r>
             <a:endParaRPr lang="en-US" sz="6000" dirty="0">
               <a:solidFill>
@@ -53556,7 +53556,7 @@
     </p:spTree>
     <p:extLst>
       <p:ext uri="{BB962C8B-B14F-4D97-AF65-F5344CB8AC3E}">
-        <p14:creationId xmlns:p14="http://schemas.microsoft.com/office/powerpoint/2010/main" val="889197125"/>
+        <p14:creationId xmlns:p14="http://schemas.microsoft.com/office/powerpoint/2010/main" val="2620531651"/>
       </p:ext>
     </p:extLst>
   </p:cSld>
